--- a/ToegepasteAnalogeElektronica/PowerPoint/Klasse-D.pptx
+++ b/ToegepasteAnalogeElektronica/PowerPoint/Klasse-D.pptx
@@ -6031,7 +6031,7 @@
               </a:lnSpc>
               <a:defRPr>
                 <a:solidFill>
-                  <a:srgbClr val="010101"/>
+                  <a:srgbClr val="FFFFFF"/>
                 </a:solidFill>
               </a:defRPr>
             </a:pPr>
@@ -6052,7 +6052,7 @@
               </a:lnSpc>
               <a:defRPr>
                 <a:solidFill>
-                  <a:srgbClr val="010101"/>
+                  <a:srgbClr val="FFFFFF"/>
                 </a:solidFill>
               </a:defRPr>
             </a:pPr>
@@ -6073,7 +6073,7 @@
               </a:lnSpc>
               <a:defRPr>
                 <a:solidFill>
-                  <a:srgbClr val="010101"/>
+                  <a:srgbClr val="FFFFFF"/>
                 </a:solidFill>
               </a:defRPr>
             </a:pPr>
@@ -6094,7 +6094,7 @@
               </a:lnSpc>
               <a:defRPr>
                 <a:solidFill>
-                  <a:srgbClr val="010101"/>
+                  <a:srgbClr val="FFFFFF"/>
                 </a:solidFill>
               </a:defRPr>
             </a:pPr>
@@ -6115,7 +6115,7 @@
               </a:lnSpc>
               <a:defRPr>
                 <a:solidFill>
-                  <a:srgbClr val="010101"/>
+                  <a:srgbClr val="FFFFFF"/>
                 </a:solidFill>
               </a:defRPr>
             </a:pPr>
@@ -6136,7 +6136,7 @@
               </a:lnSpc>
               <a:defRPr>
                 <a:solidFill>
-                  <a:srgbClr val="010101"/>
+                  <a:srgbClr val="FFFFFF"/>
                 </a:solidFill>
               </a:defRPr>
             </a:pPr>
@@ -6157,7 +6157,7 @@
               </a:lnSpc>
               <a:defRPr>
                 <a:solidFill>
-                  <a:srgbClr val="010101"/>
+                  <a:srgbClr val="FFFFFF"/>
                 </a:solidFill>
               </a:defRPr>
             </a:pPr>
@@ -6178,7 +6178,7 @@
               </a:lnSpc>
               <a:defRPr>
                 <a:solidFill>
-                  <a:srgbClr val="010101"/>
+                  <a:srgbClr val="FFFFFF"/>
                 </a:solidFill>
               </a:defRPr>
             </a:pPr>
@@ -6199,7 +6199,7 @@
               </a:lnSpc>
               <a:defRPr>
                 <a:solidFill>
-                  <a:srgbClr val="010101"/>
+                  <a:srgbClr val="FFFFFF"/>
                 </a:solidFill>
               </a:defRPr>
             </a:pPr>
@@ -6220,7 +6220,7 @@
               </a:lnSpc>
               <a:defRPr>
                 <a:solidFill>
-                  <a:srgbClr val="010101"/>
+                  <a:srgbClr val="FFFFFF"/>
                 </a:solidFill>
               </a:defRPr>
             </a:pPr>
@@ -6241,7 +6241,7 @@
               </a:lnSpc>
               <a:defRPr>
                 <a:solidFill>
-                  <a:srgbClr val="010101"/>
+                  <a:srgbClr val="FFFFFF"/>
                 </a:solidFill>
               </a:defRPr>
             </a:pPr>
@@ -6262,7 +6262,7 @@
               </a:lnSpc>
               <a:defRPr>
                 <a:solidFill>
-                  <a:srgbClr val="010101"/>
+                  <a:srgbClr val="FFFFFF"/>
                 </a:solidFill>
               </a:defRPr>
             </a:pPr>
@@ -6283,7 +6283,7 @@
               </a:lnSpc>
               <a:defRPr>
                 <a:solidFill>
-                  <a:srgbClr val="010101"/>
+                  <a:srgbClr val="FFFFFF"/>
                 </a:solidFill>
               </a:defRPr>
             </a:pPr>
@@ -6304,7 +6304,7 @@
               </a:lnSpc>
               <a:defRPr>
                 <a:solidFill>
-                  <a:srgbClr val="010101"/>
+                  <a:srgbClr val="FFFFFF"/>
                 </a:solidFill>
               </a:defRPr>
             </a:pPr>
@@ -7349,7 +7349,7 @@
               </a:lnSpc>
               <a:defRPr>
                 <a:solidFill>
-                  <a:srgbClr val="010101"/>
+                  <a:srgbClr val="FFFFFF"/>
                 </a:solidFill>
               </a:defRPr>
             </a:pPr>
@@ -7370,7 +7370,7 @@
               </a:lnSpc>
               <a:defRPr>
                 <a:solidFill>
-                  <a:srgbClr val="010101"/>
+                  <a:srgbClr val="FFFFFF"/>
                 </a:solidFill>
               </a:defRPr>
             </a:pPr>
@@ -7391,7 +7391,7 @@
               </a:lnSpc>
               <a:defRPr>
                 <a:solidFill>
-                  <a:srgbClr val="010101"/>
+                  <a:srgbClr val="FFFFFF"/>
                 </a:solidFill>
               </a:defRPr>
             </a:pPr>
@@ -7412,7 +7412,7 @@
               </a:lnSpc>
               <a:defRPr>
                 <a:solidFill>
-                  <a:srgbClr val="010101"/>
+                  <a:srgbClr val="FFFFFF"/>
                 </a:solidFill>
               </a:defRPr>
             </a:pPr>
@@ -7433,7 +7433,7 @@
               </a:lnSpc>
               <a:defRPr>
                 <a:solidFill>
-                  <a:srgbClr val="010101"/>
+                  <a:srgbClr val="FFFFFF"/>
                 </a:solidFill>
               </a:defRPr>
             </a:pPr>
@@ -7454,7 +7454,7 @@
               </a:lnSpc>
               <a:defRPr>
                 <a:solidFill>
-                  <a:srgbClr val="010101"/>
+                  <a:srgbClr val="FFFFFF"/>
                 </a:solidFill>
               </a:defRPr>
             </a:pPr>
@@ -7475,7 +7475,7 @@
               </a:lnSpc>
               <a:defRPr>
                 <a:solidFill>
-                  <a:srgbClr val="010101"/>
+                  <a:srgbClr val="FFFFFF"/>
                 </a:solidFill>
               </a:defRPr>
             </a:pPr>
@@ -7496,7 +7496,7 @@
               </a:lnSpc>
               <a:defRPr>
                 <a:solidFill>
-                  <a:srgbClr val="010101"/>
+                  <a:srgbClr val="FFFFFF"/>
                 </a:solidFill>
               </a:defRPr>
             </a:pPr>
@@ -7517,7 +7517,7 @@
               </a:lnSpc>
               <a:defRPr>
                 <a:solidFill>
-                  <a:srgbClr val="010101"/>
+                  <a:srgbClr val="FFFFFF"/>
                 </a:solidFill>
               </a:defRPr>
             </a:pPr>
@@ -7538,7 +7538,7 @@
               </a:lnSpc>
               <a:defRPr>
                 <a:solidFill>
-                  <a:srgbClr val="010101"/>
+                  <a:srgbClr val="FFFFFF"/>
                 </a:solidFill>
               </a:defRPr>
             </a:pPr>
@@ -7559,7 +7559,7 @@
               </a:lnSpc>
               <a:defRPr>
                 <a:solidFill>
-                  <a:srgbClr val="010101"/>
+                  <a:srgbClr val="FFFFFF"/>
                 </a:solidFill>
               </a:defRPr>
             </a:pPr>

--- a/ToegepasteAnalogeElektronica/PowerPoint/Klasse-D.pptx
+++ b/ToegepasteAnalogeElektronica/PowerPoint/Klasse-D.pptx
@@ -699,7 +699,7 @@
           <a:p>
             <a:fld id="{8F591CCF-F6FD-734B-854A-5BC033593B1E}" type="datetimeFigureOut">
               <a:rPr lang="nl-NL" smtClean="0"/>
-              <a:t>20-9-2025</a:t>
+              <a:t>21-9-2025</a:t>
             </a:fld>
             <a:endParaRPr lang="nl-NL"/>
           </a:p>
@@ -864,7 +864,7 @@
           <a:p>
             <a:fld id="{23C66214-DB21-4647-B5DA-0D17CA592867}" type="datetimeFigureOut">
               <a:rPr lang="nl-NL" smtClean="0"/>
-              <a:t>20-9-2025</a:t>
+              <a:t>21-9-2025</a:t>
             </a:fld>
             <a:endParaRPr lang="nl-NL"/>
           </a:p>
@@ -1475,7 +1475,7 @@
           <a:p>
             <a:fld id="{D15822B7-9EF6-9542-AF10-CD505E021A84}" type="datetime1">
               <a:rPr lang="nl-BE" smtClean="0"/>
-              <a:t>20/09/2025</a:t>
+              <a:t>21/09/2025</a:t>
             </a:fld>
             <a:endParaRPr lang="nl-NL"/>
           </a:p>
@@ -1725,7 +1725,7 @@
           <a:p>
             <a:fld id="{D15822B7-9EF6-9542-AF10-CD505E021A84}" type="datetime1">
               <a:rPr lang="nl-BE" smtClean="0"/>
-              <a:t>20/09/2025</a:t>
+              <a:t>21/09/2025</a:t>
             </a:fld>
             <a:endParaRPr lang="nl-NL"/>
           </a:p>
@@ -2008,7 +2008,7 @@
           <a:p>
             <a:fld id="{F52CA13D-CC20-034F-8D4D-5C3038626ED9}" type="datetime1">
               <a:rPr lang="nl-BE" smtClean="0"/>
-              <a:t>20/09/2025</a:t>
+              <a:t>21/09/2025</a:t>
             </a:fld>
             <a:endParaRPr lang="nl-NL"/>
           </a:p>
@@ -2288,8 +2288,8 @@
         </p:nvSpPr>
         <p:spPr>
           <a:xfrm>
-            <a:off x="576000" y="2232000"/>
-            <a:ext cx="11006400" cy="3820646"/>
+            <a:off x="576000" y="800401"/>
+            <a:ext cx="11006400" cy="5252245"/>
           </a:xfrm>
         </p:spPr>
         <p:txBody>
@@ -2360,7 +2360,7 @@
           <a:p>
             <a:fld id="{F52CA13D-CC20-034F-8D4D-5C3038626ED9}" type="datetime1">
               <a:rPr lang="nl-BE" smtClean="0"/>
-              <a:t>20/09/2025</a:t>
+              <a:t>21/09/2025</a:t>
             </a:fld>
             <a:endParaRPr lang="nl-NL"/>
           </a:p>
@@ -2478,7 +2478,7 @@
         </p:nvSpPr>
         <p:spPr>
           <a:xfrm>
-            <a:off x="576000" y="576001"/>
+            <a:off x="576000" y="4501"/>
             <a:ext cx="11041200" cy="648000"/>
           </a:xfrm>
         </p:spPr>
@@ -2538,8 +2538,8 @@
         </p:nvGrpSpPr>
         <p:grpSpPr>
           <a:xfrm>
-            <a:off x="125506" y="1312858"/>
-            <a:ext cx="11821095" cy="4739788"/>
+            <a:off x="125506" y="731855"/>
+            <a:ext cx="11821095" cy="5320791"/>
             <a:chOff x="0" y="-241102"/>
             <a:chExt cx="23088432" cy="12605757"/>
           </a:xfrm>
@@ -3484,8 +3484,8 @@
         </p:nvSpPr>
         <p:spPr>
           <a:xfrm>
-            <a:off x="245399" y="1810310"/>
-            <a:ext cx="11605942" cy="4175637"/>
+            <a:off x="245399" y="1280788"/>
+            <a:ext cx="11605942" cy="4705159"/>
           </a:xfrm>
           <a:noFill/>
         </p:spPr>
@@ -3593,7 +3593,7 @@
           <a:p>
             <a:fld id="{F52CA13D-CC20-034F-8D4D-5C3038626ED9}" type="datetime1">
               <a:rPr lang="nl-BE" smtClean="0"/>
-              <a:t>20/09/2025</a:t>
+              <a:t>21/09/2025</a:t>
             </a:fld>
             <a:endParaRPr lang="nl-NL"/>
           </a:p>
@@ -3711,7 +3711,7 @@
         </p:nvSpPr>
         <p:spPr>
           <a:xfrm>
-            <a:off x="576000" y="576000"/>
+            <a:off x="576000" y="4500"/>
             <a:ext cx="11041200" cy="579455"/>
           </a:xfrm>
         </p:spPr>
@@ -3814,7 +3814,7 @@
           <a:p>
             <a:fld id="{F52CA13D-CC20-034F-8D4D-5C3038626ED9}" type="datetime1">
               <a:rPr lang="nl-BE" smtClean="0"/>
-              <a:t>20/09/2025</a:t>
+              <a:t>21/09/2025</a:t>
             </a:fld>
             <a:endParaRPr lang="nl-NL"/>
           </a:p>
@@ -3932,7 +3932,7 @@
         </p:nvSpPr>
         <p:spPr>
           <a:xfrm>
-            <a:off x="576000" y="576001"/>
+            <a:off x="576000" y="4501"/>
             <a:ext cx="11041200" cy="648000"/>
           </a:xfrm>
         </p:spPr>
@@ -4025,8 +4025,8 @@
         </p:nvSpPr>
         <p:spPr>
           <a:xfrm>
-            <a:off x="576000" y="1688400"/>
-            <a:ext cx="11006400" cy="4364246"/>
+            <a:off x="576000" y="811831"/>
+            <a:ext cx="11006400" cy="5240815"/>
           </a:xfrm>
         </p:spPr>
         <p:txBody>
@@ -4105,7 +4105,7 @@
           <a:p>
             <a:fld id="{F52CA13D-CC20-034F-8D4D-5C3038626ED9}" type="datetime1">
               <a:rPr lang="nl-BE" smtClean="0"/>
-              <a:t>20/09/2025</a:t>
+              <a:t>21/09/2025</a:t>
             </a:fld>
             <a:endParaRPr lang="nl-NL"/>
           </a:p>
@@ -4223,7 +4223,7 @@
         </p:nvSpPr>
         <p:spPr>
           <a:xfrm>
-            <a:off x="576000" y="576000"/>
+            <a:off x="576000" y="15930"/>
             <a:ext cx="11041200" cy="648001"/>
           </a:xfrm>
         </p:spPr>
@@ -4232,10 +4232,10 @@
           <a:lstStyle/>
           <a:p>
             <a:r>
-              <a:rPr lang="en-US"/>
+              <a:rPr lang="en-US" dirty="0"/>
               <a:t>Click to edit Master title style</a:t>
             </a:r>
-            <a:endParaRPr lang="en-GB"/>
+            <a:endParaRPr lang="en-GB" dirty="0"/>
           </a:p>
         </p:txBody>
       </p:sp>
@@ -4287,8 +4287,8 @@
         </p:nvSpPr>
         <p:spPr>
           <a:xfrm>
-            <a:off x="576000" y="1531620"/>
-            <a:ext cx="11006400" cy="4521026"/>
+            <a:off x="576000" y="868680"/>
+            <a:ext cx="11006400" cy="5183966"/>
           </a:xfrm>
         </p:spPr>
         <p:txBody>
@@ -4359,7 +4359,7 @@
           <a:p>
             <a:fld id="{F52CA13D-CC20-034F-8D4D-5C3038626ED9}" type="datetime1">
               <a:rPr lang="nl-BE" smtClean="0"/>
-              <a:t>20/09/2025</a:t>
+              <a:t>21/09/2025</a:t>
             </a:fld>
             <a:endParaRPr lang="nl-NL"/>
           </a:p>
@@ -4477,7 +4477,7 @@
         </p:nvSpPr>
         <p:spPr>
           <a:xfrm>
-            <a:off x="576000" y="576001"/>
+            <a:off x="576000" y="15931"/>
             <a:ext cx="11041200" cy="650366"/>
           </a:xfrm>
         </p:spPr>
@@ -4572,7 +4572,7 @@
           <a:p>
             <a:fld id="{D15822B7-9EF6-9542-AF10-CD505E021A84}" type="datetime1">
               <a:rPr lang="nl-BE" smtClean="0"/>
-              <a:t>20/09/2025</a:t>
+              <a:t>21/09/2025</a:t>
             </a:fld>
             <a:endParaRPr lang="nl-NL"/>
           </a:p>
@@ -4638,8 +4638,8 @@
         </p:nvSpPr>
         <p:spPr>
           <a:xfrm>
-            <a:off x="576000" y="2232000"/>
-            <a:ext cx="11006402" cy="3820646"/>
+            <a:off x="576000" y="708660"/>
+            <a:ext cx="11006402" cy="5343986"/>
           </a:xfrm>
         </p:spPr>
         <p:txBody>
@@ -4700,7 +4700,7 @@
         </p:nvSpPr>
         <p:spPr>
           <a:xfrm>
-            <a:off x="576000" y="576001"/>
+            <a:off x="576000" y="15931"/>
             <a:ext cx="11041200" cy="578430"/>
           </a:xfrm>
         </p:spPr>
@@ -4709,10 +4709,10 @@
           <a:lstStyle/>
           <a:p>
             <a:r>
-              <a:rPr lang="en-US"/>
+              <a:rPr lang="en-US" dirty="0"/>
               <a:t>Click to edit Master title style</a:t>
             </a:r>
-            <a:endParaRPr lang="en-GB"/>
+            <a:endParaRPr lang="en-GB" dirty="0"/>
           </a:p>
         </p:txBody>
       </p:sp>
@@ -4763,7 +4763,7 @@
           <a:p>
             <a:fld id="{D15822B7-9EF6-9542-AF10-CD505E021A84}" type="datetime1">
               <a:rPr lang="nl-BE" smtClean="0"/>
-              <a:t>20/09/2025</a:t>
+              <a:t>21/09/2025</a:t>
             </a:fld>
             <a:endParaRPr lang="nl-NL"/>
           </a:p>
@@ -4829,8 +4829,8 @@
         </p:nvSpPr>
         <p:spPr>
           <a:xfrm>
-            <a:off x="576000" y="2232000"/>
-            <a:ext cx="11006402" cy="3820646"/>
+            <a:off x="576000" y="765810"/>
+            <a:ext cx="11006402" cy="5286836"/>
           </a:xfrm>
         </p:spPr>
         <p:txBody>
@@ -4891,7 +4891,7 @@
         </p:nvSpPr>
         <p:spPr>
           <a:xfrm>
-            <a:off x="576000" y="576001"/>
+            <a:off x="576000" y="0"/>
             <a:ext cx="11041200" cy="647010"/>
           </a:xfrm>
         </p:spPr>
@@ -5121,7 +5121,7 @@
           <a:p>
             <a:fld id="{0C33DDE8-63FF-C642-9F3A-0B773DD34821}" type="datetime1">
               <a:rPr lang="nl-BE" smtClean="0"/>
-              <a:t>20/09/2025</a:t>
+              <a:t>21/09/2025</a:t>
             </a:fld>
             <a:endParaRPr lang="nl-NL"/>
           </a:p>
@@ -6027,7 +6027,7 @@
           <a:p>
             <a:pPr>
               <a:lnSpc>
-                <a:spcPts val="1800"/>
+                <a:spcPts val="2400"/>
               </a:lnSpc>
               <a:defRPr>
                 <a:solidFill>
@@ -6036,19 +6036,19 @@
               </a:defRPr>
             </a:pPr>
             <a:r>
-              <a:rPr sz="3000" b="0" i="0">
+              <a:rPr sz="2400" b="0" i="0">
                 <a:latin typeface="Courier"/>
               </a:rPr>
               <a:t>* Class D amp 1</a:t>
             </a:r>
-            <a:endParaRPr sz="3000" b="0" i="0">
+            <a:endParaRPr sz="2400" b="0" i="0">
               <a:latin typeface="Courier"/>
             </a:endParaRPr>
           </a:p>
           <a:p>
             <a:pPr>
               <a:lnSpc>
-                <a:spcPts val="1800"/>
+                <a:spcPts val="2400"/>
               </a:lnSpc>
               <a:defRPr>
                 <a:solidFill>
@@ -6057,19 +6057,19 @@
               </a:defRPr>
             </a:pPr>
             <a:r>
-              <a:rPr sz="3000" b="0" i="0">
+              <a:rPr sz="2400" b="0" i="0">
                 <a:latin typeface="Courier"/>
               </a:rPr>
               <a:t>Q_Q1         3 1 2 Q2</a:t>
             </a:r>
-            <a:endParaRPr sz="3000" b="0" i="0">
+            <a:endParaRPr sz="2400" b="0" i="0">
               <a:latin typeface="Courier"/>
             </a:endParaRPr>
           </a:p>
           <a:p>
             <a:pPr>
               <a:lnSpc>
-                <a:spcPts val="1800"/>
+                <a:spcPts val="2400"/>
               </a:lnSpc>
               <a:defRPr>
                 <a:solidFill>
@@ -6078,19 +6078,19 @@
               </a:defRPr>
             </a:pPr>
             <a:r>
-              <a:rPr sz="3000" b="0" i="0">
+              <a:rPr sz="2400" b="0" i="0">
                 <a:latin typeface="Courier"/>
               </a:rPr>
               <a:t>Q_Qp         0 1 2 Qp</a:t>
             </a:r>
-            <a:endParaRPr sz="3000" b="0" i="0">
+            <a:endParaRPr sz="2400" b="0" i="0">
               <a:latin typeface="Courier"/>
             </a:endParaRPr>
           </a:p>
           <a:p>
             <a:pPr>
               <a:lnSpc>
-                <a:spcPts val="1800"/>
+                <a:spcPts val="2400"/>
               </a:lnSpc>
               <a:defRPr>
                 <a:solidFill>
@@ -6099,19 +6099,19 @@
               </a:defRPr>
             </a:pPr>
             <a:r>
-              <a:rPr sz="3000" b="0" i="0">
+              <a:rPr sz="2400" b="0" i="0">
                 <a:latin typeface="Courier"/>
               </a:rPr>
               <a:t>D_D1         2 3 DD</a:t>
             </a:r>
-            <a:endParaRPr sz="3000" b="0" i="0">
+            <a:endParaRPr sz="2400" b="0" i="0">
               <a:latin typeface="Courier"/>
             </a:endParaRPr>
           </a:p>
           <a:p>
             <a:pPr>
               <a:lnSpc>
-                <a:spcPts val="1800"/>
+                <a:spcPts val="2400"/>
               </a:lnSpc>
               <a:defRPr>
                 <a:solidFill>
@@ -6120,19 +6120,19 @@
               </a:defRPr>
             </a:pPr>
             <a:r>
-              <a:rPr sz="3000" b="0" i="0">
+              <a:rPr sz="2400" b="0" i="0">
                 <a:latin typeface="Courier"/>
               </a:rPr>
               <a:t>D_D2         0 2 DD</a:t>
             </a:r>
-            <a:endParaRPr sz="3000" b="0" i="0">
+            <a:endParaRPr sz="2400" b="0" i="0">
               <a:latin typeface="Courier"/>
             </a:endParaRPr>
           </a:p>
           <a:p>
             <a:pPr>
               <a:lnSpc>
-                <a:spcPts val="1800"/>
+                <a:spcPts val="2400"/>
               </a:lnSpc>
               <a:defRPr>
                 <a:solidFill>
@@ -6141,19 +6141,19 @@
               </a:defRPr>
             </a:pPr>
             <a:r>
-              <a:rPr sz="3000" b="0" i="0">
+              <a:rPr sz="2400" b="0" i="0">
                 <a:latin typeface="Courier"/>
               </a:rPr>
               <a:t>L_L1         5 2 1uH</a:t>
             </a:r>
-            <a:endParaRPr sz="3000" b="0" i="0">
+            <a:endParaRPr sz="2400" b="0" i="0">
               <a:latin typeface="Courier"/>
             </a:endParaRPr>
           </a:p>
           <a:p>
             <a:pPr>
               <a:lnSpc>
-                <a:spcPts val="1800"/>
+                <a:spcPts val="2400"/>
               </a:lnSpc>
               <a:defRPr>
                 <a:solidFill>
@@ -6162,19 +6162,19 @@
               </a:defRPr>
             </a:pPr>
             <a:r>
-              <a:rPr sz="3000" b="0" i="0">
+              <a:rPr sz="2400" b="0" i="0">
                 <a:latin typeface="Courier"/>
               </a:rPr>
               <a:t>C_C1         5 6 10n</a:t>
             </a:r>
-            <a:endParaRPr sz="3000" b="0" i="0">
+            <a:endParaRPr sz="2400" b="0" i="0">
               <a:latin typeface="Courier"/>
             </a:endParaRPr>
           </a:p>
           <a:p>
             <a:pPr>
               <a:lnSpc>
-                <a:spcPts val="1800"/>
+                <a:spcPts val="2400"/>
               </a:lnSpc>
               <a:defRPr>
                 <a:solidFill>
@@ -6183,19 +6183,19 @@
               </a:defRPr>
             </a:pPr>
             <a:r>
-              <a:rPr sz="3000" b="0" i="0">
+              <a:rPr sz="2400" b="0" i="0">
                 <a:latin typeface="Courier"/>
               </a:rPr>
               <a:t>R_RL         6 0 6</a:t>
             </a:r>
-            <a:endParaRPr sz="3000" b="0" i="0">
+            <a:endParaRPr sz="2400" b="0" i="0">
               <a:latin typeface="Courier"/>
             </a:endParaRPr>
           </a:p>
           <a:p>
             <a:pPr>
               <a:lnSpc>
-                <a:spcPts val="1800"/>
+                <a:spcPts val="2400"/>
               </a:lnSpc>
               <a:defRPr>
                 <a:solidFill>
@@ -6204,19 +6204,19 @@
               </a:defRPr>
             </a:pPr>
             <a:r>
-              <a:rPr sz="3000" b="0" i="0">
+              <a:rPr sz="2400" b="0" i="0">
                 <a:latin typeface="Courier"/>
               </a:rPr>
               <a:t>V_Vdd        3 0 20V</a:t>
             </a:r>
-            <a:endParaRPr sz="3000" b="0" i="0">
+            <a:endParaRPr sz="2400" b="0" i="0">
               <a:latin typeface="Courier"/>
             </a:endParaRPr>
           </a:p>
           <a:p>
             <a:pPr>
               <a:lnSpc>
-                <a:spcPts val="1800"/>
+                <a:spcPts val="2400"/>
               </a:lnSpc>
               <a:defRPr>
                 <a:solidFill>
@@ -6225,19 +6225,19 @@
               </a:defRPr>
             </a:pPr>
             <a:r>
-              <a:rPr sz="3000" b="0" i="0">
+              <a:rPr sz="2400" b="0" i="0">
                 <a:latin typeface="Courier"/>
               </a:rPr>
               <a:t>R_Rin        4 1 1</a:t>
             </a:r>
-            <a:endParaRPr sz="3000" b="0" i="0">
+            <a:endParaRPr sz="2400" b="0" i="0">
               <a:latin typeface="Courier"/>
             </a:endParaRPr>
           </a:p>
           <a:p>
             <a:pPr>
               <a:lnSpc>
-                <a:spcPts val="1800"/>
+                <a:spcPts val="2400"/>
               </a:lnSpc>
               <a:defRPr>
                 <a:solidFill>
@@ -6246,19 +6246,19 @@
               </a:defRPr>
             </a:pPr>
             <a:r>
-              <a:rPr sz="3000" b="0" i="0">
+              <a:rPr sz="2400" b="0" i="0">
                 <a:latin typeface="Courier"/>
               </a:rPr>
               <a:t>V_Vin        4 0 PULSE(0 20 0 20ns 20ns 280ns 600ns) DC=0</a:t>
             </a:r>
-            <a:endParaRPr sz="3000" b="0" i="0">
+            <a:endParaRPr sz="2400" b="0" i="0">
               <a:latin typeface="Courier"/>
             </a:endParaRPr>
           </a:p>
           <a:p>
             <a:pPr>
               <a:lnSpc>
-                <a:spcPts val="1800"/>
+                <a:spcPts val="2400"/>
               </a:lnSpc>
               <a:defRPr>
                 <a:solidFill>
@@ -6267,19 +6267,19 @@
               </a:defRPr>
             </a:pPr>
             <a:r>
-              <a:rPr sz="3000" b="0" i="0">
+              <a:rPr sz="2400" b="0" i="0">
                 <a:latin typeface="Courier"/>
               </a:rPr>
               <a:t>.model Q2  NPN(Is=14.34f BF=200)</a:t>
             </a:r>
-            <a:endParaRPr sz="3000" b="0" i="0">
+            <a:endParaRPr sz="2400" b="0" i="0">
               <a:latin typeface="Courier"/>
             </a:endParaRPr>
           </a:p>
           <a:p>
             <a:pPr>
               <a:lnSpc>
-                <a:spcPts val="1800"/>
+                <a:spcPts val="2400"/>
               </a:lnSpc>
               <a:defRPr>
                 <a:solidFill>
@@ -6288,19 +6288,19 @@
               </a:defRPr>
             </a:pPr>
             <a:r>
-              <a:rPr sz="3000" b="0" i="0">
+              <a:rPr sz="2400" b="0" i="0">
                 <a:latin typeface="Courier"/>
               </a:rPr>
               <a:t>.model Qp  PNP(Is=5.34f BF=100)</a:t>
             </a:r>
-            <a:endParaRPr sz="3000" b="0" i="0">
+            <a:endParaRPr sz="2400" b="0" i="0">
               <a:latin typeface="Courier"/>
             </a:endParaRPr>
           </a:p>
           <a:p>
             <a:pPr>
               <a:lnSpc>
-                <a:spcPts val="1800"/>
+                <a:spcPts val="2400"/>
               </a:lnSpc>
               <a:defRPr>
                 <a:solidFill>
@@ -6309,12 +6309,12 @@
               </a:defRPr>
             </a:pPr>
             <a:r>
-              <a:rPr sz="3000" b="0" i="0">
+              <a:rPr sz="2400" b="0" i="0">
                 <a:latin typeface="Courier"/>
               </a:rPr>
               <a:t>.model DD   D( IS=0.0002 RS=0.05 CJO=5e-10 )</a:t>
             </a:r>
-            <a:endParaRPr sz="3000" b="0" i="0">
+            <a:endParaRPr sz="2400" b="0" i="0">
               <a:latin typeface="Courier"/>
             </a:endParaRPr>
           </a:p>
@@ -7345,7 +7345,7 @@
           <a:p>
             <a:pPr>
               <a:lnSpc>
-                <a:spcPts val="1800"/>
+                <a:spcPts val="2400"/>
               </a:lnSpc>
               <a:defRPr>
                 <a:solidFill>
@@ -7354,19 +7354,19 @@
               </a:defRPr>
             </a:pPr>
             <a:r>
-              <a:rPr sz="3000" b="0" i="0">
+              <a:rPr sz="2400" b="0" i="0">
                 <a:latin typeface="Courier"/>
               </a:rPr>
               <a:t>* Class D amp 1</a:t>
             </a:r>
-            <a:endParaRPr sz="3000" b="0" i="0">
+            <a:endParaRPr sz="2400" b="0" i="0">
               <a:latin typeface="Courier"/>
             </a:endParaRPr>
           </a:p>
           <a:p>
             <a:pPr>
               <a:lnSpc>
-                <a:spcPts val="1800"/>
+                <a:spcPts val="2400"/>
               </a:lnSpc>
               <a:defRPr>
                 <a:solidFill>
@@ -7375,19 +7375,19 @@
               </a:defRPr>
             </a:pPr>
             <a:r>
-              <a:rPr sz="3000" b="0" i="0">
+              <a:rPr sz="2400" b="0" i="0">
                 <a:latin typeface="Courier"/>
               </a:rPr>
               <a:t>Q_Q1         3 1 2 Q2</a:t>
             </a:r>
-            <a:endParaRPr sz="3000" b="0" i="0">
+            <a:endParaRPr sz="2400" b="0" i="0">
               <a:latin typeface="Courier"/>
             </a:endParaRPr>
           </a:p>
           <a:p>
             <a:pPr>
               <a:lnSpc>
-                <a:spcPts val="1800"/>
+                <a:spcPts val="2400"/>
               </a:lnSpc>
               <a:defRPr>
                 <a:solidFill>
@@ -7396,19 +7396,19 @@
               </a:defRPr>
             </a:pPr>
             <a:r>
-              <a:rPr sz="3000" b="0" i="0">
+              <a:rPr sz="2400" b="0" i="0">
                 <a:latin typeface="Courier"/>
               </a:rPr>
               <a:t>Q_Qp         0 1 2 Qp</a:t>
             </a:r>
-            <a:endParaRPr sz="3000" b="0" i="0">
+            <a:endParaRPr sz="2400" b="0" i="0">
               <a:latin typeface="Courier"/>
             </a:endParaRPr>
           </a:p>
           <a:p>
             <a:pPr>
               <a:lnSpc>
-                <a:spcPts val="1800"/>
+                <a:spcPts val="2400"/>
               </a:lnSpc>
               <a:defRPr>
                 <a:solidFill>
@@ -7417,19 +7417,19 @@
               </a:defRPr>
             </a:pPr>
             <a:r>
-              <a:rPr sz="3000" b="0" i="0">
+              <a:rPr sz="2400" b="0" i="0">
                 <a:latin typeface="Courier"/>
               </a:rPr>
               <a:t>L_L1         5 2 1uH</a:t>
             </a:r>
-            <a:endParaRPr sz="3000" b="0" i="0">
+            <a:endParaRPr sz="2400" b="0" i="0">
               <a:latin typeface="Courier"/>
             </a:endParaRPr>
           </a:p>
           <a:p>
             <a:pPr>
               <a:lnSpc>
-                <a:spcPts val="1800"/>
+                <a:spcPts val="2400"/>
               </a:lnSpc>
               <a:defRPr>
                 <a:solidFill>
@@ -7438,19 +7438,19 @@
               </a:defRPr>
             </a:pPr>
             <a:r>
-              <a:rPr sz="3000" b="0" i="0">
+              <a:rPr sz="2400" b="0" i="0">
                 <a:latin typeface="Courier"/>
               </a:rPr>
               <a:t>C_C1         5 6 10n</a:t>
             </a:r>
-            <a:endParaRPr sz="3000" b="0" i="0">
+            <a:endParaRPr sz="2400" b="0" i="0">
               <a:latin typeface="Courier"/>
             </a:endParaRPr>
           </a:p>
           <a:p>
             <a:pPr>
               <a:lnSpc>
-                <a:spcPts val="1800"/>
+                <a:spcPts val="2400"/>
               </a:lnSpc>
               <a:defRPr>
                 <a:solidFill>
@@ -7459,19 +7459,19 @@
               </a:defRPr>
             </a:pPr>
             <a:r>
-              <a:rPr sz="3000" b="0" i="0">
+              <a:rPr sz="2400" b="0" i="0">
                 <a:latin typeface="Courier"/>
               </a:rPr>
               <a:t>R_RL         6 0 6</a:t>
             </a:r>
-            <a:endParaRPr sz="3000" b="0" i="0">
+            <a:endParaRPr sz="2400" b="0" i="0">
               <a:latin typeface="Courier"/>
             </a:endParaRPr>
           </a:p>
           <a:p>
             <a:pPr>
               <a:lnSpc>
-                <a:spcPts val="1800"/>
+                <a:spcPts val="2400"/>
               </a:lnSpc>
               <a:defRPr>
                 <a:solidFill>
@@ -7480,19 +7480,19 @@
               </a:defRPr>
             </a:pPr>
             <a:r>
-              <a:rPr sz="3000" b="0" i="0">
+              <a:rPr sz="2400" b="0" i="0">
                 <a:latin typeface="Courier"/>
               </a:rPr>
               <a:t>V_Vdd        3 0 20V</a:t>
             </a:r>
-            <a:endParaRPr sz="3000" b="0" i="0">
+            <a:endParaRPr sz="2400" b="0" i="0">
               <a:latin typeface="Courier"/>
             </a:endParaRPr>
           </a:p>
           <a:p>
             <a:pPr>
               <a:lnSpc>
-                <a:spcPts val="1800"/>
+                <a:spcPts val="2400"/>
               </a:lnSpc>
               <a:defRPr>
                 <a:solidFill>
@@ -7501,19 +7501,19 @@
               </a:defRPr>
             </a:pPr>
             <a:r>
-              <a:rPr sz="3000" b="0" i="0">
+              <a:rPr sz="2400" b="0" i="0">
                 <a:latin typeface="Courier"/>
               </a:rPr>
               <a:t>R_Rin        4 1 1</a:t>
             </a:r>
-            <a:endParaRPr sz="3000" b="0" i="0">
+            <a:endParaRPr sz="2400" b="0" i="0">
               <a:latin typeface="Courier"/>
             </a:endParaRPr>
           </a:p>
           <a:p>
             <a:pPr>
               <a:lnSpc>
-                <a:spcPts val="1800"/>
+                <a:spcPts val="2400"/>
               </a:lnSpc>
               <a:defRPr>
                 <a:solidFill>
@@ -7522,19 +7522,19 @@
               </a:defRPr>
             </a:pPr>
             <a:r>
-              <a:rPr sz="3000" b="0" i="0">
+              <a:rPr sz="2400" b="0" i="0">
                 <a:latin typeface="Courier"/>
               </a:rPr>
               <a:t>V_Vin        4 0 PULSE(0 20 0 20ns 20ns 294ns 628ns) DC=0</a:t>
             </a:r>
-            <a:endParaRPr sz="3000" b="0" i="0">
+            <a:endParaRPr sz="2400" b="0" i="0">
               <a:latin typeface="Courier"/>
             </a:endParaRPr>
           </a:p>
           <a:p>
             <a:pPr>
               <a:lnSpc>
-                <a:spcPts val="1800"/>
+                <a:spcPts val="2400"/>
               </a:lnSpc>
               <a:defRPr>
                 <a:solidFill>
@@ -7543,19 +7543,19 @@
               </a:defRPr>
             </a:pPr>
             <a:r>
-              <a:rPr sz="3000" b="0" i="0">
+              <a:rPr sz="2400" b="0" i="0">
                 <a:latin typeface="Courier"/>
               </a:rPr>
               <a:t>.model Q2  NPN(Is=14.34f BF=200)</a:t>
             </a:r>
-            <a:endParaRPr sz="3000" b="0" i="0">
+            <a:endParaRPr sz="2400" b="0" i="0">
               <a:latin typeface="Courier"/>
             </a:endParaRPr>
           </a:p>
           <a:p>
             <a:pPr>
               <a:lnSpc>
-                <a:spcPts val="1800"/>
+                <a:spcPts val="2400"/>
               </a:lnSpc>
               <a:defRPr>
                 <a:solidFill>
@@ -7564,12 +7564,12 @@
               </a:defRPr>
             </a:pPr>
             <a:r>
-              <a:rPr sz="3000" b="0" i="0">
+              <a:rPr sz="2400" b="0" i="0">
                 <a:latin typeface="Courier"/>
               </a:rPr>
               <a:t>.model Qp  PNP(Is=5.34f BF=100)</a:t>
             </a:r>
-            <a:endParaRPr sz="3000" b="0" i="0">
+            <a:endParaRPr sz="2400" b="0" i="0">
               <a:latin typeface="Courier"/>
             </a:endParaRPr>
           </a:p>
@@ -8697,6 +8697,26 @@
 </file>
 
 <file path=customXml/item1.xml><?xml version="1.0" encoding="utf-8"?>
+<p:properties xmlns:p="http://schemas.microsoft.com/office/2006/metadata/properties" xmlns:xsi="http://www.w3.org/2001/XMLSchema-instance" xmlns:pc="http://schemas.microsoft.com/office/infopath/2007/PartnerControls">
+  <documentManagement>
+    <lcf76f155ced4ddcb4097134ff3c332f xmlns="81d41a3b-f33d-4db6-b532-757106a7a2ae">
+      <Terms xmlns="http://schemas.microsoft.com/office/infopath/2007/PartnerControls"/>
+    </lcf76f155ced4ddcb4097134ff3c332f>
+    <TaxCatchAll xmlns="bf25a9bf-a811-4965-9d0a-b88059080fed" xsi:nil="true"/>
+  </documentManagement>
+</p:properties>
+</file>
+
+<file path=customXml/item2.xml><?xml version="1.0" encoding="utf-8"?>
+<?mso-contentType ?>
+<FormTemplates xmlns="http://schemas.microsoft.com/sharepoint/v3/contenttype/forms">
+  <Display>DocumentLibraryForm</Display>
+  <Edit>DocumentLibraryForm</Edit>
+  <New>DocumentLibraryForm</New>
+</FormTemplates>
+</file>
+
+<file path=customXml/item3.xml><?xml version="1.0" encoding="utf-8"?>
 <ct:contentTypeSchema xmlns:ct="http://schemas.microsoft.com/office/2006/metadata/contentType" xmlns:ma="http://schemas.microsoft.com/office/2006/metadata/properties/metaAttributes" ct:_="" ma:_="" ma:contentTypeName="Document" ma:contentTypeID="0x010100B8C495A181F81B4C9DE5AD85CD0F70D4" ma:contentTypeVersion="18" ma:contentTypeDescription="Een nieuw document maken." ma:contentTypeScope="" ma:versionID="6ba28a59cba4a02a693681f32745d77b">
   <xsd:schema xmlns:xsd="http://www.w3.org/2001/XMLSchema" xmlns:xs="http://www.w3.org/2001/XMLSchema" xmlns:p="http://schemas.microsoft.com/office/2006/metadata/properties" xmlns:ns2="81d41a3b-f33d-4db6-b532-757106a7a2ae" xmlns:ns3="bf25a9bf-a811-4965-9d0a-b88059080fed" targetNamespace="http://schemas.microsoft.com/office/2006/metadata/properties" ma:root="true" ma:fieldsID="b996b4a4c0d83f5cfec71b22aba921d2" ns2:_="" ns3:_="">
     <xsd:import namespace="81d41a3b-f33d-4db6-b532-757106a7a2ae"/>
@@ -8951,27 +8971,32 @@
 </ct:contentTypeSchema>
 </file>
 
-<file path=customXml/item2.xml><?xml version="1.0" encoding="utf-8"?>
-<?mso-contentType ?>
-<FormTemplates xmlns="http://schemas.microsoft.com/sharepoint/v3/contenttype/forms">
-  <Display>DocumentLibraryForm</Display>
-  <Edit>DocumentLibraryForm</Edit>
-  <New>DocumentLibraryForm</New>
-</FormTemplates>
+<file path=customXml/itemProps1.xml><?xml version="1.0" encoding="utf-8"?>
+<ds:datastoreItem xmlns:ds="http://schemas.openxmlformats.org/officeDocument/2006/customXml" ds:itemID="{5EE9034D-0B43-4AB0-9535-9A62DB37A999}">
+  <ds:schemaRefs>
+    <ds:schemaRef ds:uri="http://www.w3.org/XML/1998/namespace"/>
+    <ds:schemaRef ds:uri="81d41a3b-f33d-4db6-b532-757106a7a2ae"/>
+    <ds:schemaRef ds:uri="http://purl.org/dc/dcmitype/"/>
+    <ds:schemaRef ds:uri="http://purl.org/dc/elements/1.1/"/>
+    <ds:schemaRef ds:uri="http://schemas.microsoft.com/office/2006/documentManagement/types"/>
+    <ds:schemaRef ds:uri="bf25a9bf-a811-4965-9d0a-b88059080fed"/>
+    <ds:schemaRef ds:uri="http://purl.org/dc/terms/"/>
+    <ds:schemaRef ds:uri="http://schemas.microsoft.com/office/infopath/2007/PartnerControls"/>
+    <ds:schemaRef ds:uri="http://schemas.openxmlformats.org/package/2006/metadata/core-properties"/>
+    <ds:schemaRef ds:uri="http://schemas.microsoft.com/office/2006/metadata/properties"/>
+  </ds:schemaRefs>
+</ds:datastoreItem>
 </file>
 
-<file path=customXml/item3.xml><?xml version="1.0" encoding="utf-8"?>
-<p:properties xmlns:p="http://schemas.microsoft.com/office/2006/metadata/properties" xmlns:xsi="http://www.w3.org/2001/XMLSchema-instance" xmlns:pc="http://schemas.microsoft.com/office/infopath/2007/PartnerControls">
-  <documentManagement>
-    <lcf76f155ced4ddcb4097134ff3c332f xmlns="81d41a3b-f33d-4db6-b532-757106a7a2ae">
-      <Terms xmlns="http://schemas.microsoft.com/office/infopath/2007/PartnerControls"/>
-    </lcf76f155ced4ddcb4097134ff3c332f>
-    <TaxCatchAll xmlns="bf25a9bf-a811-4965-9d0a-b88059080fed" xsi:nil="true"/>
-  </documentManagement>
-</p:properties>
+<file path=customXml/itemProps2.xml><?xml version="1.0" encoding="utf-8"?>
+<ds:datastoreItem xmlns:ds="http://schemas.openxmlformats.org/officeDocument/2006/customXml" ds:itemID="{263A7949-1B93-457F-8888-53CC8A016F77}">
+  <ds:schemaRefs>
+    <ds:schemaRef ds:uri="http://schemas.microsoft.com/sharepoint/v3/contenttype/forms"/>
+  </ds:schemaRefs>
+</ds:datastoreItem>
 </file>
 
-<file path=customXml/itemProps1.xml><?xml version="1.0" encoding="utf-8"?>
+<file path=customXml/itemProps3.xml><?xml version="1.0" encoding="utf-8"?>
 <ds:datastoreItem xmlns:ds="http://schemas.openxmlformats.org/officeDocument/2006/customXml" ds:itemID="{2A270F01-48F1-4A41-8E26-ACAC66896963}">
   <ds:schemaRefs>
     <ds:schemaRef ds:uri="http://schemas.microsoft.com/office/2006/metadata/contentType"/>
@@ -8988,29 +9013,4 @@
     <ds:schemaRef ds:uri="http://schemas.microsoft.com/internal/obd"/>
   </ds:schemaRefs>
 </ds:datastoreItem>
-</file>
-
-<file path=customXml/itemProps2.xml><?xml version="1.0" encoding="utf-8"?>
-<ds:datastoreItem xmlns:ds="http://schemas.openxmlformats.org/officeDocument/2006/customXml" ds:itemID="{263A7949-1B93-457F-8888-53CC8A016F77}">
-  <ds:schemaRefs>
-    <ds:schemaRef ds:uri="http://schemas.microsoft.com/sharepoint/v3/contenttype/forms"/>
-  </ds:schemaRefs>
-</ds:datastoreItem>
-</file>
-
-<file path=customXml/itemProps3.xml><?xml version="1.0" encoding="utf-8"?>
-<ds:datastoreItem xmlns:ds="http://schemas.openxmlformats.org/officeDocument/2006/customXml" ds:itemID="{5EE9034D-0B43-4AB0-9535-9A62DB37A999}">
-  <ds:schemaRefs>
-    <ds:schemaRef ds:uri="http://www.w3.org/XML/1998/namespace"/>
-    <ds:schemaRef ds:uri="81d41a3b-f33d-4db6-b532-757106a7a2ae"/>
-    <ds:schemaRef ds:uri="http://purl.org/dc/dcmitype/"/>
-    <ds:schemaRef ds:uri="http://purl.org/dc/elements/1.1/"/>
-    <ds:schemaRef ds:uri="http://schemas.microsoft.com/office/2006/documentManagement/types"/>
-    <ds:schemaRef ds:uri="bf25a9bf-a811-4965-9d0a-b88059080fed"/>
-    <ds:schemaRef ds:uri="http://purl.org/dc/terms/"/>
-    <ds:schemaRef ds:uri="http://schemas.microsoft.com/office/infopath/2007/PartnerControls"/>
-    <ds:schemaRef ds:uri="http://schemas.openxmlformats.org/package/2006/metadata/core-properties"/>
-    <ds:schemaRef ds:uri="http://schemas.microsoft.com/office/2006/metadata/properties"/>
-  </ds:schemaRefs>
-</ds:datastoreItem>
 </file>
--- a/ToegepasteAnalogeElektronica/PowerPoint/Klasse-D.pptx
+++ b/ToegepasteAnalogeElektronica/PowerPoint/Klasse-D.pptx
@@ -37,6 +37,7 @@
     <p:sldId id="279" r:id="rId36"/>
     <p:sldId id="280" r:id="rId37"/>
     <p:sldId id="281" r:id="rId38"/>
+    <p:sldId id="282" r:id="rId39"/>
   </p:sldIdLst>
   <p:sldSz cx="12192000" cy="6858000"/>
   <p:notesSz cx="6858000" cy="9144000"/>
@@ -5769,7 +5770,7 @@
         </p:blipFill>
         <p:spPr>
           <a:xfrm>
-            <a:off x="3729037" y="2084831"/>
+            <a:off x="3729037" y="868680"/>
             <a:ext cx="4733925" cy="885825"/>
           </a:xfrm>
           <a:prstGeom prst="rect">
@@ -6255,69 +6256,6 @@
               <a:latin typeface="Courier"/>
             </a:endParaRPr>
           </a:p>
-          <a:p>
-            <a:pPr>
-              <a:lnSpc>
-                <a:spcPts val="2400"/>
-              </a:lnSpc>
-              <a:defRPr>
-                <a:solidFill>
-                  <a:srgbClr val="FFFFFF"/>
-                </a:solidFill>
-              </a:defRPr>
-            </a:pPr>
-            <a:r>
-              <a:rPr sz="2400" b="0" i="0">
-                <a:latin typeface="Courier"/>
-              </a:rPr>
-              <a:t>.model Q2  NPN(Is=14.34f BF=200)</a:t>
-            </a:r>
-            <a:endParaRPr sz="2400" b="0" i="0">
-              <a:latin typeface="Courier"/>
-            </a:endParaRPr>
-          </a:p>
-          <a:p>
-            <a:pPr>
-              <a:lnSpc>
-                <a:spcPts val="2400"/>
-              </a:lnSpc>
-              <a:defRPr>
-                <a:solidFill>
-                  <a:srgbClr val="FFFFFF"/>
-                </a:solidFill>
-              </a:defRPr>
-            </a:pPr>
-            <a:r>
-              <a:rPr sz="2400" b="0" i="0">
-                <a:latin typeface="Courier"/>
-              </a:rPr>
-              <a:t>.model Qp  PNP(Is=5.34f BF=100)</a:t>
-            </a:r>
-            <a:endParaRPr sz="2400" b="0" i="0">
-              <a:latin typeface="Courier"/>
-            </a:endParaRPr>
-          </a:p>
-          <a:p>
-            <a:pPr>
-              <a:lnSpc>
-                <a:spcPts val="2400"/>
-              </a:lnSpc>
-              <a:defRPr>
-                <a:solidFill>
-                  <a:srgbClr val="FFFFFF"/>
-                </a:solidFill>
-              </a:defRPr>
-            </a:pPr>
-            <a:r>
-              <a:rPr sz="2400" b="0" i="0">
-                <a:latin typeface="Courier"/>
-              </a:rPr>
-              <a:t>.model DD   D( IS=0.0002 RS=0.05 CJO=5e-10 )</a:t>
-            </a:r>
-            <a:endParaRPr sz="2400" b="0" i="0">
-              <a:latin typeface="Courier"/>
-            </a:endParaRPr>
-          </a:p>
         </p:txBody>
       </p:sp>
       <p:sp>
@@ -6369,12 +6307,12 @@
       <p:grpSpPr/>
       <p:sp>
         <p:nvSpPr>
-          <p:cNvPr id="2" name="Title 1"/>
+          <p:cNvPr id="2" name="Content Placeholder 1"/>
           <p:cNvSpPr>
             <a:spLocks noGrp="1"/>
           </p:cNvSpPr>
           <p:nvPr>
-            <p:ph type="title"/>
+            <p:ph idx="1"/>
           </p:nvPr>
         </p:nvSpPr>
         <p:spPr/>
@@ -6384,42 +6322,99 @@
           </a:bodyPr>
           <a:lstStyle/>
           <a:p>
-            <a:r>
-              <a:rPr sz="3000" b="1" i="0">
+            <a:pPr>
+              <a:lnSpc>
+                <a:spcPts val="2400"/>
+              </a:lnSpc>
+              <a:defRPr>
+                <a:solidFill>
+                  <a:srgbClr val="FFFFFF"/>
+                </a:solidFill>
+              </a:defRPr>
+            </a:pPr>
+            <a:r>
+              <a:rPr sz="2400" b="0" i="0">
+                <a:latin typeface="Courier"/>
+              </a:rPr>
+              <a:t>.model Q2  NPN(Is=14.34f BF=200)</a:t>
+            </a:r>
+            <a:endParaRPr sz="2400" b="0" i="0">
+              <a:latin typeface="Courier"/>
+            </a:endParaRPr>
+          </a:p>
+          <a:p>
+            <a:pPr>
+              <a:lnSpc>
+                <a:spcPts val="2400"/>
+              </a:lnSpc>
+              <a:defRPr>
+                <a:solidFill>
+                  <a:srgbClr val="FFFFFF"/>
+                </a:solidFill>
+              </a:defRPr>
+            </a:pPr>
+            <a:r>
+              <a:rPr sz="2400" b="0" i="0">
+                <a:latin typeface="Courier"/>
+              </a:rPr>
+              <a:t>.model Qp  PNP(Is=5.34f BF=100)</a:t>
+            </a:r>
+            <a:endParaRPr sz="2400" b="0" i="0">
+              <a:latin typeface="Courier"/>
+            </a:endParaRPr>
+          </a:p>
+          <a:p>
+            <a:pPr>
+              <a:lnSpc>
+                <a:spcPts val="2400"/>
+              </a:lnSpc>
+              <a:defRPr>
+                <a:solidFill>
+                  <a:srgbClr val="FFFFFF"/>
+                </a:solidFill>
+              </a:defRPr>
+            </a:pPr>
+            <a:r>
+              <a:rPr sz="2400" b="0" i="0">
+                <a:latin typeface="Courier"/>
+              </a:rPr>
+              <a:t>.model DD   D( IS=0.0002 RS=0.05 CJO=5e-10 )</a:t>
+            </a:r>
+            <a:endParaRPr sz="2400" b="0" i="0">
+              <a:latin typeface="Courier"/>
+            </a:endParaRPr>
+          </a:p>
+        </p:txBody>
+      </p:sp>
+      <p:sp>
+        <p:nvSpPr>
+          <p:cNvPr id="3" name="Title 2"/>
+          <p:cNvSpPr>
+            <a:spLocks noGrp="1"/>
+          </p:cNvSpPr>
+          <p:nvPr>
+            <p:ph type="title"/>
+          </p:nvPr>
+        </p:nvSpPr>
+        <p:spPr/>
+        <p:txBody>
+          <a:bodyPr wrap="square">
+            <a:noAutofit/>
+          </a:bodyPr>
+          <a:lstStyle/>
+          <a:p>
+            <a:r>
+              <a:rPr sz="3200" b="1" i="0">
                 <a:latin typeface="Arial"/>
               </a:rPr>
-              <a:t>Bekomen spanningen in de Klasse D versterker met diodes</a:t>
-            </a:r>
-            <a:endParaRPr sz="3000" b="1" i="0">
+              <a:t>SPICE file Klasse D circuit met diodes</a:t>
+            </a:r>
+            <a:endParaRPr sz="3200" b="1" i="0">
               <a:latin typeface="Arial"/>
             </a:endParaRPr>
           </a:p>
         </p:txBody>
       </p:sp>
-      <p:pic>
-        <p:nvPicPr>
-          <p:cNvPr id="3" name="Picture 2" descr="image.png"/>
-          <p:cNvPicPr>
-            <a:picLocks noChangeAspect="1"/>
-          </p:cNvPicPr>
-          <p:nvPr/>
-        </p:nvPicPr>
-        <p:blipFill>
-          <a:blip r:embed="rId2"/>
-          <a:stretch>
-            <a:fillRect/>
-          </a:stretch>
-        </p:blipFill>
-        <p:spPr>
-          <a:xfrm>
-            <a:off x="2329655" y="1179576"/>
-            <a:ext cx="7532690" cy="5029200"/>
-          </a:xfrm>
-          <a:prstGeom prst="rect">
-            <a:avLst/>
-          </a:prstGeom>
-        </p:spPr>
-      </p:pic>
     </p:spTree>
   </p:cSld>
   <p:clrMapOvr>
@@ -6456,12 +6451,12 @@
           <a:lstStyle/>
           <a:p>
             <a:r>
-              <a:rPr sz="3200" b="1" i="0">
+              <a:rPr sz="3000" b="1" i="0">
                 <a:latin typeface="Arial"/>
               </a:rPr>
-              <a:t>Detail van de spanningen</a:t>
-            </a:r>
-            <a:endParaRPr sz="3200" b="1" i="0">
+              <a:t>Bekomen spanningen in de Klasse D versterker met diodes</a:t>
+            </a:r>
+            <a:endParaRPr sz="3000" b="1" i="0">
               <a:latin typeface="Arial"/>
             </a:endParaRPr>
           </a:p>
@@ -6483,8 +6478,8 @@
         </p:blipFill>
         <p:spPr>
           <a:xfrm>
-            <a:off x="2322248" y="1179576"/>
-            <a:ext cx="7547503" cy="5029200"/>
+            <a:off x="2329655" y="1179576"/>
+            <a:ext cx="7532690" cy="5029200"/>
           </a:xfrm>
           <a:prstGeom prst="rect">
             <a:avLst/>
@@ -6530,7 +6525,7 @@
               <a:rPr sz="3200" b="1" i="0">
                 <a:latin typeface="Arial"/>
               </a:rPr>
-              <a:t>Stromen in de transistors en diodes</a:t>
+              <a:t>Detail van de spanningen</a:t>
             </a:r>
             <a:endParaRPr sz="3200" b="1" i="0">
               <a:latin typeface="Arial"/>
@@ -6554,8 +6549,8 @@
         </p:blipFill>
         <p:spPr>
           <a:xfrm>
-            <a:off x="2303731" y="1179576"/>
-            <a:ext cx="7584537" cy="5029200"/>
+            <a:off x="2322248" y="1179576"/>
+            <a:ext cx="7547503" cy="5029200"/>
           </a:xfrm>
           <a:prstGeom prst="rect">
             <a:avLst/>
@@ -6601,7 +6596,7 @@
               <a:rPr sz="3200" b="1" i="0">
                 <a:latin typeface="Arial"/>
               </a:rPr>
-              <a:t>klasse D versterker met enkel NPN transistors</a:t>
+              <a:t>Stromen in de transistors en diodes</a:t>
             </a:r>
             <a:endParaRPr sz="3200" b="1" i="0">
               <a:latin typeface="Arial"/>
@@ -6625,8 +6620,8 @@
         </p:blipFill>
         <p:spPr>
           <a:xfrm>
-            <a:off x="1263672" y="1179576"/>
-            <a:ext cx="9664655" cy="5029200"/>
+            <a:off x="2303731" y="1179576"/>
+            <a:ext cx="7584537" cy="5029200"/>
           </a:xfrm>
           <a:prstGeom prst="rect">
             <a:avLst/>
@@ -6696,8 +6691,8 @@
         </p:blipFill>
         <p:spPr>
           <a:xfrm>
-            <a:off x="1039953" y="1179576"/>
-            <a:ext cx="10112093" cy="5029200"/>
+            <a:off x="1263672" y="1179576"/>
+            <a:ext cx="9664655" cy="5029200"/>
           </a:xfrm>
           <a:prstGeom prst="rect">
             <a:avLst/>
@@ -6814,7 +6809,7 @@
               <a:rPr sz="3200" b="1" i="0">
                 <a:latin typeface="Arial"/>
               </a:rPr>
-              <a:t>klasse D versterker met spanningssturing</a:t>
+              <a:t>klasse D versterker met enkel NPN transistors</a:t>
             </a:r>
             <a:endParaRPr sz="3200" b="1" i="0">
               <a:latin typeface="Arial"/>
@@ -6838,8 +6833,8 @@
         </p:blipFill>
         <p:spPr>
           <a:xfrm>
-            <a:off x="1807401" y="1179576"/>
-            <a:ext cx="8577197" cy="5029200"/>
+            <a:off x="1039953" y="1179576"/>
+            <a:ext cx="10112093" cy="5029200"/>
           </a:xfrm>
           <a:prstGeom prst="rect">
             <a:avLst/>
@@ -6885,7 +6880,7 @@
               <a:rPr sz="3200" b="1" i="0">
                 <a:latin typeface="Arial"/>
               </a:rPr>
-              <a:t>keuze wikkelverhouding transformator</a:t>
+              <a:t>klasse D versterker met spanningssturing</a:t>
             </a:r>
             <a:endParaRPr sz="3200" b="1" i="0">
               <a:latin typeface="Arial"/>
@@ -6909,8 +6904,8 @@
         </p:blipFill>
         <p:spPr>
           <a:xfrm>
-            <a:off x="1678226" y="1179576"/>
-            <a:ext cx="8835547" cy="5029200"/>
+            <a:off x="1807401" y="1179576"/>
+            <a:ext cx="8577197" cy="5029200"/>
           </a:xfrm>
           <a:prstGeom prst="rect">
             <a:avLst/>
@@ -6953,12 +6948,12 @@
           <a:lstStyle/>
           <a:p>
             <a:r>
-              <a:rPr sz="2700" b="1" i="0">
+              <a:rPr sz="3200" b="1" i="0">
                 <a:latin typeface="Arial"/>
               </a:rPr>
-              <a:t>klasse D versterker met spanningssturing en beveiligingsdiodes</a:t>
-            </a:r>
-            <a:endParaRPr sz="2700" b="1" i="0">
+              <a:t>keuze wikkelverhouding transformator</a:t>
+            </a:r>
+            <a:endParaRPr sz="3200" b="1" i="0">
               <a:latin typeface="Arial"/>
             </a:endParaRPr>
           </a:p>
@@ -6980,8 +6975,8 @@
         </p:blipFill>
         <p:spPr>
           <a:xfrm>
-            <a:off x="1807401" y="1179576"/>
-            <a:ext cx="8577197" cy="5029200"/>
+            <a:off x="1678226" y="1179576"/>
+            <a:ext cx="8835547" cy="5029200"/>
           </a:xfrm>
           <a:prstGeom prst="rect">
             <a:avLst/>
@@ -7024,12 +7019,12 @@
           <a:lstStyle/>
           <a:p>
             <a:r>
-              <a:rPr sz="3200" b="1" i="0">
+              <a:rPr sz="2700" b="1" i="0">
                 <a:latin typeface="Arial"/>
               </a:rPr>
-              <a:t>met stroomsturing</a:t>
-            </a:r>
-            <a:endParaRPr sz="3200" b="1" i="0">
+              <a:t>klasse D versterker met spanningssturing en beveiligingsdiodes</a:t>
+            </a:r>
+            <a:endParaRPr sz="2700" b="1" i="0">
               <a:latin typeface="Arial"/>
             </a:endParaRPr>
           </a:p>
@@ -7051,8 +7046,8 @@
         </p:blipFill>
         <p:spPr>
           <a:xfrm>
-            <a:off x="3391311" y="1179576"/>
-            <a:ext cx="5409377" cy="5029200"/>
+            <a:off x="1807401" y="1179576"/>
+            <a:ext cx="8577197" cy="5029200"/>
           </a:xfrm>
           <a:prstGeom prst="rect">
             <a:avLst/>
@@ -7098,7 +7093,7 @@
               <a:rPr sz="3200" b="1" i="0">
                 <a:latin typeface="Arial"/>
               </a:rPr>
-              <a:t>met stroomsturing en beveiligingsdiodes</a:t>
+              <a:t>met stroomsturing</a:t>
             </a:r>
             <a:endParaRPr sz="3200" b="1" i="0">
               <a:latin typeface="Arial"/>
@@ -7148,6 +7143,59 @@
         <p:nvPr/>
       </p:nvGrpSpPr>
       <p:grpSpPr/>
+      <p:sp>
+        <p:nvSpPr>
+          <p:cNvPr id="2" name="Title 1"/>
+          <p:cNvSpPr>
+            <a:spLocks noGrp="1"/>
+          </p:cNvSpPr>
+          <p:nvPr>
+            <p:ph type="title"/>
+          </p:nvPr>
+        </p:nvSpPr>
+        <p:spPr/>
+        <p:txBody>
+          <a:bodyPr wrap="square">
+            <a:noAutofit/>
+          </a:bodyPr>
+          <a:lstStyle/>
+          <a:p>
+            <a:r>
+              <a:rPr sz="3200" b="1" i="0">
+                <a:latin typeface="Arial"/>
+              </a:rPr>
+              <a:t>met stroomsturing en beveiligingsdiodes</a:t>
+            </a:r>
+            <a:endParaRPr sz="3200" b="1" i="0">
+              <a:latin typeface="Arial"/>
+            </a:endParaRPr>
+          </a:p>
+        </p:txBody>
+      </p:sp>
+      <p:pic>
+        <p:nvPicPr>
+          <p:cNvPr id="3" name="Picture 2" descr="image.png"/>
+          <p:cNvPicPr>
+            <a:picLocks noChangeAspect="1"/>
+          </p:cNvPicPr>
+          <p:nvPr/>
+        </p:nvPicPr>
+        <p:blipFill>
+          <a:blip r:embed="rId2"/>
+          <a:stretch>
+            <a:fillRect/>
+          </a:stretch>
+        </p:blipFill>
+        <p:spPr>
+          <a:xfrm>
+            <a:off x="3391311" y="1179576"/>
+            <a:ext cx="5409377" cy="5029200"/>
+          </a:xfrm>
+          <a:prstGeom prst="rect">
+            <a:avLst/>
+          </a:prstGeom>
+        </p:spPr>
+      </p:pic>
     </p:spTree>
   </p:cSld>
   <p:clrMapOvr>
@@ -7157,6 +7205,24 @@
 </file>
 
 <file path=ppt/slides/slide26.xml><?xml version="1.0" encoding="utf-8"?>
+<p:sld xmlns:a="http://schemas.openxmlformats.org/drawingml/2006/main" xmlns:p="http://schemas.openxmlformats.org/presentationml/2006/main" xmlns:r="http://schemas.openxmlformats.org/officeDocument/2006/relationships">
+  <p:cSld>
+    <p:spTree>
+      <p:nvGrpSpPr>
+        <p:cNvPr id="1" name=""/>
+        <p:cNvGrpSpPr/>
+        <p:nvPr/>
+      </p:nvGrpSpPr>
+      <p:grpSpPr/>
+    </p:spTree>
+  </p:cSld>
+  <p:clrMapOvr>
+    <a:masterClrMapping/>
+  </p:clrMapOvr>
+</p:sld>
+</file>
+
+<file path=ppt/slides/slide27.xml><?xml version="1.0" encoding="utf-8"?>
 <p:sld xmlns:a="http://schemas.openxmlformats.org/drawingml/2006/main" xmlns:p="http://schemas.openxmlformats.org/presentationml/2006/main" xmlns:r="http://schemas.openxmlformats.org/officeDocument/2006/relationships">
   <p:cSld>
     <p:spTree>
@@ -7826,7 +7892,7 @@
         </p:blipFill>
         <p:spPr>
           <a:xfrm>
-            <a:off x="1195387" y="2084831"/>
+            <a:off x="1195387" y="868680"/>
             <a:ext cx="9801225" cy="952500"/>
           </a:xfrm>
           <a:prstGeom prst="rect">

--- a/ToegepasteAnalogeElektronica/PowerPoint/Klasse-D.pptx
+++ b/ToegepasteAnalogeElektronica/PowerPoint/Klasse-D.pptx
@@ -5841,8 +5841,8 @@
         </p:blipFill>
         <p:spPr>
           <a:xfrm>
-            <a:off x="3470298" y="1179576"/>
-            <a:ext cx="5251403" cy="5029200"/>
+            <a:off x="3183858" y="566928"/>
+            <a:ext cx="5824284" cy="5577840"/>
           </a:xfrm>
           <a:prstGeom prst="rect">
             <a:avLst/>
@@ -5912,8 +5912,8 @@
         </p:blipFill>
         <p:spPr>
           <a:xfrm>
-            <a:off x="3462891" y="1179576"/>
-            <a:ext cx="5266217" cy="5029200"/>
+            <a:off x="3175643" y="566928"/>
+            <a:ext cx="5840713" cy="5577840"/>
           </a:xfrm>
           <a:prstGeom prst="rect">
             <a:avLst/>
@@ -5983,8 +5983,8 @@
         </p:blipFill>
         <p:spPr>
           <a:xfrm>
-            <a:off x="2645569" y="1179576"/>
-            <a:ext cx="6900862" cy="5029200"/>
+            <a:off x="2269158" y="566928"/>
+            <a:ext cx="7653684" cy="5577840"/>
           </a:xfrm>
           <a:prstGeom prst="rect">
             <a:avLst/>
@@ -6478,8 +6478,8 @@
         </p:blipFill>
         <p:spPr>
           <a:xfrm>
-            <a:off x="2329655" y="1179576"/>
-            <a:ext cx="7532690" cy="5029200"/>
+            <a:off x="1918781" y="566928"/>
+            <a:ext cx="8354438" cy="5577840"/>
           </a:xfrm>
           <a:prstGeom prst="rect">
             <a:avLst/>
@@ -6549,8 +6549,8 @@
         </p:blipFill>
         <p:spPr>
           <a:xfrm>
-            <a:off x="2322248" y="1179576"/>
-            <a:ext cx="7547503" cy="5029200"/>
+            <a:off x="1910566" y="566928"/>
+            <a:ext cx="8370867" cy="5577840"/>
           </a:xfrm>
           <a:prstGeom prst="rect">
             <a:avLst/>
@@ -6620,8 +6620,8 @@
         </p:blipFill>
         <p:spPr>
           <a:xfrm>
-            <a:off x="2303731" y="1179576"/>
-            <a:ext cx="7584537" cy="5029200"/>
+            <a:off x="1890029" y="566928"/>
+            <a:ext cx="8411941" cy="5577840"/>
           </a:xfrm>
           <a:prstGeom prst="rect">
             <a:avLst/>
@@ -6691,8 +6691,8 @@
         </p:blipFill>
         <p:spPr>
           <a:xfrm>
-            <a:off x="1263672" y="1179576"/>
-            <a:ext cx="9664655" cy="5029200"/>
+            <a:off x="736509" y="566928"/>
+            <a:ext cx="10718981" cy="5577840"/>
           </a:xfrm>
           <a:prstGeom prst="rect">
             <a:avLst/>
@@ -6762,8 +6762,8 @@
         </p:blipFill>
         <p:spPr>
           <a:xfrm>
-            <a:off x="2831306" y="1179576"/>
-            <a:ext cx="6529388" cy="5029200"/>
+            <a:off x="2475158" y="566928"/>
+            <a:ext cx="7241684" cy="5577840"/>
           </a:xfrm>
           <a:prstGeom prst="rect">
             <a:avLst/>
@@ -6833,8 +6833,8 @@
         </p:blipFill>
         <p:spPr>
           <a:xfrm>
-            <a:off x="1039953" y="1179576"/>
-            <a:ext cx="10112093" cy="5029200"/>
+            <a:off x="488385" y="566928"/>
+            <a:ext cx="11215230" cy="5577840"/>
           </a:xfrm>
           <a:prstGeom prst="rect">
             <a:avLst/>
@@ -6904,8 +6904,8 @@
         </p:blipFill>
         <p:spPr>
           <a:xfrm>
-            <a:off x="1807401" y="1179576"/>
-            <a:ext cx="8577197" cy="5029200"/>
+            <a:off x="1339554" y="566928"/>
+            <a:ext cx="9512892" cy="5577840"/>
           </a:xfrm>
           <a:prstGeom prst="rect">
             <a:avLst/>
@@ -6975,8 +6975,8 @@
         </p:blipFill>
         <p:spPr>
           <a:xfrm>
-            <a:off x="1678226" y="1179576"/>
-            <a:ext cx="8835547" cy="5029200"/>
+            <a:off x="1196288" y="566928"/>
+            <a:ext cx="9799424" cy="5577840"/>
           </a:xfrm>
           <a:prstGeom prst="rect">
             <a:avLst/>
@@ -7046,8 +7046,8 @@
         </p:blipFill>
         <p:spPr>
           <a:xfrm>
-            <a:off x="1807401" y="1179576"/>
-            <a:ext cx="8577197" cy="5029200"/>
+            <a:off x="1339554" y="566928"/>
+            <a:ext cx="9512892" cy="5577840"/>
           </a:xfrm>
           <a:prstGeom prst="rect">
             <a:avLst/>
@@ -7117,8 +7117,8 @@
         </p:blipFill>
         <p:spPr>
           <a:xfrm>
-            <a:off x="3391311" y="1179576"/>
-            <a:ext cx="5409377" cy="5029200"/>
+            <a:off x="3096254" y="566928"/>
+            <a:ext cx="5999491" cy="5577840"/>
           </a:xfrm>
           <a:prstGeom prst="rect">
             <a:avLst/>
@@ -7188,8 +7188,8 @@
         </p:blipFill>
         <p:spPr>
           <a:xfrm>
-            <a:off x="3391311" y="1179576"/>
-            <a:ext cx="5409377" cy="5029200"/>
+            <a:off x="3096254" y="566928"/>
+            <a:ext cx="5999491" cy="5577840"/>
           </a:xfrm>
           <a:prstGeom prst="rect">
             <a:avLst/>
@@ -7295,8 +7295,8 @@
         </p:blipFill>
         <p:spPr>
           <a:xfrm>
-            <a:off x="2661253" y="1179576"/>
-            <a:ext cx="6869494" cy="5029200"/>
+            <a:off x="2286553" y="566928"/>
+            <a:ext cx="7618893" cy="5577840"/>
           </a:xfrm>
           <a:prstGeom prst="rect">
             <a:avLst/>
@@ -7366,8 +7366,8 @@
         </p:blipFill>
         <p:spPr>
           <a:xfrm>
-            <a:off x="2831306" y="1179576"/>
-            <a:ext cx="6529388" cy="5029200"/>
+            <a:off x="2475158" y="566928"/>
+            <a:ext cx="7241684" cy="5577840"/>
           </a:xfrm>
           <a:prstGeom prst="rect">
             <a:avLst/>
@@ -7733,8 +7733,8 @@
         </p:blipFill>
         <p:spPr>
           <a:xfrm>
-            <a:off x="2329655" y="1179576"/>
-            <a:ext cx="7532690" cy="5029200"/>
+            <a:off x="1918781" y="566928"/>
+            <a:ext cx="8354438" cy="5577840"/>
           </a:xfrm>
           <a:prstGeom prst="rect">
             <a:avLst/>
@@ -7804,8 +7804,8 @@
         </p:blipFill>
         <p:spPr>
           <a:xfrm>
-            <a:off x="2314841" y="1179576"/>
-            <a:ext cx="7562317" cy="5029200"/>
+            <a:off x="1902351" y="566928"/>
+            <a:ext cx="8387297" cy="5577840"/>
           </a:xfrm>
           <a:prstGeom prst="rect">
             <a:avLst/>
@@ -7963,8 +7963,8 @@
         </p:blipFill>
         <p:spPr>
           <a:xfrm>
-            <a:off x="3522146" y="1179576"/>
-            <a:ext cx="5147708" cy="5029200"/>
+            <a:off x="3241361" y="566928"/>
+            <a:ext cx="5709277" cy="5577840"/>
           </a:xfrm>
           <a:prstGeom prst="rect">
             <a:avLst/>

--- a/ToegepasteAnalogeElektronica/PowerPoint/Klasse-D.pptx
+++ b/ToegepasteAnalogeElektronica/PowerPoint/Klasse-D.pptx
@@ -38,6 +38,20 @@
     <p:sldId id="280" r:id="rId37"/>
     <p:sldId id="281" r:id="rId38"/>
     <p:sldId id="282" r:id="rId39"/>
+    <p:sldId id="283" r:id="rId40"/>
+    <p:sldId id="284" r:id="rId41"/>
+    <p:sldId id="285" r:id="rId42"/>
+    <p:sldId id="286" r:id="rId43"/>
+    <p:sldId id="287" r:id="rId44"/>
+    <p:sldId id="288" r:id="rId45"/>
+    <p:sldId id="289" r:id="rId46"/>
+    <p:sldId id="290" r:id="rId47"/>
+    <p:sldId id="291" r:id="rId48"/>
+    <p:sldId id="292" r:id="rId49"/>
+    <p:sldId id="293" r:id="rId50"/>
+    <p:sldId id="294" r:id="rId51"/>
+    <p:sldId id="295" r:id="rId52"/>
+    <p:sldId id="296" r:id="rId53"/>
   </p:sldIdLst>
   <p:sldSz cx="12192000" cy="6858000"/>
   <p:notesSz cx="6858000" cy="9144000"/>
@@ -5746,6 +5760,1752 @@
               <a:rPr sz="3200" b="1" i="0">
                 <a:latin typeface="Arial"/>
               </a:rPr>
+              <a:t>SPICE file Klasse D circuit</a:t>
+            </a:r>
+            <a:endParaRPr sz="3200" b="1" i="0">
+              <a:latin typeface="Arial"/>
+            </a:endParaRPr>
+          </a:p>
+        </p:txBody>
+      </p:sp>
+    </p:spTree>
+  </p:cSld>
+  <p:clrMapOvr>
+    <a:masterClrMapping/>
+  </p:clrMapOvr>
+</p:sld>
+</file>
+
+<file path=ppt/slides/slide11.xml><?xml version="1.0" encoding="utf-8"?>
+<p:sld xmlns:a="http://schemas.openxmlformats.org/drawingml/2006/main" xmlns:p="http://schemas.openxmlformats.org/presentationml/2006/main" xmlns:r="http://schemas.openxmlformats.org/officeDocument/2006/relationships">
+  <p:cSld>
+    <p:spTree>
+      <p:nvGrpSpPr>
+        <p:cNvPr id="1" name=""/>
+        <p:cNvGrpSpPr/>
+        <p:nvPr/>
+      </p:nvGrpSpPr>
+      <p:grpSpPr/>
+      <p:sp>
+        <p:nvSpPr>
+          <p:cNvPr id="2" name="Content Placeholder 1"/>
+          <p:cNvSpPr>
+            <a:spLocks noGrp="1"/>
+          </p:cNvSpPr>
+          <p:nvPr>
+            <p:ph idx="1"/>
+          </p:nvPr>
+        </p:nvSpPr>
+        <p:spPr/>
+        <p:txBody>
+          <a:bodyPr/>
+          <a:lstStyle/>
+          <a:p>
+            <a:r>
+              <a:rPr sz="1400">
+                <a:solidFill>
+                  <a:srgbClr val="000000"/>
+                </a:solidFill>
+                <a:latin typeface="Courier New"/>
+              </a:rPr>
+              <a:t/>
+            </a:r>
+            <a:r>
+              <a:rPr sz="1400">
+                <a:solidFill>
+                  <a:srgbClr val="000000"/>
+                </a:solidFill>
+                <a:latin typeface="Courier New"/>
+              </a:rPr>
+              <a:t>*</a:t>
+            </a:r>
+            <a:r>
+              <a:rPr sz="1400">
+                <a:solidFill>
+                  <a:srgbClr val="000000"/>
+                </a:solidFill>
+                <a:latin typeface="Courier New"/>
+              </a:rPr>
+              <a:t> </a:t>
+            </a:r>
+            <a:r>
+              <a:rPr sz="1400">
+                <a:solidFill>
+                  <a:srgbClr val="000000"/>
+                </a:solidFill>
+                <a:latin typeface="Courier New"/>
+              </a:rPr>
+              <a:t>Class</a:t>
+            </a:r>
+            <a:r>
+              <a:rPr sz="1400">
+                <a:solidFill>
+                  <a:srgbClr val="000000"/>
+                </a:solidFill>
+                <a:latin typeface="Courier New"/>
+              </a:rPr>
+              <a:t> </a:t>
+            </a:r>
+            <a:r>
+              <a:rPr sz="1400">
+                <a:solidFill>
+                  <a:srgbClr val="000000"/>
+                </a:solidFill>
+                <a:latin typeface="Courier New"/>
+              </a:rPr>
+              <a:t>D</a:t>
+            </a:r>
+            <a:r>
+              <a:rPr sz="1400">
+                <a:solidFill>
+                  <a:srgbClr val="000000"/>
+                </a:solidFill>
+                <a:latin typeface="Courier New"/>
+              </a:rPr>
+              <a:t> </a:t>
+            </a:r>
+            <a:r>
+              <a:rPr sz="1400">
+                <a:solidFill>
+                  <a:srgbClr val="000000"/>
+                </a:solidFill>
+                <a:latin typeface="Courier New"/>
+              </a:rPr>
+              <a:t>amp</a:t>
+            </a:r>
+            <a:r>
+              <a:rPr sz="1400">
+                <a:solidFill>
+                  <a:srgbClr val="000000"/>
+                </a:solidFill>
+                <a:latin typeface="Courier New"/>
+              </a:rPr>
+              <a:t> </a:t>
+            </a:r>
+            <a:r>
+              <a:rPr sz="1400">
+                <a:solidFill>
+                  <a:srgbClr val="000000"/>
+                </a:solidFill>
+                <a:latin typeface="Courier New"/>
+              </a:rPr>
+              <a:t>1</a:t>
+            </a:r>
+            <a:r>
+              <a:rPr sz="1400">
+                <a:solidFill>
+                  <a:srgbClr val="000000"/>
+                </a:solidFill>
+                <a:latin typeface="Courier New"/>
+              </a:rPr>
+              <a:t/>
+            </a:r>
+            <a:r>
+              <a:rPr sz="1400">
+                <a:solidFill>
+                  <a:srgbClr val="000000"/>
+                </a:solidFill>
+                <a:latin typeface="Courier New"/>
+              </a:rPr>
+              <a:t>Q_Q1</a:t>
+            </a:r>
+            <a:r>
+              <a:rPr sz="1400">
+                <a:solidFill>
+                  <a:srgbClr val="000000"/>
+                </a:solidFill>
+                <a:latin typeface="Courier New"/>
+              </a:rPr>
+              <a:t>         </a:t>
+            </a:r>
+            <a:r>
+              <a:rPr sz="1400">
+                <a:solidFill>
+                  <a:srgbClr val="000000"/>
+                </a:solidFill>
+                <a:latin typeface="Courier New"/>
+              </a:rPr>
+              <a:t>3</a:t>
+            </a:r>
+            <a:r>
+              <a:rPr sz="1400">
+                <a:solidFill>
+                  <a:srgbClr val="000000"/>
+                </a:solidFill>
+                <a:latin typeface="Courier New"/>
+              </a:rPr>
+              <a:t> </a:t>
+            </a:r>
+            <a:r>
+              <a:rPr sz="1400">
+                <a:solidFill>
+                  <a:srgbClr val="000000"/>
+                </a:solidFill>
+                <a:latin typeface="Courier New"/>
+              </a:rPr>
+              <a:t>1</a:t>
+            </a:r>
+            <a:r>
+              <a:rPr sz="1400">
+                <a:solidFill>
+                  <a:srgbClr val="000000"/>
+                </a:solidFill>
+                <a:latin typeface="Courier New"/>
+              </a:rPr>
+              <a:t> </a:t>
+            </a:r>
+            <a:r>
+              <a:rPr sz="1400">
+                <a:solidFill>
+                  <a:srgbClr val="000000"/>
+                </a:solidFill>
+                <a:latin typeface="Courier New"/>
+              </a:rPr>
+              <a:t>2</a:t>
+            </a:r>
+            <a:r>
+              <a:rPr sz="1400">
+                <a:solidFill>
+                  <a:srgbClr val="000000"/>
+                </a:solidFill>
+                <a:latin typeface="Courier New"/>
+              </a:rPr>
+              <a:t> </a:t>
+            </a:r>
+            <a:r>
+              <a:rPr sz="1400">
+                <a:solidFill>
+                  <a:srgbClr val="000000"/>
+                </a:solidFill>
+                <a:latin typeface="Courier New"/>
+              </a:rPr>
+              <a:t>Q2</a:t>
+            </a:r>
+            <a:r>
+              <a:rPr sz="1400">
+                <a:solidFill>
+                  <a:srgbClr val="000000"/>
+                </a:solidFill>
+                <a:latin typeface="Courier New"/>
+              </a:rPr>
+              <a:t/>
+            </a:r>
+            <a:r>
+              <a:rPr sz="1400">
+                <a:solidFill>
+                  <a:srgbClr val="000000"/>
+                </a:solidFill>
+                <a:latin typeface="Courier New"/>
+              </a:rPr>
+              <a:t>Q_Qp</a:t>
+            </a:r>
+            <a:r>
+              <a:rPr sz="1400">
+                <a:solidFill>
+                  <a:srgbClr val="000000"/>
+                </a:solidFill>
+                <a:latin typeface="Courier New"/>
+              </a:rPr>
+              <a:t>         </a:t>
+            </a:r>
+            <a:r>
+              <a:rPr sz="1400">
+                <a:solidFill>
+                  <a:srgbClr val="000000"/>
+                </a:solidFill>
+                <a:latin typeface="Courier New"/>
+              </a:rPr>
+              <a:t>0</a:t>
+            </a:r>
+            <a:r>
+              <a:rPr sz="1400">
+                <a:solidFill>
+                  <a:srgbClr val="000000"/>
+                </a:solidFill>
+                <a:latin typeface="Courier New"/>
+              </a:rPr>
+              <a:t> </a:t>
+            </a:r>
+            <a:r>
+              <a:rPr sz="1400">
+                <a:solidFill>
+                  <a:srgbClr val="000000"/>
+                </a:solidFill>
+                <a:latin typeface="Courier New"/>
+              </a:rPr>
+              <a:t>1</a:t>
+            </a:r>
+            <a:r>
+              <a:rPr sz="1400">
+                <a:solidFill>
+                  <a:srgbClr val="000000"/>
+                </a:solidFill>
+                <a:latin typeface="Courier New"/>
+              </a:rPr>
+              <a:t> </a:t>
+            </a:r>
+            <a:r>
+              <a:rPr sz="1400">
+                <a:solidFill>
+                  <a:srgbClr val="000000"/>
+                </a:solidFill>
+                <a:latin typeface="Courier New"/>
+              </a:rPr>
+              <a:t>2</a:t>
+            </a:r>
+            <a:r>
+              <a:rPr sz="1400">
+                <a:solidFill>
+                  <a:srgbClr val="000000"/>
+                </a:solidFill>
+                <a:latin typeface="Courier New"/>
+              </a:rPr>
+              <a:t> </a:t>
+            </a:r>
+            <a:r>
+              <a:rPr sz="1400">
+                <a:solidFill>
+                  <a:srgbClr val="000000"/>
+                </a:solidFill>
+                <a:latin typeface="Courier New"/>
+              </a:rPr>
+              <a:t>Qp</a:t>
+            </a:r>
+            <a:r>
+              <a:rPr sz="1400">
+                <a:solidFill>
+                  <a:srgbClr val="000000"/>
+                </a:solidFill>
+                <a:latin typeface="Courier New"/>
+              </a:rPr>
+              <a:t/>
+            </a:r>
+            <a:r>
+              <a:rPr sz="1400">
+                <a:solidFill>
+                  <a:srgbClr val="000000"/>
+                </a:solidFill>
+                <a:latin typeface="Courier New"/>
+              </a:rPr>
+              <a:t>L_L1</a:t>
+            </a:r>
+            <a:r>
+              <a:rPr sz="1400">
+                <a:solidFill>
+                  <a:srgbClr val="000000"/>
+                </a:solidFill>
+                <a:latin typeface="Courier New"/>
+              </a:rPr>
+              <a:t>         </a:t>
+            </a:r>
+            <a:r>
+              <a:rPr sz="1400">
+                <a:solidFill>
+                  <a:srgbClr val="000000"/>
+                </a:solidFill>
+                <a:latin typeface="Courier New"/>
+              </a:rPr>
+              <a:t>5</a:t>
+            </a:r>
+            <a:r>
+              <a:rPr sz="1400">
+                <a:solidFill>
+                  <a:srgbClr val="000000"/>
+                </a:solidFill>
+                <a:latin typeface="Courier New"/>
+              </a:rPr>
+              <a:t> </a:t>
+            </a:r>
+            <a:r>
+              <a:rPr sz="1400">
+                <a:solidFill>
+                  <a:srgbClr val="000000"/>
+                </a:solidFill>
+                <a:latin typeface="Courier New"/>
+              </a:rPr>
+              <a:t>2</a:t>
+            </a:r>
+            <a:r>
+              <a:rPr sz="1400">
+                <a:solidFill>
+                  <a:srgbClr val="000000"/>
+                </a:solidFill>
+                <a:latin typeface="Courier New"/>
+              </a:rPr>
+              <a:t> </a:t>
+            </a:r>
+            <a:r>
+              <a:rPr sz="1400">
+                <a:solidFill>
+                  <a:srgbClr val="000000"/>
+                </a:solidFill>
+                <a:latin typeface="Courier New"/>
+              </a:rPr>
+              <a:t>1</a:t>
+            </a:r>
+            <a:r>
+              <a:rPr sz="1400">
+                <a:solidFill>
+                  <a:srgbClr val="000000"/>
+                </a:solidFill>
+                <a:latin typeface="Courier New"/>
+              </a:rPr>
+              <a:t>uH</a:t>
+            </a:r>
+            <a:r>
+              <a:rPr sz="1400">
+                <a:solidFill>
+                  <a:srgbClr val="000000"/>
+                </a:solidFill>
+                <a:latin typeface="Courier New"/>
+              </a:rPr>
+              <a:t/>
+            </a:r>
+          </a:p>
+        </p:txBody>
+      </p:sp>
+      <p:sp>
+        <p:nvSpPr>
+          <p:cNvPr id="3" name="Title 2"/>
+          <p:cNvSpPr>
+            <a:spLocks noGrp="1"/>
+          </p:cNvSpPr>
+          <p:nvPr>
+            <p:ph type="title"/>
+          </p:nvPr>
+        </p:nvSpPr>
+        <p:spPr/>
+        <p:txBody>
+          <a:bodyPr wrap="square">
+            <a:noAutofit/>
+          </a:bodyPr>
+          <a:lstStyle/>
+          <a:p>
+            <a:r>
+              <a:rPr sz="3200" b="1" i="0">
+                <a:latin typeface="Arial"/>
+              </a:rPr>
+              <a:t>SPICE file Klasse D circuit</a:t>
+            </a:r>
+            <a:endParaRPr sz="3200" b="1" i="0">
+              <a:latin typeface="Arial"/>
+            </a:endParaRPr>
+          </a:p>
+        </p:txBody>
+      </p:sp>
+    </p:spTree>
+  </p:cSld>
+  <p:clrMapOvr>
+    <a:masterClrMapping/>
+  </p:clrMapOvr>
+</p:sld>
+</file>
+
+<file path=ppt/slides/slide12.xml><?xml version="1.0" encoding="utf-8"?>
+<p:sld xmlns:a="http://schemas.openxmlformats.org/drawingml/2006/main" xmlns:p="http://schemas.openxmlformats.org/presentationml/2006/main" xmlns:r="http://schemas.openxmlformats.org/officeDocument/2006/relationships">
+  <p:cSld>
+    <p:spTree>
+      <p:nvGrpSpPr>
+        <p:cNvPr id="1" name=""/>
+        <p:cNvGrpSpPr/>
+        <p:nvPr/>
+      </p:nvGrpSpPr>
+      <p:grpSpPr/>
+      <p:sp>
+        <p:nvSpPr>
+          <p:cNvPr id="2" name="Content Placeholder 1"/>
+          <p:cNvSpPr>
+            <a:spLocks noGrp="1"/>
+          </p:cNvSpPr>
+          <p:nvPr>
+            <p:ph idx="1"/>
+          </p:nvPr>
+        </p:nvSpPr>
+        <p:spPr/>
+        <p:txBody>
+          <a:bodyPr/>
+          <a:lstStyle/>
+          <a:p>
+            <a:r>
+              <a:rPr sz="1400">
+                <a:solidFill>
+                  <a:srgbClr val="000000"/>
+                </a:solidFill>
+                <a:latin typeface="Courier New"/>
+              </a:rPr>
+              <a:t>C_C1</a:t>
+            </a:r>
+            <a:r>
+              <a:rPr sz="1400">
+                <a:solidFill>
+                  <a:srgbClr val="000000"/>
+                </a:solidFill>
+                <a:latin typeface="Courier New"/>
+              </a:rPr>
+              <a:t> </a:t>
+            </a:r>
+            <a:r>
+              <a:rPr sz="1400">
+                <a:solidFill>
+                  <a:srgbClr val="000000"/>
+                </a:solidFill>
+                <a:latin typeface="Courier New"/>
+              </a:rPr>
+              <a:t>5</a:t>
+            </a:r>
+            <a:r>
+              <a:rPr sz="1400">
+                <a:solidFill>
+                  <a:srgbClr val="000000"/>
+                </a:solidFill>
+                <a:latin typeface="Courier New"/>
+              </a:rPr>
+              <a:t> </a:t>
+            </a:r>
+            <a:r>
+              <a:rPr sz="1400">
+                <a:solidFill>
+                  <a:srgbClr val="000000"/>
+                </a:solidFill>
+                <a:latin typeface="Courier New"/>
+              </a:rPr>
+              <a:t>6</a:t>
+            </a:r>
+            <a:r>
+              <a:rPr sz="1400">
+                <a:solidFill>
+                  <a:srgbClr val="000000"/>
+                </a:solidFill>
+                <a:latin typeface="Courier New"/>
+              </a:rPr>
+              <a:t> </a:t>
+            </a:r>
+            <a:r>
+              <a:rPr sz="1400">
+                <a:solidFill>
+                  <a:srgbClr val="000000"/>
+                </a:solidFill>
+                <a:latin typeface="Courier New"/>
+              </a:rPr>
+              <a:t>10</a:t>
+            </a:r>
+            <a:r>
+              <a:rPr sz="1400">
+                <a:solidFill>
+                  <a:srgbClr val="000000"/>
+                </a:solidFill>
+                <a:latin typeface="Courier New"/>
+              </a:rPr>
+              <a:t>n</a:t>
+            </a:r>
+            <a:r>
+              <a:rPr sz="1400">
+                <a:solidFill>
+                  <a:srgbClr val="000000"/>
+                </a:solidFill>
+                <a:latin typeface="Courier New"/>
+              </a:rPr>
+              <a:t/>
+            </a:r>
+            <a:r>
+              <a:rPr sz="1400">
+                <a:solidFill>
+                  <a:srgbClr val="000000"/>
+                </a:solidFill>
+                <a:latin typeface="Courier New"/>
+              </a:rPr>
+              <a:t>R_RL</a:t>
+            </a:r>
+            <a:r>
+              <a:rPr sz="1400">
+                <a:solidFill>
+                  <a:srgbClr val="000000"/>
+                </a:solidFill>
+                <a:latin typeface="Courier New"/>
+              </a:rPr>
+              <a:t> </a:t>
+            </a:r>
+            <a:r>
+              <a:rPr sz="1400">
+                <a:solidFill>
+                  <a:srgbClr val="000000"/>
+                </a:solidFill>
+                <a:latin typeface="Courier New"/>
+              </a:rPr>
+              <a:t>6</a:t>
+            </a:r>
+            <a:r>
+              <a:rPr sz="1400">
+                <a:solidFill>
+                  <a:srgbClr val="000000"/>
+                </a:solidFill>
+                <a:latin typeface="Courier New"/>
+              </a:rPr>
+              <a:t> </a:t>
+            </a:r>
+            <a:r>
+              <a:rPr sz="1400">
+                <a:solidFill>
+                  <a:srgbClr val="000000"/>
+                </a:solidFill>
+                <a:latin typeface="Courier New"/>
+              </a:rPr>
+              <a:t>0</a:t>
+            </a:r>
+            <a:r>
+              <a:rPr sz="1400">
+                <a:solidFill>
+                  <a:srgbClr val="000000"/>
+                </a:solidFill>
+                <a:latin typeface="Courier New"/>
+              </a:rPr>
+              <a:t> </a:t>
+            </a:r>
+            <a:r>
+              <a:rPr sz="1400">
+                <a:solidFill>
+                  <a:srgbClr val="000000"/>
+                </a:solidFill>
+                <a:latin typeface="Courier New"/>
+              </a:rPr>
+              <a:t>6</a:t>
+            </a:r>
+            <a:r>
+              <a:rPr sz="1400">
+                <a:solidFill>
+                  <a:srgbClr val="000000"/>
+                </a:solidFill>
+                <a:latin typeface="Courier New"/>
+              </a:rPr>
+              <a:t/>
+            </a:r>
+            <a:r>
+              <a:rPr sz="1400">
+                <a:solidFill>
+                  <a:srgbClr val="000000"/>
+                </a:solidFill>
+                <a:latin typeface="Courier New"/>
+              </a:rPr>
+              <a:t>V_Vdd</a:t>
+            </a:r>
+            <a:r>
+              <a:rPr sz="1400">
+                <a:solidFill>
+                  <a:srgbClr val="000000"/>
+                </a:solidFill>
+                <a:latin typeface="Courier New"/>
+              </a:rPr>
+              <a:t> </a:t>
+            </a:r>
+            <a:r>
+              <a:rPr sz="1400">
+                <a:solidFill>
+                  <a:srgbClr val="000000"/>
+                </a:solidFill>
+                <a:latin typeface="Courier New"/>
+              </a:rPr>
+              <a:t>3</a:t>
+            </a:r>
+            <a:r>
+              <a:rPr sz="1400">
+                <a:solidFill>
+                  <a:srgbClr val="000000"/>
+                </a:solidFill>
+                <a:latin typeface="Courier New"/>
+              </a:rPr>
+              <a:t> </a:t>
+            </a:r>
+            <a:r>
+              <a:rPr sz="1400">
+                <a:solidFill>
+                  <a:srgbClr val="000000"/>
+                </a:solidFill>
+                <a:latin typeface="Courier New"/>
+              </a:rPr>
+              <a:t>0</a:t>
+            </a:r>
+            <a:r>
+              <a:rPr sz="1400">
+                <a:solidFill>
+                  <a:srgbClr val="000000"/>
+                </a:solidFill>
+                <a:latin typeface="Courier New"/>
+              </a:rPr>
+              <a:t> </a:t>
+            </a:r>
+            <a:r>
+              <a:rPr sz="1400">
+                <a:solidFill>
+                  <a:srgbClr val="000000"/>
+                </a:solidFill>
+                <a:latin typeface="Courier New"/>
+              </a:rPr>
+              <a:t>20</a:t>
+            </a:r>
+            <a:r>
+              <a:rPr sz="1400">
+                <a:solidFill>
+                  <a:srgbClr val="000000"/>
+                </a:solidFill>
+                <a:latin typeface="Courier New"/>
+              </a:rPr>
+              <a:t>V</a:t>
+            </a:r>
+            <a:r>
+              <a:rPr sz="1400">
+                <a:solidFill>
+                  <a:srgbClr val="000000"/>
+                </a:solidFill>
+                <a:latin typeface="Courier New"/>
+              </a:rPr>
+              <a:t/>
+            </a:r>
+            <a:r>
+              <a:rPr sz="1400">
+                <a:solidFill>
+                  <a:srgbClr val="000000"/>
+                </a:solidFill>
+                <a:latin typeface="Courier New"/>
+              </a:rPr>
+              <a:t>R_Rin</a:t>
+            </a:r>
+            <a:r>
+              <a:rPr sz="1400">
+                <a:solidFill>
+                  <a:srgbClr val="000000"/>
+                </a:solidFill>
+                <a:latin typeface="Courier New"/>
+              </a:rPr>
+              <a:t> </a:t>
+            </a:r>
+            <a:r>
+              <a:rPr sz="1400">
+                <a:solidFill>
+                  <a:srgbClr val="000000"/>
+                </a:solidFill>
+                <a:latin typeface="Courier New"/>
+              </a:rPr>
+              <a:t>4</a:t>
+            </a:r>
+            <a:r>
+              <a:rPr sz="1400">
+                <a:solidFill>
+                  <a:srgbClr val="000000"/>
+                </a:solidFill>
+                <a:latin typeface="Courier New"/>
+              </a:rPr>
+              <a:t> </a:t>
+            </a:r>
+            <a:r>
+              <a:rPr sz="1400">
+                <a:solidFill>
+                  <a:srgbClr val="000000"/>
+                </a:solidFill>
+                <a:latin typeface="Courier New"/>
+              </a:rPr>
+              <a:t>1</a:t>
+            </a:r>
+            <a:r>
+              <a:rPr sz="1400">
+                <a:solidFill>
+                  <a:srgbClr val="000000"/>
+                </a:solidFill>
+                <a:latin typeface="Courier New"/>
+              </a:rPr>
+              <a:t> </a:t>
+            </a:r>
+            <a:r>
+              <a:rPr sz="1400">
+                <a:solidFill>
+                  <a:srgbClr val="000000"/>
+                </a:solidFill>
+                <a:latin typeface="Courier New"/>
+              </a:rPr>
+              <a:t>1</a:t>
+            </a:r>
+            <a:r>
+              <a:rPr sz="1400">
+                <a:solidFill>
+                  <a:srgbClr val="000000"/>
+                </a:solidFill>
+                <a:latin typeface="Courier New"/>
+              </a:rPr>
+              <a:t/>
+            </a:r>
+            <a:r>
+              <a:rPr sz="1400">
+                <a:solidFill>
+                  <a:srgbClr val="000000"/>
+                </a:solidFill>
+                <a:latin typeface="Courier New"/>
+              </a:rPr>
+              <a:t>V_Vin</a:t>
+            </a:r>
+            <a:r>
+              <a:rPr sz="1400">
+                <a:solidFill>
+                  <a:srgbClr val="000000"/>
+                </a:solidFill>
+                <a:latin typeface="Courier New"/>
+              </a:rPr>
+              <a:t> </a:t>
+            </a:r>
+            <a:r>
+              <a:rPr sz="1400">
+                <a:solidFill>
+                  <a:srgbClr val="000000"/>
+                </a:solidFill>
+                <a:latin typeface="Courier New"/>
+              </a:rPr>
+              <a:t>4</a:t>
+            </a:r>
+            <a:r>
+              <a:rPr sz="1400">
+                <a:solidFill>
+                  <a:srgbClr val="000000"/>
+                </a:solidFill>
+                <a:latin typeface="Courier New"/>
+              </a:rPr>
+              <a:t> </a:t>
+            </a:r>
+            <a:r>
+              <a:rPr sz="1400">
+                <a:solidFill>
+                  <a:srgbClr val="000000"/>
+                </a:solidFill>
+                <a:latin typeface="Courier New"/>
+              </a:rPr>
+              <a:t>0</a:t>
+            </a:r>
+            <a:r>
+              <a:rPr sz="1400">
+                <a:solidFill>
+                  <a:srgbClr val="000000"/>
+                </a:solidFill>
+                <a:latin typeface="Courier New"/>
+              </a:rPr>
+              <a:t> </a:t>
+            </a:r>
+            <a:r>
+              <a:rPr sz="1400">
+                <a:solidFill>
+                  <a:srgbClr val="000000"/>
+                </a:solidFill>
+                <a:latin typeface="Courier New"/>
+              </a:rPr>
+              <a:t>PULSE</a:t>
+            </a:r>
+            <a:r>
+              <a:rPr sz="1400">
+                <a:solidFill>
+                  <a:srgbClr val="000000"/>
+                </a:solidFill>
+                <a:latin typeface="Courier New"/>
+              </a:rPr>
+              <a:t>(</a:t>
+            </a:r>
+            <a:r>
+              <a:rPr sz="1400">
+                <a:solidFill>
+                  <a:srgbClr val="000000"/>
+                </a:solidFill>
+                <a:latin typeface="Courier New"/>
+              </a:rPr>
+              <a:t>0</a:t>
+            </a:r>
+            <a:r>
+              <a:rPr sz="1400">
+                <a:solidFill>
+                  <a:srgbClr val="000000"/>
+                </a:solidFill>
+                <a:latin typeface="Courier New"/>
+              </a:rPr>
+              <a:t> </a:t>
+            </a:r>
+            <a:r>
+              <a:rPr sz="1400">
+                <a:solidFill>
+                  <a:srgbClr val="000000"/>
+                </a:solidFill>
+                <a:latin typeface="Courier New"/>
+              </a:rPr>
+              <a:t>20</a:t>
+            </a:r>
+            <a:r>
+              <a:rPr sz="1400">
+                <a:solidFill>
+                  <a:srgbClr val="000000"/>
+                </a:solidFill>
+                <a:latin typeface="Courier New"/>
+              </a:rPr>
+              <a:t> </a:t>
+            </a:r>
+            <a:r>
+              <a:rPr sz="1400">
+                <a:solidFill>
+                  <a:srgbClr val="000000"/>
+                </a:solidFill>
+                <a:latin typeface="Courier New"/>
+              </a:rPr>
+              <a:t>0</a:t>
+            </a:r>
+            <a:r>
+              <a:rPr sz="1400">
+                <a:solidFill>
+                  <a:srgbClr val="000000"/>
+                </a:solidFill>
+                <a:latin typeface="Courier New"/>
+              </a:rPr>
+              <a:t> </a:t>
+            </a:r>
+            <a:r>
+              <a:rPr sz="1400">
+                <a:solidFill>
+                  <a:srgbClr val="000000"/>
+                </a:solidFill>
+                <a:latin typeface="Courier New"/>
+              </a:rPr>
+              <a:t>20</a:t>
+            </a:r>
+            <a:r>
+              <a:rPr sz="1400">
+                <a:solidFill>
+                  <a:srgbClr val="000000"/>
+                </a:solidFill>
+                <a:latin typeface="Courier New"/>
+              </a:rPr>
+              <a:t>ns</a:t>
+            </a:r>
+            <a:r>
+              <a:rPr sz="1400">
+                <a:solidFill>
+                  <a:srgbClr val="000000"/>
+                </a:solidFill>
+                <a:latin typeface="Courier New"/>
+              </a:rPr>
+              <a:t> </a:t>
+            </a:r>
+            <a:r>
+              <a:rPr sz="1400">
+                <a:solidFill>
+                  <a:srgbClr val="000000"/>
+                </a:solidFill>
+                <a:latin typeface="Courier New"/>
+              </a:rPr>
+              <a:t>20</a:t>
+            </a:r>
+            <a:r>
+              <a:rPr sz="1400">
+                <a:solidFill>
+                  <a:srgbClr val="000000"/>
+                </a:solidFill>
+                <a:latin typeface="Courier New"/>
+              </a:rPr>
+              <a:t>ns</a:t>
+            </a:r>
+            <a:r>
+              <a:rPr sz="1400">
+                <a:solidFill>
+                  <a:srgbClr val="000000"/>
+                </a:solidFill>
+                <a:latin typeface="Courier New"/>
+              </a:rPr>
+              <a:t> </a:t>
+            </a:r>
+            <a:r>
+              <a:rPr sz="1400">
+                <a:solidFill>
+                  <a:srgbClr val="000000"/>
+                </a:solidFill>
+                <a:latin typeface="Courier New"/>
+              </a:rPr>
+              <a:t>294</a:t>
+            </a:r>
+            <a:r>
+              <a:rPr sz="1400">
+                <a:solidFill>
+                  <a:srgbClr val="000000"/>
+                </a:solidFill>
+                <a:latin typeface="Courier New"/>
+              </a:rPr>
+              <a:t>ns</a:t>
+            </a:r>
+            <a:r>
+              <a:rPr sz="1400">
+                <a:solidFill>
+                  <a:srgbClr val="000000"/>
+                </a:solidFill>
+                <a:latin typeface="Courier New"/>
+              </a:rPr>
+              <a:t> </a:t>
+            </a:r>
+            <a:r>
+              <a:rPr sz="1400">
+                <a:solidFill>
+                  <a:srgbClr val="000000"/>
+                </a:solidFill>
+                <a:latin typeface="Courier New"/>
+              </a:rPr>
+              <a:t>628</a:t>
+            </a:r>
+            <a:r>
+              <a:rPr sz="1400">
+                <a:solidFill>
+                  <a:srgbClr val="000000"/>
+                </a:solidFill>
+                <a:latin typeface="Courier New"/>
+              </a:rPr>
+              <a:t>ns</a:t>
+            </a:r>
+            <a:r>
+              <a:rPr sz="1400">
+                <a:solidFill>
+                  <a:srgbClr val="000000"/>
+                </a:solidFill>
+                <a:latin typeface="Courier New"/>
+              </a:rPr>
+              <a:t>)</a:t>
+            </a:r>
+            <a:r>
+              <a:rPr sz="1400">
+                <a:solidFill>
+                  <a:srgbClr val="000000"/>
+                </a:solidFill>
+                <a:latin typeface="Courier New"/>
+              </a:rPr>
+              <a:t> </a:t>
+            </a:r>
+            <a:r>
+              <a:rPr sz="1400">
+                <a:solidFill>
+                  <a:srgbClr val="000000"/>
+                </a:solidFill>
+                <a:latin typeface="Courier New"/>
+              </a:rPr>
+              <a:t>DC</a:t>
+            </a:r>
+            <a:r>
+              <a:rPr sz="1400">
+                <a:solidFill>
+                  <a:srgbClr val="000000"/>
+                </a:solidFill>
+                <a:latin typeface="Courier New"/>
+              </a:rPr>
+              <a:t>=</a:t>
+            </a:r>
+            <a:r>
+              <a:rPr sz="1400">
+                <a:solidFill>
+                  <a:srgbClr val="000000"/>
+                </a:solidFill>
+                <a:latin typeface="Courier New"/>
+              </a:rPr>
+              <a:t>0</a:t>
+            </a:r>
+            <a:r>
+              <a:rPr sz="1400">
+                <a:solidFill>
+                  <a:srgbClr val="000000"/>
+                </a:solidFill>
+                <a:latin typeface="Courier New"/>
+              </a:rPr>
+              <a:t/>
+            </a:r>
+            <a:r>
+              <a:rPr sz="1400">
+                <a:solidFill>
+                  <a:srgbClr val="000000"/>
+                </a:solidFill>
+                <a:latin typeface="Courier New"/>
+              </a:rPr>
+              <a:t>.</a:t>
+            </a:r>
+            <a:r>
+              <a:rPr sz="1400">
+                <a:solidFill>
+                  <a:srgbClr val="000000"/>
+                </a:solidFill>
+                <a:latin typeface="Courier New"/>
+              </a:rPr>
+              <a:t>model</a:t>
+            </a:r>
+            <a:r>
+              <a:rPr sz="1400">
+                <a:solidFill>
+                  <a:srgbClr val="000000"/>
+                </a:solidFill>
+                <a:latin typeface="Courier New"/>
+              </a:rPr>
+              <a:t> </a:t>
+            </a:r>
+            <a:r>
+              <a:rPr sz="1400">
+                <a:solidFill>
+                  <a:srgbClr val="000000"/>
+                </a:solidFill>
+                <a:latin typeface="Courier New"/>
+              </a:rPr>
+              <a:t>Q2</a:t>
+            </a:r>
+            <a:r>
+              <a:rPr sz="1400">
+                <a:solidFill>
+                  <a:srgbClr val="000000"/>
+                </a:solidFill>
+                <a:latin typeface="Courier New"/>
+              </a:rPr>
+              <a:t> </a:t>
+            </a:r>
+            <a:r>
+              <a:rPr sz="1400">
+                <a:solidFill>
+                  <a:srgbClr val="000000"/>
+                </a:solidFill>
+                <a:latin typeface="Courier New"/>
+              </a:rPr>
+              <a:t>NPN</a:t>
+            </a:r>
+            <a:r>
+              <a:rPr sz="1400">
+                <a:solidFill>
+                  <a:srgbClr val="000000"/>
+                </a:solidFill>
+                <a:latin typeface="Courier New"/>
+              </a:rPr>
+              <a:t>(</a:t>
+            </a:r>
+            <a:r>
+              <a:rPr sz="1400">
+                <a:solidFill>
+                  <a:srgbClr val="000000"/>
+                </a:solidFill>
+                <a:latin typeface="Courier New"/>
+              </a:rPr>
+              <a:t>Is</a:t>
+            </a:r>
+            <a:r>
+              <a:rPr sz="1400">
+                <a:solidFill>
+                  <a:srgbClr val="000000"/>
+                </a:solidFill>
+                <a:latin typeface="Courier New"/>
+              </a:rPr>
+              <a:t>=</a:t>
+            </a:r>
+            <a:r>
+              <a:rPr sz="1400">
+                <a:solidFill>
+                  <a:srgbClr val="000000"/>
+                </a:solidFill>
+                <a:latin typeface="Courier New"/>
+              </a:rPr>
+              <a:t>14.34</a:t>
+            </a:r>
+            <a:r>
+              <a:rPr sz="1400">
+                <a:solidFill>
+                  <a:srgbClr val="000000"/>
+                </a:solidFill>
+                <a:latin typeface="Courier New"/>
+              </a:rPr>
+              <a:t>f</a:t>
+            </a:r>
+            <a:r>
+              <a:rPr sz="1400">
+                <a:solidFill>
+                  <a:srgbClr val="000000"/>
+                </a:solidFill>
+                <a:latin typeface="Courier New"/>
+              </a:rPr>
+              <a:t> </a:t>
+            </a:r>
+            <a:r>
+              <a:rPr sz="1400">
+                <a:solidFill>
+                  <a:srgbClr val="000000"/>
+                </a:solidFill>
+                <a:latin typeface="Courier New"/>
+              </a:rPr>
+              <a:t>BF</a:t>
+            </a:r>
+            <a:r>
+              <a:rPr sz="1400">
+                <a:solidFill>
+                  <a:srgbClr val="000000"/>
+                </a:solidFill>
+                <a:latin typeface="Courier New"/>
+              </a:rPr>
+              <a:t>=</a:t>
+            </a:r>
+            <a:r>
+              <a:rPr sz="1400">
+                <a:solidFill>
+                  <a:srgbClr val="000000"/>
+                </a:solidFill>
+                <a:latin typeface="Courier New"/>
+              </a:rPr>
+              <a:t>200</a:t>
+            </a:r>
+            <a:r>
+              <a:rPr sz="1400">
+                <a:solidFill>
+                  <a:srgbClr val="000000"/>
+                </a:solidFill>
+                <a:latin typeface="Courier New"/>
+              </a:rPr>
+              <a:t>)</a:t>
+            </a:r>
+            <a:r>
+              <a:rPr sz="1400">
+                <a:solidFill>
+                  <a:srgbClr val="000000"/>
+                </a:solidFill>
+                <a:latin typeface="Courier New"/>
+              </a:rPr>
+              <a:t/>
+            </a:r>
+            <a:r>
+              <a:rPr sz="1400">
+                <a:solidFill>
+                  <a:srgbClr val="000000"/>
+                </a:solidFill>
+                <a:latin typeface="Courier New"/>
+              </a:rPr>
+              <a:t>.</a:t>
+            </a:r>
+            <a:r>
+              <a:rPr sz="1400">
+                <a:solidFill>
+                  <a:srgbClr val="000000"/>
+                </a:solidFill>
+                <a:latin typeface="Courier New"/>
+              </a:rPr>
+              <a:t>model</a:t>
+            </a:r>
+            <a:r>
+              <a:rPr sz="1400">
+                <a:solidFill>
+                  <a:srgbClr val="000000"/>
+                </a:solidFill>
+                <a:latin typeface="Courier New"/>
+              </a:rPr>
+              <a:t> </a:t>
+            </a:r>
+            <a:r>
+              <a:rPr sz="1400">
+                <a:solidFill>
+                  <a:srgbClr val="000000"/>
+                </a:solidFill>
+                <a:latin typeface="Courier New"/>
+              </a:rPr>
+              <a:t>Qp</a:t>
+            </a:r>
+            <a:r>
+              <a:rPr sz="1400">
+                <a:solidFill>
+                  <a:srgbClr val="000000"/>
+                </a:solidFill>
+                <a:latin typeface="Courier New"/>
+              </a:rPr>
+              <a:t> </a:t>
+            </a:r>
+            <a:r>
+              <a:rPr sz="1400">
+                <a:solidFill>
+                  <a:srgbClr val="000000"/>
+                </a:solidFill>
+                <a:latin typeface="Courier New"/>
+              </a:rPr>
+              <a:t>PNP</a:t>
+            </a:r>
+            <a:r>
+              <a:rPr sz="1400">
+                <a:solidFill>
+                  <a:srgbClr val="000000"/>
+                </a:solidFill>
+                <a:latin typeface="Courier New"/>
+              </a:rPr>
+              <a:t>(</a:t>
+            </a:r>
+            <a:r>
+              <a:rPr sz="1400">
+                <a:solidFill>
+                  <a:srgbClr val="000000"/>
+                </a:solidFill>
+                <a:latin typeface="Courier New"/>
+              </a:rPr>
+              <a:t>Is</a:t>
+            </a:r>
+            <a:r>
+              <a:rPr sz="1400">
+                <a:solidFill>
+                  <a:srgbClr val="000000"/>
+                </a:solidFill>
+                <a:latin typeface="Courier New"/>
+              </a:rPr>
+              <a:t>=</a:t>
+            </a:r>
+            <a:r>
+              <a:rPr sz="1400">
+                <a:solidFill>
+                  <a:srgbClr val="000000"/>
+                </a:solidFill>
+                <a:latin typeface="Courier New"/>
+              </a:rPr>
+              <a:t>5.34</a:t>
+            </a:r>
+            <a:r>
+              <a:rPr sz="1400">
+                <a:solidFill>
+                  <a:srgbClr val="000000"/>
+                </a:solidFill>
+                <a:latin typeface="Courier New"/>
+              </a:rPr>
+              <a:t>f</a:t>
+            </a:r>
+            <a:r>
+              <a:rPr sz="1400">
+                <a:solidFill>
+                  <a:srgbClr val="000000"/>
+                </a:solidFill>
+                <a:latin typeface="Courier New"/>
+              </a:rPr>
+              <a:t> </a:t>
+            </a:r>
+            <a:r>
+              <a:rPr sz="1400">
+                <a:solidFill>
+                  <a:srgbClr val="000000"/>
+                </a:solidFill>
+                <a:latin typeface="Courier New"/>
+              </a:rPr>
+              <a:t>BF</a:t>
+            </a:r>
+            <a:r>
+              <a:rPr sz="1400">
+                <a:solidFill>
+                  <a:srgbClr val="000000"/>
+                </a:solidFill>
+                <a:latin typeface="Courier New"/>
+              </a:rPr>
+              <a:t>=</a:t>
+            </a:r>
+            <a:r>
+              <a:rPr sz="1400">
+                <a:solidFill>
+                  <a:srgbClr val="000000"/>
+                </a:solidFill>
+                <a:latin typeface="Courier New"/>
+              </a:rPr>
+              <a:t>100</a:t>
+            </a:r>
+            <a:r>
+              <a:rPr sz="1400">
+                <a:solidFill>
+                  <a:srgbClr val="000000"/>
+                </a:solidFill>
+                <a:latin typeface="Courier New"/>
+              </a:rPr>
+              <a:t>)</a:t>
+            </a:r>
+            <a:r>
+              <a:rPr sz="1400">
+                <a:solidFill>
+                  <a:srgbClr val="000000"/>
+                </a:solidFill>
+                <a:latin typeface="Courier New"/>
+              </a:rPr>
+              <a:t/>
+            </a:r>
+          </a:p>
+        </p:txBody>
+      </p:sp>
+      <p:sp>
+        <p:nvSpPr>
+          <p:cNvPr id="3" name="Title 2"/>
+          <p:cNvSpPr>
+            <a:spLocks noGrp="1"/>
+          </p:cNvSpPr>
+          <p:nvPr>
+            <p:ph type="title"/>
+          </p:nvPr>
+        </p:nvSpPr>
+        <p:spPr/>
+        <p:txBody>
+          <a:bodyPr wrap="square">
+            <a:noAutofit/>
+          </a:bodyPr>
+          <a:lstStyle/>
+          <a:p>
+            <a:r>
+              <a:rPr sz="3200" b="1" i="0">
+                <a:latin typeface="Arial"/>
+              </a:rPr>
+              <a:t>SPICE file Klasse D circuit</a:t>
+            </a:r>
+            <a:endParaRPr sz="3200" b="1" i="0">
+              <a:latin typeface="Arial"/>
+            </a:endParaRPr>
+          </a:p>
+        </p:txBody>
+      </p:sp>
+    </p:spTree>
+  </p:cSld>
+  <p:clrMapOvr>
+    <a:masterClrMapping/>
+  </p:clrMapOvr>
+</p:sld>
+</file>
+
+<file path=ppt/slides/slide13.xml><?xml version="1.0" encoding="utf-8"?>
+<p:sld xmlns:a="http://schemas.openxmlformats.org/drawingml/2006/main" xmlns:p="http://schemas.openxmlformats.org/presentationml/2006/main" xmlns:r="http://schemas.openxmlformats.org/officeDocument/2006/relationships">
+  <p:cSld>
+    <p:spTree>
+      <p:nvGrpSpPr>
+        <p:cNvPr id="1" name=""/>
+        <p:cNvGrpSpPr/>
+        <p:nvPr/>
+      </p:nvGrpSpPr>
+      <p:grpSpPr/>
+      <p:sp>
+        <p:nvSpPr>
+          <p:cNvPr id="2" name="Title 1"/>
+          <p:cNvSpPr>
+            <a:spLocks noGrp="1"/>
+          </p:cNvSpPr>
+          <p:nvPr>
+            <p:ph type="title"/>
+          </p:nvPr>
+        </p:nvSpPr>
+        <p:spPr/>
+        <p:txBody>
+          <a:bodyPr wrap="square">
+            <a:noAutofit/>
+          </a:bodyPr>
+          <a:lstStyle/>
+          <a:p>
+            <a:r>
+              <a:rPr sz="3200" b="1" i="0">
+                <a:latin typeface="Arial"/>
+              </a:rPr>
+              <a:t>Bekomen spanningen op de verschillende knopen</a:t>
+            </a:r>
+            <a:endParaRPr sz="3200" b="1" i="0">
+              <a:latin typeface="Arial"/>
+            </a:endParaRPr>
+          </a:p>
+        </p:txBody>
+      </p:sp>
+      <p:pic>
+        <p:nvPicPr>
+          <p:cNvPr id="3" name="Picture 2" descr="image.png"/>
+          <p:cNvPicPr>
+            <a:picLocks noChangeAspect="1"/>
+          </p:cNvPicPr>
+          <p:nvPr/>
+        </p:nvPicPr>
+        <p:blipFill>
+          <a:blip r:embed="rId2"/>
+          <a:stretch>
+            <a:fillRect/>
+          </a:stretch>
+        </p:blipFill>
+        <p:spPr>
+          <a:xfrm>
+            <a:off x="1918781" y="566928"/>
+            <a:ext cx="8354438" cy="5577840"/>
+          </a:xfrm>
+          <a:prstGeom prst="rect">
+            <a:avLst/>
+          </a:prstGeom>
+        </p:spPr>
+      </p:pic>
+    </p:spTree>
+  </p:cSld>
+  <p:clrMapOvr>
+    <a:masterClrMapping/>
+  </p:clrMapOvr>
+</p:sld>
+</file>
+
+<file path=ppt/slides/slide14.xml><?xml version="1.0" encoding="utf-8"?>
+<p:sld xmlns:a="http://schemas.openxmlformats.org/drawingml/2006/main" xmlns:p="http://schemas.openxmlformats.org/presentationml/2006/main" xmlns:r="http://schemas.openxmlformats.org/officeDocument/2006/relationships">
+  <p:cSld>
+    <p:spTree>
+      <p:nvGrpSpPr>
+        <p:cNvPr id="1" name=""/>
+        <p:cNvGrpSpPr/>
+        <p:nvPr/>
+      </p:nvGrpSpPr>
+      <p:grpSpPr/>
+      <p:sp>
+        <p:nvSpPr>
+          <p:cNvPr id="2" name="Title 1"/>
+          <p:cNvSpPr>
+            <a:spLocks noGrp="1"/>
+          </p:cNvSpPr>
+          <p:nvPr>
+            <p:ph type="title"/>
+          </p:nvPr>
+        </p:nvSpPr>
+        <p:spPr/>
+        <p:txBody>
+          <a:bodyPr wrap="square">
+            <a:noAutofit/>
+          </a:bodyPr>
+          <a:lstStyle/>
+          <a:p>
+            <a:r>
+              <a:rPr sz="3200" b="1" i="0">
+                <a:latin typeface="Arial"/>
+              </a:rPr>
+              <a:t>Collector stroom in de NPN en de PNP transistor</a:t>
+            </a:r>
+            <a:endParaRPr sz="3200" b="1" i="0">
+              <a:latin typeface="Arial"/>
+            </a:endParaRPr>
+          </a:p>
+        </p:txBody>
+      </p:sp>
+      <p:pic>
+        <p:nvPicPr>
+          <p:cNvPr id="3" name="Picture 2" descr="image.png"/>
+          <p:cNvPicPr>
+            <a:picLocks noChangeAspect="1"/>
+          </p:cNvPicPr>
+          <p:nvPr/>
+        </p:nvPicPr>
+        <p:blipFill>
+          <a:blip r:embed="rId2"/>
+          <a:stretch>
+            <a:fillRect/>
+          </a:stretch>
+        </p:blipFill>
+        <p:spPr>
+          <a:xfrm>
+            <a:off x="1902351" y="566928"/>
+            <a:ext cx="8387297" cy="5577840"/>
+          </a:xfrm>
+          <a:prstGeom prst="rect">
+            <a:avLst/>
+          </a:prstGeom>
+        </p:spPr>
+      </p:pic>
+    </p:spTree>
+  </p:cSld>
+  <p:clrMapOvr>
+    <a:masterClrMapping/>
+  </p:clrMapOvr>
+</p:sld>
+</file>
+
+<file path=ppt/slides/slide15.xml><?xml version="1.0" encoding="utf-8"?>
+<p:sld xmlns:a="http://schemas.openxmlformats.org/drawingml/2006/main" xmlns:p="http://schemas.openxmlformats.org/presentationml/2006/main" xmlns:r="http://schemas.openxmlformats.org/officeDocument/2006/relationships">
+  <p:cSld>
+    <p:spTree>
+      <p:nvGrpSpPr>
+        <p:cNvPr id="1" name=""/>
+        <p:cNvGrpSpPr/>
+        <p:nvPr/>
+      </p:nvGrpSpPr>
+      <p:grpSpPr/>
+      <p:sp>
+        <p:nvSpPr>
+          <p:cNvPr id="2" name="Content Placeholder 1"/>
+          <p:cNvSpPr>
+            <a:spLocks noGrp="1"/>
+          </p:cNvSpPr>
+          <p:nvPr>
+            <p:ph idx="1"/>
+          </p:nvPr>
+        </p:nvSpPr>
+        <p:spPr/>
+        <p:txBody>
+          <a:bodyPr/>
+          <a:lstStyle/>
+          <a:p/>
+        </p:txBody>
+      </p:sp>
+      <p:sp>
+        <p:nvSpPr>
+          <p:cNvPr id="3" name="Title 2"/>
+          <p:cNvSpPr>
+            <a:spLocks noGrp="1"/>
+          </p:cNvSpPr>
+          <p:nvPr>
+            <p:ph type="title"/>
+          </p:nvPr>
+        </p:nvSpPr>
+        <p:spPr/>
+        <p:txBody>
+          <a:bodyPr wrap="square">
+            <a:noAutofit/>
+          </a:bodyPr>
+          <a:lstStyle/>
+          <a:p>
+            <a:r>
+              <a:rPr sz="3200" b="1" i="0">
+                <a:latin typeface="Arial"/>
+              </a:rPr>
+              <a:t>Fourrier reeks van de spanning op knoop 2</a:t>
+            </a:r>
+            <a:endParaRPr sz="3200" b="1" i="0">
+              <a:latin typeface="Arial"/>
+            </a:endParaRPr>
+          </a:p>
+        </p:txBody>
+      </p:sp>
+      <p:pic>
+        <p:nvPicPr>
+          <p:cNvPr id="4" name="Picture 3" descr="image.png"/>
+          <p:cNvPicPr>
+            <a:picLocks noChangeAspect="1"/>
+          </p:cNvPicPr>
+          <p:nvPr/>
+        </p:nvPicPr>
+        <p:blipFill>
+          <a:blip r:embed="rId2"/>
+          <a:stretch>
+            <a:fillRect/>
+          </a:stretch>
+        </p:blipFill>
+        <p:spPr>
+          <a:xfrm>
+            <a:off x="1195387" y="868680"/>
+            <a:ext cx="9801225" cy="952500"/>
+          </a:xfrm>
+          <a:prstGeom prst="rect">
+            <a:avLst/>
+          </a:prstGeom>
+        </p:spPr>
+      </p:pic>
+    </p:spTree>
+  </p:cSld>
+  <p:clrMapOvr>
+    <a:masterClrMapping/>
+  </p:clrMapOvr>
+</p:sld>
+</file>
+
+<file path=ppt/slides/slide16.xml><?xml version="1.0" encoding="utf-8"?>
+<p:sld xmlns:a="http://schemas.openxmlformats.org/drawingml/2006/main" xmlns:p="http://schemas.openxmlformats.org/presentationml/2006/main" xmlns:r="http://schemas.openxmlformats.org/officeDocument/2006/relationships">
+  <p:cSld>
+    <p:spTree>
+      <p:nvGrpSpPr>
+        <p:cNvPr id="1" name=""/>
+        <p:cNvGrpSpPr/>
+        <p:nvPr/>
+      </p:nvGrpSpPr>
+      <p:grpSpPr/>
+      <p:sp>
+        <p:nvSpPr>
+          <p:cNvPr id="2" name="Title 1"/>
+          <p:cNvSpPr>
+            <a:spLocks noGrp="1"/>
+          </p:cNvSpPr>
+          <p:nvPr>
+            <p:ph type="title"/>
+          </p:nvPr>
+        </p:nvSpPr>
+        <p:spPr/>
+        <p:txBody>
+          <a:bodyPr wrap="square">
+            <a:noAutofit/>
+          </a:bodyPr>
+          <a:lstStyle/>
+          <a:p>
+            <a:r>
+              <a:rPr sz="3200" b="1" i="0">
+                <a:latin typeface="Arial"/>
+              </a:rPr>
+              <a:t>Harmonische componenten in de spanning</a:t>
+            </a:r>
+            <a:endParaRPr sz="3200" b="1" i="0">
+              <a:latin typeface="Arial"/>
+            </a:endParaRPr>
+          </a:p>
+        </p:txBody>
+      </p:sp>
+      <p:pic>
+        <p:nvPicPr>
+          <p:cNvPr id="3" name="Picture 2" descr="image.png"/>
+          <p:cNvPicPr>
+            <a:picLocks noChangeAspect="1"/>
+          </p:cNvPicPr>
+          <p:nvPr/>
+        </p:nvPicPr>
+        <p:blipFill>
+          <a:blip r:embed="rId2"/>
+          <a:stretch>
+            <a:fillRect/>
+          </a:stretch>
+        </p:blipFill>
+        <p:spPr>
+          <a:xfrm>
+            <a:off x="3241361" y="566928"/>
+            <a:ext cx="5709277" cy="5577840"/>
+          </a:xfrm>
+          <a:prstGeom prst="rect">
+            <a:avLst/>
+          </a:prstGeom>
+        </p:spPr>
+      </p:pic>
+    </p:spTree>
+  </p:cSld>
+  <p:clrMapOvr>
+    <a:masterClrMapping/>
+  </p:clrMapOvr>
+</p:sld>
+</file>
+
+<file path=ppt/slides/slide17.xml><?xml version="1.0" encoding="utf-8"?>
+<p:sld xmlns:a="http://schemas.openxmlformats.org/drawingml/2006/main" xmlns:p="http://schemas.openxmlformats.org/presentationml/2006/main" xmlns:r="http://schemas.openxmlformats.org/officeDocument/2006/relationships">
+  <p:cSld>
+    <p:spTree>
+      <p:nvGrpSpPr>
+        <p:cNvPr id="1" name=""/>
+        <p:cNvGrpSpPr/>
+        <p:nvPr/>
+      </p:nvGrpSpPr>
+      <p:grpSpPr/>
+      <p:sp>
+        <p:nvSpPr>
+          <p:cNvPr id="2" name="Content Placeholder 1"/>
+          <p:cNvSpPr>
+            <a:spLocks noGrp="1"/>
+          </p:cNvSpPr>
+          <p:nvPr>
+            <p:ph idx="1"/>
+          </p:nvPr>
+        </p:nvSpPr>
+        <p:spPr/>
+        <p:txBody>
+          <a:bodyPr/>
+          <a:lstStyle/>
+          <a:p/>
+        </p:txBody>
+      </p:sp>
+      <p:sp>
+        <p:nvSpPr>
+          <p:cNvPr id="3" name="Title 2"/>
+          <p:cNvSpPr>
+            <a:spLocks noGrp="1"/>
+          </p:cNvSpPr>
+          <p:nvPr>
+            <p:ph type="title"/>
+          </p:nvPr>
+        </p:nvSpPr>
+        <p:spPr/>
+        <p:txBody>
+          <a:bodyPr wrap="square">
+            <a:noAutofit/>
+          </a:bodyPr>
+          <a:lstStyle/>
+          <a:p>
+            <a:r>
+              <a:rPr sz="3200" b="1" i="0">
+                <a:latin typeface="Arial"/>
+              </a:rPr>
               <a:t>impedantie van de serie trilkring</a:t>
             </a:r>
             <a:endParaRPr sz="3200" b="1" i="0">
@@ -5786,7 +7546,7 @@
 </p:sld>
 </file>
 
-<file path=ppt/slides/slide11.xml><?xml version="1.0" encoding="utf-8"?>
+<file path=ppt/slides/slide18.xml><?xml version="1.0" encoding="utf-8"?>
 <p:sld xmlns:a="http://schemas.openxmlformats.org/drawingml/2006/main" xmlns:p="http://schemas.openxmlformats.org/presentationml/2006/main" xmlns:r="http://schemas.openxmlformats.org/officeDocument/2006/relationships">
   <p:cSld>
     <p:spTree>
@@ -5857,7 +7617,7 @@
 </p:sld>
 </file>
 
-<file path=ppt/slides/slide12.xml><?xml version="1.0" encoding="utf-8"?>
+<file path=ppt/slides/slide19.xml><?xml version="1.0" encoding="utf-8"?>
 <p:sld xmlns:a="http://schemas.openxmlformats.org/drawingml/2006/main" xmlns:p="http://schemas.openxmlformats.org/presentationml/2006/main" xmlns:r="http://schemas.openxmlformats.org/officeDocument/2006/relationships">
   <p:cSld>
     <p:spTree>
@@ -5914,785 +7674,6 @@
           <a:xfrm>
             <a:off x="3175643" y="566928"/>
             <a:ext cx="5840713" cy="5577840"/>
-          </a:xfrm>
-          <a:prstGeom prst="rect">
-            <a:avLst/>
-          </a:prstGeom>
-        </p:spPr>
-      </p:pic>
-    </p:spTree>
-  </p:cSld>
-  <p:clrMapOvr>
-    <a:masterClrMapping/>
-  </p:clrMapOvr>
-</p:sld>
-</file>
-
-<file path=ppt/slides/slide13.xml><?xml version="1.0" encoding="utf-8"?>
-<p:sld xmlns:a="http://schemas.openxmlformats.org/drawingml/2006/main" xmlns:p="http://schemas.openxmlformats.org/presentationml/2006/main" xmlns:r="http://schemas.openxmlformats.org/officeDocument/2006/relationships">
-  <p:cSld>
-    <p:spTree>
-      <p:nvGrpSpPr>
-        <p:cNvPr id="1" name=""/>
-        <p:cNvGrpSpPr/>
-        <p:nvPr/>
-      </p:nvGrpSpPr>
-      <p:grpSpPr/>
-      <p:sp>
-        <p:nvSpPr>
-          <p:cNvPr id="2" name="Title 1"/>
-          <p:cNvSpPr>
-            <a:spLocks noGrp="1"/>
-          </p:cNvSpPr>
-          <p:nvPr>
-            <p:ph type="title"/>
-          </p:nvPr>
-        </p:nvSpPr>
-        <p:spPr/>
-        <p:txBody>
-          <a:bodyPr wrap="square">
-            <a:noAutofit/>
-          </a:bodyPr>
-          <a:lstStyle/>
-          <a:p>
-            <a:r>
-              <a:rPr sz="2800" b="1" i="0">
-                <a:latin typeface="Arial"/>
-              </a:rPr>
-              <a:t>Basisschema van de klasse D versterker met beschermdiodes</a:t>
-            </a:r>
-            <a:endParaRPr sz="2800" b="1" i="0">
-              <a:latin typeface="Arial"/>
-            </a:endParaRPr>
-          </a:p>
-        </p:txBody>
-      </p:sp>
-      <p:pic>
-        <p:nvPicPr>
-          <p:cNvPr id="3" name="Picture 2" descr="image.png"/>
-          <p:cNvPicPr>
-            <a:picLocks noChangeAspect="1"/>
-          </p:cNvPicPr>
-          <p:nvPr/>
-        </p:nvPicPr>
-        <p:blipFill>
-          <a:blip r:embed="rId2"/>
-          <a:stretch>
-            <a:fillRect/>
-          </a:stretch>
-        </p:blipFill>
-        <p:spPr>
-          <a:xfrm>
-            <a:off x="2269158" y="566928"/>
-            <a:ext cx="7653684" cy="5577840"/>
-          </a:xfrm>
-          <a:prstGeom prst="rect">
-            <a:avLst/>
-          </a:prstGeom>
-        </p:spPr>
-      </p:pic>
-    </p:spTree>
-  </p:cSld>
-  <p:clrMapOvr>
-    <a:masterClrMapping/>
-  </p:clrMapOvr>
-</p:sld>
-</file>
-
-<file path=ppt/slides/slide14.xml><?xml version="1.0" encoding="utf-8"?>
-<p:sld xmlns:a="http://schemas.openxmlformats.org/drawingml/2006/main" xmlns:p="http://schemas.openxmlformats.org/presentationml/2006/main" xmlns:r="http://schemas.openxmlformats.org/officeDocument/2006/relationships">
-  <p:cSld>
-    <p:spTree>
-      <p:nvGrpSpPr>
-        <p:cNvPr id="1" name=""/>
-        <p:cNvGrpSpPr/>
-        <p:nvPr/>
-      </p:nvGrpSpPr>
-      <p:grpSpPr/>
-      <p:sp>
-        <p:nvSpPr>
-          <p:cNvPr id="2" name="Content Placeholder 1"/>
-          <p:cNvSpPr>
-            <a:spLocks noGrp="1"/>
-          </p:cNvSpPr>
-          <p:nvPr>
-            <p:ph idx="1"/>
-          </p:nvPr>
-        </p:nvSpPr>
-        <p:spPr/>
-        <p:txBody>
-          <a:bodyPr wrap="square">
-            <a:noAutofit/>
-          </a:bodyPr>
-          <a:lstStyle/>
-          <a:p>
-            <a:pPr>
-              <a:lnSpc>
-                <a:spcPts val="2400"/>
-              </a:lnSpc>
-              <a:defRPr>
-                <a:solidFill>
-                  <a:srgbClr val="FFFFFF"/>
-                </a:solidFill>
-              </a:defRPr>
-            </a:pPr>
-            <a:r>
-              <a:rPr sz="2400" b="0" i="0">
-                <a:latin typeface="Courier"/>
-              </a:rPr>
-              <a:t>* Class D amp 1</a:t>
-            </a:r>
-            <a:endParaRPr sz="2400" b="0" i="0">
-              <a:latin typeface="Courier"/>
-            </a:endParaRPr>
-          </a:p>
-          <a:p>
-            <a:pPr>
-              <a:lnSpc>
-                <a:spcPts val="2400"/>
-              </a:lnSpc>
-              <a:defRPr>
-                <a:solidFill>
-                  <a:srgbClr val="FFFFFF"/>
-                </a:solidFill>
-              </a:defRPr>
-            </a:pPr>
-            <a:r>
-              <a:rPr sz="2400" b="0" i="0">
-                <a:latin typeface="Courier"/>
-              </a:rPr>
-              <a:t>Q_Q1         3 1 2 Q2</a:t>
-            </a:r>
-            <a:endParaRPr sz="2400" b="0" i="0">
-              <a:latin typeface="Courier"/>
-            </a:endParaRPr>
-          </a:p>
-          <a:p>
-            <a:pPr>
-              <a:lnSpc>
-                <a:spcPts val="2400"/>
-              </a:lnSpc>
-              <a:defRPr>
-                <a:solidFill>
-                  <a:srgbClr val="FFFFFF"/>
-                </a:solidFill>
-              </a:defRPr>
-            </a:pPr>
-            <a:r>
-              <a:rPr sz="2400" b="0" i="0">
-                <a:latin typeface="Courier"/>
-              </a:rPr>
-              <a:t>Q_Qp         0 1 2 Qp</a:t>
-            </a:r>
-            <a:endParaRPr sz="2400" b="0" i="0">
-              <a:latin typeface="Courier"/>
-            </a:endParaRPr>
-          </a:p>
-          <a:p>
-            <a:pPr>
-              <a:lnSpc>
-                <a:spcPts val="2400"/>
-              </a:lnSpc>
-              <a:defRPr>
-                <a:solidFill>
-                  <a:srgbClr val="FFFFFF"/>
-                </a:solidFill>
-              </a:defRPr>
-            </a:pPr>
-            <a:r>
-              <a:rPr sz="2400" b="0" i="0">
-                <a:latin typeface="Courier"/>
-              </a:rPr>
-              <a:t>D_D1         2 3 DD</a:t>
-            </a:r>
-            <a:endParaRPr sz="2400" b="0" i="0">
-              <a:latin typeface="Courier"/>
-            </a:endParaRPr>
-          </a:p>
-          <a:p>
-            <a:pPr>
-              <a:lnSpc>
-                <a:spcPts val="2400"/>
-              </a:lnSpc>
-              <a:defRPr>
-                <a:solidFill>
-                  <a:srgbClr val="FFFFFF"/>
-                </a:solidFill>
-              </a:defRPr>
-            </a:pPr>
-            <a:r>
-              <a:rPr sz="2400" b="0" i="0">
-                <a:latin typeface="Courier"/>
-              </a:rPr>
-              <a:t>D_D2         0 2 DD</a:t>
-            </a:r>
-            <a:endParaRPr sz="2400" b="0" i="0">
-              <a:latin typeface="Courier"/>
-            </a:endParaRPr>
-          </a:p>
-          <a:p>
-            <a:pPr>
-              <a:lnSpc>
-                <a:spcPts val="2400"/>
-              </a:lnSpc>
-              <a:defRPr>
-                <a:solidFill>
-                  <a:srgbClr val="FFFFFF"/>
-                </a:solidFill>
-              </a:defRPr>
-            </a:pPr>
-            <a:r>
-              <a:rPr sz="2400" b="0" i="0">
-                <a:latin typeface="Courier"/>
-              </a:rPr>
-              <a:t>L_L1         5 2 1uH</a:t>
-            </a:r>
-            <a:endParaRPr sz="2400" b="0" i="0">
-              <a:latin typeface="Courier"/>
-            </a:endParaRPr>
-          </a:p>
-          <a:p>
-            <a:pPr>
-              <a:lnSpc>
-                <a:spcPts val="2400"/>
-              </a:lnSpc>
-              <a:defRPr>
-                <a:solidFill>
-                  <a:srgbClr val="FFFFFF"/>
-                </a:solidFill>
-              </a:defRPr>
-            </a:pPr>
-            <a:r>
-              <a:rPr sz="2400" b="0" i="0">
-                <a:latin typeface="Courier"/>
-              </a:rPr>
-              <a:t>C_C1         5 6 10n</a:t>
-            </a:r>
-            <a:endParaRPr sz="2400" b="0" i="0">
-              <a:latin typeface="Courier"/>
-            </a:endParaRPr>
-          </a:p>
-          <a:p>
-            <a:pPr>
-              <a:lnSpc>
-                <a:spcPts val="2400"/>
-              </a:lnSpc>
-              <a:defRPr>
-                <a:solidFill>
-                  <a:srgbClr val="FFFFFF"/>
-                </a:solidFill>
-              </a:defRPr>
-            </a:pPr>
-            <a:r>
-              <a:rPr sz="2400" b="0" i="0">
-                <a:latin typeface="Courier"/>
-              </a:rPr>
-              <a:t>R_RL         6 0 6</a:t>
-            </a:r>
-            <a:endParaRPr sz="2400" b="0" i="0">
-              <a:latin typeface="Courier"/>
-            </a:endParaRPr>
-          </a:p>
-          <a:p>
-            <a:pPr>
-              <a:lnSpc>
-                <a:spcPts val="2400"/>
-              </a:lnSpc>
-              <a:defRPr>
-                <a:solidFill>
-                  <a:srgbClr val="FFFFFF"/>
-                </a:solidFill>
-              </a:defRPr>
-            </a:pPr>
-            <a:r>
-              <a:rPr sz="2400" b="0" i="0">
-                <a:latin typeface="Courier"/>
-              </a:rPr>
-              <a:t>V_Vdd        3 0 20V</a:t>
-            </a:r>
-            <a:endParaRPr sz="2400" b="0" i="0">
-              <a:latin typeface="Courier"/>
-            </a:endParaRPr>
-          </a:p>
-          <a:p>
-            <a:pPr>
-              <a:lnSpc>
-                <a:spcPts val="2400"/>
-              </a:lnSpc>
-              <a:defRPr>
-                <a:solidFill>
-                  <a:srgbClr val="FFFFFF"/>
-                </a:solidFill>
-              </a:defRPr>
-            </a:pPr>
-            <a:r>
-              <a:rPr sz="2400" b="0" i="0">
-                <a:latin typeface="Courier"/>
-              </a:rPr>
-              <a:t>R_Rin        4 1 1</a:t>
-            </a:r>
-            <a:endParaRPr sz="2400" b="0" i="0">
-              <a:latin typeface="Courier"/>
-            </a:endParaRPr>
-          </a:p>
-          <a:p>
-            <a:pPr>
-              <a:lnSpc>
-                <a:spcPts val="2400"/>
-              </a:lnSpc>
-              <a:defRPr>
-                <a:solidFill>
-                  <a:srgbClr val="FFFFFF"/>
-                </a:solidFill>
-              </a:defRPr>
-            </a:pPr>
-            <a:r>
-              <a:rPr sz="2400" b="0" i="0">
-                <a:latin typeface="Courier"/>
-              </a:rPr>
-              <a:t>V_Vin        4 0 PULSE(0 20 0 20ns 20ns 280ns 600ns) DC=0</a:t>
-            </a:r>
-            <a:endParaRPr sz="2400" b="0" i="0">
-              <a:latin typeface="Courier"/>
-            </a:endParaRPr>
-          </a:p>
-        </p:txBody>
-      </p:sp>
-      <p:sp>
-        <p:nvSpPr>
-          <p:cNvPr id="3" name="Title 2"/>
-          <p:cNvSpPr>
-            <a:spLocks noGrp="1"/>
-          </p:cNvSpPr>
-          <p:nvPr>
-            <p:ph type="title"/>
-          </p:nvPr>
-        </p:nvSpPr>
-        <p:spPr/>
-        <p:txBody>
-          <a:bodyPr wrap="square">
-            <a:noAutofit/>
-          </a:bodyPr>
-          <a:lstStyle/>
-          <a:p>
-            <a:r>
-              <a:rPr sz="3200" b="1" i="0">
-                <a:latin typeface="Arial"/>
-              </a:rPr>
-              <a:t>SPICE file Klasse D circuit met diodes</a:t>
-            </a:r>
-            <a:endParaRPr sz="3200" b="1" i="0">
-              <a:latin typeface="Arial"/>
-            </a:endParaRPr>
-          </a:p>
-        </p:txBody>
-      </p:sp>
-    </p:spTree>
-  </p:cSld>
-  <p:clrMapOvr>
-    <a:masterClrMapping/>
-  </p:clrMapOvr>
-</p:sld>
-</file>
-
-<file path=ppt/slides/slide15.xml><?xml version="1.0" encoding="utf-8"?>
-<p:sld xmlns:a="http://schemas.openxmlformats.org/drawingml/2006/main" xmlns:p="http://schemas.openxmlformats.org/presentationml/2006/main" xmlns:r="http://schemas.openxmlformats.org/officeDocument/2006/relationships">
-  <p:cSld>
-    <p:spTree>
-      <p:nvGrpSpPr>
-        <p:cNvPr id="1" name=""/>
-        <p:cNvGrpSpPr/>
-        <p:nvPr/>
-      </p:nvGrpSpPr>
-      <p:grpSpPr/>
-      <p:sp>
-        <p:nvSpPr>
-          <p:cNvPr id="2" name="Content Placeholder 1"/>
-          <p:cNvSpPr>
-            <a:spLocks noGrp="1"/>
-          </p:cNvSpPr>
-          <p:nvPr>
-            <p:ph idx="1"/>
-          </p:nvPr>
-        </p:nvSpPr>
-        <p:spPr/>
-        <p:txBody>
-          <a:bodyPr wrap="square">
-            <a:noAutofit/>
-          </a:bodyPr>
-          <a:lstStyle/>
-          <a:p>
-            <a:pPr>
-              <a:lnSpc>
-                <a:spcPts val="2400"/>
-              </a:lnSpc>
-              <a:defRPr>
-                <a:solidFill>
-                  <a:srgbClr val="FFFFFF"/>
-                </a:solidFill>
-              </a:defRPr>
-            </a:pPr>
-            <a:r>
-              <a:rPr sz="2400" b="0" i="0">
-                <a:latin typeface="Courier"/>
-              </a:rPr>
-              <a:t>.model Q2  NPN(Is=14.34f BF=200)</a:t>
-            </a:r>
-            <a:endParaRPr sz="2400" b="0" i="0">
-              <a:latin typeface="Courier"/>
-            </a:endParaRPr>
-          </a:p>
-          <a:p>
-            <a:pPr>
-              <a:lnSpc>
-                <a:spcPts val="2400"/>
-              </a:lnSpc>
-              <a:defRPr>
-                <a:solidFill>
-                  <a:srgbClr val="FFFFFF"/>
-                </a:solidFill>
-              </a:defRPr>
-            </a:pPr>
-            <a:r>
-              <a:rPr sz="2400" b="0" i="0">
-                <a:latin typeface="Courier"/>
-              </a:rPr>
-              <a:t>.model Qp  PNP(Is=5.34f BF=100)</a:t>
-            </a:r>
-            <a:endParaRPr sz="2400" b="0" i="0">
-              <a:latin typeface="Courier"/>
-            </a:endParaRPr>
-          </a:p>
-          <a:p>
-            <a:pPr>
-              <a:lnSpc>
-                <a:spcPts val="2400"/>
-              </a:lnSpc>
-              <a:defRPr>
-                <a:solidFill>
-                  <a:srgbClr val="FFFFFF"/>
-                </a:solidFill>
-              </a:defRPr>
-            </a:pPr>
-            <a:r>
-              <a:rPr sz="2400" b="0" i="0">
-                <a:latin typeface="Courier"/>
-              </a:rPr>
-              <a:t>.model DD   D( IS=0.0002 RS=0.05 CJO=5e-10 )</a:t>
-            </a:r>
-            <a:endParaRPr sz="2400" b="0" i="0">
-              <a:latin typeface="Courier"/>
-            </a:endParaRPr>
-          </a:p>
-        </p:txBody>
-      </p:sp>
-      <p:sp>
-        <p:nvSpPr>
-          <p:cNvPr id="3" name="Title 2"/>
-          <p:cNvSpPr>
-            <a:spLocks noGrp="1"/>
-          </p:cNvSpPr>
-          <p:nvPr>
-            <p:ph type="title"/>
-          </p:nvPr>
-        </p:nvSpPr>
-        <p:spPr/>
-        <p:txBody>
-          <a:bodyPr wrap="square">
-            <a:noAutofit/>
-          </a:bodyPr>
-          <a:lstStyle/>
-          <a:p>
-            <a:r>
-              <a:rPr sz="3200" b="1" i="0">
-                <a:latin typeface="Arial"/>
-              </a:rPr>
-              <a:t>SPICE file Klasse D circuit met diodes</a:t>
-            </a:r>
-            <a:endParaRPr sz="3200" b="1" i="0">
-              <a:latin typeface="Arial"/>
-            </a:endParaRPr>
-          </a:p>
-        </p:txBody>
-      </p:sp>
-    </p:spTree>
-  </p:cSld>
-  <p:clrMapOvr>
-    <a:masterClrMapping/>
-  </p:clrMapOvr>
-</p:sld>
-</file>
-
-<file path=ppt/slides/slide16.xml><?xml version="1.0" encoding="utf-8"?>
-<p:sld xmlns:a="http://schemas.openxmlformats.org/drawingml/2006/main" xmlns:p="http://schemas.openxmlformats.org/presentationml/2006/main" xmlns:r="http://schemas.openxmlformats.org/officeDocument/2006/relationships">
-  <p:cSld>
-    <p:spTree>
-      <p:nvGrpSpPr>
-        <p:cNvPr id="1" name=""/>
-        <p:cNvGrpSpPr/>
-        <p:nvPr/>
-      </p:nvGrpSpPr>
-      <p:grpSpPr/>
-      <p:sp>
-        <p:nvSpPr>
-          <p:cNvPr id="2" name="Title 1"/>
-          <p:cNvSpPr>
-            <a:spLocks noGrp="1"/>
-          </p:cNvSpPr>
-          <p:nvPr>
-            <p:ph type="title"/>
-          </p:nvPr>
-        </p:nvSpPr>
-        <p:spPr/>
-        <p:txBody>
-          <a:bodyPr wrap="square">
-            <a:noAutofit/>
-          </a:bodyPr>
-          <a:lstStyle/>
-          <a:p>
-            <a:r>
-              <a:rPr sz="3000" b="1" i="0">
-                <a:latin typeface="Arial"/>
-              </a:rPr>
-              <a:t>Bekomen spanningen in de Klasse D versterker met diodes</a:t>
-            </a:r>
-            <a:endParaRPr sz="3000" b="1" i="0">
-              <a:latin typeface="Arial"/>
-            </a:endParaRPr>
-          </a:p>
-        </p:txBody>
-      </p:sp>
-      <p:pic>
-        <p:nvPicPr>
-          <p:cNvPr id="3" name="Picture 2" descr="image.png"/>
-          <p:cNvPicPr>
-            <a:picLocks noChangeAspect="1"/>
-          </p:cNvPicPr>
-          <p:nvPr/>
-        </p:nvPicPr>
-        <p:blipFill>
-          <a:blip r:embed="rId2"/>
-          <a:stretch>
-            <a:fillRect/>
-          </a:stretch>
-        </p:blipFill>
-        <p:spPr>
-          <a:xfrm>
-            <a:off x="1918781" y="566928"/>
-            <a:ext cx="8354438" cy="5577840"/>
-          </a:xfrm>
-          <a:prstGeom prst="rect">
-            <a:avLst/>
-          </a:prstGeom>
-        </p:spPr>
-      </p:pic>
-    </p:spTree>
-  </p:cSld>
-  <p:clrMapOvr>
-    <a:masterClrMapping/>
-  </p:clrMapOvr>
-</p:sld>
-</file>
-
-<file path=ppt/slides/slide17.xml><?xml version="1.0" encoding="utf-8"?>
-<p:sld xmlns:a="http://schemas.openxmlformats.org/drawingml/2006/main" xmlns:p="http://schemas.openxmlformats.org/presentationml/2006/main" xmlns:r="http://schemas.openxmlformats.org/officeDocument/2006/relationships">
-  <p:cSld>
-    <p:spTree>
-      <p:nvGrpSpPr>
-        <p:cNvPr id="1" name=""/>
-        <p:cNvGrpSpPr/>
-        <p:nvPr/>
-      </p:nvGrpSpPr>
-      <p:grpSpPr/>
-      <p:sp>
-        <p:nvSpPr>
-          <p:cNvPr id="2" name="Title 1"/>
-          <p:cNvSpPr>
-            <a:spLocks noGrp="1"/>
-          </p:cNvSpPr>
-          <p:nvPr>
-            <p:ph type="title"/>
-          </p:nvPr>
-        </p:nvSpPr>
-        <p:spPr/>
-        <p:txBody>
-          <a:bodyPr wrap="square">
-            <a:noAutofit/>
-          </a:bodyPr>
-          <a:lstStyle/>
-          <a:p>
-            <a:r>
-              <a:rPr sz="3200" b="1" i="0">
-                <a:latin typeface="Arial"/>
-              </a:rPr>
-              <a:t>Detail van de spanningen</a:t>
-            </a:r>
-            <a:endParaRPr sz="3200" b="1" i="0">
-              <a:latin typeface="Arial"/>
-            </a:endParaRPr>
-          </a:p>
-        </p:txBody>
-      </p:sp>
-      <p:pic>
-        <p:nvPicPr>
-          <p:cNvPr id="3" name="Picture 2" descr="image.png"/>
-          <p:cNvPicPr>
-            <a:picLocks noChangeAspect="1"/>
-          </p:cNvPicPr>
-          <p:nvPr/>
-        </p:nvPicPr>
-        <p:blipFill>
-          <a:blip r:embed="rId2"/>
-          <a:stretch>
-            <a:fillRect/>
-          </a:stretch>
-        </p:blipFill>
-        <p:spPr>
-          <a:xfrm>
-            <a:off x="1910566" y="566928"/>
-            <a:ext cx="8370867" cy="5577840"/>
-          </a:xfrm>
-          <a:prstGeom prst="rect">
-            <a:avLst/>
-          </a:prstGeom>
-        </p:spPr>
-      </p:pic>
-    </p:spTree>
-  </p:cSld>
-  <p:clrMapOvr>
-    <a:masterClrMapping/>
-  </p:clrMapOvr>
-</p:sld>
-</file>
-
-<file path=ppt/slides/slide18.xml><?xml version="1.0" encoding="utf-8"?>
-<p:sld xmlns:a="http://schemas.openxmlformats.org/drawingml/2006/main" xmlns:p="http://schemas.openxmlformats.org/presentationml/2006/main" xmlns:r="http://schemas.openxmlformats.org/officeDocument/2006/relationships">
-  <p:cSld>
-    <p:spTree>
-      <p:nvGrpSpPr>
-        <p:cNvPr id="1" name=""/>
-        <p:cNvGrpSpPr/>
-        <p:nvPr/>
-      </p:nvGrpSpPr>
-      <p:grpSpPr/>
-      <p:sp>
-        <p:nvSpPr>
-          <p:cNvPr id="2" name="Title 1"/>
-          <p:cNvSpPr>
-            <a:spLocks noGrp="1"/>
-          </p:cNvSpPr>
-          <p:nvPr>
-            <p:ph type="title"/>
-          </p:nvPr>
-        </p:nvSpPr>
-        <p:spPr/>
-        <p:txBody>
-          <a:bodyPr wrap="square">
-            <a:noAutofit/>
-          </a:bodyPr>
-          <a:lstStyle/>
-          <a:p>
-            <a:r>
-              <a:rPr sz="3200" b="1" i="0">
-                <a:latin typeface="Arial"/>
-              </a:rPr>
-              <a:t>Stromen in de transistors en diodes</a:t>
-            </a:r>
-            <a:endParaRPr sz="3200" b="1" i="0">
-              <a:latin typeface="Arial"/>
-            </a:endParaRPr>
-          </a:p>
-        </p:txBody>
-      </p:sp>
-      <p:pic>
-        <p:nvPicPr>
-          <p:cNvPr id="3" name="Picture 2" descr="image.png"/>
-          <p:cNvPicPr>
-            <a:picLocks noChangeAspect="1"/>
-          </p:cNvPicPr>
-          <p:nvPr/>
-        </p:nvPicPr>
-        <p:blipFill>
-          <a:blip r:embed="rId2"/>
-          <a:stretch>
-            <a:fillRect/>
-          </a:stretch>
-        </p:blipFill>
-        <p:spPr>
-          <a:xfrm>
-            <a:off x="1890029" y="566928"/>
-            <a:ext cx="8411941" cy="5577840"/>
-          </a:xfrm>
-          <a:prstGeom prst="rect">
-            <a:avLst/>
-          </a:prstGeom>
-        </p:spPr>
-      </p:pic>
-    </p:spTree>
-  </p:cSld>
-  <p:clrMapOvr>
-    <a:masterClrMapping/>
-  </p:clrMapOvr>
-</p:sld>
-</file>
-
-<file path=ppt/slides/slide19.xml><?xml version="1.0" encoding="utf-8"?>
-<p:sld xmlns:a="http://schemas.openxmlformats.org/drawingml/2006/main" xmlns:p="http://schemas.openxmlformats.org/presentationml/2006/main" xmlns:r="http://schemas.openxmlformats.org/officeDocument/2006/relationships">
-  <p:cSld>
-    <p:spTree>
-      <p:nvGrpSpPr>
-        <p:cNvPr id="1" name=""/>
-        <p:cNvGrpSpPr/>
-        <p:nvPr/>
-      </p:nvGrpSpPr>
-      <p:grpSpPr/>
-      <p:sp>
-        <p:nvSpPr>
-          <p:cNvPr id="2" name="Title 1"/>
-          <p:cNvSpPr>
-            <a:spLocks noGrp="1"/>
-          </p:cNvSpPr>
-          <p:nvPr>
-            <p:ph type="title"/>
-          </p:nvPr>
-        </p:nvSpPr>
-        <p:spPr/>
-        <p:txBody>
-          <a:bodyPr wrap="square">
-            <a:noAutofit/>
-          </a:bodyPr>
-          <a:lstStyle/>
-          <a:p>
-            <a:r>
-              <a:rPr sz="3200" b="1" i="0">
-                <a:latin typeface="Arial"/>
-              </a:rPr>
-              <a:t>klasse D versterker met enkel NPN transistors</a:t>
-            </a:r>
-            <a:endParaRPr sz="3200" b="1" i="0">
-              <a:latin typeface="Arial"/>
-            </a:endParaRPr>
-          </a:p>
-        </p:txBody>
-      </p:sp>
-      <p:pic>
-        <p:nvPicPr>
-          <p:cNvPr id="3" name="Picture 2" descr="image.png"/>
-          <p:cNvPicPr>
-            <a:picLocks noChangeAspect="1"/>
-          </p:cNvPicPr>
-          <p:nvPr/>
-        </p:nvPicPr>
-        <p:blipFill>
-          <a:blip r:embed="rId2"/>
-          <a:stretch>
-            <a:fillRect/>
-          </a:stretch>
-        </p:blipFill>
-        <p:spPr>
-          <a:xfrm>
-            <a:off x="736509" y="566928"/>
-            <a:ext cx="10718981" cy="5577840"/>
           </a:xfrm>
           <a:prstGeom prst="rect">
             <a:avLst/>
@@ -6806,6 +7787,2603 @@
           <a:lstStyle/>
           <a:p>
             <a:r>
+              <a:rPr sz="2800" b="1" i="0">
+                <a:latin typeface="Arial"/>
+              </a:rPr>
+              <a:t>Basisschema van de klasse D versterker met beschermdiodes</a:t>
+            </a:r>
+            <a:endParaRPr sz="2800" b="1" i="0">
+              <a:latin typeface="Arial"/>
+            </a:endParaRPr>
+          </a:p>
+        </p:txBody>
+      </p:sp>
+      <p:pic>
+        <p:nvPicPr>
+          <p:cNvPr id="3" name="Picture 2" descr="image.png"/>
+          <p:cNvPicPr>
+            <a:picLocks noChangeAspect="1"/>
+          </p:cNvPicPr>
+          <p:nvPr/>
+        </p:nvPicPr>
+        <p:blipFill>
+          <a:blip r:embed="rId2"/>
+          <a:stretch>
+            <a:fillRect/>
+          </a:stretch>
+        </p:blipFill>
+        <p:spPr>
+          <a:xfrm>
+            <a:off x="2269158" y="566928"/>
+            <a:ext cx="7653684" cy="5577840"/>
+          </a:xfrm>
+          <a:prstGeom prst="rect">
+            <a:avLst/>
+          </a:prstGeom>
+        </p:spPr>
+      </p:pic>
+    </p:spTree>
+  </p:cSld>
+  <p:clrMapOvr>
+    <a:masterClrMapping/>
+  </p:clrMapOvr>
+</p:sld>
+</file>
+
+<file path=ppt/slides/slide21.xml><?xml version="1.0" encoding="utf-8"?>
+<p:sld xmlns:a="http://schemas.openxmlformats.org/drawingml/2006/main" xmlns:p="http://schemas.openxmlformats.org/presentationml/2006/main" xmlns:r="http://schemas.openxmlformats.org/officeDocument/2006/relationships">
+  <p:cSld>
+    <p:spTree>
+      <p:nvGrpSpPr>
+        <p:cNvPr id="1" name=""/>
+        <p:cNvGrpSpPr/>
+        <p:nvPr/>
+      </p:nvGrpSpPr>
+      <p:grpSpPr/>
+      <p:sp>
+        <p:nvSpPr>
+          <p:cNvPr id="2" name="Content Placeholder 1"/>
+          <p:cNvSpPr>
+            <a:spLocks noGrp="1"/>
+          </p:cNvSpPr>
+          <p:nvPr>
+            <p:ph idx="1"/>
+          </p:nvPr>
+        </p:nvSpPr>
+        <p:spPr/>
+        <p:txBody>
+          <a:bodyPr/>
+          <a:lstStyle/>
+          <a:p/>
+        </p:txBody>
+      </p:sp>
+      <p:sp>
+        <p:nvSpPr>
+          <p:cNvPr id="3" name="Title 2"/>
+          <p:cNvSpPr>
+            <a:spLocks noGrp="1"/>
+          </p:cNvSpPr>
+          <p:nvPr>
+            <p:ph type="title"/>
+          </p:nvPr>
+        </p:nvSpPr>
+        <p:spPr/>
+        <p:txBody>
+          <a:bodyPr wrap="square">
+            <a:noAutofit/>
+          </a:bodyPr>
+          <a:lstStyle/>
+          <a:p>
+            <a:r>
+              <a:rPr sz="3200" b="1" i="0">
+                <a:latin typeface="Arial"/>
+              </a:rPr>
+              <a:t>SPICE file Klasse D circuit met diodes</a:t>
+            </a:r>
+            <a:endParaRPr sz="3200" b="1" i="0">
+              <a:latin typeface="Arial"/>
+            </a:endParaRPr>
+          </a:p>
+        </p:txBody>
+      </p:sp>
+    </p:spTree>
+  </p:cSld>
+  <p:clrMapOvr>
+    <a:masterClrMapping/>
+  </p:clrMapOvr>
+</p:sld>
+</file>
+
+<file path=ppt/slides/slide22.xml><?xml version="1.0" encoding="utf-8"?>
+<p:sld xmlns:a="http://schemas.openxmlformats.org/drawingml/2006/main" xmlns:p="http://schemas.openxmlformats.org/presentationml/2006/main" xmlns:r="http://schemas.openxmlformats.org/officeDocument/2006/relationships">
+  <p:cSld>
+    <p:spTree>
+      <p:nvGrpSpPr>
+        <p:cNvPr id="1" name=""/>
+        <p:cNvGrpSpPr/>
+        <p:nvPr/>
+      </p:nvGrpSpPr>
+      <p:grpSpPr/>
+      <p:sp>
+        <p:nvSpPr>
+          <p:cNvPr id="2" name="Content Placeholder 1"/>
+          <p:cNvSpPr>
+            <a:spLocks noGrp="1"/>
+          </p:cNvSpPr>
+          <p:nvPr>
+            <p:ph idx="1"/>
+          </p:nvPr>
+        </p:nvSpPr>
+        <p:spPr/>
+        <p:txBody>
+          <a:bodyPr/>
+          <a:lstStyle/>
+          <a:p/>
+        </p:txBody>
+      </p:sp>
+      <p:sp>
+        <p:nvSpPr>
+          <p:cNvPr id="3" name="Title 2"/>
+          <p:cNvSpPr>
+            <a:spLocks noGrp="1"/>
+          </p:cNvSpPr>
+          <p:nvPr>
+            <p:ph type="title"/>
+          </p:nvPr>
+        </p:nvSpPr>
+        <p:spPr/>
+        <p:txBody>
+          <a:bodyPr wrap="square">
+            <a:noAutofit/>
+          </a:bodyPr>
+          <a:lstStyle/>
+          <a:p>
+            <a:r>
+              <a:rPr sz="3200" b="1" i="0">
+                <a:latin typeface="Arial"/>
+              </a:rPr>
+              <a:t>SPICE file Klasse D circuit met diodes</a:t>
+            </a:r>
+            <a:endParaRPr sz="3200" b="1" i="0">
+              <a:latin typeface="Arial"/>
+            </a:endParaRPr>
+          </a:p>
+        </p:txBody>
+      </p:sp>
+    </p:spTree>
+  </p:cSld>
+  <p:clrMapOvr>
+    <a:masterClrMapping/>
+  </p:clrMapOvr>
+</p:sld>
+</file>
+
+<file path=ppt/slides/slide23.xml><?xml version="1.0" encoding="utf-8"?>
+<p:sld xmlns:a="http://schemas.openxmlformats.org/drawingml/2006/main" xmlns:p="http://schemas.openxmlformats.org/presentationml/2006/main" xmlns:r="http://schemas.openxmlformats.org/officeDocument/2006/relationships">
+  <p:cSld>
+    <p:spTree>
+      <p:nvGrpSpPr>
+        <p:cNvPr id="1" name=""/>
+        <p:cNvGrpSpPr/>
+        <p:nvPr/>
+      </p:nvGrpSpPr>
+      <p:grpSpPr/>
+      <p:sp>
+        <p:nvSpPr>
+          <p:cNvPr id="2" name="Content Placeholder 1"/>
+          <p:cNvSpPr>
+            <a:spLocks noGrp="1"/>
+          </p:cNvSpPr>
+          <p:nvPr>
+            <p:ph idx="1"/>
+          </p:nvPr>
+        </p:nvSpPr>
+        <p:spPr/>
+        <p:txBody>
+          <a:bodyPr/>
+          <a:lstStyle/>
+          <a:p/>
+        </p:txBody>
+      </p:sp>
+      <p:sp>
+        <p:nvSpPr>
+          <p:cNvPr id="3" name="Title 2"/>
+          <p:cNvSpPr>
+            <a:spLocks noGrp="1"/>
+          </p:cNvSpPr>
+          <p:nvPr>
+            <p:ph type="title"/>
+          </p:nvPr>
+        </p:nvSpPr>
+        <p:spPr/>
+        <p:txBody>
+          <a:bodyPr wrap="square">
+            <a:noAutofit/>
+          </a:bodyPr>
+          <a:lstStyle/>
+          <a:p>
+            <a:r>
+              <a:rPr sz="3200" b="1" i="0">
+                <a:latin typeface="Arial"/>
+              </a:rPr>
+              <a:t>SPICE file Klasse D circuit met diodes</a:t>
+            </a:r>
+            <a:endParaRPr sz="3200" b="1" i="0">
+              <a:latin typeface="Arial"/>
+            </a:endParaRPr>
+          </a:p>
+        </p:txBody>
+      </p:sp>
+    </p:spTree>
+  </p:cSld>
+  <p:clrMapOvr>
+    <a:masterClrMapping/>
+  </p:clrMapOvr>
+</p:sld>
+</file>
+
+<file path=ppt/slides/slide24.xml><?xml version="1.0" encoding="utf-8"?>
+<p:sld xmlns:a="http://schemas.openxmlformats.org/drawingml/2006/main" xmlns:p="http://schemas.openxmlformats.org/presentationml/2006/main" xmlns:r="http://schemas.openxmlformats.org/officeDocument/2006/relationships">
+  <p:cSld>
+    <p:spTree>
+      <p:nvGrpSpPr>
+        <p:cNvPr id="1" name=""/>
+        <p:cNvGrpSpPr/>
+        <p:nvPr/>
+      </p:nvGrpSpPr>
+      <p:grpSpPr/>
+      <p:sp>
+        <p:nvSpPr>
+          <p:cNvPr id="2" name="Content Placeholder 1"/>
+          <p:cNvSpPr>
+            <a:spLocks noGrp="1"/>
+          </p:cNvSpPr>
+          <p:nvPr>
+            <p:ph idx="1"/>
+          </p:nvPr>
+        </p:nvSpPr>
+        <p:spPr/>
+        <p:txBody>
+          <a:bodyPr/>
+          <a:lstStyle/>
+          <a:p/>
+        </p:txBody>
+      </p:sp>
+      <p:sp>
+        <p:nvSpPr>
+          <p:cNvPr id="3" name="Title 2"/>
+          <p:cNvSpPr>
+            <a:spLocks noGrp="1"/>
+          </p:cNvSpPr>
+          <p:nvPr>
+            <p:ph type="title"/>
+          </p:nvPr>
+        </p:nvSpPr>
+        <p:spPr/>
+        <p:txBody>
+          <a:bodyPr wrap="square">
+            <a:noAutofit/>
+          </a:bodyPr>
+          <a:lstStyle/>
+          <a:p>
+            <a:r>
+              <a:rPr sz="3200" b="1" i="0">
+                <a:latin typeface="Arial"/>
+              </a:rPr>
+              <a:t>SPICE file Klasse D circuit met diodes</a:t>
+            </a:r>
+            <a:endParaRPr sz="3200" b="1" i="0">
+              <a:latin typeface="Arial"/>
+            </a:endParaRPr>
+          </a:p>
+        </p:txBody>
+      </p:sp>
+    </p:spTree>
+  </p:cSld>
+  <p:clrMapOvr>
+    <a:masterClrMapping/>
+  </p:clrMapOvr>
+</p:sld>
+</file>
+
+<file path=ppt/slides/slide25.xml><?xml version="1.0" encoding="utf-8"?>
+<p:sld xmlns:a="http://schemas.openxmlformats.org/drawingml/2006/main" xmlns:p="http://schemas.openxmlformats.org/presentationml/2006/main" xmlns:r="http://schemas.openxmlformats.org/officeDocument/2006/relationships">
+  <p:cSld>
+    <p:spTree>
+      <p:nvGrpSpPr>
+        <p:cNvPr id="1" name=""/>
+        <p:cNvGrpSpPr/>
+        <p:nvPr/>
+      </p:nvGrpSpPr>
+      <p:grpSpPr/>
+      <p:sp>
+        <p:nvSpPr>
+          <p:cNvPr id="2" name="Content Placeholder 1"/>
+          <p:cNvSpPr>
+            <a:spLocks noGrp="1"/>
+          </p:cNvSpPr>
+          <p:nvPr>
+            <p:ph idx="1"/>
+          </p:nvPr>
+        </p:nvSpPr>
+        <p:spPr/>
+        <p:txBody>
+          <a:bodyPr/>
+          <a:lstStyle/>
+          <a:p/>
+        </p:txBody>
+      </p:sp>
+      <p:sp>
+        <p:nvSpPr>
+          <p:cNvPr id="3" name="Title 2"/>
+          <p:cNvSpPr>
+            <a:spLocks noGrp="1"/>
+          </p:cNvSpPr>
+          <p:nvPr>
+            <p:ph type="title"/>
+          </p:nvPr>
+        </p:nvSpPr>
+        <p:spPr/>
+        <p:txBody>
+          <a:bodyPr wrap="square">
+            <a:noAutofit/>
+          </a:bodyPr>
+          <a:lstStyle/>
+          <a:p>
+            <a:r>
+              <a:rPr sz="3200" b="1" i="0">
+                <a:latin typeface="Arial"/>
+              </a:rPr>
+              <a:t>SPICE file Klasse D circuit met diodes</a:t>
+            </a:r>
+            <a:endParaRPr sz="3200" b="1" i="0">
+              <a:latin typeface="Arial"/>
+            </a:endParaRPr>
+          </a:p>
+        </p:txBody>
+      </p:sp>
+    </p:spTree>
+  </p:cSld>
+  <p:clrMapOvr>
+    <a:masterClrMapping/>
+  </p:clrMapOvr>
+</p:sld>
+</file>
+
+<file path=ppt/slides/slide26.xml><?xml version="1.0" encoding="utf-8"?>
+<p:sld xmlns:a="http://schemas.openxmlformats.org/drawingml/2006/main" xmlns:p="http://schemas.openxmlformats.org/presentationml/2006/main" xmlns:r="http://schemas.openxmlformats.org/officeDocument/2006/relationships">
+  <p:cSld>
+    <p:spTree>
+      <p:nvGrpSpPr>
+        <p:cNvPr id="1" name=""/>
+        <p:cNvGrpSpPr/>
+        <p:nvPr/>
+      </p:nvGrpSpPr>
+      <p:grpSpPr/>
+      <p:sp>
+        <p:nvSpPr>
+          <p:cNvPr id="2" name="Content Placeholder 1"/>
+          <p:cNvSpPr>
+            <a:spLocks noGrp="1"/>
+          </p:cNvSpPr>
+          <p:nvPr>
+            <p:ph idx="1"/>
+          </p:nvPr>
+        </p:nvSpPr>
+        <p:spPr/>
+        <p:txBody>
+          <a:bodyPr/>
+          <a:lstStyle/>
+          <a:p/>
+        </p:txBody>
+      </p:sp>
+      <p:sp>
+        <p:nvSpPr>
+          <p:cNvPr id="3" name="Title 2"/>
+          <p:cNvSpPr>
+            <a:spLocks noGrp="1"/>
+          </p:cNvSpPr>
+          <p:nvPr>
+            <p:ph type="title"/>
+          </p:nvPr>
+        </p:nvSpPr>
+        <p:spPr/>
+        <p:txBody>
+          <a:bodyPr wrap="square">
+            <a:noAutofit/>
+          </a:bodyPr>
+          <a:lstStyle/>
+          <a:p>
+            <a:r>
+              <a:rPr sz="3200" b="1" i="0">
+                <a:latin typeface="Arial"/>
+              </a:rPr>
+              <a:t>SPICE file Klasse D circuit met diodes</a:t>
+            </a:r>
+            <a:endParaRPr sz="3200" b="1" i="0">
+              <a:latin typeface="Arial"/>
+            </a:endParaRPr>
+          </a:p>
+        </p:txBody>
+      </p:sp>
+    </p:spTree>
+  </p:cSld>
+  <p:clrMapOvr>
+    <a:masterClrMapping/>
+  </p:clrMapOvr>
+</p:sld>
+</file>
+
+<file path=ppt/slides/slide27.xml><?xml version="1.0" encoding="utf-8"?>
+<p:sld xmlns:a="http://schemas.openxmlformats.org/drawingml/2006/main" xmlns:p="http://schemas.openxmlformats.org/presentationml/2006/main" xmlns:r="http://schemas.openxmlformats.org/officeDocument/2006/relationships">
+  <p:cSld>
+    <p:spTree>
+      <p:nvGrpSpPr>
+        <p:cNvPr id="1" name=""/>
+        <p:cNvGrpSpPr/>
+        <p:nvPr/>
+      </p:nvGrpSpPr>
+      <p:grpSpPr/>
+      <p:sp>
+        <p:nvSpPr>
+          <p:cNvPr id="2" name="Content Placeholder 1"/>
+          <p:cNvSpPr>
+            <a:spLocks noGrp="1"/>
+          </p:cNvSpPr>
+          <p:nvPr>
+            <p:ph idx="1"/>
+          </p:nvPr>
+        </p:nvSpPr>
+        <p:spPr/>
+        <p:txBody>
+          <a:bodyPr/>
+          <a:lstStyle/>
+          <a:p>
+            <a:r>
+              <a:rPr sz="1400">
+                <a:solidFill>
+                  <a:srgbClr val="000000"/>
+                </a:solidFill>
+                <a:latin typeface="Courier New"/>
+              </a:rPr>
+              <a:t/>
+            </a:r>
+            <a:r>
+              <a:rPr sz="1400">
+                <a:solidFill>
+                  <a:srgbClr val="000000"/>
+                </a:solidFill>
+                <a:latin typeface="Courier New"/>
+              </a:rPr>
+              <a:t>*</a:t>
+            </a:r>
+            <a:r>
+              <a:rPr sz="1400">
+                <a:solidFill>
+                  <a:srgbClr val="000000"/>
+                </a:solidFill>
+                <a:latin typeface="Courier New"/>
+              </a:rPr>
+              <a:t> </a:t>
+            </a:r>
+            <a:r>
+              <a:rPr sz="1400">
+                <a:solidFill>
+                  <a:srgbClr val="000000"/>
+                </a:solidFill>
+                <a:latin typeface="Courier New"/>
+              </a:rPr>
+              <a:t>Class</a:t>
+            </a:r>
+            <a:r>
+              <a:rPr sz="1400">
+                <a:solidFill>
+                  <a:srgbClr val="000000"/>
+                </a:solidFill>
+                <a:latin typeface="Courier New"/>
+              </a:rPr>
+              <a:t> </a:t>
+            </a:r>
+            <a:r>
+              <a:rPr sz="1400">
+                <a:solidFill>
+                  <a:srgbClr val="000000"/>
+                </a:solidFill>
+                <a:latin typeface="Courier New"/>
+              </a:rPr>
+              <a:t>D</a:t>
+            </a:r>
+            <a:r>
+              <a:rPr sz="1400">
+                <a:solidFill>
+                  <a:srgbClr val="000000"/>
+                </a:solidFill>
+                <a:latin typeface="Courier New"/>
+              </a:rPr>
+              <a:t> </a:t>
+            </a:r>
+            <a:r>
+              <a:rPr sz="1400">
+                <a:solidFill>
+                  <a:srgbClr val="000000"/>
+                </a:solidFill>
+                <a:latin typeface="Courier New"/>
+              </a:rPr>
+              <a:t>amp</a:t>
+            </a:r>
+            <a:r>
+              <a:rPr sz="1400">
+                <a:solidFill>
+                  <a:srgbClr val="000000"/>
+                </a:solidFill>
+                <a:latin typeface="Courier New"/>
+              </a:rPr>
+              <a:t> </a:t>
+            </a:r>
+            <a:r>
+              <a:rPr sz="1400">
+                <a:solidFill>
+                  <a:srgbClr val="000000"/>
+                </a:solidFill>
+                <a:latin typeface="Courier New"/>
+              </a:rPr>
+              <a:t>1</a:t>
+            </a:r>
+            <a:r>
+              <a:rPr sz="1400">
+                <a:solidFill>
+                  <a:srgbClr val="000000"/>
+                </a:solidFill>
+                <a:latin typeface="Courier New"/>
+              </a:rPr>
+              <a:t/>
+            </a:r>
+            <a:r>
+              <a:rPr sz="1400">
+                <a:solidFill>
+                  <a:srgbClr val="000000"/>
+                </a:solidFill>
+                <a:latin typeface="Courier New"/>
+              </a:rPr>
+              <a:t>Q_Q1</a:t>
+            </a:r>
+            <a:r>
+              <a:rPr sz="1400">
+                <a:solidFill>
+                  <a:srgbClr val="000000"/>
+                </a:solidFill>
+                <a:latin typeface="Courier New"/>
+              </a:rPr>
+              <a:t>         </a:t>
+            </a:r>
+            <a:r>
+              <a:rPr sz="1400">
+                <a:solidFill>
+                  <a:srgbClr val="000000"/>
+                </a:solidFill>
+                <a:latin typeface="Courier New"/>
+              </a:rPr>
+              <a:t>3</a:t>
+            </a:r>
+            <a:r>
+              <a:rPr sz="1400">
+                <a:solidFill>
+                  <a:srgbClr val="000000"/>
+                </a:solidFill>
+                <a:latin typeface="Courier New"/>
+              </a:rPr>
+              <a:t> </a:t>
+            </a:r>
+            <a:r>
+              <a:rPr sz="1400">
+                <a:solidFill>
+                  <a:srgbClr val="000000"/>
+                </a:solidFill>
+                <a:latin typeface="Courier New"/>
+              </a:rPr>
+              <a:t>1</a:t>
+            </a:r>
+            <a:r>
+              <a:rPr sz="1400">
+                <a:solidFill>
+                  <a:srgbClr val="000000"/>
+                </a:solidFill>
+                <a:latin typeface="Courier New"/>
+              </a:rPr>
+              <a:t> </a:t>
+            </a:r>
+            <a:r>
+              <a:rPr sz="1400">
+                <a:solidFill>
+                  <a:srgbClr val="000000"/>
+                </a:solidFill>
+                <a:latin typeface="Courier New"/>
+              </a:rPr>
+              <a:t>2</a:t>
+            </a:r>
+            <a:r>
+              <a:rPr sz="1400">
+                <a:solidFill>
+                  <a:srgbClr val="000000"/>
+                </a:solidFill>
+                <a:latin typeface="Courier New"/>
+              </a:rPr>
+              <a:t> </a:t>
+            </a:r>
+            <a:r>
+              <a:rPr sz="1400">
+                <a:solidFill>
+                  <a:srgbClr val="000000"/>
+                </a:solidFill>
+                <a:latin typeface="Courier New"/>
+              </a:rPr>
+              <a:t>Q2</a:t>
+            </a:r>
+            <a:r>
+              <a:rPr sz="1400">
+                <a:solidFill>
+                  <a:srgbClr val="000000"/>
+                </a:solidFill>
+                <a:latin typeface="Courier New"/>
+              </a:rPr>
+              <a:t/>
+            </a:r>
+            <a:r>
+              <a:rPr sz="1400">
+                <a:solidFill>
+                  <a:srgbClr val="000000"/>
+                </a:solidFill>
+                <a:latin typeface="Courier New"/>
+              </a:rPr>
+              <a:t>Q_Qp</a:t>
+            </a:r>
+            <a:r>
+              <a:rPr sz="1400">
+                <a:solidFill>
+                  <a:srgbClr val="000000"/>
+                </a:solidFill>
+                <a:latin typeface="Courier New"/>
+              </a:rPr>
+              <a:t>         </a:t>
+            </a:r>
+            <a:r>
+              <a:rPr sz="1400">
+                <a:solidFill>
+                  <a:srgbClr val="000000"/>
+                </a:solidFill>
+                <a:latin typeface="Courier New"/>
+              </a:rPr>
+              <a:t>0</a:t>
+            </a:r>
+            <a:r>
+              <a:rPr sz="1400">
+                <a:solidFill>
+                  <a:srgbClr val="000000"/>
+                </a:solidFill>
+                <a:latin typeface="Courier New"/>
+              </a:rPr>
+              <a:t> </a:t>
+            </a:r>
+            <a:r>
+              <a:rPr sz="1400">
+                <a:solidFill>
+                  <a:srgbClr val="000000"/>
+                </a:solidFill>
+                <a:latin typeface="Courier New"/>
+              </a:rPr>
+              <a:t>1</a:t>
+            </a:r>
+            <a:r>
+              <a:rPr sz="1400">
+                <a:solidFill>
+                  <a:srgbClr val="000000"/>
+                </a:solidFill>
+                <a:latin typeface="Courier New"/>
+              </a:rPr>
+              <a:t> </a:t>
+            </a:r>
+            <a:r>
+              <a:rPr sz="1400">
+                <a:solidFill>
+                  <a:srgbClr val="000000"/>
+                </a:solidFill>
+                <a:latin typeface="Courier New"/>
+              </a:rPr>
+              <a:t>2</a:t>
+            </a:r>
+            <a:r>
+              <a:rPr sz="1400">
+                <a:solidFill>
+                  <a:srgbClr val="000000"/>
+                </a:solidFill>
+                <a:latin typeface="Courier New"/>
+              </a:rPr>
+              <a:t> </a:t>
+            </a:r>
+            <a:r>
+              <a:rPr sz="1400">
+                <a:solidFill>
+                  <a:srgbClr val="000000"/>
+                </a:solidFill>
+                <a:latin typeface="Courier New"/>
+              </a:rPr>
+              <a:t>Qp</a:t>
+            </a:r>
+            <a:r>
+              <a:rPr sz="1400">
+                <a:solidFill>
+                  <a:srgbClr val="000000"/>
+                </a:solidFill>
+                <a:latin typeface="Courier New"/>
+              </a:rPr>
+              <a:t/>
+            </a:r>
+            <a:r>
+              <a:rPr sz="1400">
+                <a:solidFill>
+                  <a:srgbClr val="000000"/>
+                </a:solidFill>
+                <a:latin typeface="Courier New"/>
+              </a:rPr>
+              <a:t>D_D1</a:t>
+            </a:r>
+            <a:r>
+              <a:rPr sz="1400">
+                <a:solidFill>
+                  <a:srgbClr val="000000"/>
+                </a:solidFill>
+                <a:latin typeface="Courier New"/>
+              </a:rPr>
+              <a:t>         </a:t>
+            </a:r>
+            <a:r>
+              <a:rPr sz="1400">
+                <a:solidFill>
+                  <a:srgbClr val="000000"/>
+                </a:solidFill>
+                <a:latin typeface="Courier New"/>
+              </a:rPr>
+              <a:t>2</a:t>
+            </a:r>
+            <a:r>
+              <a:rPr sz="1400">
+                <a:solidFill>
+                  <a:srgbClr val="000000"/>
+                </a:solidFill>
+                <a:latin typeface="Courier New"/>
+              </a:rPr>
+              <a:t> </a:t>
+            </a:r>
+            <a:r>
+              <a:rPr sz="1400">
+                <a:solidFill>
+                  <a:srgbClr val="000000"/>
+                </a:solidFill>
+                <a:latin typeface="Courier New"/>
+              </a:rPr>
+              <a:t>3</a:t>
+            </a:r>
+            <a:r>
+              <a:rPr sz="1400">
+                <a:solidFill>
+                  <a:srgbClr val="000000"/>
+                </a:solidFill>
+                <a:latin typeface="Courier New"/>
+              </a:rPr>
+              <a:t> </a:t>
+            </a:r>
+            <a:r>
+              <a:rPr sz="1400">
+                <a:solidFill>
+                  <a:srgbClr val="000000"/>
+                </a:solidFill>
+                <a:latin typeface="Courier New"/>
+              </a:rPr>
+              <a:t>DD</a:t>
+            </a:r>
+            <a:r>
+              <a:rPr sz="1400">
+                <a:solidFill>
+                  <a:srgbClr val="000000"/>
+                </a:solidFill>
+                <a:latin typeface="Courier New"/>
+              </a:rPr>
+              <a:t/>
+            </a:r>
+          </a:p>
+        </p:txBody>
+      </p:sp>
+      <p:sp>
+        <p:nvSpPr>
+          <p:cNvPr id="3" name="Title 2"/>
+          <p:cNvSpPr>
+            <a:spLocks noGrp="1"/>
+          </p:cNvSpPr>
+          <p:nvPr>
+            <p:ph type="title"/>
+          </p:nvPr>
+        </p:nvSpPr>
+        <p:spPr/>
+        <p:txBody>
+          <a:bodyPr wrap="square">
+            <a:noAutofit/>
+          </a:bodyPr>
+          <a:lstStyle/>
+          <a:p>
+            <a:r>
+              <a:rPr sz="3200" b="1" i="0">
+                <a:latin typeface="Arial"/>
+              </a:rPr>
+              <a:t>SPICE file Klasse D circuit met diodes</a:t>
+            </a:r>
+            <a:endParaRPr sz="3200" b="1" i="0">
+              <a:latin typeface="Arial"/>
+            </a:endParaRPr>
+          </a:p>
+        </p:txBody>
+      </p:sp>
+    </p:spTree>
+  </p:cSld>
+  <p:clrMapOvr>
+    <a:masterClrMapping/>
+  </p:clrMapOvr>
+</p:sld>
+</file>
+
+<file path=ppt/slides/slide28.xml><?xml version="1.0" encoding="utf-8"?>
+<p:sld xmlns:a="http://schemas.openxmlformats.org/drawingml/2006/main" xmlns:p="http://schemas.openxmlformats.org/presentationml/2006/main" xmlns:r="http://schemas.openxmlformats.org/officeDocument/2006/relationships">
+  <p:cSld>
+    <p:spTree>
+      <p:nvGrpSpPr>
+        <p:cNvPr id="1" name=""/>
+        <p:cNvGrpSpPr/>
+        <p:nvPr/>
+      </p:nvGrpSpPr>
+      <p:grpSpPr/>
+      <p:sp>
+        <p:nvSpPr>
+          <p:cNvPr id="2" name="Content Placeholder 1"/>
+          <p:cNvSpPr>
+            <a:spLocks noGrp="1"/>
+          </p:cNvSpPr>
+          <p:nvPr>
+            <p:ph idx="1"/>
+          </p:nvPr>
+        </p:nvSpPr>
+        <p:spPr/>
+        <p:txBody>
+          <a:bodyPr/>
+          <a:lstStyle/>
+          <a:p>
+            <a:r>
+              <a:rPr sz="1400">
+                <a:solidFill>
+                  <a:srgbClr val="000000"/>
+                </a:solidFill>
+                <a:latin typeface="Courier New"/>
+              </a:rPr>
+              <a:t>D_D2</a:t>
+            </a:r>
+            <a:r>
+              <a:rPr sz="1400">
+                <a:solidFill>
+                  <a:srgbClr val="000000"/>
+                </a:solidFill>
+                <a:latin typeface="Courier New"/>
+              </a:rPr>
+              <a:t> </a:t>
+            </a:r>
+            <a:r>
+              <a:rPr sz="1400">
+                <a:solidFill>
+                  <a:srgbClr val="000000"/>
+                </a:solidFill>
+                <a:latin typeface="Courier New"/>
+              </a:rPr>
+              <a:t>0</a:t>
+            </a:r>
+            <a:r>
+              <a:rPr sz="1400">
+                <a:solidFill>
+                  <a:srgbClr val="000000"/>
+                </a:solidFill>
+                <a:latin typeface="Courier New"/>
+              </a:rPr>
+              <a:t> </a:t>
+            </a:r>
+            <a:r>
+              <a:rPr sz="1400">
+                <a:solidFill>
+                  <a:srgbClr val="000000"/>
+                </a:solidFill>
+                <a:latin typeface="Courier New"/>
+              </a:rPr>
+              <a:t>2</a:t>
+            </a:r>
+            <a:r>
+              <a:rPr sz="1400">
+                <a:solidFill>
+                  <a:srgbClr val="000000"/>
+                </a:solidFill>
+                <a:latin typeface="Courier New"/>
+              </a:rPr>
+              <a:t> </a:t>
+            </a:r>
+            <a:r>
+              <a:rPr sz="1400">
+                <a:solidFill>
+                  <a:srgbClr val="000000"/>
+                </a:solidFill>
+                <a:latin typeface="Courier New"/>
+              </a:rPr>
+              <a:t>DD</a:t>
+            </a:r>
+            <a:r>
+              <a:rPr sz="1400">
+                <a:solidFill>
+                  <a:srgbClr val="000000"/>
+                </a:solidFill>
+                <a:latin typeface="Courier New"/>
+              </a:rPr>
+              <a:t/>
+            </a:r>
+            <a:r>
+              <a:rPr sz="1400">
+                <a:solidFill>
+                  <a:srgbClr val="000000"/>
+                </a:solidFill>
+                <a:latin typeface="Courier New"/>
+              </a:rPr>
+              <a:t>L_L1</a:t>
+            </a:r>
+            <a:r>
+              <a:rPr sz="1400">
+                <a:solidFill>
+                  <a:srgbClr val="000000"/>
+                </a:solidFill>
+                <a:latin typeface="Courier New"/>
+              </a:rPr>
+              <a:t> </a:t>
+            </a:r>
+            <a:r>
+              <a:rPr sz="1400">
+                <a:solidFill>
+                  <a:srgbClr val="000000"/>
+                </a:solidFill>
+                <a:latin typeface="Courier New"/>
+              </a:rPr>
+              <a:t>5</a:t>
+            </a:r>
+            <a:r>
+              <a:rPr sz="1400">
+                <a:solidFill>
+                  <a:srgbClr val="000000"/>
+                </a:solidFill>
+                <a:latin typeface="Courier New"/>
+              </a:rPr>
+              <a:t> </a:t>
+            </a:r>
+            <a:r>
+              <a:rPr sz="1400">
+                <a:solidFill>
+                  <a:srgbClr val="000000"/>
+                </a:solidFill>
+                <a:latin typeface="Courier New"/>
+              </a:rPr>
+              <a:t>2</a:t>
+            </a:r>
+            <a:r>
+              <a:rPr sz="1400">
+                <a:solidFill>
+                  <a:srgbClr val="000000"/>
+                </a:solidFill>
+                <a:latin typeface="Courier New"/>
+              </a:rPr>
+              <a:t> </a:t>
+            </a:r>
+            <a:r>
+              <a:rPr sz="1400">
+                <a:solidFill>
+                  <a:srgbClr val="000000"/>
+                </a:solidFill>
+                <a:latin typeface="Courier New"/>
+              </a:rPr>
+              <a:t>1</a:t>
+            </a:r>
+            <a:r>
+              <a:rPr sz="1400">
+                <a:solidFill>
+                  <a:srgbClr val="000000"/>
+                </a:solidFill>
+                <a:latin typeface="Courier New"/>
+              </a:rPr>
+              <a:t>uH</a:t>
+            </a:r>
+            <a:r>
+              <a:rPr sz="1400">
+                <a:solidFill>
+                  <a:srgbClr val="000000"/>
+                </a:solidFill>
+                <a:latin typeface="Courier New"/>
+              </a:rPr>
+              <a:t/>
+            </a:r>
+            <a:r>
+              <a:rPr sz="1400">
+                <a:solidFill>
+                  <a:srgbClr val="000000"/>
+                </a:solidFill>
+                <a:latin typeface="Courier New"/>
+              </a:rPr>
+              <a:t>C_C1</a:t>
+            </a:r>
+            <a:r>
+              <a:rPr sz="1400">
+                <a:solidFill>
+                  <a:srgbClr val="000000"/>
+                </a:solidFill>
+                <a:latin typeface="Courier New"/>
+              </a:rPr>
+              <a:t> </a:t>
+            </a:r>
+            <a:r>
+              <a:rPr sz="1400">
+                <a:solidFill>
+                  <a:srgbClr val="000000"/>
+                </a:solidFill>
+                <a:latin typeface="Courier New"/>
+              </a:rPr>
+              <a:t>5</a:t>
+            </a:r>
+            <a:r>
+              <a:rPr sz="1400">
+                <a:solidFill>
+                  <a:srgbClr val="000000"/>
+                </a:solidFill>
+                <a:latin typeface="Courier New"/>
+              </a:rPr>
+              <a:t> </a:t>
+            </a:r>
+            <a:r>
+              <a:rPr sz="1400">
+                <a:solidFill>
+                  <a:srgbClr val="000000"/>
+                </a:solidFill>
+                <a:latin typeface="Courier New"/>
+              </a:rPr>
+              <a:t>6</a:t>
+            </a:r>
+            <a:r>
+              <a:rPr sz="1400">
+                <a:solidFill>
+                  <a:srgbClr val="000000"/>
+                </a:solidFill>
+                <a:latin typeface="Courier New"/>
+              </a:rPr>
+              <a:t> </a:t>
+            </a:r>
+            <a:r>
+              <a:rPr sz="1400">
+                <a:solidFill>
+                  <a:srgbClr val="000000"/>
+                </a:solidFill>
+                <a:latin typeface="Courier New"/>
+              </a:rPr>
+              <a:t>10</a:t>
+            </a:r>
+            <a:r>
+              <a:rPr sz="1400">
+                <a:solidFill>
+                  <a:srgbClr val="000000"/>
+                </a:solidFill>
+                <a:latin typeface="Courier New"/>
+              </a:rPr>
+              <a:t>n</a:t>
+            </a:r>
+            <a:r>
+              <a:rPr sz="1400">
+                <a:solidFill>
+                  <a:srgbClr val="000000"/>
+                </a:solidFill>
+                <a:latin typeface="Courier New"/>
+              </a:rPr>
+              <a:t/>
+            </a:r>
+            <a:r>
+              <a:rPr sz="1400">
+                <a:solidFill>
+                  <a:srgbClr val="000000"/>
+                </a:solidFill>
+                <a:latin typeface="Courier New"/>
+              </a:rPr>
+              <a:t>R_RL</a:t>
+            </a:r>
+            <a:r>
+              <a:rPr sz="1400">
+                <a:solidFill>
+                  <a:srgbClr val="000000"/>
+                </a:solidFill>
+                <a:latin typeface="Courier New"/>
+              </a:rPr>
+              <a:t> </a:t>
+            </a:r>
+            <a:r>
+              <a:rPr sz="1400">
+                <a:solidFill>
+                  <a:srgbClr val="000000"/>
+                </a:solidFill>
+                <a:latin typeface="Courier New"/>
+              </a:rPr>
+              <a:t>6</a:t>
+            </a:r>
+            <a:r>
+              <a:rPr sz="1400">
+                <a:solidFill>
+                  <a:srgbClr val="000000"/>
+                </a:solidFill>
+                <a:latin typeface="Courier New"/>
+              </a:rPr>
+              <a:t> </a:t>
+            </a:r>
+            <a:r>
+              <a:rPr sz="1400">
+                <a:solidFill>
+                  <a:srgbClr val="000000"/>
+                </a:solidFill>
+                <a:latin typeface="Courier New"/>
+              </a:rPr>
+              <a:t>0</a:t>
+            </a:r>
+            <a:r>
+              <a:rPr sz="1400">
+                <a:solidFill>
+                  <a:srgbClr val="000000"/>
+                </a:solidFill>
+                <a:latin typeface="Courier New"/>
+              </a:rPr>
+              <a:t> </a:t>
+            </a:r>
+            <a:r>
+              <a:rPr sz="1400">
+                <a:solidFill>
+                  <a:srgbClr val="000000"/>
+                </a:solidFill>
+                <a:latin typeface="Courier New"/>
+              </a:rPr>
+              <a:t>6</a:t>
+            </a:r>
+            <a:r>
+              <a:rPr sz="1400">
+                <a:solidFill>
+                  <a:srgbClr val="000000"/>
+                </a:solidFill>
+                <a:latin typeface="Courier New"/>
+              </a:rPr>
+              <a:t/>
+            </a:r>
+            <a:r>
+              <a:rPr sz="1400">
+                <a:solidFill>
+                  <a:srgbClr val="000000"/>
+                </a:solidFill>
+                <a:latin typeface="Courier New"/>
+              </a:rPr>
+              <a:t>V_Vdd</a:t>
+            </a:r>
+            <a:r>
+              <a:rPr sz="1400">
+                <a:solidFill>
+                  <a:srgbClr val="000000"/>
+                </a:solidFill>
+                <a:latin typeface="Courier New"/>
+              </a:rPr>
+              <a:t> </a:t>
+            </a:r>
+            <a:r>
+              <a:rPr sz="1400">
+                <a:solidFill>
+                  <a:srgbClr val="000000"/>
+                </a:solidFill>
+                <a:latin typeface="Courier New"/>
+              </a:rPr>
+              <a:t>3</a:t>
+            </a:r>
+            <a:r>
+              <a:rPr sz="1400">
+                <a:solidFill>
+                  <a:srgbClr val="000000"/>
+                </a:solidFill>
+                <a:latin typeface="Courier New"/>
+              </a:rPr>
+              <a:t> </a:t>
+            </a:r>
+            <a:r>
+              <a:rPr sz="1400">
+                <a:solidFill>
+                  <a:srgbClr val="000000"/>
+                </a:solidFill>
+                <a:latin typeface="Courier New"/>
+              </a:rPr>
+              <a:t>0</a:t>
+            </a:r>
+            <a:r>
+              <a:rPr sz="1400">
+                <a:solidFill>
+                  <a:srgbClr val="000000"/>
+                </a:solidFill>
+                <a:latin typeface="Courier New"/>
+              </a:rPr>
+              <a:t> </a:t>
+            </a:r>
+            <a:r>
+              <a:rPr sz="1400">
+                <a:solidFill>
+                  <a:srgbClr val="000000"/>
+                </a:solidFill>
+                <a:latin typeface="Courier New"/>
+              </a:rPr>
+              <a:t>20</a:t>
+            </a:r>
+            <a:r>
+              <a:rPr sz="1400">
+                <a:solidFill>
+                  <a:srgbClr val="000000"/>
+                </a:solidFill>
+                <a:latin typeface="Courier New"/>
+              </a:rPr>
+              <a:t>V</a:t>
+            </a:r>
+            <a:r>
+              <a:rPr sz="1400">
+                <a:solidFill>
+                  <a:srgbClr val="000000"/>
+                </a:solidFill>
+                <a:latin typeface="Courier New"/>
+              </a:rPr>
+              <a:t/>
+            </a:r>
+            <a:r>
+              <a:rPr sz="1400">
+                <a:solidFill>
+                  <a:srgbClr val="000000"/>
+                </a:solidFill>
+                <a:latin typeface="Courier New"/>
+              </a:rPr>
+              <a:t>R_Rin</a:t>
+            </a:r>
+            <a:r>
+              <a:rPr sz="1400">
+                <a:solidFill>
+                  <a:srgbClr val="000000"/>
+                </a:solidFill>
+                <a:latin typeface="Courier New"/>
+              </a:rPr>
+              <a:t> </a:t>
+            </a:r>
+            <a:r>
+              <a:rPr sz="1400">
+                <a:solidFill>
+                  <a:srgbClr val="000000"/>
+                </a:solidFill>
+                <a:latin typeface="Courier New"/>
+              </a:rPr>
+              <a:t>4</a:t>
+            </a:r>
+            <a:r>
+              <a:rPr sz="1400">
+                <a:solidFill>
+                  <a:srgbClr val="000000"/>
+                </a:solidFill>
+                <a:latin typeface="Courier New"/>
+              </a:rPr>
+              <a:t> </a:t>
+            </a:r>
+            <a:r>
+              <a:rPr sz="1400">
+                <a:solidFill>
+                  <a:srgbClr val="000000"/>
+                </a:solidFill>
+                <a:latin typeface="Courier New"/>
+              </a:rPr>
+              <a:t>1</a:t>
+            </a:r>
+            <a:r>
+              <a:rPr sz="1400">
+                <a:solidFill>
+                  <a:srgbClr val="000000"/>
+                </a:solidFill>
+                <a:latin typeface="Courier New"/>
+              </a:rPr>
+              <a:t> </a:t>
+            </a:r>
+            <a:r>
+              <a:rPr sz="1400">
+                <a:solidFill>
+                  <a:srgbClr val="000000"/>
+                </a:solidFill>
+                <a:latin typeface="Courier New"/>
+              </a:rPr>
+              <a:t>1</a:t>
+            </a:r>
+            <a:r>
+              <a:rPr sz="1400">
+                <a:solidFill>
+                  <a:srgbClr val="000000"/>
+                </a:solidFill>
+                <a:latin typeface="Courier New"/>
+              </a:rPr>
+              <a:t/>
+            </a:r>
+            <a:r>
+              <a:rPr sz="1400">
+                <a:solidFill>
+                  <a:srgbClr val="000000"/>
+                </a:solidFill>
+                <a:latin typeface="Courier New"/>
+              </a:rPr>
+              <a:t>V_Vin</a:t>
+            </a:r>
+            <a:r>
+              <a:rPr sz="1400">
+                <a:solidFill>
+                  <a:srgbClr val="000000"/>
+                </a:solidFill>
+                <a:latin typeface="Courier New"/>
+              </a:rPr>
+              <a:t> </a:t>
+            </a:r>
+            <a:r>
+              <a:rPr sz="1400">
+                <a:solidFill>
+                  <a:srgbClr val="000000"/>
+                </a:solidFill>
+                <a:latin typeface="Courier New"/>
+              </a:rPr>
+              <a:t>4</a:t>
+            </a:r>
+            <a:r>
+              <a:rPr sz="1400">
+                <a:solidFill>
+                  <a:srgbClr val="000000"/>
+                </a:solidFill>
+                <a:latin typeface="Courier New"/>
+              </a:rPr>
+              <a:t> </a:t>
+            </a:r>
+            <a:r>
+              <a:rPr sz="1400">
+                <a:solidFill>
+                  <a:srgbClr val="000000"/>
+                </a:solidFill>
+                <a:latin typeface="Courier New"/>
+              </a:rPr>
+              <a:t>0</a:t>
+            </a:r>
+            <a:r>
+              <a:rPr sz="1400">
+                <a:solidFill>
+                  <a:srgbClr val="000000"/>
+                </a:solidFill>
+                <a:latin typeface="Courier New"/>
+              </a:rPr>
+              <a:t> </a:t>
+            </a:r>
+            <a:r>
+              <a:rPr sz="1400">
+                <a:solidFill>
+                  <a:srgbClr val="000000"/>
+                </a:solidFill>
+                <a:latin typeface="Courier New"/>
+              </a:rPr>
+              <a:t>PULSE</a:t>
+            </a:r>
+            <a:r>
+              <a:rPr sz="1400">
+                <a:solidFill>
+                  <a:srgbClr val="000000"/>
+                </a:solidFill>
+                <a:latin typeface="Courier New"/>
+              </a:rPr>
+              <a:t>(</a:t>
+            </a:r>
+            <a:r>
+              <a:rPr sz="1400">
+                <a:solidFill>
+                  <a:srgbClr val="000000"/>
+                </a:solidFill>
+                <a:latin typeface="Courier New"/>
+              </a:rPr>
+              <a:t>0</a:t>
+            </a:r>
+            <a:r>
+              <a:rPr sz="1400">
+                <a:solidFill>
+                  <a:srgbClr val="000000"/>
+                </a:solidFill>
+                <a:latin typeface="Courier New"/>
+              </a:rPr>
+              <a:t> </a:t>
+            </a:r>
+            <a:r>
+              <a:rPr sz="1400">
+                <a:solidFill>
+                  <a:srgbClr val="000000"/>
+                </a:solidFill>
+                <a:latin typeface="Courier New"/>
+              </a:rPr>
+              <a:t>20</a:t>
+            </a:r>
+            <a:r>
+              <a:rPr sz="1400">
+                <a:solidFill>
+                  <a:srgbClr val="000000"/>
+                </a:solidFill>
+                <a:latin typeface="Courier New"/>
+              </a:rPr>
+              <a:t> </a:t>
+            </a:r>
+            <a:r>
+              <a:rPr sz="1400">
+                <a:solidFill>
+                  <a:srgbClr val="000000"/>
+                </a:solidFill>
+                <a:latin typeface="Courier New"/>
+              </a:rPr>
+              <a:t>0</a:t>
+            </a:r>
+            <a:r>
+              <a:rPr sz="1400">
+                <a:solidFill>
+                  <a:srgbClr val="000000"/>
+                </a:solidFill>
+                <a:latin typeface="Courier New"/>
+              </a:rPr>
+              <a:t> </a:t>
+            </a:r>
+            <a:r>
+              <a:rPr sz="1400">
+                <a:solidFill>
+                  <a:srgbClr val="000000"/>
+                </a:solidFill>
+                <a:latin typeface="Courier New"/>
+              </a:rPr>
+              <a:t>20</a:t>
+            </a:r>
+            <a:r>
+              <a:rPr sz="1400">
+                <a:solidFill>
+                  <a:srgbClr val="000000"/>
+                </a:solidFill>
+                <a:latin typeface="Courier New"/>
+              </a:rPr>
+              <a:t>ns</a:t>
+            </a:r>
+            <a:r>
+              <a:rPr sz="1400">
+                <a:solidFill>
+                  <a:srgbClr val="000000"/>
+                </a:solidFill>
+                <a:latin typeface="Courier New"/>
+              </a:rPr>
+              <a:t> </a:t>
+            </a:r>
+            <a:r>
+              <a:rPr sz="1400">
+                <a:solidFill>
+                  <a:srgbClr val="000000"/>
+                </a:solidFill>
+                <a:latin typeface="Courier New"/>
+              </a:rPr>
+              <a:t>20</a:t>
+            </a:r>
+            <a:r>
+              <a:rPr sz="1400">
+                <a:solidFill>
+                  <a:srgbClr val="000000"/>
+                </a:solidFill>
+                <a:latin typeface="Courier New"/>
+              </a:rPr>
+              <a:t>ns</a:t>
+            </a:r>
+            <a:r>
+              <a:rPr sz="1400">
+                <a:solidFill>
+                  <a:srgbClr val="000000"/>
+                </a:solidFill>
+                <a:latin typeface="Courier New"/>
+              </a:rPr>
+              <a:t> </a:t>
+            </a:r>
+            <a:r>
+              <a:rPr sz="1400">
+                <a:solidFill>
+                  <a:srgbClr val="000000"/>
+                </a:solidFill>
+                <a:latin typeface="Courier New"/>
+              </a:rPr>
+              <a:t>280</a:t>
+            </a:r>
+            <a:r>
+              <a:rPr sz="1400">
+                <a:solidFill>
+                  <a:srgbClr val="000000"/>
+                </a:solidFill>
+                <a:latin typeface="Courier New"/>
+              </a:rPr>
+              <a:t>ns</a:t>
+            </a:r>
+            <a:r>
+              <a:rPr sz="1400">
+                <a:solidFill>
+                  <a:srgbClr val="000000"/>
+                </a:solidFill>
+                <a:latin typeface="Courier New"/>
+              </a:rPr>
+              <a:t> </a:t>
+            </a:r>
+            <a:r>
+              <a:rPr sz="1400">
+                <a:solidFill>
+                  <a:srgbClr val="000000"/>
+                </a:solidFill>
+                <a:latin typeface="Courier New"/>
+              </a:rPr>
+              <a:t>600</a:t>
+            </a:r>
+            <a:r>
+              <a:rPr sz="1400">
+                <a:solidFill>
+                  <a:srgbClr val="000000"/>
+                </a:solidFill>
+                <a:latin typeface="Courier New"/>
+              </a:rPr>
+              <a:t>ns</a:t>
+            </a:r>
+            <a:r>
+              <a:rPr sz="1400">
+                <a:solidFill>
+                  <a:srgbClr val="000000"/>
+                </a:solidFill>
+                <a:latin typeface="Courier New"/>
+              </a:rPr>
+              <a:t>)</a:t>
+            </a:r>
+            <a:r>
+              <a:rPr sz="1400">
+                <a:solidFill>
+                  <a:srgbClr val="000000"/>
+                </a:solidFill>
+                <a:latin typeface="Courier New"/>
+              </a:rPr>
+              <a:t> </a:t>
+            </a:r>
+            <a:r>
+              <a:rPr sz="1400">
+                <a:solidFill>
+                  <a:srgbClr val="000000"/>
+                </a:solidFill>
+                <a:latin typeface="Courier New"/>
+              </a:rPr>
+              <a:t>DC</a:t>
+            </a:r>
+            <a:r>
+              <a:rPr sz="1400">
+                <a:solidFill>
+                  <a:srgbClr val="000000"/>
+                </a:solidFill>
+                <a:latin typeface="Courier New"/>
+              </a:rPr>
+              <a:t>=</a:t>
+            </a:r>
+            <a:r>
+              <a:rPr sz="1400">
+                <a:solidFill>
+                  <a:srgbClr val="000000"/>
+                </a:solidFill>
+                <a:latin typeface="Courier New"/>
+              </a:rPr>
+              <a:t>0</a:t>
+            </a:r>
+            <a:r>
+              <a:rPr sz="1400">
+                <a:solidFill>
+                  <a:srgbClr val="000000"/>
+                </a:solidFill>
+                <a:latin typeface="Courier New"/>
+              </a:rPr>
+              <a:t/>
+            </a:r>
+            <a:r>
+              <a:rPr sz="1400">
+                <a:solidFill>
+                  <a:srgbClr val="000000"/>
+                </a:solidFill>
+                <a:latin typeface="Courier New"/>
+              </a:rPr>
+              <a:t>.</a:t>
+            </a:r>
+            <a:r>
+              <a:rPr sz="1400">
+                <a:solidFill>
+                  <a:srgbClr val="000000"/>
+                </a:solidFill>
+                <a:latin typeface="Courier New"/>
+              </a:rPr>
+              <a:t>model</a:t>
+            </a:r>
+            <a:r>
+              <a:rPr sz="1400">
+                <a:solidFill>
+                  <a:srgbClr val="000000"/>
+                </a:solidFill>
+                <a:latin typeface="Courier New"/>
+              </a:rPr>
+              <a:t> </a:t>
+            </a:r>
+            <a:r>
+              <a:rPr sz="1400">
+                <a:solidFill>
+                  <a:srgbClr val="000000"/>
+                </a:solidFill>
+                <a:latin typeface="Courier New"/>
+              </a:rPr>
+              <a:t>Q2</a:t>
+            </a:r>
+            <a:r>
+              <a:rPr sz="1400">
+                <a:solidFill>
+                  <a:srgbClr val="000000"/>
+                </a:solidFill>
+                <a:latin typeface="Courier New"/>
+              </a:rPr>
+              <a:t> </a:t>
+            </a:r>
+            <a:r>
+              <a:rPr sz="1400">
+                <a:solidFill>
+                  <a:srgbClr val="000000"/>
+                </a:solidFill>
+                <a:latin typeface="Courier New"/>
+              </a:rPr>
+              <a:t>NPN</a:t>
+            </a:r>
+            <a:r>
+              <a:rPr sz="1400">
+                <a:solidFill>
+                  <a:srgbClr val="000000"/>
+                </a:solidFill>
+                <a:latin typeface="Courier New"/>
+              </a:rPr>
+              <a:t>(</a:t>
+            </a:r>
+            <a:r>
+              <a:rPr sz="1400">
+                <a:solidFill>
+                  <a:srgbClr val="000000"/>
+                </a:solidFill>
+                <a:latin typeface="Courier New"/>
+              </a:rPr>
+              <a:t>Is</a:t>
+            </a:r>
+            <a:r>
+              <a:rPr sz="1400">
+                <a:solidFill>
+                  <a:srgbClr val="000000"/>
+                </a:solidFill>
+                <a:latin typeface="Courier New"/>
+              </a:rPr>
+              <a:t>=</a:t>
+            </a:r>
+            <a:r>
+              <a:rPr sz="1400">
+                <a:solidFill>
+                  <a:srgbClr val="000000"/>
+                </a:solidFill>
+                <a:latin typeface="Courier New"/>
+              </a:rPr>
+              <a:t>14.34</a:t>
+            </a:r>
+            <a:r>
+              <a:rPr sz="1400">
+                <a:solidFill>
+                  <a:srgbClr val="000000"/>
+                </a:solidFill>
+                <a:latin typeface="Courier New"/>
+              </a:rPr>
+              <a:t>f</a:t>
+            </a:r>
+            <a:r>
+              <a:rPr sz="1400">
+                <a:solidFill>
+                  <a:srgbClr val="000000"/>
+                </a:solidFill>
+                <a:latin typeface="Courier New"/>
+              </a:rPr>
+              <a:t> </a:t>
+            </a:r>
+            <a:r>
+              <a:rPr sz="1400">
+                <a:solidFill>
+                  <a:srgbClr val="000000"/>
+                </a:solidFill>
+                <a:latin typeface="Courier New"/>
+              </a:rPr>
+              <a:t>BF</a:t>
+            </a:r>
+            <a:r>
+              <a:rPr sz="1400">
+                <a:solidFill>
+                  <a:srgbClr val="000000"/>
+                </a:solidFill>
+                <a:latin typeface="Courier New"/>
+              </a:rPr>
+              <a:t>=</a:t>
+            </a:r>
+            <a:r>
+              <a:rPr sz="1400">
+                <a:solidFill>
+                  <a:srgbClr val="000000"/>
+                </a:solidFill>
+                <a:latin typeface="Courier New"/>
+              </a:rPr>
+              <a:t>200</a:t>
+            </a:r>
+            <a:r>
+              <a:rPr sz="1400">
+                <a:solidFill>
+                  <a:srgbClr val="000000"/>
+                </a:solidFill>
+                <a:latin typeface="Courier New"/>
+              </a:rPr>
+              <a:t>)</a:t>
+            </a:r>
+            <a:r>
+              <a:rPr sz="1400">
+                <a:solidFill>
+                  <a:srgbClr val="000000"/>
+                </a:solidFill>
+                <a:latin typeface="Courier New"/>
+              </a:rPr>
+              <a:t/>
+            </a:r>
+            <a:r>
+              <a:rPr sz="1400">
+                <a:solidFill>
+                  <a:srgbClr val="000000"/>
+                </a:solidFill>
+                <a:latin typeface="Courier New"/>
+              </a:rPr>
+              <a:t>.</a:t>
+            </a:r>
+            <a:r>
+              <a:rPr sz="1400">
+                <a:solidFill>
+                  <a:srgbClr val="000000"/>
+                </a:solidFill>
+                <a:latin typeface="Courier New"/>
+              </a:rPr>
+              <a:t>model</a:t>
+            </a:r>
+            <a:r>
+              <a:rPr sz="1400">
+                <a:solidFill>
+                  <a:srgbClr val="000000"/>
+                </a:solidFill>
+                <a:latin typeface="Courier New"/>
+              </a:rPr>
+              <a:t> </a:t>
+            </a:r>
+            <a:r>
+              <a:rPr sz="1400">
+                <a:solidFill>
+                  <a:srgbClr val="000000"/>
+                </a:solidFill>
+                <a:latin typeface="Courier New"/>
+              </a:rPr>
+              <a:t>Qp</a:t>
+            </a:r>
+            <a:r>
+              <a:rPr sz="1400">
+                <a:solidFill>
+                  <a:srgbClr val="000000"/>
+                </a:solidFill>
+                <a:latin typeface="Courier New"/>
+              </a:rPr>
+              <a:t> </a:t>
+            </a:r>
+            <a:r>
+              <a:rPr sz="1400">
+                <a:solidFill>
+                  <a:srgbClr val="000000"/>
+                </a:solidFill>
+                <a:latin typeface="Courier New"/>
+              </a:rPr>
+              <a:t>PNP</a:t>
+            </a:r>
+            <a:r>
+              <a:rPr sz="1400">
+                <a:solidFill>
+                  <a:srgbClr val="000000"/>
+                </a:solidFill>
+                <a:latin typeface="Courier New"/>
+              </a:rPr>
+              <a:t>(</a:t>
+            </a:r>
+            <a:r>
+              <a:rPr sz="1400">
+                <a:solidFill>
+                  <a:srgbClr val="000000"/>
+                </a:solidFill>
+                <a:latin typeface="Courier New"/>
+              </a:rPr>
+              <a:t>Is</a:t>
+            </a:r>
+            <a:r>
+              <a:rPr sz="1400">
+                <a:solidFill>
+                  <a:srgbClr val="000000"/>
+                </a:solidFill>
+                <a:latin typeface="Courier New"/>
+              </a:rPr>
+              <a:t>=</a:t>
+            </a:r>
+            <a:r>
+              <a:rPr sz="1400">
+                <a:solidFill>
+                  <a:srgbClr val="000000"/>
+                </a:solidFill>
+                <a:latin typeface="Courier New"/>
+              </a:rPr>
+              <a:t>5.34</a:t>
+            </a:r>
+            <a:r>
+              <a:rPr sz="1400">
+                <a:solidFill>
+                  <a:srgbClr val="000000"/>
+                </a:solidFill>
+                <a:latin typeface="Courier New"/>
+              </a:rPr>
+              <a:t>f</a:t>
+            </a:r>
+            <a:r>
+              <a:rPr sz="1400">
+                <a:solidFill>
+                  <a:srgbClr val="000000"/>
+                </a:solidFill>
+                <a:latin typeface="Courier New"/>
+              </a:rPr>
+              <a:t> </a:t>
+            </a:r>
+            <a:r>
+              <a:rPr sz="1400">
+                <a:solidFill>
+                  <a:srgbClr val="000000"/>
+                </a:solidFill>
+                <a:latin typeface="Courier New"/>
+              </a:rPr>
+              <a:t>BF</a:t>
+            </a:r>
+            <a:r>
+              <a:rPr sz="1400">
+                <a:solidFill>
+                  <a:srgbClr val="000000"/>
+                </a:solidFill>
+                <a:latin typeface="Courier New"/>
+              </a:rPr>
+              <a:t>=</a:t>
+            </a:r>
+            <a:r>
+              <a:rPr sz="1400">
+                <a:solidFill>
+                  <a:srgbClr val="000000"/>
+                </a:solidFill>
+                <a:latin typeface="Courier New"/>
+              </a:rPr>
+              <a:t>100</a:t>
+            </a:r>
+            <a:r>
+              <a:rPr sz="1400">
+                <a:solidFill>
+                  <a:srgbClr val="000000"/>
+                </a:solidFill>
+                <a:latin typeface="Courier New"/>
+              </a:rPr>
+              <a:t>)</a:t>
+            </a:r>
+            <a:r>
+              <a:rPr sz="1400">
+                <a:solidFill>
+                  <a:srgbClr val="000000"/>
+                </a:solidFill>
+                <a:latin typeface="Courier New"/>
+              </a:rPr>
+              <a:t/>
+            </a:r>
+            <a:r>
+              <a:rPr sz="1400">
+                <a:solidFill>
+                  <a:srgbClr val="000000"/>
+                </a:solidFill>
+                <a:latin typeface="Courier New"/>
+              </a:rPr>
+              <a:t>.</a:t>
+            </a:r>
+            <a:r>
+              <a:rPr sz="1400">
+                <a:solidFill>
+                  <a:srgbClr val="000000"/>
+                </a:solidFill>
+                <a:latin typeface="Courier New"/>
+              </a:rPr>
+              <a:t>model</a:t>
+            </a:r>
+            <a:r>
+              <a:rPr sz="1400">
+                <a:solidFill>
+                  <a:srgbClr val="000000"/>
+                </a:solidFill>
+                <a:latin typeface="Courier New"/>
+              </a:rPr>
+              <a:t> </a:t>
+            </a:r>
+            <a:r>
+              <a:rPr sz="1400">
+                <a:solidFill>
+                  <a:srgbClr val="000000"/>
+                </a:solidFill>
+                <a:latin typeface="Courier New"/>
+              </a:rPr>
+              <a:t>DD</a:t>
+            </a:r>
+            <a:r>
+              <a:rPr sz="1400">
+                <a:solidFill>
+                  <a:srgbClr val="000000"/>
+                </a:solidFill>
+                <a:latin typeface="Courier New"/>
+              </a:rPr>
+              <a:t> </a:t>
+            </a:r>
+            <a:r>
+              <a:rPr sz="1400">
+                <a:solidFill>
+                  <a:srgbClr val="000000"/>
+                </a:solidFill>
+                <a:latin typeface="Courier New"/>
+              </a:rPr>
+              <a:t>D</a:t>
+            </a:r>
+            <a:r>
+              <a:rPr sz="1400">
+                <a:solidFill>
+                  <a:srgbClr val="000000"/>
+                </a:solidFill>
+                <a:latin typeface="Courier New"/>
+              </a:rPr>
+              <a:t>(</a:t>
+            </a:r>
+            <a:r>
+              <a:rPr sz="1400">
+                <a:solidFill>
+                  <a:srgbClr val="000000"/>
+                </a:solidFill>
+                <a:latin typeface="Courier New"/>
+              </a:rPr>
+              <a:t> </a:t>
+            </a:r>
+            <a:r>
+              <a:rPr sz="1400">
+                <a:solidFill>
+                  <a:srgbClr val="000000"/>
+                </a:solidFill>
+                <a:latin typeface="Courier New"/>
+              </a:rPr>
+              <a:t>IS</a:t>
+            </a:r>
+            <a:r>
+              <a:rPr sz="1400">
+                <a:solidFill>
+                  <a:srgbClr val="000000"/>
+                </a:solidFill>
+                <a:latin typeface="Courier New"/>
+              </a:rPr>
+              <a:t>=</a:t>
+            </a:r>
+            <a:r>
+              <a:rPr sz="1400">
+                <a:solidFill>
+                  <a:srgbClr val="000000"/>
+                </a:solidFill>
+                <a:latin typeface="Courier New"/>
+              </a:rPr>
+              <a:t>0.0002</a:t>
+            </a:r>
+            <a:r>
+              <a:rPr sz="1400">
+                <a:solidFill>
+                  <a:srgbClr val="000000"/>
+                </a:solidFill>
+                <a:latin typeface="Courier New"/>
+              </a:rPr>
+              <a:t> </a:t>
+            </a:r>
+            <a:r>
+              <a:rPr sz="1400">
+                <a:solidFill>
+                  <a:srgbClr val="000000"/>
+                </a:solidFill>
+                <a:latin typeface="Courier New"/>
+              </a:rPr>
+              <a:t>RS</a:t>
+            </a:r>
+            <a:r>
+              <a:rPr sz="1400">
+                <a:solidFill>
+                  <a:srgbClr val="000000"/>
+                </a:solidFill>
+                <a:latin typeface="Courier New"/>
+              </a:rPr>
+              <a:t>=</a:t>
+            </a:r>
+            <a:r>
+              <a:rPr sz="1400">
+                <a:solidFill>
+                  <a:srgbClr val="000000"/>
+                </a:solidFill>
+                <a:latin typeface="Courier New"/>
+              </a:rPr>
+              <a:t>0.05</a:t>
+            </a:r>
+            <a:r>
+              <a:rPr sz="1400">
+                <a:solidFill>
+                  <a:srgbClr val="000000"/>
+                </a:solidFill>
+                <a:latin typeface="Courier New"/>
+              </a:rPr>
+              <a:t> </a:t>
+            </a:r>
+            <a:r>
+              <a:rPr sz="1400">
+                <a:solidFill>
+                  <a:srgbClr val="000000"/>
+                </a:solidFill>
+                <a:latin typeface="Courier New"/>
+              </a:rPr>
+              <a:t>CJO</a:t>
+            </a:r>
+            <a:r>
+              <a:rPr sz="1400">
+                <a:solidFill>
+                  <a:srgbClr val="000000"/>
+                </a:solidFill>
+                <a:latin typeface="Courier New"/>
+              </a:rPr>
+              <a:t>=</a:t>
+            </a:r>
+            <a:r>
+              <a:rPr sz="1400">
+                <a:solidFill>
+                  <a:srgbClr val="000000"/>
+                </a:solidFill>
+                <a:latin typeface="Courier New"/>
+              </a:rPr>
+              <a:t>5e-10</a:t>
+            </a:r>
+            <a:r>
+              <a:rPr sz="1400">
+                <a:solidFill>
+                  <a:srgbClr val="000000"/>
+                </a:solidFill>
+                <a:latin typeface="Courier New"/>
+              </a:rPr>
+              <a:t> </a:t>
+            </a:r>
+            <a:r>
+              <a:rPr sz="1400">
+                <a:solidFill>
+                  <a:srgbClr val="000000"/>
+                </a:solidFill>
+                <a:latin typeface="Courier New"/>
+              </a:rPr>
+              <a:t>)</a:t>
+            </a:r>
+            <a:r>
+              <a:rPr sz="1400">
+                <a:solidFill>
+                  <a:srgbClr val="000000"/>
+                </a:solidFill>
+                <a:latin typeface="Courier New"/>
+              </a:rPr>
+              <a:t/>
+            </a:r>
+          </a:p>
+        </p:txBody>
+      </p:sp>
+      <p:sp>
+        <p:nvSpPr>
+          <p:cNvPr id="3" name="Title 2"/>
+          <p:cNvSpPr>
+            <a:spLocks noGrp="1"/>
+          </p:cNvSpPr>
+          <p:nvPr>
+            <p:ph type="title"/>
+          </p:nvPr>
+        </p:nvSpPr>
+        <p:spPr/>
+        <p:txBody>
+          <a:bodyPr wrap="square">
+            <a:noAutofit/>
+          </a:bodyPr>
+          <a:lstStyle/>
+          <a:p>
+            <a:r>
+              <a:rPr sz="3200" b="1" i="0">
+                <a:latin typeface="Arial"/>
+              </a:rPr>
+              <a:t>SPICE file Klasse D circuit met diodes</a:t>
+            </a:r>
+            <a:endParaRPr sz="3200" b="1" i="0">
+              <a:latin typeface="Arial"/>
+            </a:endParaRPr>
+          </a:p>
+        </p:txBody>
+      </p:sp>
+    </p:spTree>
+  </p:cSld>
+  <p:clrMapOvr>
+    <a:masterClrMapping/>
+  </p:clrMapOvr>
+</p:sld>
+</file>
+
+<file path=ppt/slides/slide29.xml><?xml version="1.0" encoding="utf-8"?>
+<p:sld xmlns:a="http://schemas.openxmlformats.org/drawingml/2006/main" xmlns:p="http://schemas.openxmlformats.org/presentationml/2006/main" xmlns:r="http://schemas.openxmlformats.org/officeDocument/2006/relationships">
+  <p:cSld>
+    <p:spTree>
+      <p:nvGrpSpPr>
+        <p:cNvPr id="1" name=""/>
+        <p:cNvGrpSpPr/>
+        <p:nvPr/>
+      </p:nvGrpSpPr>
+      <p:grpSpPr/>
+      <p:sp>
+        <p:nvSpPr>
+          <p:cNvPr id="2" name="Content Placeholder 1"/>
+          <p:cNvSpPr>
+            <a:spLocks noGrp="1"/>
+          </p:cNvSpPr>
+          <p:nvPr>
+            <p:ph idx="1"/>
+          </p:nvPr>
+        </p:nvSpPr>
+        <p:spPr/>
+        <p:txBody>
+          <a:bodyPr/>
+          <a:lstStyle/>
+          <a:p/>
+        </p:txBody>
+      </p:sp>
+      <p:sp>
+        <p:nvSpPr>
+          <p:cNvPr id="3" name="Title 2"/>
+          <p:cNvSpPr>
+            <a:spLocks noGrp="1"/>
+          </p:cNvSpPr>
+          <p:nvPr>
+            <p:ph type="title"/>
+          </p:nvPr>
+        </p:nvSpPr>
+        <p:spPr/>
+        <p:txBody>
+          <a:bodyPr wrap="square">
+            <a:noAutofit/>
+          </a:bodyPr>
+          <a:lstStyle/>
+          <a:p>
+            <a:r>
+              <a:rPr sz="3200" b="1" i="0">
+                <a:latin typeface="Arial"/>
+              </a:rPr>
+              <a:t>SPICE file Klasse D circuit met diodes</a:t>
+            </a:r>
+            <a:endParaRPr sz="3200" b="1" i="0">
+              <a:latin typeface="Arial"/>
+            </a:endParaRPr>
+          </a:p>
+        </p:txBody>
+      </p:sp>
+    </p:spTree>
+  </p:cSld>
+  <p:clrMapOvr>
+    <a:masterClrMapping/>
+  </p:clrMapOvr>
+</p:sld>
+</file>
+
+<file path=ppt/slides/slide3.xml><?xml version="1.0" encoding="utf-8"?>
+<p:sld xmlns:a="http://schemas.openxmlformats.org/drawingml/2006/main" xmlns:p="http://schemas.openxmlformats.org/presentationml/2006/main" xmlns:r="http://schemas.openxmlformats.org/officeDocument/2006/relationships">
+  <p:cSld>
+    <p:spTree>
+      <p:nvGrpSpPr>
+        <p:cNvPr id="1" name=""/>
+        <p:cNvGrpSpPr/>
+        <p:nvPr/>
+      </p:nvGrpSpPr>
+      <p:grpSpPr/>
+      <p:sp>
+        <p:nvSpPr>
+          <p:cNvPr id="2" name="Title 1"/>
+          <p:cNvSpPr>
+            <a:spLocks noGrp="1"/>
+          </p:cNvSpPr>
+          <p:nvPr>
+            <p:ph type="title"/>
+          </p:nvPr>
+        </p:nvSpPr>
+        <p:spPr/>
+        <p:txBody>
+          <a:bodyPr wrap="square">
+            <a:noAutofit/>
+          </a:bodyPr>
+          <a:lstStyle/>
+          <a:p>
+            <a:r>
+              <a:rPr sz="3200" b="1" i="0">
+                <a:latin typeface="Arial"/>
+              </a:rPr>
+              <a:t>Klasse D versterker met MOS transistors in GSS</a:t>
+            </a:r>
+            <a:endParaRPr sz="3200" b="1" i="0">
+              <a:latin typeface="Arial"/>
+            </a:endParaRPr>
+          </a:p>
+        </p:txBody>
+      </p:sp>
+      <p:pic>
+        <p:nvPicPr>
+          <p:cNvPr id="3" name="Picture 2" descr="image.png"/>
+          <p:cNvPicPr>
+            <a:picLocks noChangeAspect="1"/>
+          </p:cNvPicPr>
+          <p:nvPr/>
+        </p:nvPicPr>
+        <p:blipFill>
+          <a:blip r:embed="rId2"/>
+          <a:stretch>
+            <a:fillRect/>
+          </a:stretch>
+        </p:blipFill>
+        <p:spPr>
+          <a:xfrm>
+            <a:off x="2286553" y="566928"/>
+            <a:ext cx="7618893" cy="5577840"/>
+          </a:xfrm>
+          <a:prstGeom prst="rect">
+            <a:avLst/>
+          </a:prstGeom>
+        </p:spPr>
+      </p:pic>
+    </p:spTree>
+  </p:cSld>
+  <p:clrMapOvr>
+    <a:masterClrMapping/>
+  </p:clrMapOvr>
+</p:sld>
+</file>
+
+<file path=ppt/slides/slide30.xml><?xml version="1.0" encoding="utf-8"?>
+<p:sld xmlns:a="http://schemas.openxmlformats.org/drawingml/2006/main" xmlns:p="http://schemas.openxmlformats.org/presentationml/2006/main" xmlns:r="http://schemas.openxmlformats.org/officeDocument/2006/relationships">
+  <p:cSld>
+    <p:spTree>
+      <p:nvGrpSpPr>
+        <p:cNvPr id="1" name=""/>
+        <p:cNvGrpSpPr/>
+        <p:nvPr/>
+      </p:nvGrpSpPr>
+      <p:grpSpPr/>
+      <p:sp>
+        <p:nvSpPr>
+          <p:cNvPr id="2" name="Title 1"/>
+          <p:cNvSpPr>
+            <a:spLocks noGrp="1"/>
+          </p:cNvSpPr>
+          <p:nvPr>
+            <p:ph type="title"/>
+          </p:nvPr>
+        </p:nvSpPr>
+        <p:spPr/>
+        <p:txBody>
+          <a:bodyPr wrap="square">
+            <a:noAutofit/>
+          </a:bodyPr>
+          <a:lstStyle/>
+          <a:p>
+            <a:r>
+              <a:rPr sz="3000" b="1" i="0">
+                <a:latin typeface="Arial"/>
+              </a:rPr>
+              <a:t>Bekomen spanningen in de Klasse D versterker met diodes</a:t>
+            </a:r>
+            <a:endParaRPr sz="3000" b="1" i="0">
+              <a:latin typeface="Arial"/>
+            </a:endParaRPr>
+          </a:p>
+        </p:txBody>
+      </p:sp>
+      <p:pic>
+        <p:nvPicPr>
+          <p:cNvPr id="3" name="Picture 2" descr="image.png"/>
+          <p:cNvPicPr>
+            <a:picLocks noChangeAspect="1"/>
+          </p:cNvPicPr>
+          <p:nvPr/>
+        </p:nvPicPr>
+        <p:blipFill>
+          <a:blip r:embed="rId2"/>
+          <a:stretch>
+            <a:fillRect/>
+          </a:stretch>
+        </p:blipFill>
+        <p:spPr>
+          <a:xfrm>
+            <a:off x="1918781" y="566928"/>
+            <a:ext cx="8354438" cy="5577840"/>
+          </a:xfrm>
+          <a:prstGeom prst="rect">
+            <a:avLst/>
+          </a:prstGeom>
+        </p:spPr>
+      </p:pic>
+    </p:spTree>
+  </p:cSld>
+  <p:clrMapOvr>
+    <a:masterClrMapping/>
+  </p:clrMapOvr>
+</p:sld>
+</file>
+
+<file path=ppt/slides/slide31.xml><?xml version="1.0" encoding="utf-8"?>
+<p:sld xmlns:a="http://schemas.openxmlformats.org/drawingml/2006/main" xmlns:p="http://schemas.openxmlformats.org/presentationml/2006/main" xmlns:r="http://schemas.openxmlformats.org/officeDocument/2006/relationships">
+  <p:cSld>
+    <p:spTree>
+      <p:nvGrpSpPr>
+        <p:cNvPr id="1" name=""/>
+        <p:cNvGrpSpPr/>
+        <p:nvPr/>
+      </p:nvGrpSpPr>
+      <p:grpSpPr/>
+      <p:sp>
+        <p:nvSpPr>
+          <p:cNvPr id="2" name="Title 1"/>
+          <p:cNvSpPr>
+            <a:spLocks noGrp="1"/>
+          </p:cNvSpPr>
+          <p:nvPr>
+            <p:ph type="title"/>
+          </p:nvPr>
+        </p:nvSpPr>
+        <p:spPr/>
+        <p:txBody>
+          <a:bodyPr wrap="square">
+            <a:noAutofit/>
+          </a:bodyPr>
+          <a:lstStyle/>
+          <a:p>
+            <a:r>
+              <a:rPr sz="3200" b="1" i="0">
+                <a:latin typeface="Arial"/>
+              </a:rPr>
+              <a:t>Detail van de spanningen</a:t>
+            </a:r>
+            <a:endParaRPr sz="3200" b="1" i="0">
+              <a:latin typeface="Arial"/>
+            </a:endParaRPr>
+          </a:p>
+        </p:txBody>
+      </p:sp>
+      <p:pic>
+        <p:nvPicPr>
+          <p:cNvPr id="3" name="Picture 2" descr="image.png"/>
+          <p:cNvPicPr>
+            <a:picLocks noChangeAspect="1"/>
+          </p:cNvPicPr>
+          <p:nvPr/>
+        </p:nvPicPr>
+        <p:blipFill>
+          <a:blip r:embed="rId2"/>
+          <a:stretch>
+            <a:fillRect/>
+          </a:stretch>
+        </p:blipFill>
+        <p:spPr>
+          <a:xfrm>
+            <a:off x="1910566" y="566928"/>
+            <a:ext cx="8370867" cy="5577840"/>
+          </a:xfrm>
+          <a:prstGeom prst="rect">
+            <a:avLst/>
+          </a:prstGeom>
+        </p:spPr>
+      </p:pic>
+    </p:spTree>
+  </p:cSld>
+  <p:clrMapOvr>
+    <a:masterClrMapping/>
+  </p:clrMapOvr>
+</p:sld>
+</file>
+
+<file path=ppt/slides/slide32.xml><?xml version="1.0" encoding="utf-8"?>
+<p:sld xmlns:a="http://schemas.openxmlformats.org/drawingml/2006/main" xmlns:p="http://schemas.openxmlformats.org/presentationml/2006/main" xmlns:r="http://schemas.openxmlformats.org/officeDocument/2006/relationships">
+  <p:cSld>
+    <p:spTree>
+      <p:nvGrpSpPr>
+        <p:cNvPr id="1" name=""/>
+        <p:cNvGrpSpPr/>
+        <p:nvPr/>
+      </p:nvGrpSpPr>
+      <p:grpSpPr/>
+      <p:sp>
+        <p:nvSpPr>
+          <p:cNvPr id="2" name="Title 1"/>
+          <p:cNvSpPr>
+            <a:spLocks noGrp="1"/>
+          </p:cNvSpPr>
+          <p:nvPr>
+            <p:ph type="title"/>
+          </p:nvPr>
+        </p:nvSpPr>
+        <p:spPr/>
+        <p:txBody>
+          <a:bodyPr wrap="square">
+            <a:noAutofit/>
+          </a:bodyPr>
+          <a:lstStyle/>
+          <a:p>
+            <a:r>
+              <a:rPr sz="3200" b="1" i="0">
+                <a:latin typeface="Arial"/>
+              </a:rPr>
+              <a:t>Stromen in de transistors en diodes</a:t>
+            </a:r>
+            <a:endParaRPr sz="3200" b="1" i="0">
+              <a:latin typeface="Arial"/>
+            </a:endParaRPr>
+          </a:p>
+        </p:txBody>
+      </p:sp>
+      <p:pic>
+        <p:nvPicPr>
+          <p:cNvPr id="3" name="Picture 2" descr="image.png"/>
+          <p:cNvPicPr>
+            <a:picLocks noChangeAspect="1"/>
+          </p:cNvPicPr>
+          <p:nvPr/>
+        </p:nvPicPr>
+        <p:blipFill>
+          <a:blip r:embed="rId2"/>
+          <a:stretch>
+            <a:fillRect/>
+          </a:stretch>
+        </p:blipFill>
+        <p:spPr>
+          <a:xfrm>
+            <a:off x="1890029" y="566928"/>
+            <a:ext cx="8411941" cy="5577840"/>
+          </a:xfrm>
+          <a:prstGeom prst="rect">
+            <a:avLst/>
+          </a:prstGeom>
+        </p:spPr>
+      </p:pic>
+    </p:spTree>
+  </p:cSld>
+  <p:clrMapOvr>
+    <a:masterClrMapping/>
+  </p:clrMapOvr>
+</p:sld>
+</file>
+
+<file path=ppt/slides/slide33.xml><?xml version="1.0" encoding="utf-8"?>
+<p:sld xmlns:a="http://schemas.openxmlformats.org/drawingml/2006/main" xmlns:p="http://schemas.openxmlformats.org/presentationml/2006/main" xmlns:r="http://schemas.openxmlformats.org/officeDocument/2006/relationships">
+  <p:cSld>
+    <p:spTree>
+      <p:nvGrpSpPr>
+        <p:cNvPr id="1" name=""/>
+        <p:cNvGrpSpPr/>
+        <p:nvPr/>
+      </p:nvGrpSpPr>
+      <p:grpSpPr/>
+      <p:sp>
+        <p:nvSpPr>
+          <p:cNvPr id="2" name="Title 1"/>
+          <p:cNvSpPr>
+            <a:spLocks noGrp="1"/>
+          </p:cNvSpPr>
+          <p:nvPr>
+            <p:ph type="title"/>
+          </p:nvPr>
+        </p:nvSpPr>
+        <p:spPr/>
+        <p:txBody>
+          <a:bodyPr wrap="square">
+            <a:noAutofit/>
+          </a:bodyPr>
+          <a:lstStyle/>
+          <a:p>
+            <a:r>
+              <a:rPr sz="3200" b="1" i="0">
+                <a:latin typeface="Arial"/>
+              </a:rPr>
+              <a:t>klasse D versterker met enkel NPN transistors</a:t>
+            </a:r>
+            <a:endParaRPr sz="3200" b="1" i="0">
+              <a:latin typeface="Arial"/>
+            </a:endParaRPr>
+          </a:p>
+        </p:txBody>
+      </p:sp>
+      <p:pic>
+        <p:nvPicPr>
+          <p:cNvPr id="3" name="Picture 2" descr="image.png"/>
+          <p:cNvPicPr>
+            <a:picLocks noChangeAspect="1"/>
+          </p:cNvPicPr>
+          <p:nvPr/>
+        </p:nvPicPr>
+        <p:blipFill>
+          <a:blip r:embed="rId2"/>
+          <a:stretch>
+            <a:fillRect/>
+          </a:stretch>
+        </p:blipFill>
+        <p:spPr>
+          <a:xfrm>
+            <a:off x="736509" y="566928"/>
+            <a:ext cx="10718981" cy="5577840"/>
+          </a:xfrm>
+          <a:prstGeom prst="rect">
+            <a:avLst/>
+          </a:prstGeom>
+        </p:spPr>
+      </p:pic>
+    </p:spTree>
+  </p:cSld>
+  <p:clrMapOvr>
+    <a:masterClrMapping/>
+  </p:clrMapOvr>
+</p:sld>
+</file>
+
+<file path=ppt/slides/slide34.xml><?xml version="1.0" encoding="utf-8"?>
+<p:sld xmlns:a="http://schemas.openxmlformats.org/drawingml/2006/main" xmlns:p="http://schemas.openxmlformats.org/presentationml/2006/main" xmlns:r="http://schemas.openxmlformats.org/officeDocument/2006/relationships">
+  <p:cSld>
+    <p:spTree>
+      <p:nvGrpSpPr>
+        <p:cNvPr id="1" name=""/>
+        <p:cNvGrpSpPr/>
+        <p:nvPr/>
+      </p:nvGrpSpPr>
+      <p:grpSpPr/>
+      <p:sp>
+        <p:nvSpPr>
+          <p:cNvPr id="2" name="Title 1"/>
+          <p:cNvSpPr>
+            <a:spLocks noGrp="1"/>
+          </p:cNvSpPr>
+          <p:nvPr>
+            <p:ph type="title"/>
+          </p:nvPr>
+        </p:nvSpPr>
+        <p:spPr/>
+        <p:txBody>
+          <a:bodyPr wrap="square">
+            <a:noAutofit/>
+          </a:bodyPr>
+          <a:lstStyle/>
+          <a:p>
+            <a:r>
               <a:rPr sz="3200" b="1" i="0">
                 <a:latin typeface="Arial"/>
               </a:rPr>
@@ -6849,7 +10427,7 @@
 </p:sld>
 </file>
 
-<file path=ppt/slides/slide21.xml><?xml version="1.0" encoding="utf-8"?>
+<file path=ppt/slides/slide35.xml><?xml version="1.0" encoding="utf-8"?>
 <p:sld xmlns:a="http://schemas.openxmlformats.org/drawingml/2006/main" xmlns:p="http://schemas.openxmlformats.org/presentationml/2006/main" xmlns:r="http://schemas.openxmlformats.org/officeDocument/2006/relationships">
   <p:cSld>
     <p:spTree>
@@ -6920,7 +10498,7 @@
 </p:sld>
 </file>
 
-<file path=ppt/slides/slide22.xml><?xml version="1.0" encoding="utf-8"?>
+<file path=ppt/slides/slide36.xml><?xml version="1.0" encoding="utf-8"?>
 <p:sld xmlns:a="http://schemas.openxmlformats.org/drawingml/2006/main" xmlns:p="http://schemas.openxmlformats.org/presentationml/2006/main" xmlns:r="http://schemas.openxmlformats.org/officeDocument/2006/relationships">
   <p:cSld>
     <p:spTree>
@@ -6991,7 +10569,7 @@
 </p:sld>
 </file>
 
-<file path=ppt/slides/slide23.xml><?xml version="1.0" encoding="utf-8"?>
+<file path=ppt/slides/slide37.xml><?xml version="1.0" encoding="utf-8"?>
 <p:sld xmlns:a="http://schemas.openxmlformats.org/drawingml/2006/main" xmlns:p="http://schemas.openxmlformats.org/presentationml/2006/main" xmlns:r="http://schemas.openxmlformats.org/officeDocument/2006/relationships">
   <p:cSld>
     <p:spTree>
@@ -7062,7 +10640,7 @@
 </p:sld>
 </file>
 
-<file path=ppt/slides/slide24.xml><?xml version="1.0" encoding="utf-8"?>
+<file path=ppt/slides/slide38.xml><?xml version="1.0" encoding="utf-8"?>
 <p:sld xmlns:a="http://schemas.openxmlformats.org/drawingml/2006/main" xmlns:p="http://schemas.openxmlformats.org/presentationml/2006/main" xmlns:r="http://schemas.openxmlformats.org/officeDocument/2006/relationships">
   <p:cSld>
     <p:spTree>
@@ -7133,7 +10711,7 @@
 </p:sld>
 </file>
 
-<file path=ppt/slides/slide25.xml><?xml version="1.0" encoding="utf-8"?>
+<file path=ppt/slides/slide39.xml><?xml version="1.0" encoding="utf-8"?>
 <p:sld xmlns:a="http://schemas.openxmlformats.org/drawingml/2006/main" xmlns:p="http://schemas.openxmlformats.org/presentationml/2006/main" xmlns:r="http://schemas.openxmlformats.org/officeDocument/2006/relationships">
   <p:cSld>
     <p:spTree>
@@ -7204,113 +10782,6 @@
 </p:sld>
 </file>
 
-<file path=ppt/slides/slide26.xml><?xml version="1.0" encoding="utf-8"?>
-<p:sld xmlns:a="http://schemas.openxmlformats.org/drawingml/2006/main" xmlns:p="http://schemas.openxmlformats.org/presentationml/2006/main" xmlns:r="http://schemas.openxmlformats.org/officeDocument/2006/relationships">
-  <p:cSld>
-    <p:spTree>
-      <p:nvGrpSpPr>
-        <p:cNvPr id="1" name=""/>
-        <p:cNvGrpSpPr/>
-        <p:nvPr/>
-      </p:nvGrpSpPr>
-      <p:grpSpPr/>
-    </p:spTree>
-  </p:cSld>
-  <p:clrMapOvr>
-    <a:masterClrMapping/>
-  </p:clrMapOvr>
-</p:sld>
-</file>
-
-<file path=ppt/slides/slide27.xml><?xml version="1.0" encoding="utf-8"?>
-<p:sld xmlns:a="http://schemas.openxmlformats.org/drawingml/2006/main" xmlns:p="http://schemas.openxmlformats.org/presentationml/2006/main" xmlns:r="http://schemas.openxmlformats.org/officeDocument/2006/relationships">
-  <p:cSld>
-    <p:spTree>
-      <p:nvGrpSpPr>
-        <p:cNvPr id="1" name=""/>
-        <p:cNvGrpSpPr/>
-        <p:nvPr/>
-      </p:nvGrpSpPr>
-      <p:grpSpPr/>
-    </p:spTree>
-  </p:cSld>
-  <p:clrMapOvr>
-    <a:masterClrMapping/>
-  </p:clrMapOvr>
-</p:sld>
-</file>
-
-<file path=ppt/slides/slide3.xml><?xml version="1.0" encoding="utf-8"?>
-<p:sld xmlns:a="http://schemas.openxmlformats.org/drawingml/2006/main" xmlns:p="http://schemas.openxmlformats.org/presentationml/2006/main" xmlns:r="http://schemas.openxmlformats.org/officeDocument/2006/relationships">
-  <p:cSld>
-    <p:spTree>
-      <p:nvGrpSpPr>
-        <p:cNvPr id="1" name=""/>
-        <p:cNvGrpSpPr/>
-        <p:nvPr/>
-      </p:nvGrpSpPr>
-      <p:grpSpPr/>
-      <p:sp>
-        <p:nvSpPr>
-          <p:cNvPr id="2" name="Title 1"/>
-          <p:cNvSpPr>
-            <a:spLocks noGrp="1"/>
-          </p:cNvSpPr>
-          <p:nvPr>
-            <p:ph type="title"/>
-          </p:nvPr>
-        </p:nvSpPr>
-        <p:spPr/>
-        <p:txBody>
-          <a:bodyPr wrap="square">
-            <a:noAutofit/>
-          </a:bodyPr>
-          <a:lstStyle/>
-          <a:p>
-            <a:r>
-              <a:rPr sz="3200" b="1" i="0">
-                <a:latin typeface="Arial"/>
-              </a:rPr>
-              <a:t>Klasse D versterker met MOS transistors in GSS</a:t>
-            </a:r>
-            <a:endParaRPr sz="3200" b="1" i="0">
-              <a:latin typeface="Arial"/>
-            </a:endParaRPr>
-          </a:p>
-        </p:txBody>
-      </p:sp>
-      <p:pic>
-        <p:nvPicPr>
-          <p:cNvPr id="3" name="Picture 2" descr="image.png"/>
-          <p:cNvPicPr>
-            <a:picLocks noChangeAspect="1"/>
-          </p:cNvPicPr>
-          <p:nvPr/>
-        </p:nvPicPr>
-        <p:blipFill>
-          <a:blip r:embed="rId2"/>
-          <a:stretch>
-            <a:fillRect/>
-          </a:stretch>
-        </p:blipFill>
-        <p:spPr>
-          <a:xfrm>
-            <a:off x="2286553" y="566928"/>
-            <a:ext cx="7618893" cy="5577840"/>
-          </a:xfrm>
-          <a:prstGeom prst="rect">
-            <a:avLst/>
-          </a:prstGeom>
-        </p:spPr>
-      </p:pic>
-    </p:spTree>
-  </p:cSld>
-  <p:clrMapOvr>
-    <a:masterClrMapping/>
-  </p:clrMapOvr>
-</p:sld>
-</file>
-
 <file path=ppt/slides/slide4.xml><?xml version="1.0" encoding="utf-8"?>
 <p:sld xmlns:a="http://schemas.openxmlformats.org/drawingml/2006/main" xmlns:p="http://schemas.openxmlformats.org/presentationml/2006/main" xmlns:r="http://schemas.openxmlformats.org/officeDocument/2006/relationships">
   <p:cSld>
@@ -7382,6 +10853,42 @@
 </p:sld>
 </file>
 
+<file path=ppt/slides/slide40.xml><?xml version="1.0" encoding="utf-8"?>
+<p:sld xmlns:a="http://schemas.openxmlformats.org/drawingml/2006/main" xmlns:p="http://schemas.openxmlformats.org/presentationml/2006/main" xmlns:r="http://schemas.openxmlformats.org/officeDocument/2006/relationships">
+  <p:cSld>
+    <p:spTree>
+      <p:nvGrpSpPr>
+        <p:cNvPr id="1" name=""/>
+        <p:cNvGrpSpPr/>
+        <p:nvPr/>
+      </p:nvGrpSpPr>
+      <p:grpSpPr/>
+    </p:spTree>
+  </p:cSld>
+  <p:clrMapOvr>
+    <a:masterClrMapping/>
+  </p:clrMapOvr>
+</p:sld>
+</file>
+
+<file path=ppt/slides/slide41.xml><?xml version="1.0" encoding="utf-8"?>
+<p:sld xmlns:a="http://schemas.openxmlformats.org/drawingml/2006/main" xmlns:p="http://schemas.openxmlformats.org/presentationml/2006/main" xmlns:r="http://schemas.openxmlformats.org/officeDocument/2006/relationships">
+  <p:cSld>
+    <p:spTree>
+      <p:nvGrpSpPr>
+        <p:cNvPr id="1" name=""/>
+        <p:cNvGrpSpPr/>
+        <p:nvPr/>
+      </p:nvGrpSpPr>
+      <p:grpSpPr/>
+    </p:spTree>
+  </p:cSld>
+  <p:clrMapOvr>
+    <a:masterClrMapping/>
+  </p:clrMapOvr>
+</p:sld>
+</file>
+
 <file path=ppt/slides/slide5.xml><?xml version="1.0" encoding="utf-8"?>
 <p:sld xmlns:a="http://schemas.openxmlformats.org/drawingml/2006/main" xmlns:p="http://schemas.openxmlformats.org/presentationml/2006/main" xmlns:r="http://schemas.openxmlformats.org/officeDocument/2006/relationships">
   <p:cSld>
@@ -7404,241 +10911,9 @@
         </p:nvSpPr>
         <p:spPr/>
         <p:txBody>
-          <a:bodyPr wrap="square">
-            <a:noAutofit/>
-          </a:bodyPr>
+          <a:bodyPr/>
           <a:lstStyle/>
-          <a:p>
-            <a:pPr>
-              <a:lnSpc>
-                <a:spcPts val="2400"/>
-              </a:lnSpc>
-              <a:defRPr>
-                <a:solidFill>
-                  <a:srgbClr val="FFFFFF"/>
-                </a:solidFill>
-              </a:defRPr>
-            </a:pPr>
-            <a:r>
-              <a:rPr sz="2400" b="0" i="0">
-                <a:latin typeface="Courier"/>
-              </a:rPr>
-              <a:t>* Class D amp 1</a:t>
-            </a:r>
-            <a:endParaRPr sz="2400" b="0" i="0">
-              <a:latin typeface="Courier"/>
-            </a:endParaRPr>
-          </a:p>
-          <a:p>
-            <a:pPr>
-              <a:lnSpc>
-                <a:spcPts val="2400"/>
-              </a:lnSpc>
-              <a:defRPr>
-                <a:solidFill>
-                  <a:srgbClr val="FFFFFF"/>
-                </a:solidFill>
-              </a:defRPr>
-            </a:pPr>
-            <a:r>
-              <a:rPr sz="2400" b="0" i="0">
-                <a:latin typeface="Courier"/>
-              </a:rPr>
-              <a:t>Q_Q1         3 1 2 Q2</a:t>
-            </a:r>
-            <a:endParaRPr sz="2400" b="0" i="0">
-              <a:latin typeface="Courier"/>
-            </a:endParaRPr>
-          </a:p>
-          <a:p>
-            <a:pPr>
-              <a:lnSpc>
-                <a:spcPts val="2400"/>
-              </a:lnSpc>
-              <a:defRPr>
-                <a:solidFill>
-                  <a:srgbClr val="FFFFFF"/>
-                </a:solidFill>
-              </a:defRPr>
-            </a:pPr>
-            <a:r>
-              <a:rPr sz="2400" b="0" i="0">
-                <a:latin typeface="Courier"/>
-              </a:rPr>
-              <a:t>Q_Qp         0 1 2 Qp</a:t>
-            </a:r>
-            <a:endParaRPr sz="2400" b="0" i="0">
-              <a:latin typeface="Courier"/>
-            </a:endParaRPr>
-          </a:p>
-          <a:p>
-            <a:pPr>
-              <a:lnSpc>
-                <a:spcPts val="2400"/>
-              </a:lnSpc>
-              <a:defRPr>
-                <a:solidFill>
-                  <a:srgbClr val="FFFFFF"/>
-                </a:solidFill>
-              </a:defRPr>
-            </a:pPr>
-            <a:r>
-              <a:rPr sz="2400" b="0" i="0">
-                <a:latin typeface="Courier"/>
-              </a:rPr>
-              <a:t>L_L1         5 2 1uH</a:t>
-            </a:r>
-            <a:endParaRPr sz="2400" b="0" i="0">
-              <a:latin typeface="Courier"/>
-            </a:endParaRPr>
-          </a:p>
-          <a:p>
-            <a:pPr>
-              <a:lnSpc>
-                <a:spcPts val="2400"/>
-              </a:lnSpc>
-              <a:defRPr>
-                <a:solidFill>
-                  <a:srgbClr val="FFFFFF"/>
-                </a:solidFill>
-              </a:defRPr>
-            </a:pPr>
-            <a:r>
-              <a:rPr sz="2400" b="0" i="0">
-                <a:latin typeface="Courier"/>
-              </a:rPr>
-              <a:t>C_C1         5 6 10n</a:t>
-            </a:r>
-            <a:endParaRPr sz="2400" b="0" i="0">
-              <a:latin typeface="Courier"/>
-            </a:endParaRPr>
-          </a:p>
-          <a:p>
-            <a:pPr>
-              <a:lnSpc>
-                <a:spcPts val="2400"/>
-              </a:lnSpc>
-              <a:defRPr>
-                <a:solidFill>
-                  <a:srgbClr val="FFFFFF"/>
-                </a:solidFill>
-              </a:defRPr>
-            </a:pPr>
-            <a:r>
-              <a:rPr sz="2400" b="0" i="0">
-                <a:latin typeface="Courier"/>
-              </a:rPr>
-              <a:t>R_RL         6 0 6</a:t>
-            </a:r>
-            <a:endParaRPr sz="2400" b="0" i="0">
-              <a:latin typeface="Courier"/>
-            </a:endParaRPr>
-          </a:p>
-          <a:p>
-            <a:pPr>
-              <a:lnSpc>
-                <a:spcPts val="2400"/>
-              </a:lnSpc>
-              <a:defRPr>
-                <a:solidFill>
-                  <a:srgbClr val="FFFFFF"/>
-                </a:solidFill>
-              </a:defRPr>
-            </a:pPr>
-            <a:r>
-              <a:rPr sz="2400" b="0" i="0">
-                <a:latin typeface="Courier"/>
-              </a:rPr>
-              <a:t>V_Vdd        3 0 20V</a:t>
-            </a:r>
-            <a:endParaRPr sz="2400" b="0" i="0">
-              <a:latin typeface="Courier"/>
-            </a:endParaRPr>
-          </a:p>
-          <a:p>
-            <a:pPr>
-              <a:lnSpc>
-                <a:spcPts val="2400"/>
-              </a:lnSpc>
-              <a:defRPr>
-                <a:solidFill>
-                  <a:srgbClr val="FFFFFF"/>
-                </a:solidFill>
-              </a:defRPr>
-            </a:pPr>
-            <a:r>
-              <a:rPr sz="2400" b="0" i="0">
-                <a:latin typeface="Courier"/>
-              </a:rPr>
-              <a:t>R_Rin        4 1 1</a:t>
-            </a:r>
-            <a:endParaRPr sz="2400" b="0" i="0">
-              <a:latin typeface="Courier"/>
-            </a:endParaRPr>
-          </a:p>
-          <a:p>
-            <a:pPr>
-              <a:lnSpc>
-                <a:spcPts val="2400"/>
-              </a:lnSpc>
-              <a:defRPr>
-                <a:solidFill>
-                  <a:srgbClr val="FFFFFF"/>
-                </a:solidFill>
-              </a:defRPr>
-            </a:pPr>
-            <a:r>
-              <a:rPr sz="2400" b="0" i="0">
-                <a:latin typeface="Courier"/>
-              </a:rPr>
-              <a:t>V_Vin        4 0 PULSE(0 20 0 20ns 20ns 294ns 628ns) DC=0</a:t>
-            </a:r>
-            <a:endParaRPr sz="2400" b="0" i="0">
-              <a:latin typeface="Courier"/>
-            </a:endParaRPr>
-          </a:p>
-          <a:p>
-            <a:pPr>
-              <a:lnSpc>
-                <a:spcPts val="2400"/>
-              </a:lnSpc>
-              <a:defRPr>
-                <a:solidFill>
-                  <a:srgbClr val="FFFFFF"/>
-                </a:solidFill>
-              </a:defRPr>
-            </a:pPr>
-            <a:r>
-              <a:rPr sz="2400" b="0" i="0">
-                <a:latin typeface="Courier"/>
-              </a:rPr>
-              <a:t>.model Q2  NPN(Is=14.34f BF=200)</a:t>
-            </a:r>
-            <a:endParaRPr sz="2400" b="0" i="0">
-              <a:latin typeface="Courier"/>
-            </a:endParaRPr>
-          </a:p>
-          <a:p>
-            <a:pPr>
-              <a:lnSpc>
-                <a:spcPts val="2400"/>
-              </a:lnSpc>
-              <a:defRPr>
-                <a:solidFill>
-                  <a:srgbClr val="FFFFFF"/>
-                </a:solidFill>
-              </a:defRPr>
-            </a:pPr>
-            <a:r>
-              <a:rPr sz="2400" b="0" i="0">
-                <a:latin typeface="Courier"/>
-              </a:rPr>
-              <a:t>.model Qp  PNP(Is=5.34f BF=100)</a:t>
-            </a:r>
-            <a:endParaRPr sz="2400" b="0" i="0">
-              <a:latin typeface="Courier"/>
-            </a:endParaRPr>
-          </a:p>
+          <a:p/>
         </p:txBody>
       </p:sp>
       <p:sp>
@@ -7690,7 +10965,24 @@
       <p:grpSpPr/>
       <p:sp>
         <p:nvSpPr>
-          <p:cNvPr id="2" name="Title 1"/>
+          <p:cNvPr id="2" name="Content Placeholder 1"/>
+          <p:cNvSpPr>
+            <a:spLocks noGrp="1"/>
+          </p:cNvSpPr>
+          <p:nvPr>
+            <p:ph idx="1"/>
+          </p:nvPr>
+        </p:nvSpPr>
+        <p:spPr/>
+        <p:txBody>
+          <a:bodyPr/>
+          <a:lstStyle/>
+          <a:p/>
+        </p:txBody>
+      </p:sp>
+      <p:sp>
+        <p:nvSpPr>
+          <p:cNvPr id="3" name="Title 2"/>
           <p:cNvSpPr>
             <a:spLocks noGrp="1"/>
           </p:cNvSpPr>
@@ -7709,7 +11001,7 @@
               <a:rPr sz="3200" b="1" i="0">
                 <a:latin typeface="Arial"/>
               </a:rPr>
-              <a:t>Bekomen spanningen op de verschillende knopen</a:t>
+              <a:t>SPICE file Klasse D circuit</a:t>
             </a:r>
             <a:endParaRPr sz="3200" b="1" i="0">
               <a:latin typeface="Arial"/>
@@ -7717,30 +11009,6 @@
           </a:p>
         </p:txBody>
       </p:sp>
-      <p:pic>
-        <p:nvPicPr>
-          <p:cNvPr id="3" name="Picture 2" descr="image.png"/>
-          <p:cNvPicPr>
-            <a:picLocks noChangeAspect="1"/>
-          </p:cNvPicPr>
-          <p:nvPr/>
-        </p:nvPicPr>
-        <p:blipFill>
-          <a:blip r:embed="rId2"/>
-          <a:stretch>
-            <a:fillRect/>
-          </a:stretch>
-        </p:blipFill>
-        <p:spPr>
-          <a:xfrm>
-            <a:off x="1918781" y="566928"/>
-            <a:ext cx="8354438" cy="5577840"/>
-          </a:xfrm>
-          <a:prstGeom prst="rect">
-            <a:avLst/>
-          </a:prstGeom>
-        </p:spPr>
-      </p:pic>
     </p:spTree>
   </p:cSld>
   <p:clrMapOvr>
@@ -7761,7 +11029,24 @@
       <p:grpSpPr/>
       <p:sp>
         <p:nvSpPr>
-          <p:cNvPr id="2" name="Title 1"/>
+          <p:cNvPr id="2" name="Content Placeholder 1"/>
+          <p:cNvSpPr>
+            <a:spLocks noGrp="1"/>
+          </p:cNvSpPr>
+          <p:nvPr>
+            <p:ph idx="1"/>
+          </p:nvPr>
+        </p:nvSpPr>
+        <p:spPr/>
+        <p:txBody>
+          <a:bodyPr/>
+          <a:lstStyle/>
+          <a:p/>
+        </p:txBody>
+      </p:sp>
+      <p:sp>
+        <p:nvSpPr>
+          <p:cNvPr id="3" name="Title 2"/>
           <p:cNvSpPr>
             <a:spLocks noGrp="1"/>
           </p:cNvSpPr>
@@ -7780,7 +11065,7 @@
               <a:rPr sz="3200" b="1" i="0">
                 <a:latin typeface="Arial"/>
               </a:rPr>
-              <a:t>Collector stroom in de NPN en de PNP transistor</a:t>
+              <a:t>SPICE file Klasse D circuit</a:t>
             </a:r>
             <a:endParaRPr sz="3200" b="1" i="0">
               <a:latin typeface="Arial"/>
@@ -7788,30 +11073,6 @@
           </a:p>
         </p:txBody>
       </p:sp>
-      <p:pic>
-        <p:nvPicPr>
-          <p:cNvPr id="3" name="Picture 2" descr="image.png"/>
-          <p:cNvPicPr>
-            <a:picLocks noChangeAspect="1"/>
-          </p:cNvPicPr>
-          <p:nvPr/>
-        </p:nvPicPr>
-        <p:blipFill>
-          <a:blip r:embed="rId2"/>
-          <a:stretch>
-            <a:fillRect/>
-          </a:stretch>
-        </p:blipFill>
-        <p:spPr>
-          <a:xfrm>
-            <a:off x="1902351" y="566928"/>
-            <a:ext cx="8387297" cy="5577840"/>
-          </a:xfrm>
-          <a:prstGeom prst="rect">
-            <a:avLst/>
-          </a:prstGeom>
-        </p:spPr>
-      </p:pic>
     </p:spTree>
   </p:cSld>
   <p:clrMapOvr>
@@ -7868,7 +11129,7 @@
               <a:rPr sz="3200" b="1" i="0">
                 <a:latin typeface="Arial"/>
               </a:rPr>
-              <a:t>Fourrier reeks van de spanning op knoop 2</a:t>
+              <a:t>SPICE file Klasse D circuit</a:t>
             </a:r>
             <a:endParaRPr sz="3200" b="1" i="0">
               <a:latin typeface="Arial"/>
@@ -7876,30 +11137,6 @@
           </a:p>
         </p:txBody>
       </p:sp>
-      <p:pic>
-        <p:nvPicPr>
-          <p:cNvPr id="4" name="Picture 3" descr="image.png"/>
-          <p:cNvPicPr>
-            <a:picLocks noChangeAspect="1"/>
-          </p:cNvPicPr>
-          <p:nvPr/>
-        </p:nvPicPr>
-        <p:blipFill>
-          <a:blip r:embed="rId2"/>
-          <a:stretch>
-            <a:fillRect/>
-          </a:stretch>
-        </p:blipFill>
-        <p:spPr>
-          <a:xfrm>
-            <a:off x="1195387" y="868680"/>
-            <a:ext cx="9801225" cy="952500"/>
-          </a:xfrm>
-          <a:prstGeom prst="rect">
-            <a:avLst/>
-          </a:prstGeom>
-        </p:spPr>
-      </p:pic>
     </p:spTree>
   </p:cSld>
   <p:clrMapOvr>
@@ -7920,7 +11157,24 @@
       <p:grpSpPr/>
       <p:sp>
         <p:nvSpPr>
-          <p:cNvPr id="2" name="Title 1"/>
+          <p:cNvPr id="2" name="Content Placeholder 1"/>
+          <p:cNvSpPr>
+            <a:spLocks noGrp="1"/>
+          </p:cNvSpPr>
+          <p:nvPr>
+            <p:ph idx="1"/>
+          </p:nvPr>
+        </p:nvSpPr>
+        <p:spPr/>
+        <p:txBody>
+          <a:bodyPr/>
+          <a:lstStyle/>
+          <a:p/>
+        </p:txBody>
+      </p:sp>
+      <p:sp>
+        <p:nvSpPr>
+          <p:cNvPr id="3" name="Title 2"/>
           <p:cNvSpPr>
             <a:spLocks noGrp="1"/>
           </p:cNvSpPr>
@@ -7939,7 +11193,7 @@
               <a:rPr sz="3200" b="1" i="0">
                 <a:latin typeface="Arial"/>
               </a:rPr>
-              <a:t>Harmonische componenten in de spanning</a:t>
+              <a:t>SPICE file Klasse D circuit</a:t>
             </a:r>
             <a:endParaRPr sz="3200" b="1" i="0">
               <a:latin typeface="Arial"/>
@@ -7947,30 +11201,6 @@
           </a:p>
         </p:txBody>
       </p:sp>
-      <p:pic>
-        <p:nvPicPr>
-          <p:cNvPr id="3" name="Picture 2" descr="image.png"/>
-          <p:cNvPicPr>
-            <a:picLocks noChangeAspect="1"/>
-          </p:cNvPicPr>
-          <p:nvPr/>
-        </p:nvPicPr>
-        <p:blipFill>
-          <a:blip r:embed="rId2"/>
-          <a:stretch>
-            <a:fillRect/>
-          </a:stretch>
-        </p:blipFill>
-        <p:spPr>
-          <a:xfrm>
-            <a:off x="3241361" y="566928"/>
-            <a:ext cx="5709277" cy="5577840"/>
-          </a:xfrm>
-          <a:prstGeom prst="rect">
-            <a:avLst/>
-          </a:prstGeom>
-        </p:spPr>
-      </p:pic>
     </p:spTree>
   </p:cSld>
   <p:clrMapOvr>

--- a/ToegepasteAnalogeElektronica/PowerPoint/Klasse-D.pptx
+++ b/ToegepasteAnalogeElektronica/PowerPoint/Klasse-D.pptx
@@ -38,20 +38,6 @@
     <p:sldId id="280" r:id="rId37"/>
     <p:sldId id="281" r:id="rId38"/>
     <p:sldId id="282" r:id="rId39"/>
-    <p:sldId id="283" r:id="rId40"/>
-    <p:sldId id="284" r:id="rId41"/>
-    <p:sldId id="285" r:id="rId42"/>
-    <p:sldId id="286" r:id="rId43"/>
-    <p:sldId id="287" r:id="rId44"/>
-    <p:sldId id="288" r:id="rId45"/>
-    <p:sldId id="289" r:id="rId46"/>
-    <p:sldId id="290" r:id="rId47"/>
-    <p:sldId id="291" r:id="rId48"/>
-    <p:sldId id="292" r:id="rId49"/>
-    <p:sldId id="293" r:id="rId50"/>
-    <p:sldId id="294" r:id="rId51"/>
-    <p:sldId id="295" r:id="rId52"/>
-    <p:sldId id="296" r:id="rId53"/>
   </p:sldIdLst>
   <p:sldSz cx="12192000" cy="6858000"/>
   <p:notesSz cx="6858000" cy="9144000"/>
@@ -5760,7 +5746,7 @@
               <a:rPr sz="3200" b="1" i="0">
                 <a:latin typeface="Arial"/>
               </a:rPr>
-              <a:t>SPICE file Klasse D circuit</a:t>
+              <a:t>impedantie van de serie trilkring</a:t>
             </a:r>
             <a:endParaRPr sz="3200" b="1" i="0">
               <a:latin typeface="Arial"/>
@@ -5768,6 +5754,30 @@
           </a:p>
         </p:txBody>
       </p:sp>
+      <p:pic>
+        <p:nvPicPr>
+          <p:cNvPr id="4" name="Picture 3" descr="image.png"/>
+          <p:cNvPicPr>
+            <a:picLocks noChangeAspect="1"/>
+          </p:cNvPicPr>
+          <p:nvPr/>
+        </p:nvPicPr>
+        <p:blipFill>
+          <a:blip r:embed="rId2"/>
+          <a:stretch>
+            <a:fillRect/>
+          </a:stretch>
+        </p:blipFill>
+        <p:spPr>
+          <a:xfrm>
+            <a:off x="3729037" y="868680"/>
+            <a:ext cx="4733925" cy="885825"/>
+          </a:xfrm>
+          <a:prstGeom prst="rect">
+            <a:avLst/>
+          </a:prstGeom>
+        </p:spPr>
+      </p:pic>
     </p:spTree>
   </p:cSld>
   <p:clrMapOvr>
@@ -5788,385 +5798,7 @@
       <p:grpSpPr/>
       <p:sp>
         <p:nvSpPr>
-          <p:cNvPr id="2" name="Content Placeholder 1"/>
-          <p:cNvSpPr>
-            <a:spLocks noGrp="1"/>
-          </p:cNvSpPr>
-          <p:nvPr>
-            <p:ph idx="1"/>
-          </p:nvPr>
-        </p:nvSpPr>
-        <p:spPr/>
-        <p:txBody>
-          <a:bodyPr/>
-          <a:lstStyle/>
-          <a:p>
-            <a:r>
-              <a:rPr sz="1400">
-                <a:solidFill>
-                  <a:srgbClr val="000000"/>
-                </a:solidFill>
-                <a:latin typeface="Courier New"/>
-              </a:rPr>
-              <a:t/>
-            </a:r>
-            <a:r>
-              <a:rPr sz="1400">
-                <a:solidFill>
-                  <a:srgbClr val="000000"/>
-                </a:solidFill>
-                <a:latin typeface="Courier New"/>
-              </a:rPr>
-              <a:t>*</a:t>
-            </a:r>
-            <a:r>
-              <a:rPr sz="1400">
-                <a:solidFill>
-                  <a:srgbClr val="000000"/>
-                </a:solidFill>
-                <a:latin typeface="Courier New"/>
-              </a:rPr>
-              <a:t> </a:t>
-            </a:r>
-            <a:r>
-              <a:rPr sz="1400">
-                <a:solidFill>
-                  <a:srgbClr val="000000"/>
-                </a:solidFill>
-                <a:latin typeface="Courier New"/>
-              </a:rPr>
-              <a:t>Class</a:t>
-            </a:r>
-            <a:r>
-              <a:rPr sz="1400">
-                <a:solidFill>
-                  <a:srgbClr val="000000"/>
-                </a:solidFill>
-                <a:latin typeface="Courier New"/>
-              </a:rPr>
-              <a:t> </a:t>
-            </a:r>
-            <a:r>
-              <a:rPr sz="1400">
-                <a:solidFill>
-                  <a:srgbClr val="000000"/>
-                </a:solidFill>
-                <a:latin typeface="Courier New"/>
-              </a:rPr>
-              <a:t>D</a:t>
-            </a:r>
-            <a:r>
-              <a:rPr sz="1400">
-                <a:solidFill>
-                  <a:srgbClr val="000000"/>
-                </a:solidFill>
-                <a:latin typeface="Courier New"/>
-              </a:rPr>
-              <a:t> </a:t>
-            </a:r>
-            <a:r>
-              <a:rPr sz="1400">
-                <a:solidFill>
-                  <a:srgbClr val="000000"/>
-                </a:solidFill>
-                <a:latin typeface="Courier New"/>
-              </a:rPr>
-              <a:t>amp</a:t>
-            </a:r>
-            <a:r>
-              <a:rPr sz="1400">
-                <a:solidFill>
-                  <a:srgbClr val="000000"/>
-                </a:solidFill>
-                <a:latin typeface="Courier New"/>
-              </a:rPr>
-              <a:t> </a:t>
-            </a:r>
-            <a:r>
-              <a:rPr sz="1400">
-                <a:solidFill>
-                  <a:srgbClr val="000000"/>
-                </a:solidFill>
-                <a:latin typeface="Courier New"/>
-              </a:rPr>
-              <a:t>1</a:t>
-            </a:r>
-            <a:r>
-              <a:rPr sz="1400">
-                <a:solidFill>
-                  <a:srgbClr val="000000"/>
-                </a:solidFill>
-                <a:latin typeface="Courier New"/>
-              </a:rPr>
-              <a:t/>
-            </a:r>
-            <a:r>
-              <a:rPr sz="1400">
-                <a:solidFill>
-                  <a:srgbClr val="000000"/>
-                </a:solidFill>
-                <a:latin typeface="Courier New"/>
-              </a:rPr>
-              <a:t>Q_Q1</a:t>
-            </a:r>
-            <a:r>
-              <a:rPr sz="1400">
-                <a:solidFill>
-                  <a:srgbClr val="000000"/>
-                </a:solidFill>
-                <a:latin typeface="Courier New"/>
-              </a:rPr>
-              <a:t>         </a:t>
-            </a:r>
-            <a:r>
-              <a:rPr sz="1400">
-                <a:solidFill>
-                  <a:srgbClr val="000000"/>
-                </a:solidFill>
-                <a:latin typeface="Courier New"/>
-              </a:rPr>
-              <a:t>3</a:t>
-            </a:r>
-            <a:r>
-              <a:rPr sz="1400">
-                <a:solidFill>
-                  <a:srgbClr val="000000"/>
-                </a:solidFill>
-                <a:latin typeface="Courier New"/>
-              </a:rPr>
-              <a:t> </a:t>
-            </a:r>
-            <a:r>
-              <a:rPr sz="1400">
-                <a:solidFill>
-                  <a:srgbClr val="000000"/>
-                </a:solidFill>
-                <a:latin typeface="Courier New"/>
-              </a:rPr>
-              <a:t>1</a:t>
-            </a:r>
-            <a:r>
-              <a:rPr sz="1400">
-                <a:solidFill>
-                  <a:srgbClr val="000000"/>
-                </a:solidFill>
-                <a:latin typeface="Courier New"/>
-              </a:rPr>
-              <a:t> </a:t>
-            </a:r>
-            <a:r>
-              <a:rPr sz="1400">
-                <a:solidFill>
-                  <a:srgbClr val="000000"/>
-                </a:solidFill>
-                <a:latin typeface="Courier New"/>
-              </a:rPr>
-              <a:t>2</a:t>
-            </a:r>
-            <a:r>
-              <a:rPr sz="1400">
-                <a:solidFill>
-                  <a:srgbClr val="000000"/>
-                </a:solidFill>
-                <a:latin typeface="Courier New"/>
-              </a:rPr>
-              <a:t> </a:t>
-            </a:r>
-            <a:r>
-              <a:rPr sz="1400">
-                <a:solidFill>
-                  <a:srgbClr val="000000"/>
-                </a:solidFill>
-                <a:latin typeface="Courier New"/>
-              </a:rPr>
-              <a:t>Q2</a:t>
-            </a:r>
-            <a:r>
-              <a:rPr sz="1400">
-                <a:solidFill>
-                  <a:srgbClr val="000000"/>
-                </a:solidFill>
-                <a:latin typeface="Courier New"/>
-              </a:rPr>
-              <a:t/>
-            </a:r>
-            <a:r>
-              <a:rPr sz="1400">
-                <a:solidFill>
-                  <a:srgbClr val="000000"/>
-                </a:solidFill>
-                <a:latin typeface="Courier New"/>
-              </a:rPr>
-              <a:t>Q_Qp</a:t>
-            </a:r>
-            <a:r>
-              <a:rPr sz="1400">
-                <a:solidFill>
-                  <a:srgbClr val="000000"/>
-                </a:solidFill>
-                <a:latin typeface="Courier New"/>
-              </a:rPr>
-              <a:t>         </a:t>
-            </a:r>
-            <a:r>
-              <a:rPr sz="1400">
-                <a:solidFill>
-                  <a:srgbClr val="000000"/>
-                </a:solidFill>
-                <a:latin typeface="Courier New"/>
-              </a:rPr>
-              <a:t>0</a:t>
-            </a:r>
-            <a:r>
-              <a:rPr sz="1400">
-                <a:solidFill>
-                  <a:srgbClr val="000000"/>
-                </a:solidFill>
-                <a:latin typeface="Courier New"/>
-              </a:rPr>
-              <a:t> </a:t>
-            </a:r>
-            <a:r>
-              <a:rPr sz="1400">
-                <a:solidFill>
-                  <a:srgbClr val="000000"/>
-                </a:solidFill>
-                <a:latin typeface="Courier New"/>
-              </a:rPr>
-              <a:t>1</a:t>
-            </a:r>
-            <a:r>
-              <a:rPr sz="1400">
-                <a:solidFill>
-                  <a:srgbClr val="000000"/>
-                </a:solidFill>
-                <a:latin typeface="Courier New"/>
-              </a:rPr>
-              <a:t> </a:t>
-            </a:r>
-            <a:r>
-              <a:rPr sz="1400">
-                <a:solidFill>
-                  <a:srgbClr val="000000"/>
-                </a:solidFill>
-                <a:latin typeface="Courier New"/>
-              </a:rPr>
-              <a:t>2</a:t>
-            </a:r>
-            <a:r>
-              <a:rPr sz="1400">
-                <a:solidFill>
-                  <a:srgbClr val="000000"/>
-                </a:solidFill>
-                <a:latin typeface="Courier New"/>
-              </a:rPr>
-              <a:t> </a:t>
-            </a:r>
-            <a:r>
-              <a:rPr sz="1400">
-                <a:solidFill>
-                  <a:srgbClr val="000000"/>
-                </a:solidFill>
-                <a:latin typeface="Courier New"/>
-              </a:rPr>
-              <a:t>Qp</a:t>
-            </a:r>
-            <a:r>
-              <a:rPr sz="1400">
-                <a:solidFill>
-                  <a:srgbClr val="000000"/>
-                </a:solidFill>
-                <a:latin typeface="Courier New"/>
-              </a:rPr>
-              <a:t/>
-            </a:r>
-            <a:r>
-              <a:rPr sz="1400">
-                <a:solidFill>
-                  <a:srgbClr val="000000"/>
-                </a:solidFill>
-                <a:latin typeface="Courier New"/>
-              </a:rPr>
-              <a:t>L_L1</a:t>
-            </a:r>
-            <a:r>
-              <a:rPr sz="1400">
-                <a:solidFill>
-                  <a:srgbClr val="000000"/>
-                </a:solidFill>
-                <a:latin typeface="Courier New"/>
-              </a:rPr>
-              <a:t>         </a:t>
-            </a:r>
-            <a:r>
-              <a:rPr sz="1400">
-                <a:solidFill>
-                  <a:srgbClr val="000000"/>
-                </a:solidFill>
-                <a:latin typeface="Courier New"/>
-              </a:rPr>
-              <a:t>5</a:t>
-            </a:r>
-            <a:r>
-              <a:rPr sz="1400">
-                <a:solidFill>
-                  <a:srgbClr val="000000"/>
-                </a:solidFill>
-                <a:latin typeface="Courier New"/>
-              </a:rPr>
-              <a:t> </a:t>
-            </a:r>
-            <a:r>
-              <a:rPr sz="1400">
-                <a:solidFill>
-                  <a:srgbClr val="000000"/>
-                </a:solidFill>
-                <a:latin typeface="Courier New"/>
-              </a:rPr>
-              <a:t>2</a:t>
-            </a:r>
-            <a:r>
-              <a:rPr sz="1400">
-                <a:solidFill>
-                  <a:srgbClr val="000000"/>
-                </a:solidFill>
-                <a:latin typeface="Courier New"/>
-              </a:rPr>
-              <a:t> </a:t>
-            </a:r>
-            <a:r>
-              <a:rPr sz="1400">
-                <a:solidFill>
-                  <a:srgbClr val="000000"/>
-                </a:solidFill>
-                <a:latin typeface="Courier New"/>
-              </a:rPr>
-              <a:t>1</a:t>
-            </a:r>
-            <a:r>
-              <a:rPr sz="1400">
-                <a:solidFill>
-                  <a:srgbClr val="000000"/>
-                </a:solidFill>
-                <a:latin typeface="Courier New"/>
-              </a:rPr>
-              <a:t>uH</a:t>
-            </a:r>
-            <a:r>
-              <a:rPr sz="1400">
-                <a:solidFill>
-                  <a:srgbClr val="000000"/>
-                </a:solidFill>
-                <a:latin typeface="Courier New"/>
-              </a:rPr>
-              <a:t/>
-            </a:r>
-          </a:p>
-        </p:txBody>
-      </p:sp>
-      <p:sp>
-        <p:nvSpPr>
-          <p:cNvPr id="3" name="Title 2"/>
+          <p:cNvPr id="2" name="Title 1"/>
           <p:cNvSpPr>
             <a:spLocks noGrp="1"/>
           </p:cNvSpPr>
@@ -6185,7 +5817,7 @@
               <a:rPr sz="3200" b="1" i="0">
                 <a:latin typeface="Arial"/>
               </a:rPr>
-              <a:t>SPICE file Klasse D circuit</a:t>
+              <a:t>Harmonische componenten van de uitgangsstroom</a:t>
             </a:r>
             <a:endParaRPr sz="3200" b="1" i="0">
               <a:latin typeface="Arial"/>
@@ -6193,6 +5825,30 @@
           </a:p>
         </p:txBody>
       </p:sp>
+      <p:pic>
+        <p:nvPicPr>
+          <p:cNvPr id="3" name="Picture 2" descr="image.png"/>
+          <p:cNvPicPr>
+            <a:picLocks noChangeAspect="1"/>
+          </p:cNvPicPr>
+          <p:nvPr/>
+        </p:nvPicPr>
+        <p:blipFill>
+          <a:blip r:embed="rId2"/>
+          <a:stretch>
+            <a:fillRect/>
+          </a:stretch>
+        </p:blipFill>
+        <p:spPr>
+          <a:xfrm>
+            <a:off x="3183858" y="566928"/>
+            <a:ext cx="5824284" cy="5577840"/>
+          </a:xfrm>
+          <a:prstGeom prst="rect">
+            <a:avLst/>
+          </a:prstGeom>
+        </p:spPr>
+      </p:pic>
     </p:spTree>
   </p:cSld>
   <p:clrMapOvr>
@@ -6213,916 +5869,7 @@
       <p:grpSpPr/>
       <p:sp>
         <p:nvSpPr>
-          <p:cNvPr id="2" name="Content Placeholder 1"/>
-          <p:cNvSpPr>
-            <a:spLocks noGrp="1"/>
-          </p:cNvSpPr>
-          <p:nvPr>
-            <p:ph idx="1"/>
-          </p:nvPr>
-        </p:nvSpPr>
-        <p:spPr/>
-        <p:txBody>
-          <a:bodyPr/>
-          <a:lstStyle/>
-          <a:p>
-            <a:r>
-              <a:rPr sz="1400">
-                <a:solidFill>
-                  <a:srgbClr val="000000"/>
-                </a:solidFill>
-                <a:latin typeface="Courier New"/>
-              </a:rPr>
-              <a:t>C_C1</a:t>
-            </a:r>
-            <a:r>
-              <a:rPr sz="1400">
-                <a:solidFill>
-                  <a:srgbClr val="000000"/>
-                </a:solidFill>
-                <a:latin typeface="Courier New"/>
-              </a:rPr>
-              <a:t> </a:t>
-            </a:r>
-            <a:r>
-              <a:rPr sz="1400">
-                <a:solidFill>
-                  <a:srgbClr val="000000"/>
-                </a:solidFill>
-                <a:latin typeface="Courier New"/>
-              </a:rPr>
-              <a:t>5</a:t>
-            </a:r>
-            <a:r>
-              <a:rPr sz="1400">
-                <a:solidFill>
-                  <a:srgbClr val="000000"/>
-                </a:solidFill>
-                <a:latin typeface="Courier New"/>
-              </a:rPr>
-              <a:t> </a:t>
-            </a:r>
-            <a:r>
-              <a:rPr sz="1400">
-                <a:solidFill>
-                  <a:srgbClr val="000000"/>
-                </a:solidFill>
-                <a:latin typeface="Courier New"/>
-              </a:rPr>
-              <a:t>6</a:t>
-            </a:r>
-            <a:r>
-              <a:rPr sz="1400">
-                <a:solidFill>
-                  <a:srgbClr val="000000"/>
-                </a:solidFill>
-                <a:latin typeface="Courier New"/>
-              </a:rPr>
-              <a:t> </a:t>
-            </a:r>
-            <a:r>
-              <a:rPr sz="1400">
-                <a:solidFill>
-                  <a:srgbClr val="000000"/>
-                </a:solidFill>
-                <a:latin typeface="Courier New"/>
-              </a:rPr>
-              <a:t>10</a:t>
-            </a:r>
-            <a:r>
-              <a:rPr sz="1400">
-                <a:solidFill>
-                  <a:srgbClr val="000000"/>
-                </a:solidFill>
-                <a:latin typeface="Courier New"/>
-              </a:rPr>
-              <a:t>n</a:t>
-            </a:r>
-            <a:r>
-              <a:rPr sz="1400">
-                <a:solidFill>
-                  <a:srgbClr val="000000"/>
-                </a:solidFill>
-                <a:latin typeface="Courier New"/>
-              </a:rPr>
-              <a:t/>
-            </a:r>
-            <a:r>
-              <a:rPr sz="1400">
-                <a:solidFill>
-                  <a:srgbClr val="000000"/>
-                </a:solidFill>
-                <a:latin typeface="Courier New"/>
-              </a:rPr>
-              <a:t>R_RL</a:t>
-            </a:r>
-            <a:r>
-              <a:rPr sz="1400">
-                <a:solidFill>
-                  <a:srgbClr val="000000"/>
-                </a:solidFill>
-                <a:latin typeface="Courier New"/>
-              </a:rPr>
-              <a:t> </a:t>
-            </a:r>
-            <a:r>
-              <a:rPr sz="1400">
-                <a:solidFill>
-                  <a:srgbClr val="000000"/>
-                </a:solidFill>
-                <a:latin typeface="Courier New"/>
-              </a:rPr>
-              <a:t>6</a:t>
-            </a:r>
-            <a:r>
-              <a:rPr sz="1400">
-                <a:solidFill>
-                  <a:srgbClr val="000000"/>
-                </a:solidFill>
-                <a:latin typeface="Courier New"/>
-              </a:rPr>
-              <a:t> </a:t>
-            </a:r>
-            <a:r>
-              <a:rPr sz="1400">
-                <a:solidFill>
-                  <a:srgbClr val="000000"/>
-                </a:solidFill>
-                <a:latin typeface="Courier New"/>
-              </a:rPr>
-              <a:t>0</a:t>
-            </a:r>
-            <a:r>
-              <a:rPr sz="1400">
-                <a:solidFill>
-                  <a:srgbClr val="000000"/>
-                </a:solidFill>
-                <a:latin typeface="Courier New"/>
-              </a:rPr>
-              <a:t> </a:t>
-            </a:r>
-            <a:r>
-              <a:rPr sz="1400">
-                <a:solidFill>
-                  <a:srgbClr val="000000"/>
-                </a:solidFill>
-                <a:latin typeface="Courier New"/>
-              </a:rPr>
-              <a:t>6</a:t>
-            </a:r>
-            <a:r>
-              <a:rPr sz="1400">
-                <a:solidFill>
-                  <a:srgbClr val="000000"/>
-                </a:solidFill>
-                <a:latin typeface="Courier New"/>
-              </a:rPr>
-              <a:t/>
-            </a:r>
-            <a:r>
-              <a:rPr sz="1400">
-                <a:solidFill>
-                  <a:srgbClr val="000000"/>
-                </a:solidFill>
-                <a:latin typeface="Courier New"/>
-              </a:rPr>
-              <a:t>V_Vdd</a:t>
-            </a:r>
-            <a:r>
-              <a:rPr sz="1400">
-                <a:solidFill>
-                  <a:srgbClr val="000000"/>
-                </a:solidFill>
-                <a:latin typeface="Courier New"/>
-              </a:rPr>
-              <a:t> </a:t>
-            </a:r>
-            <a:r>
-              <a:rPr sz="1400">
-                <a:solidFill>
-                  <a:srgbClr val="000000"/>
-                </a:solidFill>
-                <a:latin typeface="Courier New"/>
-              </a:rPr>
-              <a:t>3</a:t>
-            </a:r>
-            <a:r>
-              <a:rPr sz="1400">
-                <a:solidFill>
-                  <a:srgbClr val="000000"/>
-                </a:solidFill>
-                <a:latin typeface="Courier New"/>
-              </a:rPr>
-              <a:t> </a:t>
-            </a:r>
-            <a:r>
-              <a:rPr sz="1400">
-                <a:solidFill>
-                  <a:srgbClr val="000000"/>
-                </a:solidFill>
-                <a:latin typeface="Courier New"/>
-              </a:rPr>
-              <a:t>0</a:t>
-            </a:r>
-            <a:r>
-              <a:rPr sz="1400">
-                <a:solidFill>
-                  <a:srgbClr val="000000"/>
-                </a:solidFill>
-                <a:latin typeface="Courier New"/>
-              </a:rPr>
-              <a:t> </a:t>
-            </a:r>
-            <a:r>
-              <a:rPr sz="1400">
-                <a:solidFill>
-                  <a:srgbClr val="000000"/>
-                </a:solidFill>
-                <a:latin typeface="Courier New"/>
-              </a:rPr>
-              <a:t>20</a:t>
-            </a:r>
-            <a:r>
-              <a:rPr sz="1400">
-                <a:solidFill>
-                  <a:srgbClr val="000000"/>
-                </a:solidFill>
-                <a:latin typeface="Courier New"/>
-              </a:rPr>
-              <a:t>V</a:t>
-            </a:r>
-            <a:r>
-              <a:rPr sz="1400">
-                <a:solidFill>
-                  <a:srgbClr val="000000"/>
-                </a:solidFill>
-                <a:latin typeface="Courier New"/>
-              </a:rPr>
-              <a:t/>
-            </a:r>
-            <a:r>
-              <a:rPr sz="1400">
-                <a:solidFill>
-                  <a:srgbClr val="000000"/>
-                </a:solidFill>
-                <a:latin typeface="Courier New"/>
-              </a:rPr>
-              <a:t>R_Rin</a:t>
-            </a:r>
-            <a:r>
-              <a:rPr sz="1400">
-                <a:solidFill>
-                  <a:srgbClr val="000000"/>
-                </a:solidFill>
-                <a:latin typeface="Courier New"/>
-              </a:rPr>
-              <a:t> </a:t>
-            </a:r>
-            <a:r>
-              <a:rPr sz="1400">
-                <a:solidFill>
-                  <a:srgbClr val="000000"/>
-                </a:solidFill>
-                <a:latin typeface="Courier New"/>
-              </a:rPr>
-              <a:t>4</a:t>
-            </a:r>
-            <a:r>
-              <a:rPr sz="1400">
-                <a:solidFill>
-                  <a:srgbClr val="000000"/>
-                </a:solidFill>
-                <a:latin typeface="Courier New"/>
-              </a:rPr>
-              <a:t> </a:t>
-            </a:r>
-            <a:r>
-              <a:rPr sz="1400">
-                <a:solidFill>
-                  <a:srgbClr val="000000"/>
-                </a:solidFill>
-                <a:latin typeface="Courier New"/>
-              </a:rPr>
-              <a:t>1</a:t>
-            </a:r>
-            <a:r>
-              <a:rPr sz="1400">
-                <a:solidFill>
-                  <a:srgbClr val="000000"/>
-                </a:solidFill>
-                <a:latin typeface="Courier New"/>
-              </a:rPr>
-              <a:t> </a:t>
-            </a:r>
-            <a:r>
-              <a:rPr sz="1400">
-                <a:solidFill>
-                  <a:srgbClr val="000000"/>
-                </a:solidFill>
-                <a:latin typeface="Courier New"/>
-              </a:rPr>
-              <a:t>1</a:t>
-            </a:r>
-            <a:r>
-              <a:rPr sz="1400">
-                <a:solidFill>
-                  <a:srgbClr val="000000"/>
-                </a:solidFill>
-                <a:latin typeface="Courier New"/>
-              </a:rPr>
-              <a:t/>
-            </a:r>
-            <a:r>
-              <a:rPr sz="1400">
-                <a:solidFill>
-                  <a:srgbClr val="000000"/>
-                </a:solidFill>
-                <a:latin typeface="Courier New"/>
-              </a:rPr>
-              <a:t>V_Vin</a:t>
-            </a:r>
-            <a:r>
-              <a:rPr sz="1400">
-                <a:solidFill>
-                  <a:srgbClr val="000000"/>
-                </a:solidFill>
-                <a:latin typeface="Courier New"/>
-              </a:rPr>
-              <a:t> </a:t>
-            </a:r>
-            <a:r>
-              <a:rPr sz="1400">
-                <a:solidFill>
-                  <a:srgbClr val="000000"/>
-                </a:solidFill>
-                <a:latin typeface="Courier New"/>
-              </a:rPr>
-              <a:t>4</a:t>
-            </a:r>
-            <a:r>
-              <a:rPr sz="1400">
-                <a:solidFill>
-                  <a:srgbClr val="000000"/>
-                </a:solidFill>
-                <a:latin typeface="Courier New"/>
-              </a:rPr>
-              <a:t> </a:t>
-            </a:r>
-            <a:r>
-              <a:rPr sz="1400">
-                <a:solidFill>
-                  <a:srgbClr val="000000"/>
-                </a:solidFill>
-                <a:latin typeface="Courier New"/>
-              </a:rPr>
-              <a:t>0</a:t>
-            </a:r>
-            <a:r>
-              <a:rPr sz="1400">
-                <a:solidFill>
-                  <a:srgbClr val="000000"/>
-                </a:solidFill>
-                <a:latin typeface="Courier New"/>
-              </a:rPr>
-              <a:t> </a:t>
-            </a:r>
-            <a:r>
-              <a:rPr sz="1400">
-                <a:solidFill>
-                  <a:srgbClr val="000000"/>
-                </a:solidFill>
-                <a:latin typeface="Courier New"/>
-              </a:rPr>
-              <a:t>PULSE</a:t>
-            </a:r>
-            <a:r>
-              <a:rPr sz="1400">
-                <a:solidFill>
-                  <a:srgbClr val="000000"/>
-                </a:solidFill>
-                <a:latin typeface="Courier New"/>
-              </a:rPr>
-              <a:t>(</a:t>
-            </a:r>
-            <a:r>
-              <a:rPr sz="1400">
-                <a:solidFill>
-                  <a:srgbClr val="000000"/>
-                </a:solidFill>
-                <a:latin typeface="Courier New"/>
-              </a:rPr>
-              <a:t>0</a:t>
-            </a:r>
-            <a:r>
-              <a:rPr sz="1400">
-                <a:solidFill>
-                  <a:srgbClr val="000000"/>
-                </a:solidFill>
-                <a:latin typeface="Courier New"/>
-              </a:rPr>
-              <a:t> </a:t>
-            </a:r>
-            <a:r>
-              <a:rPr sz="1400">
-                <a:solidFill>
-                  <a:srgbClr val="000000"/>
-                </a:solidFill>
-                <a:latin typeface="Courier New"/>
-              </a:rPr>
-              <a:t>20</a:t>
-            </a:r>
-            <a:r>
-              <a:rPr sz="1400">
-                <a:solidFill>
-                  <a:srgbClr val="000000"/>
-                </a:solidFill>
-                <a:latin typeface="Courier New"/>
-              </a:rPr>
-              <a:t> </a:t>
-            </a:r>
-            <a:r>
-              <a:rPr sz="1400">
-                <a:solidFill>
-                  <a:srgbClr val="000000"/>
-                </a:solidFill>
-                <a:latin typeface="Courier New"/>
-              </a:rPr>
-              <a:t>0</a:t>
-            </a:r>
-            <a:r>
-              <a:rPr sz="1400">
-                <a:solidFill>
-                  <a:srgbClr val="000000"/>
-                </a:solidFill>
-                <a:latin typeface="Courier New"/>
-              </a:rPr>
-              <a:t> </a:t>
-            </a:r>
-            <a:r>
-              <a:rPr sz="1400">
-                <a:solidFill>
-                  <a:srgbClr val="000000"/>
-                </a:solidFill>
-                <a:latin typeface="Courier New"/>
-              </a:rPr>
-              <a:t>20</a:t>
-            </a:r>
-            <a:r>
-              <a:rPr sz="1400">
-                <a:solidFill>
-                  <a:srgbClr val="000000"/>
-                </a:solidFill>
-                <a:latin typeface="Courier New"/>
-              </a:rPr>
-              <a:t>ns</a:t>
-            </a:r>
-            <a:r>
-              <a:rPr sz="1400">
-                <a:solidFill>
-                  <a:srgbClr val="000000"/>
-                </a:solidFill>
-                <a:latin typeface="Courier New"/>
-              </a:rPr>
-              <a:t> </a:t>
-            </a:r>
-            <a:r>
-              <a:rPr sz="1400">
-                <a:solidFill>
-                  <a:srgbClr val="000000"/>
-                </a:solidFill>
-                <a:latin typeface="Courier New"/>
-              </a:rPr>
-              <a:t>20</a:t>
-            </a:r>
-            <a:r>
-              <a:rPr sz="1400">
-                <a:solidFill>
-                  <a:srgbClr val="000000"/>
-                </a:solidFill>
-                <a:latin typeface="Courier New"/>
-              </a:rPr>
-              <a:t>ns</a:t>
-            </a:r>
-            <a:r>
-              <a:rPr sz="1400">
-                <a:solidFill>
-                  <a:srgbClr val="000000"/>
-                </a:solidFill>
-                <a:latin typeface="Courier New"/>
-              </a:rPr>
-              <a:t> </a:t>
-            </a:r>
-            <a:r>
-              <a:rPr sz="1400">
-                <a:solidFill>
-                  <a:srgbClr val="000000"/>
-                </a:solidFill>
-                <a:latin typeface="Courier New"/>
-              </a:rPr>
-              <a:t>294</a:t>
-            </a:r>
-            <a:r>
-              <a:rPr sz="1400">
-                <a:solidFill>
-                  <a:srgbClr val="000000"/>
-                </a:solidFill>
-                <a:latin typeface="Courier New"/>
-              </a:rPr>
-              <a:t>ns</a:t>
-            </a:r>
-            <a:r>
-              <a:rPr sz="1400">
-                <a:solidFill>
-                  <a:srgbClr val="000000"/>
-                </a:solidFill>
-                <a:latin typeface="Courier New"/>
-              </a:rPr>
-              <a:t> </a:t>
-            </a:r>
-            <a:r>
-              <a:rPr sz="1400">
-                <a:solidFill>
-                  <a:srgbClr val="000000"/>
-                </a:solidFill>
-                <a:latin typeface="Courier New"/>
-              </a:rPr>
-              <a:t>628</a:t>
-            </a:r>
-            <a:r>
-              <a:rPr sz="1400">
-                <a:solidFill>
-                  <a:srgbClr val="000000"/>
-                </a:solidFill>
-                <a:latin typeface="Courier New"/>
-              </a:rPr>
-              <a:t>ns</a:t>
-            </a:r>
-            <a:r>
-              <a:rPr sz="1400">
-                <a:solidFill>
-                  <a:srgbClr val="000000"/>
-                </a:solidFill>
-                <a:latin typeface="Courier New"/>
-              </a:rPr>
-              <a:t>)</a:t>
-            </a:r>
-            <a:r>
-              <a:rPr sz="1400">
-                <a:solidFill>
-                  <a:srgbClr val="000000"/>
-                </a:solidFill>
-                <a:latin typeface="Courier New"/>
-              </a:rPr>
-              <a:t> </a:t>
-            </a:r>
-            <a:r>
-              <a:rPr sz="1400">
-                <a:solidFill>
-                  <a:srgbClr val="000000"/>
-                </a:solidFill>
-                <a:latin typeface="Courier New"/>
-              </a:rPr>
-              <a:t>DC</a:t>
-            </a:r>
-            <a:r>
-              <a:rPr sz="1400">
-                <a:solidFill>
-                  <a:srgbClr val="000000"/>
-                </a:solidFill>
-                <a:latin typeface="Courier New"/>
-              </a:rPr>
-              <a:t>=</a:t>
-            </a:r>
-            <a:r>
-              <a:rPr sz="1400">
-                <a:solidFill>
-                  <a:srgbClr val="000000"/>
-                </a:solidFill>
-                <a:latin typeface="Courier New"/>
-              </a:rPr>
-              <a:t>0</a:t>
-            </a:r>
-            <a:r>
-              <a:rPr sz="1400">
-                <a:solidFill>
-                  <a:srgbClr val="000000"/>
-                </a:solidFill>
-                <a:latin typeface="Courier New"/>
-              </a:rPr>
-              <a:t/>
-            </a:r>
-            <a:r>
-              <a:rPr sz="1400">
-                <a:solidFill>
-                  <a:srgbClr val="000000"/>
-                </a:solidFill>
-                <a:latin typeface="Courier New"/>
-              </a:rPr>
-              <a:t>.</a:t>
-            </a:r>
-            <a:r>
-              <a:rPr sz="1400">
-                <a:solidFill>
-                  <a:srgbClr val="000000"/>
-                </a:solidFill>
-                <a:latin typeface="Courier New"/>
-              </a:rPr>
-              <a:t>model</a:t>
-            </a:r>
-            <a:r>
-              <a:rPr sz="1400">
-                <a:solidFill>
-                  <a:srgbClr val="000000"/>
-                </a:solidFill>
-                <a:latin typeface="Courier New"/>
-              </a:rPr>
-              <a:t> </a:t>
-            </a:r>
-            <a:r>
-              <a:rPr sz="1400">
-                <a:solidFill>
-                  <a:srgbClr val="000000"/>
-                </a:solidFill>
-                <a:latin typeface="Courier New"/>
-              </a:rPr>
-              <a:t>Q2</a:t>
-            </a:r>
-            <a:r>
-              <a:rPr sz="1400">
-                <a:solidFill>
-                  <a:srgbClr val="000000"/>
-                </a:solidFill>
-                <a:latin typeface="Courier New"/>
-              </a:rPr>
-              <a:t> </a:t>
-            </a:r>
-            <a:r>
-              <a:rPr sz="1400">
-                <a:solidFill>
-                  <a:srgbClr val="000000"/>
-                </a:solidFill>
-                <a:latin typeface="Courier New"/>
-              </a:rPr>
-              <a:t>NPN</a:t>
-            </a:r>
-            <a:r>
-              <a:rPr sz="1400">
-                <a:solidFill>
-                  <a:srgbClr val="000000"/>
-                </a:solidFill>
-                <a:latin typeface="Courier New"/>
-              </a:rPr>
-              <a:t>(</a:t>
-            </a:r>
-            <a:r>
-              <a:rPr sz="1400">
-                <a:solidFill>
-                  <a:srgbClr val="000000"/>
-                </a:solidFill>
-                <a:latin typeface="Courier New"/>
-              </a:rPr>
-              <a:t>Is</a:t>
-            </a:r>
-            <a:r>
-              <a:rPr sz="1400">
-                <a:solidFill>
-                  <a:srgbClr val="000000"/>
-                </a:solidFill>
-                <a:latin typeface="Courier New"/>
-              </a:rPr>
-              <a:t>=</a:t>
-            </a:r>
-            <a:r>
-              <a:rPr sz="1400">
-                <a:solidFill>
-                  <a:srgbClr val="000000"/>
-                </a:solidFill>
-                <a:latin typeface="Courier New"/>
-              </a:rPr>
-              <a:t>14.34</a:t>
-            </a:r>
-            <a:r>
-              <a:rPr sz="1400">
-                <a:solidFill>
-                  <a:srgbClr val="000000"/>
-                </a:solidFill>
-                <a:latin typeface="Courier New"/>
-              </a:rPr>
-              <a:t>f</a:t>
-            </a:r>
-            <a:r>
-              <a:rPr sz="1400">
-                <a:solidFill>
-                  <a:srgbClr val="000000"/>
-                </a:solidFill>
-                <a:latin typeface="Courier New"/>
-              </a:rPr>
-              <a:t> </a:t>
-            </a:r>
-            <a:r>
-              <a:rPr sz="1400">
-                <a:solidFill>
-                  <a:srgbClr val="000000"/>
-                </a:solidFill>
-                <a:latin typeface="Courier New"/>
-              </a:rPr>
-              <a:t>BF</a:t>
-            </a:r>
-            <a:r>
-              <a:rPr sz="1400">
-                <a:solidFill>
-                  <a:srgbClr val="000000"/>
-                </a:solidFill>
-                <a:latin typeface="Courier New"/>
-              </a:rPr>
-              <a:t>=</a:t>
-            </a:r>
-            <a:r>
-              <a:rPr sz="1400">
-                <a:solidFill>
-                  <a:srgbClr val="000000"/>
-                </a:solidFill>
-                <a:latin typeface="Courier New"/>
-              </a:rPr>
-              <a:t>200</a:t>
-            </a:r>
-            <a:r>
-              <a:rPr sz="1400">
-                <a:solidFill>
-                  <a:srgbClr val="000000"/>
-                </a:solidFill>
-                <a:latin typeface="Courier New"/>
-              </a:rPr>
-              <a:t>)</a:t>
-            </a:r>
-            <a:r>
-              <a:rPr sz="1400">
-                <a:solidFill>
-                  <a:srgbClr val="000000"/>
-                </a:solidFill>
-                <a:latin typeface="Courier New"/>
-              </a:rPr>
-              <a:t/>
-            </a:r>
-            <a:r>
-              <a:rPr sz="1400">
-                <a:solidFill>
-                  <a:srgbClr val="000000"/>
-                </a:solidFill>
-                <a:latin typeface="Courier New"/>
-              </a:rPr>
-              <a:t>.</a:t>
-            </a:r>
-            <a:r>
-              <a:rPr sz="1400">
-                <a:solidFill>
-                  <a:srgbClr val="000000"/>
-                </a:solidFill>
-                <a:latin typeface="Courier New"/>
-              </a:rPr>
-              <a:t>model</a:t>
-            </a:r>
-            <a:r>
-              <a:rPr sz="1400">
-                <a:solidFill>
-                  <a:srgbClr val="000000"/>
-                </a:solidFill>
-                <a:latin typeface="Courier New"/>
-              </a:rPr>
-              <a:t> </a:t>
-            </a:r>
-            <a:r>
-              <a:rPr sz="1400">
-                <a:solidFill>
-                  <a:srgbClr val="000000"/>
-                </a:solidFill>
-                <a:latin typeface="Courier New"/>
-              </a:rPr>
-              <a:t>Qp</a:t>
-            </a:r>
-            <a:r>
-              <a:rPr sz="1400">
-                <a:solidFill>
-                  <a:srgbClr val="000000"/>
-                </a:solidFill>
-                <a:latin typeface="Courier New"/>
-              </a:rPr>
-              <a:t> </a:t>
-            </a:r>
-            <a:r>
-              <a:rPr sz="1400">
-                <a:solidFill>
-                  <a:srgbClr val="000000"/>
-                </a:solidFill>
-                <a:latin typeface="Courier New"/>
-              </a:rPr>
-              <a:t>PNP</a:t>
-            </a:r>
-            <a:r>
-              <a:rPr sz="1400">
-                <a:solidFill>
-                  <a:srgbClr val="000000"/>
-                </a:solidFill>
-                <a:latin typeface="Courier New"/>
-              </a:rPr>
-              <a:t>(</a:t>
-            </a:r>
-            <a:r>
-              <a:rPr sz="1400">
-                <a:solidFill>
-                  <a:srgbClr val="000000"/>
-                </a:solidFill>
-                <a:latin typeface="Courier New"/>
-              </a:rPr>
-              <a:t>Is</a:t>
-            </a:r>
-            <a:r>
-              <a:rPr sz="1400">
-                <a:solidFill>
-                  <a:srgbClr val="000000"/>
-                </a:solidFill>
-                <a:latin typeface="Courier New"/>
-              </a:rPr>
-              <a:t>=</a:t>
-            </a:r>
-            <a:r>
-              <a:rPr sz="1400">
-                <a:solidFill>
-                  <a:srgbClr val="000000"/>
-                </a:solidFill>
-                <a:latin typeface="Courier New"/>
-              </a:rPr>
-              <a:t>5.34</a:t>
-            </a:r>
-            <a:r>
-              <a:rPr sz="1400">
-                <a:solidFill>
-                  <a:srgbClr val="000000"/>
-                </a:solidFill>
-                <a:latin typeface="Courier New"/>
-              </a:rPr>
-              <a:t>f</a:t>
-            </a:r>
-            <a:r>
-              <a:rPr sz="1400">
-                <a:solidFill>
-                  <a:srgbClr val="000000"/>
-                </a:solidFill>
-                <a:latin typeface="Courier New"/>
-              </a:rPr>
-              <a:t> </a:t>
-            </a:r>
-            <a:r>
-              <a:rPr sz="1400">
-                <a:solidFill>
-                  <a:srgbClr val="000000"/>
-                </a:solidFill>
-                <a:latin typeface="Courier New"/>
-              </a:rPr>
-              <a:t>BF</a:t>
-            </a:r>
-            <a:r>
-              <a:rPr sz="1400">
-                <a:solidFill>
-                  <a:srgbClr val="000000"/>
-                </a:solidFill>
-                <a:latin typeface="Courier New"/>
-              </a:rPr>
-              <a:t>=</a:t>
-            </a:r>
-            <a:r>
-              <a:rPr sz="1400">
-                <a:solidFill>
-                  <a:srgbClr val="000000"/>
-                </a:solidFill>
-                <a:latin typeface="Courier New"/>
-              </a:rPr>
-              <a:t>100</a:t>
-            </a:r>
-            <a:r>
-              <a:rPr sz="1400">
-                <a:solidFill>
-                  <a:srgbClr val="000000"/>
-                </a:solidFill>
-                <a:latin typeface="Courier New"/>
-              </a:rPr>
-              <a:t>)</a:t>
-            </a:r>
-            <a:r>
-              <a:rPr sz="1400">
-                <a:solidFill>
-                  <a:srgbClr val="000000"/>
-                </a:solidFill>
-                <a:latin typeface="Courier New"/>
-              </a:rPr>
-              <a:t/>
-            </a:r>
-          </a:p>
-        </p:txBody>
-      </p:sp>
-      <p:sp>
-        <p:nvSpPr>
-          <p:cNvPr id="3" name="Title 2"/>
+          <p:cNvPr id="2" name="Title 1"/>
           <p:cNvSpPr>
             <a:spLocks noGrp="1"/>
           </p:cNvSpPr>
@@ -7138,17 +5885,41 @@
           <a:lstStyle/>
           <a:p>
             <a:r>
-              <a:rPr sz="3200" b="1" i="0">
+              <a:rPr sz="2800" b="1" i="0">
                 <a:latin typeface="Arial"/>
               </a:rPr>
-              <a:t>SPICE file Klasse D circuit</a:t>
-            </a:r>
-            <a:endParaRPr sz="3200" b="1" i="0">
+              <a:t>Harmonische componenten van de uitgangsstroom (logschaal)</a:t>
+            </a:r>
+            <a:endParaRPr sz="2800" b="1" i="0">
               <a:latin typeface="Arial"/>
             </a:endParaRPr>
           </a:p>
         </p:txBody>
       </p:sp>
+      <p:pic>
+        <p:nvPicPr>
+          <p:cNvPr id="3" name="Picture 2" descr="image.png"/>
+          <p:cNvPicPr>
+            <a:picLocks noChangeAspect="1"/>
+          </p:cNvPicPr>
+          <p:nvPr/>
+        </p:nvPicPr>
+        <p:blipFill>
+          <a:blip r:embed="rId2"/>
+          <a:stretch>
+            <a:fillRect/>
+          </a:stretch>
+        </p:blipFill>
+        <p:spPr>
+          <a:xfrm>
+            <a:off x="3175643" y="566928"/>
+            <a:ext cx="5840713" cy="5577840"/>
+          </a:xfrm>
+          <a:prstGeom prst="rect">
+            <a:avLst/>
+          </a:prstGeom>
+        </p:spPr>
+      </p:pic>
     </p:spTree>
   </p:cSld>
   <p:clrMapOvr>
@@ -7185,12 +5956,12 @@
           <a:lstStyle/>
           <a:p>
             <a:r>
-              <a:rPr sz="3200" b="1" i="0">
+              <a:rPr sz="2800" b="1" i="0">
                 <a:latin typeface="Arial"/>
               </a:rPr>
-              <a:t>Bekomen spanningen op de verschillende knopen</a:t>
-            </a:r>
-            <a:endParaRPr sz="3200" b="1" i="0">
+              <a:t>Basisschema van de klasse D versterker met beschermdiodes</a:t>
+            </a:r>
+            <a:endParaRPr sz="2800" b="1" i="0">
               <a:latin typeface="Arial"/>
             </a:endParaRPr>
           </a:p>
@@ -7212,8 +5983,8 @@
         </p:blipFill>
         <p:spPr>
           <a:xfrm>
-            <a:off x="1918781" y="566928"/>
-            <a:ext cx="8354438" cy="5577840"/>
+            <a:off x="2269158" y="566928"/>
+            <a:ext cx="7653684" cy="5577840"/>
           </a:xfrm>
           <a:prstGeom prst="rect">
             <a:avLst/>
@@ -7240,12 +6011,12 @@
       <p:grpSpPr/>
       <p:sp>
         <p:nvSpPr>
-          <p:cNvPr id="2" name="Title 1"/>
+          <p:cNvPr id="2" name="Content Placeholder 1"/>
           <p:cNvSpPr>
             <a:spLocks noGrp="1"/>
           </p:cNvSpPr>
           <p:nvPr>
-            <p:ph type="title"/>
+            <p:ph idx="1"/>
           </p:nvPr>
         </p:nvSpPr>
         <p:spPr/>
@@ -7255,11 +6026,260 @@
           </a:bodyPr>
           <a:lstStyle/>
           <a:p>
+            <a:pPr>
+              <a:lnSpc>
+                <a:spcPts val="2400"/>
+              </a:lnSpc>
+              <a:defRPr>
+                <a:solidFill>
+                  <a:srgbClr val="FFFFFF"/>
+                </a:solidFill>
+              </a:defRPr>
+            </a:pPr>
+            <a:r>
+              <a:rPr sz="2400" b="0" i="0">
+                <a:latin typeface="Courier"/>
+              </a:rPr>
+              <a:t>* Class D amp 1</a:t>
+            </a:r>
+            <a:endParaRPr sz="2400" b="0" i="0">
+              <a:latin typeface="Courier"/>
+            </a:endParaRPr>
+          </a:p>
+          <a:p>
+            <a:pPr>
+              <a:lnSpc>
+                <a:spcPts val="2400"/>
+              </a:lnSpc>
+              <a:defRPr>
+                <a:solidFill>
+                  <a:srgbClr val="FFFFFF"/>
+                </a:solidFill>
+              </a:defRPr>
+            </a:pPr>
+            <a:r>
+              <a:rPr sz="2400" b="0" i="0">
+                <a:latin typeface="Courier"/>
+              </a:rPr>
+              <a:t>Q_Q1         3 1 2 Q2</a:t>
+            </a:r>
+            <a:endParaRPr sz="2400" b="0" i="0">
+              <a:latin typeface="Courier"/>
+            </a:endParaRPr>
+          </a:p>
+          <a:p>
+            <a:pPr>
+              <a:lnSpc>
+                <a:spcPts val="2400"/>
+              </a:lnSpc>
+              <a:defRPr>
+                <a:solidFill>
+                  <a:srgbClr val="FFFFFF"/>
+                </a:solidFill>
+              </a:defRPr>
+            </a:pPr>
+            <a:r>
+              <a:rPr sz="2400" b="0" i="0">
+                <a:latin typeface="Courier"/>
+              </a:rPr>
+              <a:t>Q_Qp         0 1 2 Qp</a:t>
+            </a:r>
+            <a:endParaRPr sz="2400" b="0" i="0">
+              <a:latin typeface="Courier"/>
+            </a:endParaRPr>
+          </a:p>
+          <a:p>
+            <a:pPr>
+              <a:lnSpc>
+                <a:spcPts val="2400"/>
+              </a:lnSpc>
+              <a:defRPr>
+                <a:solidFill>
+                  <a:srgbClr val="FFFFFF"/>
+                </a:solidFill>
+              </a:defRPr>
+            </a:pPr>
+            <a:r>
+              <a:rPr sz="2400" b="0" i="0">
+                <a:latin typeface="Courier"/>
+              </a:rPr>
+              <a:t>D_D1         2 3 DD</a:t>
+            </a:r>
+            <a:endParaRPr sz="2400" b="0" i="0">
+              <a:latin typeface="Courier"/>
+            </a:endParaRPr>
+          </a:p>
+          <a:p>
+            <a:pPr>
+              <a:lnSpc>
+                <a:spcPts val="2400"/>
+              </a:lnSpc>
+              <a:defRPr>
+                <a:solidFill>
+                  <a:srgbClr val="FFFFFF"/>
+                </a:solidFill>
+              </a:defRPr>
+            </a:pPr>
+            <a:r>
+              <a:rPr sz="2400" b="0" i="0">
+                <a:latin typeface="Courier"/>
+              </a:rPr>
+              <a:t>D_D2         0 2 DD</a:t>
+            </a:r>
+            <a:endParaRPr sz="2400" b="0" i="0">
+              <a:latin typeface="Courier"/>
+            </a:endParaRPr>
+          </a:p>
+          <a:p>
+            <a:pPr>
+              <a:lnSpc>
+                <a:spcPts val="2400"/>
+              </a:lnSpc>
+              <a:defRPr>
+                <a:solidFill>
+                  <a:srgbClr val="FFFFFF"/>
+                </a:solidFill>
+              </a:defRPr>
+            </a:pPr>
+            <a:r>
+              <a:rPr sz="2400" b="0" i="0">
+                <a:latin typeface="Courier"/>
+              </a:rPr>
+              <a:t>L_L1         5 2 1uH</a:t>
+            </a:r>
+            <a:endParaRPr sz="2400" b="0" i="0">
+              <a:latin typeface="Courier"/>
+            </a:endParaRPr>
+          </a:p>
+          <a:p>
+            <a:pPr>
+              <a:lnSpc>
+                <a:spcPts val="2400"/>
+              </a:lnSpc>
+              <a:defRPr>
+                <a:solidFill>
+                  <a:srgbClr val="FFFFFF"/>
+                </a:solidFill>
+              </a:defRPr>
+            </a:pPr>
+            <a:r>
+              <a:rPr sz="2400" b="0" i="0">
+                <a:latin typeface="Courier"/>
+              </a:rPr>
+              <a:t>C_C1         5 6 10n</a:t>
+            </a:r>
+            <a:endParaRPr sz="2400" b="0" i="0">
+              <a:latin typeface="Courier"/>
+            </a:endParaRPr>
+          </a:p>
+          <a:p>
+            <a:pPr>
+              <a:lnSpc>
+                <a:spcPts val="2400"/>
+              </a:lnSpc>
+              <a:defRPr>
+                <a:solidFill>
+                  <a:srgbClr val="FFFFFF"/>
+                </a:solidFill>
+              </a:defRPr>
+            </a:pPr>
+            <a:r>
+              <a:rPr sz="2400" b="0" i="0">
+                <a:latin typeface="Courier"/>
+              </a:rPr>
+              <a:t>R_RL         6 0 6</a:t>
+            </a:r>
+            <a:endParaRPr sz="2400" b="0" i="0">
+              <a:latin typeface="Courier"/>
+            </a:endParaRPr>
+          </a:p>
+          <a:p>
+            <a:pPr>
+              <a:lnSpc>
+                <a:spcPts val="2400"/>
+              </a:lnSpc>
+              <a:defRPr>
+                <a:solidFill>
+                  <a:srgbClr val="FFFFFF"/>
+                </a:solidFill>
+              </a:defRPr>
+            </a:pPr>
+            <a:r>
+              <a:rPr sz="2400" b="0" i="0">
+                <a:latin typeface="Courier"/>
+              </a:rPr>
+              <a:t>V_Vdd        3 0 20V</a:t>
+            </a:r>
+            <a:endParaRPr sz="2400" b="0" i="0">
+              <a:latin typeface="Courier"/>
+            </a:endParaRPr>
+          </a:p>
+          <a:p>
+            <a:pPr>
+              <a:lnSpc>
+                <a:spcPts val="2400"/>
+              </a:lnSpc>
+              <a:defRPr>
+                <a:solidFill>
+                  <a:srgbClr val="FFFFFF"/>
+                </a:solidFill>
+              </a:defRPr>
+            </a:pPr>
+            <a:r>
+              <a:rPr sz="2400" b="0" i="0">
+                <a:latin typeface="Courier"/>
+              </a:rPr>
+              <a:t>R_Rin        4 1 1</a:t>
+            </a:r>
+            <a:endParaRPr sz="2400" b="0" i="0">
+              <a:latin typeface="Courier"/>
+            </a:endParaRPr>
+          </a:p>
+          <a:p>
+            <a:pPr>
+              <a:lnSpc>
+                <a:spcPts val="2400"/>
+              </a:lnSpc>
+              <a:defRPr>
+                <a:solidFill>
+                  <a:srgbClr val="FFFFFF"/>
+                </a:solidFill>
+              </a:defRPr>
+            </a:pPr>
+            <a:r>
+              <a:rPr sz="2400" b="0" i="0">
+                <a:latin typeface="Courier"/>
+              </a:rPr>
+              <a:t>V_Vin        4 0 PULSE(0 20 0 20ns 20ns 280ns 600ns) DC=0</a:t>
+            </a:r>
+            <a:endParaRPr sz="2400" b="0" i="0">
+              <a:latin typeface="Courier"/>
+            </a:endParaRPr>
+          </a:p>
+        </p:txBody>
+      </p:sp>
+      <p:sp>
+        <p:nvSpPr>
+          <p:cNvPr id="3" name="Title 2"/>
+          <p:cNvSpPr>
+            <a:spLocks noGrp="1"/>
+          </p:cNvSpPr>
+          <p:nvPr>
+            <p:ph type="title"/>
+          </p:nvPr>
+        </p:nvSpPr>
+        <p:spPr/>
+        <p:txBody>
+          <a:bodyPr wrap="square">
+            <a:noAutofit/>
+          </a:bodyPr>
+          <a:lstStyle/>
+          <a:p>
             <a:r>
               <a:rPr sz="3200" b="1" i="0">
                 <a:latin typeface="Arial"/>
               </a:rPr>
-              <a:t>Collector stroom in de NPN en de PNP transistor</a:t>
+              <a:t>SPICE file Klasse D circuit met diodes</a:t>
             </a:r>
             <a:endParaRPr sz="3200" b="1" i="0">
               <a:latin typeface="Arial"/>
@@ -7267,30 +6287,6 @@
           </a:p>
         </p:txBody>
       </p:sp>
-      <p:pic>
-        <p:nvPicPr>
-          <p:cNvPr id="3" name="Picture 2" descr="image.png"/>
-          <p:cNvPicPr>
-            <a:picLocks noChangeAspect="1"/>
-          </p:cNvPicPr>
-          <p:nvPr/>
-        </p:nvPicPr>
-        <p:blipFill>
-          <a:blip r:embed="rId2"/>
-          <a:stretch>
-            <a:fillRect/>
-          </a:stretch>
-        </p:blipFill>
-        <p:spPr>
-          <a:xfrm>
-            <a:off x="1902351" y="566928"/>
-            <a:ext cx="8387297" cy="5577840"/>
-          </a:xfrm>
-          <a:prstGeom prst="rect">
-            <a:avLst/>
-          </a:prstGeom>
-        </p:spPr>
-      </p:pic>
     </p:spTree>
   </p:cSld>
   <p:clrMapOvr>
@@ -7321,33 +6317,97 @@
         </p:nvSpPr>
         <p:spPr/>
         <p:txBody>
-          <a:bodyPr/>
-          <a:lstStyle/>
-          <a:p/>
-        </p:txBody>
-      </p:sp>
-      <p:sp>
-        <p:nvSpPr>
-          <p:cNvPr id="3" name="Title 2"/>
-          <p:cNvSpPr>
-            <a:spLocks noGrp="1"/>
-          </p:cNvSpPr>
-          <p:nvPr>
-            <p:ph type="title"/>
-          </p:nvPr>
-        </p:nvSpPr>
-        <p:spPr/>
-        <p:txBody>
           <a:bodyPr wrap="square">
             <a:noAutofit/>
           </a:bodyPr>
           <a:lstStyle/>
           <a:p>
+            <a:pPr>
+              <a:lnSpc>
+                <a:spcPts val="2400"/>
+              </a:lnSpc>
+              <a:defRPr>
+                <a:solidFill>
+                  <a:srgbClr val="FFFFFF"/>
+                </a:solidFill>
+              </a:defRPr>
+            </a:pPr>
+            <a:r>
+              <a:rPr sz="2400" b="0" i="0">
+                <a:latin typeface="Courier"/>
+              </a:rPr>
+              <a:t>.model Q2  NPN(Is=14.34f BF=200)</a:t>
+            </a:r>
+            <a:endParaRPr sz="2400" b="0" i="0">
+              <a:latin typeface="Courier"/>
+            </a:endParaRPr>
+          </a:p>
+          <a:p>
+            <a:pPr>
+              <a:lnSpc>
+                <a:spcPts val="2400"/>
+              </a:lnSpc>
+              <a:defRPr>
+                <a:solidFill>
+                  <a:srgbClr val="FFFFFF"/>
+                </a:solidFill>
+              </a:defRPr>
+            </a:pPr>
+            <a:r>
+              <a:rPr sz="2400" b="0" i="0">
+                <a:latin typeface="Courier"/>
+              </a:rPr>
+              <a:t>.model Qp  PNP(Is=5.34f BF=100)</a:t>
+            </a:r>
+            <a:endParaRPr sz="2400" b="0" i="0">
+              <a:latin typeface="Courier"/>
+            </a:endParaRPr>
+          </a:p>
+          <a:p>
+            <a:pPr>
+              <a:lnSpc>
+                <a:spcPts val="2400"/>
+              </a:lnSpc>
+              <a:defRPr>
+                <a:solidFill>
+                  <a:srgbClr val="FFFFFF"/>
+                </a:solidFill>
+              </a:defRPr>
+            </a:pPr>
+            <a:r>
+              <a:rPr sz="2400" b="0" i="0">
+                <a:latin typeface="Courier"/>
+              </a:rPr>
+              <a:t>.model DD   D( IS=0.0002 RS=0.05 CJO=5e-10 )</a:t>
+            </a:r>
+            <a:endParaRPr sz="2400" b="0" i="0">
+              <a:latin typeface="Courier"/>
+            </a:endParaRPr>
+          </a:p>
+        </p:txBody>
+      </p:sp>
+      <p:sp>
+        <p:nvSpPr>
+          <p:cNvPr id="3" name="Title 2"/>
+          <p:cNvSpPr>
+            <a:spLocks noGrp="1"/>
+          </p:cNvSpPr>
+          <p:nvPr>
+            <p:ph type="title"/>
+          </p:nvPr>
+        </p:nvSpPr>
+        <p:spPr/>
+        <p:txBody>
+          <a:bodyPr wrap="square">
+            <a:noAutofit/>
+          </a:bodyPr>
+          <a:lstStyle/>
+          <a:p>
             <a:r>
               <a:rPr sz="3200" b="1" i="0">
                 <a:latin typeface="Arial"/>
               </a:rPr>
-              <a:t>Fourrier reeks van de spanning op knoop 2</a:t>
+              <a:t>SPICE file Klasse D circuit met diodes</a:t>
             </a:r>
             <a:endParaRPr sz="3200" b="1" i="0">
               <a:latin typeface="Arial"/>
@@ -7355,30 +6415,6 @@
           </a:p>
         </p:txBody>
       </p:sp>
-      <p:pic>
-        <p:nvPicPr>
-          <p:cNvPr id="4" name="Picture 3" descr="image.png"/>
-          <p:cNvPicPr>
-            <a:picLocks noChangeAspect="1"/>
-          </p:cNvPicPr>
-          <p:nvPr/>
-        </p:nvPicPr>
-        <p:blipFill>
-          <a:blip r:embed="rId2"/>
-          <a:stretch>
-            <a:fillRect/>
-          </a:stretch>
-        </p:blipFill>
-        <p:spPr>
-          <a:xfrm>
-            <a:off x="1195387" y="868680"/>
-            <a:ext cx="9801225" cy="952500"/>
-          </a:xfrm>
-          <a:prstGeom prst="rect">
-            <a:avLst/>
-          </a:prstGeom>
-        </p:spPr>
-      </p:pic>
     </p:spTree>
   </p:cSld>
   <p:clrMapOvr>
@@ -7415,12 +6451,12 @@
           <a:lstStyle/>
           <a:p>
             <a:r>
-              <a:rPr sz="3200" b="1" i="0">
+              <a:rPr sz="3000" b="1" i="0">
                 <a:latin typeface="Arial"/>
               </a:rPr>
-              <a:t>Harmonische componenten in de spanning</a:t>
-            </a:r>
-            <a:endParaRPr sz="3200" b="1" i="0">
+              <a:t>Bekomen spanningen in de Klasse D versterker met diodes</a:t>
+            </a:r>
+            <a:endParaRPr sz="3000" b="1" i="0">
               <a:latin typeface="Arial"/>
             </a:endParaRPr>
           </a:p>
@@ -7442,8 +6478,8 @@
         </p:blipFill>
         <p:spPr>
           <a:xfrm>
-            <a:off x="3241361" y="566928"/>
-            <a:ext cx="5709277" cy="5577840"/>
+            <a:off x="1918781" y="566928"/>
+            <a:ext cx="8354438" cy="5577840"/>
           </a:xfrm>
           <a:prstGeom prst="rect">
             <a:avLst/>
@@ -7470,24 +6506,7 @@
       <p:grpSpPr/>
       <p:sp>
         <p:nvSpPr>
-          <p:cNvPr id="2" name="Content Placeholder 1"/>
-          <p:cNvSpPr>
-            <a:spLocks noGrp="1"/>
-          </p:cNvSpPr>
-          <p:nvPr>
-            <p:ph idx="1"/>
-          </p:nvPr>
-        </p:nvSpPr>
-        <p:spPr/>
-        <p:txBody>
-          <a:bodyPr/>
-          <a:lstStyle/>
-          <a:p/>
-        </p:txBody>
-      </p:sp>
-      <p:sp>
-        <p:nvSpPr>
-          <p:cNvPr id="3" name="Title 2"/>
+          <p:cNvPr id="2" name="Title 1"/>
           <p:cNvSpPr>
             <a:spLocks noGrp="1"/>
           </p:cNvSpPr>
@@ -7506,7 +6525,7 @@
               <a:rPr sz="3200" b="1" i="0">
                 <a:latin typeface="Arial"/>
               </a:rPr>
-              <a:t>impedantie van de serie trilkring</a:t>
+              <a:t>Detail van de spanningen</a:t>
             </a:r>
             <a:endParaRPr sz="3200" b="1" i="0">
               <a:latin typeface="Arial"/>
@@ -7516,7 +6535,7 @@
       </p:sp>
       <p:pic>
         <p:nvPicPr>
-          <p:cNvPr id="4" name="Picture 3" descr="image.png"/>
+          <p:cNvPr id="3" name="Picture 2" descr="image.png"/>
           <p:cNvPicPr>
             <a:picLocks noChangeAspect="1"/>
           </p:cNvPicPr>
@@ -7530,8 +6549,8 @@
         </p:blipFill>
         <p:spPr>
           <a:xfrm>
-            <a:off x="3729037" y="868680"/>
-            <a:ext cx="4733925" cy="885825"/>
+            <a:off x="1910566" y="566928"/>
+            <a:ext cx="8370867" cy="5577840"/>
           </a:xfrm>
           <a:prstGeom prst="rect">
             <a:avLst/>
@@ -7577,7 +6596,7 @@
               <a:rPr sz="3200" b="1" i="0">
                 <a:latin typeface="Arial"/>
               </a:rPr>
-              <a:t>Harmonische componenten van de uitgangsstroom</a:t>
+              <a:t>Stromen in de transistors en diodes</a:t>
             </a:r>
             <a:endParaRPr sz="3200" b="1" i="0">
               <a:latin typeface="Arial"/>
@@ -7601,8 +6620,8 @@
         </p:blipFill>
         <p:spPr>
           <a:xfrm>
-            <a:off x="3183858" y="566928"/>
-            <a:ext cx="5824284" cy="5577840"/>
+            <a:off x="1890029" y="566928"/>
+            <a:ext cx="8411941" cy="5577840"/>
           </a:xfrm>
           <a:prstGeom prst="rect">
             <a:avLst/>
@@ -7645,12 +6664,12 @@
           <a:lstStyle/>
           <a:p>
             <a:r>
-              <a:rPr sz="2800" b="1" i="0">
+              <a:rPr sz="3200" b="1" i="0">
                 <a:latin typeface="Arial"/>
               </a:rPr>
-              <a:t>Harmonische componenten van de uitgangsstroom (logschaal)</a:t>
-            </a:r>
-            <a:endParaRPr sz="2800" b="1" i="0">
+              <a:t>klasse D versterker met enkel NPN transistors</a:t>
+            </a:r>
+            <a:endParaRPr sz="3200" b="1" i="0">
               <a:latin typeface="Arial"/>
             </a:endParaRPr>
           </a:p>
@@ -7672,8 +6691,8 @@
         </p:blipFill>
         <p:spPr>
           <a:xfrm>
-            <a:off x="3175643" y="566928"/>
-            <a:ext cx="5840713" cy="5577840"/>
+            <a:off x="736509" y="566928"/>
+            <a:ext cx="10718981" cy="5577840"/>
           </a:xfrm>
           <a:prstGeom prst="rect">
             <a:avLst/>
@@ -7787,12 +6806,12 @@
           <a:lstStyle/>
           <a:p>
             <a:r>
-              <a:rPr sz="2800" b="1" i="0">
+              <a:rPr sz="3200" b="1" i="0">
                 <a:latin typeface="Arial"/>
               </a:rPr>
-              <a:t>Basisschema van de klasse D versterker met beschermdiodes</a:t>
-            </a:r>
-            <a:endParaRPr sz="2800" b="1" i="0">
+              <a:t>klasse D versterker met enkel NPN transistors</a:t>
+            </a:r>
+            <a:endParaRPr sz="3200" b="1" i="0">
               <a:latin typeface="Arial"/>
             </a:endParaRPr>
           </a:p>
@@ -7814,8 +6833,8 @@
         </p:blipFill>
         <p:spPr>
           <a:xfrm>
-            <a:off x="2269158" y="566928"/>
-            <a:ext cx="7653684" cy="5577840"/>
+            <a:off x="488385" y="566928"/>
+            <a:ext cx="11215230" cy="5577840"/>
           </a:xfrm>
           <a:prstGeom prst="rect">
             <a:avLst/>
@@ -7842,24 +6861,7 @@
       <p:grpSpPr/>
       <p:sp>
         <p:nvSpPr>
-          <p:cNvPr id="2" name="Content Placeholder 1"/>
-          <p:cNvSpPr>
-            <a:spLocks noGrp="1"/>
-          </p:cNvSpPr>
-          <p:nvPr>
-            <p:ph idx="1"/>
-          </p:nvPr>
-        </p:nvSpPr>
-        <p:spPr/>
-        <p:txBody>
-          <a:bodyPr/>
-          <a:lstStyle/>
-          <a:p/>
-        </p:txBody>
-      </p:sp>
-      <p:sp>
-        <p:nvSpPr>
-          <p:cNvPr id="3" name="Title 2"/>
+          <p:cNvPr id="2" name="Title 1"/>
           <p:cNvSpPr>
             <a:spLocks noGrp="1"/>
           </p:cNvSpPr>
@@ -7878,7 +6880,7 @@
               <a:rPr sz="3200" b="1" i="0">
                 <a:latin typeface="Arial"/>
               </a:rPr>
-              <a:t>SPICE file Klasse D circuit met diodes</a:t>
+              <a:t>klasse D versterker met spanningssturing</a:t>
             </a:r>
             <a:endParaRPr sz="3200" b="1" i="0">
               <a:latin typeface="Arial"/>
@@ -7886,6 +6888,30 @@
           </a:p>
         </p:txBody>
       </p:sp>
+      <p:pic>
+        <p:nvPicPr>
+          <p:cNvPr id="3" name="Picture 2" descr="image.png"/>
+          <p:cNvPicPr>
+            <a:picLocks noChangeAspect="1"/>
+          </p:cNvPicPr>
+          <p:nvPr/>
+        </p:nvPicPr>
+        <p:blipFill>
+          <a:blip r:embed="rId2"/>
+          <a:stretch>
+            <a:fillRect/>
+          </a:stretch>
+        </p:blipFill>
+        <p:spPr>
+          <a:xfrm>
+            <a:off x="1339554" y="566928"/>
+            <a:ext cx="9512892" cy="5577840"/>
+          </a:xfrm>
+          <a:prstGeom prst="rect">
+            <a:avLst/>
+          </a:prstGeom>
+        </p:spPr>
+      </p:pic>
     </p:spTree>
   </p:cSld>
   <p:clrMapOvr>
@@ -7906,24 +6932,7 @@
       <p:grpSpPr/>
       <p:sp>
         <p:nvSpPr>
-          <p:cNvPr id="2" name="Content Placeholder 1"/>
-          <p:cNvSpPr>
-            <a:spLocks noGrp="1"/>
-          </p:cNvSpPr>
-          <p:nvPr>
-            <p:ph idx="1"/>
-          </p:nvPr>
-        </p:nvSpPr>
-        <p:spPr/>
-        <p:txBody>
-          <a:bodyPr/>
-          <a:lstStyle/>
-          <a:p/>
-        </p:txBody>
-      </p:sp>
-      <p:sp>
-        <p:nvSpPr>
-          <p:cNvPr id="3" name="Title 2"/>
+          <p:cNvPr id="2" name="Title 1"/>
           <p:cNvSpPr>
             <a:spLocks noGrp="1"/>
           </p:cNvSpPr>
@@ -7942,7 +6951,7 @@
               <a:rPr sz="3200" b="1" i="0">
                 <a:latin typeface="Arial"/>
               </a:rPr>
-              <a:t>SPICE file Klasse D circuit met diodes</a:t>
+              <a:t>keuze wikkelverhouding transformator</a:t>
             </a:r>
             <a:endParaRPr sz="3200" b="1" i="0">
               <a:latin typeface="Arial"/>
@@ -7950,6 +6959,30 @@
           </a:p>
         </p:txBody>
       </p:sp>
+      <p:pic>
+        <p:nvPicPr>
+          <p:cNvPr id="3" name="Picture 2" descr="image.png"/>
+          <p:cNvPicPr>
+            <a:picLocks noChangeAspect="1"/>
+          </p:cNvPicPr>
+          <p:nvPr/>
+        </p:nvPicPr>
+        <p:blipFill>
+          <a:blip r:embed="rId2"/>
+          <a:stretch>
+            <a:fillRect/>
+          </a:stretch>
+        </p:blipFill>
+        <p:spPr>
+          <a:xfrm>
+            <a:off x="1196288" y="566928"/>
+            <a:ext cx="9799424" cy="5577840"/>
+          </a:xfrm>
+          <a:prstGeom prst="rect">
+            <a:avLst/>
+          </a:prstGeom>
+        </p:spPr>
+      </p:pic>
     </p:spTree>
   </p:cSld>
   <p:clrMapOvr>
@@ -7970,24 +7003,7 @@
       <p:grpSpPr/>
       <p:sp>
         <p:nvSpPr>
-          <p:cNvPr id="2" name="Content Placeholder 1"/>
-          <p:cNvSpPr>
-            <a:spLocks noGrp="1"/>
-          </p:cNvSpPr>
-          <p:nvPr>
-            <p:ph idx="1"/>
-          </p:nvPr>
-        </p:nvSpPr>
-        <p:spPr/>
-        <p:txBody>
-          <a:bodyPr/>
-          <a:lstStyle/>
-          <a:p/>
-        </p:txBody>
-      </p:sp>
-      <p:sp>
-        <p:nvSpPr>
-          <p:cNvPr id="3" name="Title 2"/>
+          <p:cNvPr id="2" name="Title 1"/>
           <p:cNvSpPr>
             <a:spLocks noGrp="1"/>
           </p:cNvSpPr>
@@ -8003,17 +7019,41 @@
           <a:lstStyle/>
           <a:p>
             <a:r>
-              <a:rPr sz="3200" b="1" i="0">
+              <a:rPr sz="2700" b="1" i="0">
                 <a:latin typeface="Arial"/>
               </a:rPr>
-              <a:t>SPICE file Klasse D circuit met diodes</a:t>
-            </a:r>
-            <a:endParaRPr sz="3200" b="1" i="0">
+              <a:t>klasse D versterker met spanningssturing en beveiligingsdiodes</a:t>
+            </a:r>
+            <a:endParaRPr sz="2700" b="1" i="0">
               <a:latin typeface="Arial"/>
             </a:endParaRPr>
           </a:p>
         </p:txBody>
       </p:sp>
+      <p:pic>
+        <p:nvPicPr>
+          <p:cNvPr id="3" name="Picture 2" descr="image.png"/>
+          <p:cNvPicPr>
+            <a:picLocks noChangeAspect="1"/>
+          </p:cNvPicPr>
+          <p:nvPr/>
+        </p:nvPicPr>
+        <p:blipFill>
+          <a:blip r:embed="rId2"/>
+          <a:stretch>
+            <a:fillRect/>
+          </a:stretch>
+        </p:blipFill>
+        <p:spPr>
+          <a:xfrm>
+            <a:off x="1339554" y="566928"/>
+            <a:ext cx="9512892" cy="5577840"/>
+          </a:xfrm>
+          <a:prstGeom prst="rect">
+            <a:avLst/>
+          </a:prstGeom>
+        </p:spPr>
+      </p:pic>
     </p:spTree>
   </p:cSld>
   <p:clrMapOvr>
@@ -8034,24 +7074,7 @@
       <p:grpSpPr/>
       <p:sp>
         <p:nvSpPr>
-          <p:cNvPr id="2" name="Content Placeholder 1"/>
-          <p:cNvSpPr>
-            <a:spLocks noGrp="1"/>
-          </p:cNvSpPr>
-          <p:nvPr>
-            <p:ph idx="1"/>
-          </p:nvPr>
-        </p:nvSpPr>
-        <p:spPr/>
-        <p:txBody>
-          <a:bodyPr/>
-          <a:lstStyle/>
-          <a:p/>
-        </p:txBody>
-      </p:sp>
-      <p:sp>
-        <p:nvSpPr>
-          <p:cNvPr id="3" name="Title 2"/>
+          <p:cNvPr id="2" name="Title 1"/>
           <p:cNvSpPr>
             <a:spLocks noGrp="1"/>
           </p:cNvSpPr>
@@ -8070,7 +7093,7 @@
               <a:rPr sz="3200" b="1" i="0">
                 <a:latin typeface="Arial"/>
               </a:rPr>
-              <a:t>SPICE file Klasse D circuit met diodes</a:t>
+              <a:t>met stroomsturing</a:t>
             </a:r>
             <a:endParaRPr sz="3200" b="1" i="0">
               <a:latin typeface="Arial"/>
@@ -8078,6 +7101,30 @@
           </a:p>
         </p:txBody>
       </p:sp>
+      <p:pic>
+        <p:nvPicPr>
+          <p:cNvPr id="3" name="Picture 2" descr="image.png"/>
+          <p:cNvPicPr>
+            <a:picLocks noChangeAspect="1"/>
+          </p:cNvPicPr>
+          <p:nvPr/>
+        </p:nvPicPr>
+        <p:blipFill>
+          <a:blip r:embed="rId2"/>
+          <a:stretch>
+            <a:fillRect/>
+          </a:stretch>
+        </p:blipFill>
+        <p:spPr>
+          <a:xfrm>
+            <a:off x="3096254" y="566928"/>
+            <a:ext cx="5999491" cy="5577840"/>
+          </a:xfrm>
+          <a:prstGeom prst="rect">
+            <a:avLst/>
+          </a:prstGeom>
+        </p:spPr>
+      </p:pic>
     </p:spTree>
   </p:cSld>
   <p:clrMapOvr>
@@ -8098,24 +7145,7 @@
       <p:grpSpPr/>
       <p:sp>
         <p:nvSpPr>
-          <p:cNvPr id="2" name="Content Placeholder 1"/>
-          <p:cNvSpPr>
-            <a:spLocks noGrp="1"/>
-          </p:cNvSpPr>
-          <p:nvPr>
-            <p:ph idx="1"/>
-          </p:nvPr>
-        </p:nvSpPr>
-        <p:spPr/>
-        <p:txBody>
-          <a:bodyPr/>
-          <a:lstStyle/>
-          <a:p/>
-        </p:txBody>
-      </p:sp>
-      <p:sp>
-        <p:nvSpPr>
-          <p:cNvPr id="3" name="Title 2"/>
+          <p:cNvPr id="2" name="Title 1"/>
           <p:cNvSpPr>
             <a:spLocks noGrp="1"/>
           </p:cNvSpPr>
@@ -8134,7 +7164,7 @@
               <a:rPr sz="3200" b="1" i="0">
                 <a:latin typeface="Arial"/>
               </a:rPr>
-              <a:t>SPICE file Klasse D circuit met diodes</a:t>
+              <a:t>met stroomsturing en beveiligingsdiodes</a:t>
             </a:r>
             <a:endParaRPr sz="3200" b="1" i="0">
               <a:latin typeface="Arial"/>
@@ -8142,6 +7172,30 @@
           </a:p>
         </p:txBody>
       </p:sp>
+      <p:pic>
+        <p:nvPicPr>
+          <p:cNvPr id="3" name="Picture 2" descr="image.png"/>
+          <p:cNvPicPr>
+            <a:picLocks noChangeAspect="1"/>
+          </p:cNvPicPr>
+          <p:nvPr/>
+        </p:nvPicPr>
+        <p:blipFill>
+          <a:blip r:embed="rId2"/>
+          <a:stretch>
+            <a:fillRect/>
+          </a:stretch>
+        </p:blipFill>
+        <p:spPr>
+          <a:xfrm>
+            <a:off x="3096254" y="566928"/>
+            <a:ext cx="5999491" cy="5577840"/>
+          </a:xfrm>
+          <a:prstGeom prst="rect">
+            <a:avLst/>
+          </a:prstGeom>
+        </p:spPr>
+      </p:pic>
     </p:spTree>
   </p:cSld>
   <p:clrMapOvr>
@@ -8160,52 +7214,6 @@
         <p:nvPr/>
       </p:nvGrpSpPr>
       <p:grpSpPr/>
-      <p:sp>
-        <p:nvSpPr>
-          <p:cNvPr id="2" name="Content Placeholder 1"/>
-          <p:cNvSpPr>
-            <a:spLocks noGrp="1"/>
-          </p:cNvSpPr>
-          <p:nvPr>
-            <p:ph idx="1"/>
-          </p:nvPr>
-        </p:nvSpPr>
-        <p:spPr/>
-        <p:txBody>
-          <a:bodyPr/>
-          <a:lstStyle/>
-          <a:p/>
-        </p:txBody>
-      </p:sp>
-      <p:sp>
-        <p:nvSpPr>
-          <p:cNvPr id="3" name="Title 2"/>
-          <p:cNvSpPr>
-            <a:spLocks noGrp="1"/>
-          </p:cNvSpPr>
-          <p:nvPr>
-            <p:ph type="title"/>
-          </p:nvPr>
-        </p:nvSpPr>
-        <p:spPr/>
-        <p:txBody>
-          <a:bodyPr wrap="square">
-            <a:noAutofit/>
-          </a:bodyPr>
-          <a:lstStyle/>
-          <a:p>
-            <a:r>
-              <a:rPr sz="3200" b="1" i="0">
-                <a:latin typeface="Arial"/>
-              </a:rPr>
-              <a:t>SPICE file Klasse D circuit met diodes</a:t>
-            </a:r>
-            <a:endParaRPr sz="3200" b="1" i="0">
-              <a:latin typeface="Arial"/>
-            </a:endParaRPr>
-          </a:p>
-        </p:txBody>
-      </p:sp>
     </p:spTree>
   </p:cSld>
   <p:clrMapOvr>
@@ -8224,1775 +7232,6 @@
         <p:nvPr/>
       </p:nvGrpSpPr>
       <p:grpSpPr/>
-      <p:sp>
-        <p:nvSpPr>
-          <p:cNvPr id="2" name="Content Placeholder 1"/>
-          <p:cNvSpPr>
-            <a:spLocks noGrp="1"/>
-          </p:cNvSpPr>
-          <p:nvPr>
-            <p:ph idx="1"/>
-          </p:nvPr>
-        </p:nvSpPr>
-        <p:spPr/>
-        <p:txBody>
-          <a:bodyPr/>
-          <a:lstStyle/>
-          <a:p>
-            <a:r>
-              <a:rPr sz="1400">
-                <a:solidFill>
-                  <a:srgbClr val="000000"/>
-                </a:solidFill>
-                <a:latin typeface="Courier New"/>
-              </a:rPr>
-              <a:t/>
-            </a:r>
-            <a:r>
-              <a:rPr sz="1400">
-                <a:solidFill>
-                  <a:srgbClr val="000000"/>
-                </a:solidFill>
-                <a:latin typeface="Courier New"/>
-              </a:rPr>
-              <a:t>*</a:t>
-            </a:r>
-            <a:r>
-              <a:rPr sz="1400">
-                <a:solidFill>
-                  <a:srgbClr val="000000"/>
-                </a:solidFill>
-                <a:latin typeface="Courier New"/>
-              </a:rPr>
-              <a:t> </a:t>
-            </a:r>
-            <a:r>
-              <a:rPr sz="1400">
-                <a:solidFill>
-                  <a:srgbClr val="000000"/>
-                </a:solidFill>
-                <a:latin typeface="Courier New"/>
-              </a:rPr>
-              <a:t>Class</a:t>
-            </a:r>
-            <a:r>
-              <a:rPr sz="1400">
-                <a:solidFill>
-                  <a:srgbClr val="000000"/>
-                </a:solidFill>
-                <a:latin typeface="Courier New"/>
-              </a:rPr>
-              <a:t> </a:t>
-            </a:r>
-            <a:r>
-              <a:rPr sz="1400">
-                <a:solidFill>
-                  <a:srgbClr val="000000"/>
-                </a:solidFill>
-                <a:latin typeface="Courier New"/>
-              </a:rPr>
-              <a:t>D</a:t>
-            </a:r>
-            <a:r>
-              <a:rPr sz="1400">
-                <a:solidFill>
-                  <a:srgbClr val="000000"/>
-                </a:solidFill>
-                <a:latin typeface="Courier New"/>
-              </a:rPr>
-              <a:t> </a:t>
-            </a:r>
-            <a:r>
-              <a:rPr sz="1400">
-                <a:solidFill>
-                  <a:srgbClr val="000000"/>
-                </a:solidFill>
-                <a:latin typeface="Courier New"/>
-              </a:rPr>
-              <a:t>amp</a:t>
-            </a:r>
-            <a:r>
-              <a:rPr sz="1400">
-                <a:solidFill>
-                  <a:srgbClr val="000000"/>
-                </a:solidFill>
-                <a:latin typeface="Courier New"/>
-              </a:rPr>
-              <a:t> </a:t>
-            </a:r>
-            <a:r>
-              <a:rPr sz="1400">
-                <a:solidFill>
-                  <a:srgbClr val="000000"/>
-                </a:solidFill>
-                <a:latin typeface="Courier New"/>
-              </a:rPr>
-              <a:t>1</a:t>
-            </a:r>
-            <a:r>
-              <a:rPr sz="1400">
-                <a:solidFill>
-                  <a:srgbClr val="000000"/>
-                </a:solidFill>
-                <a:latin typeface="Courier New"/>
-              </a:rPr>
-              <a:t/>
-            </a:r>
-            <a:r>
-              <a:rPr sz="1400">
-                <a:solidFill>
-                  <a:srgbClr val="000000"/>
-                </a:solidFill>
-                <a:latin typeface="Courier New"/>
-              </a:rPr>
-              <a:t>Q_Q1</a:t>
-            </a:r>
-            <a:r>
-              <a:rPr sz="1400">
-                <a:solidFill>
-                  <a:srgbClr val="000000"/>
-                </a:solidFill>
-                <a:latin typeface="Courier New"/>
-              </a:rPr>
-              <a:t>         </a:t>
-            </a:r>
-            <a:r>
-              <a:rPr sz="1400">
-                <a:solidFill>
-                  <a:srgbClr val="000000"/>
-                </a:solidFill>
-                <a:latin typeface="Courier New"/>
-              </a:rPr>
-              <a:t>3</a:t>
-            </a:r>
-            <a:r>
-              <a:rPr sz="1400">
-                <a:solidFill>
-                  <a:srgbClr val="000000"/>
-                </a:solidFill>
-                <a:latin typeface="Courier New"/>
-              </a:rPr>
-              <a:t> </a:t>
-            </a:r>
-            <a:r>
-              <a:rPr sz="1400">
-                <a:solidFill>
-                  <a:srgbClr val="000000"/>
-                </a:solidFill>
-                <a:latin typeface="Courier New"/>
-              </a:rPr>
-              <a:t>1</a:t>
-            </a:r>
-            <a:r>
-              <a:rPr sz="1400">
-                <a:solidFill>
-                  <a:srgbClr val="000000"/>
-                </a:solidFill>
-                <a:latin typeface="Courier New"/>
-              </a:rPr>
-              <a:t> </a:t>
-            </a:r>
-            <a:r>
-              <a:rPr sz="1400">
-                <a:solidFill>
-                  <a:srgbClr val="000000"/>
-                </a:solidFill>
-                <a:latin typeface="Courier New"/>
-              </a:rPr>
-              <a:t>2</a:t>
-            </a:r>
-            <a:r>
-              <a:rPr sz="1400">
-                <a:solidFill>
-                  <a:srgbClr val="000000"/>
-                </a:solidFill>
-                <a:latin typeface="Courier New"/>
-              </a:rPr>
-              <a:t> </a:t>
-            </a:r>
-            <a:r>
-              <a:rPr sz="1400">
-                <a:solidFill>
-                  <a:srgbClr val="000000"/>
-                </a:solidFill>
-                <a:latin typeface="Courier New"/>
-              </a:rPr>
-              <a:t>Q2</a:t>
-            </a:r>
-            <a:r>
-              <a:rPr sz="1400">
-                <a:solidFill>
-                  <a:srgbClr val="000000"/>
-                </a:solidFill>
-                <a:latin typeface="Courier New"/>
-              </a:rPr>
-              <a:t/>
-            </a:r>
-            <a:r>
-              <a:rPr sz="1400">
-                <a:solidFill>
-                  <a:srgbClr val="000000"/>
-                </a:solidFill>
-                <a:latin typeface="Courier New"/>
-              </a:rPr>
-              <a:t>Q_Qp</a:t>
-            </a:r>
-            <a:r>
-              <a:rPr sz="1400">
-                <a:solidFill>
-                  <a:srgbClr val="000000"/>
-                </a:solidFill>
-                <a:latin typeface="Courier New"/>
-              </a:rPr>
-              <a:t>         </a:t>
-            </a:r>
-            <a:r>
-              <a:rPr sz="1400">
-                <a:solidFill>
-                  <a:srgbClr val="000000"/>
-                </a:solidFill>
-                <a:latin typeface="Courier New"/>
-              </a:rPr>
-              <a:t>0</a:t>
-            </a:r>
-            <a:r>
-              <a:rPr sz="1400">
-                <a:solidFill>
-                  <a:srgbClr val="000000"/>
-                </a:solidFill>
-                <a:latin typeface="Courier New"/>
-              </a:rPr>
-              <a:t> </a:t>
-            </a:r>
-            <a:r>
-              <a:rPr sz="1400">
-                <a:solidFill>
-                  <a:srgbClr val="000000"/>
-                </a:solidFill>
-                <a:latin typeface="Courier New"/>
-              </a:rPr>
-              <a:t>1</a:t>
-            </a:r>
-            <a:r>
-              <a:rPr sz="1400">
-                <a:solidFill>
-                  <a:srgbClr val="000000"/>
-                </a:solidFill>
-                <a:latin typeface="Courier New"/>
-              </a:rPr>
-              <a:t> </a:t>
-            </a:r>
-            <a:r>
-              <a:rPr sz="1400">
-                <a:solidFill>
-                  <a:srgbClr val="000000"/>
-                </a:solidFill>
-                <a:latin typeface="Courier New"/>
-              </a:rPr>
-              <a:t>2</a:t>
-            </a:r>
-            <a:r>
-              <a:rPr sz="1400">
-                <a:solidFill>
-                  <a:srgbClr val="000000"/>
-                </a:solidFill>
-                <a:latin typeface="Courier New"/>
-              </a:rPr>
-              <a:t> </a:t>
-            </a:r>
-            <a:r>
-              <a:rPr sz="1400">
-                <a:solidFill>
-                  <a:srgbClr val="000000"/>
-                </a:solidFill>
-                <a:latin typeface="Courier New"/>
-              </a:rPr>
-              <a:t>Qp</a:t>
-            </a:r>
-            <a:r>
-              <a:rPr sz="1400">
-                <a:solidFill>
-                  <a:srgbClr val="000000"/>
-                </a:solidFill>
-                <a:latin typeface="Courier New"/>
-              </a:rPr>
-              <a:t/>
-            </a:r>
-            <a:r>
-              <a:rPr sz="1400">
-                <a:solidFill>
-                  <a:srgbClr val="000000"/>
-                </a:solidFill>
-                <a:latin typeface="Courier New"/>
-              </a:rPr>
-              <a:t>D_D1</a:t>
-            </a:r>
-            <a:r>
-              <a:rPr sz="1400">
-                <a:solidFill>
-                  <a:srgbClr val="000000"/>
-                </a:solidFill>
-                <a:latin typeface="Courier New"/>
-              </a:rPr>
-              <a:t>         </a:t>
-            </a:r>
-            <a:r>
-              <a:rPr sz="1400">
-                <a:solidFill>
-                  <a:srgbClr val="000000"/>
-                </a:solidFill>
-                <a:latin typeface="Courier New"/>
-              </a:rPr>
-              <a:t>2</a:t>
-            </a:r>
-            <a:r>
-              <a:rPr sz="1400">
-                <a:solidFill>
-                  <a:srgbClr val="000000"/>
-                </a:solidFill>
-                <a:latin typeface="Courier New"/>
-              </a:rPr>
-              <a:t> </a:t>
-            </a:r>
-            <a:r>
-              <a:rPr sz="1400">
-                <a:solidFill>
-                  <a:srgbClr val="000000"/>
-                </a:solidFill>
-                <a:latin typeface="Courier New"/>
-              </a:rPr>
-              <a:t>3</a:t>
-            </a:r>
-            <a:r>
-              <a:rPr sz="1400">
-                <a:solidFill>
-                  <a:srgbClr val="000000"/>
-                </a:solidFill>
-                <a:latin typeface="Courier New"/>
-              </a:rPr>
-              <a:t> </a:t>
-            </a:r>
-            <a:r>
-              <a:rPr sz="1400">
-                <a:solidFill>
-                  <a:srgbClr val="000000"/>
-                </a:solidFill>
-                <a:latin typeface="Courier New"/>
-              </a:rPr>
-              <a:t>DD</a:t>
-            </a:r>
-            <a:r>
-              <a:rPr sz="1400">
-                <a:solidFill>
-                  <a:srgbClr val="000000"/>
-                </a:solidFill>
-                <a:latin typeface="Courier New"/>
-              </a:rPr>
-              <a:t/>
-            </a:r>
-          </a:p>
-        </p:txBody>
-      </p:sp>
-      <p:sp>
-        <p:nvSpPr>
-          <p:cNvPr id="3" name="Title 2"/>
-          <p:cNvSpPr>
-            <a:spLocks noGrp="1"/>
-          </p:cNvSpPr>
-          <p:nvPr>
-            <p:ph type="title"/>
-          </p:nvPr>
-        </p:nvSpPr>
-        <p:spPr/>
-        <p:txBody>
-          <a:bodyPr wrap="square">
-            <a:noAutofit/>
-          </a:bodyPr>
-          <a:lstStyle/>
-          <a:p>
-            <a:r>
-              <a:rPr sz="3200" b="1" i="0">
-                <a:latin typeface="Arial"/>
-              </a:rPr>
-              <a:t>SPICE file Klasse D circuit met diodes</a:t>
-            </a:r>
-            <a:endParaRPr sz="3200" b="1" i="0">
-              <a:latin typeface="Arial"/>
-            </a:endParaRPr>
-          </a:p>
-        </p:txBody>
-      </p:sp>
-    </p:spTree>
-  </p:cSld>
-  <p:clrMapOvr>
-    <a:masterClrMapping/>
-  </p:clrMapOvr>
-</p:sld>
-</file>
-
-<file path=ppt/slides/slide28.xml><?xml version="1.0" encoding="utf-8"?>
-<p:sld xmlns:a="http://schemas.openxmlformats.org/drawingml/2006/main" xmlns:p="http://schemas.openxmlformats.org/presentationml/2006/main" xmlns:r="http://schemas.openxmlformats.org/officeDocument/2006/relationships">
-  <p:cSld>
-    <p:spTree>
-      <p:nvGrpSpPr>
-        <p:cNvPr id="1" name=""/>
-        <p:cNvGrpSpPr/>
-        <p:nvPr/>
-      </p:nvGrpSpPr>
-      <p:grpSpPr/>
-      <p:sp>
-        <p:nvSpPr>
-          <p:cNvPr id="2" name="Content Placeholder 1"/>
-          <p:cNvSpPr>
-            <a:spLocks noGrp="1"/>
-          </p:cNvSpPr>
-          <p:nvPr>
-            <p:ph idx="1"/>
-          </p:nvPr>
-        </p:nvSpPr>
-        <p:spPr/>
-        <p:txBody>
-          <a:bodyPr/>
-          <a:lstStyle/>
-          <a:p>
-            <a:r>
-              <a:rPr sz="1400">
-                <a:solidFill>
-                  <a:srgbClr val="000000"/>
-                </a:solidFill>
-                <a:latin typeface="Courier New"/>
-              </a:rPr>
-              <a:t>D_D2</a:t>
-            </a:r>
-            <a:r>
-              <a:rPr sz="1400">
-                <a:solidFill>
-                  <a:srgbClr val="000000"/>
-                </a:solidFill>
-                <a:latin typeface="Courier New"/>
-              </a:rPr>
-              <a:t> </a:t>
-            </a:r>
-            <a:r>
-              <a:rPr sz="1400">
-                <a:solidFill>
-                  <a:srgbClr val="000000"/>
-                </a:solidFill>
-                <a:latin typeface="Courier New"/>
-              </a:rPr>
-              <a:t>0</a:t>
-            </a:r>
-            <a:r>
-              <a:rPr sz="1400">
-                <a:solidFill>
-                  <a:srgbClr val="000000"/>
-                </a:solidFill>
-                <a:latin typeface="Courier New"/>
-              </a:rPr>
-              <a:t> </a:t>
-            </a:r>
-            <a:r>
-              <a:rPr sz="1400">
-                <a:solidFill>
-                  <a:srgbClr val="000000"/>
-                </a:solidFill>
-                <a:latin typeface="Courier New"/>
-              </a:rPr>
-              <a:t>2</a:t>
-            </a:r>
-            <a:r>
-              <a:rPr sz="1400">
-                <a:solidFill>
-                  <a:srgbClr val="000000"/>
-                </a:solidFill>
-                <a:latin typeface="Courier New"/>
-              </a:rPr>
-              <a:t> </a:t>
-            </a:r>
-            <a:r>
-              <a:rPr sz="1400">
-                <a:solidFill>
-                  <a:srgbClr val="000000"/>
-                </a:solidFill>
-                <a:latin typeface="Courier New"/>
-              </a:rPr>
-              <a:t>DD</a:t>
-            </a:r>
-            <a:r>
-              <a:rPr sz="1400">
-                <a:solidFill>
-                  <a:srgbClr val="000000"/>
-                </a:solidFill>
-                <a:latin typeface="Courier New"/>
-              </a:rPr>
-              <a:t/>
-            </a:r>
-            <a:r>
-              <a:rPr sz="1400">
-                <a:solidFill>
-                  <a:srgbClr val="000000"/>
-                </a:solidFill>
-                <a:latin typeface="Courier New"/>
-              </a:rPr>
-              <a:t>L_L1</a:t>
-            </a:r>
-            <a:r>
-              <a:rPr sz="1400">
-                <a:solidFill>
-                  <a:srgbClr val="000000"/>
-                </a:solidFill>
-                <a:latin typeface="Courier New"/>
-              </a:rPr>
-              <a:t> </a:t>
-            </a:r>
-            <a:r>
-              <a:rPr sz="1400">
-                <a:solidFill>
-                  <a:srgbClr val="000000"/>
-                </a:solidFill>
-                <a:latin typeface="Courier New"/>
-              </a:rPr>
-              <a:t>5</a:t>
-            </a:r>
-            <a:r>
-              <a:rPr sz="1400">
-                <a:solidFill>
-                  <a:srgbClr val="000000"/>
-                </a:solidFill>
-                <a:latin typeface="Courier New"/>
-              </a:rPr>
-              <a:t> </a:t>
-            </a:r>
-            <a:r>
-              <a:rPr sz="1400">
-                <a:solidFill>
-                  <a:srgbClr val="000000"/>
-                </a:solidFill>
-                <a:latin typeface="Courier New"/>
-              </a:rPr>
-              <a:t>2</a:t>
-            </a:r>
-            <a:r>
-              <a:rPr sz="1400">
-                <a:solidFill>
-                  <a:srgbClr val="000000"/>
-                </a:solidFill>
-                <a:latin typeface="Courier New"/>
-              </a:rPr>
-              <a:t> </a:t>
-            </a:r>
-            <a:r>
-              <a:rPr sz="1400">
-                <a:solidFill>
-                  <a:srgbClr val="000000"/>
-                </a:solidFill>
-                <a:latin typeface="Courier New"/>
-              </a:rPr>
-              <a:t>1</a:t>
-            </a:r>
-            <a:r>
-              <a:rPr sz="1400">
-                <a:solidFill>
-                  <a:srgbClr val="000000"/>
-                </a:solidFill>
-                <a:latin typeface="Courier New"/>
-              </a:rPr>
-              <a:t>uH</a:t>
-            </a:r>
-            <a:r>
-              <a:rPr sz="1400">
-                <a:solidFill>
-                  <a:srgbClr val="000000"/>
-                </a:solidFill>
-                <a:latin typeface="Courier New"/>
-              </a:rPr>
-              <a:t/>
-            </a:r>
-            <a:r>
-              <a:rPr sz="1400">
-                <a:solidFill>
-                  <a:srgbClr val="000000"/>
-                </a:solidFill>
-                <a:latin typeface="Courier New"/>
-              </a:rPr>
-              <a:t>C_C1</a:t>
-            </a:r>
-            <a:r>
-              <a:rPr sz="1400">
-                <a:solidFill>
-                  <a:srgbClr val="000000"/>
-                </a:solidFill>
-                <a:latin typeface="Courier New"/>
-              </a:rPr>
-              <a:t> </a:t>
-            </a:r>
-            <a:r>
-              <a:rPr sz="1400">
-                <a:solidFill>
-                  <a:srgbClr val="000000"/>
-                </a:solidFill>
-                <a:latin typeface="Courier New"/>
-              </a:rPr>
-              <a:t>5</a:t>
-            </a:r>
-            <a:r>
-              <a:rPr sz="1400">
-                <a:solidFill>
-                  <a:srgbClr val="000000"/>
-                </a:solidFill>
-                <a:latin typeface="Courier New"/>
-              </a:rPr>
-              <a:t> </a:t>
-            </a:r>
-            <a:r>
-              <a:rPr sz="1400">
-                <a:solidFill>
-                  <a:srgbClr val="000000"/>
-                </a:solidFill>
-                <a:latin typeface="Courier New"/>
-              </a:rPr>
-              <a:t>6</a:t>
-            </a:r>
-            <a:r>
-              <a:rPr sz="1400">
-                <a:solidFill>
-                  <a:srgbClr val="000000"/>
-                </a:solidFill>
-                <a:latin typeface="Courier New"/>
-              </a:rPr>
-              <a:t> </a:t>
-            </a:r>
-            <a:r>
-              <a:rPr sz="1400">
-                <a:solidFill>
-                  <a:srgbClr val="000000"/>
-                </a:solidFill>
-                <a:latin typeface="Courier New"/>
-              </a:rPr>
-              <a:t>10</a:t>
-            </a:r>
-            <a:r>
-              <a:rPr sz="1400">
-                <a:solidFill>
-                  <a:srgbClr val="000000"/>
-                </a:solidFill>
-                <a:latin typeface="Courier New"/>
-              </a:rPr>
-              <a:t>n</a:t>
-            </a:r>
-            <a:r>
-              <a:rPr sz="1400">
-                <a:solidFill>
-                  <a:srgbClr val="000000"/>
-                </a:solidFill>
-                <a:latin typeface="Courier New"/>
-              </a:rPr>
-              <a:t/>
-            </a:r>
-            <a:r>
-              <a:rPr sz="1400">
-                <a:solidFill>
-                  <a:srgbClr val="000000"/>
-                </a:solidFill>
-                <a:latin typeface="Courier New"/>
-              </a:rPr>
-              <a:t>R_RL</a:t>
-            </a:r>
-            <a:r>
-              <a:rPr sz="1400">
-                <a:solidFill>
-                  <a:srgbClr val="000000"/>
-                </a:solidFill>
-                <a:latin typeface="Courier New"/>
-              </a:rPr>
-              <a:t> </a:t>
-            </a:r>
-            <a:r>
-              <a:rPr sz="1400">
-                <a:solidFill>
-                  <a:srgbClr val="000000"/>
-                </a:solidFill>
-                <a:latin typeface="Courier New"/>
-              </a:rPr>
-              <a:t>6</a:t>
-            </a:r>
-            <a:r>
-              <a:rPr sz="1400">
-                <a:solidFill>
-                  <a:srgbClr val="000000"/>
-                </a:solidFill>
-                <a:latin typeface="Courier New"/>
-              </a:rPr>
-              <a:t> </a:t>
-            </a:r>
-            <a:r>
-              <a:rPr sz="1400">
-                <a:solidFill>
-                  <a:srgbClr val="000000"/>
-                </a:solidFill>
-                <a:latin typeface="Courier New"/>
-              </a:rPr>
-              <a:t>0</a:t>
-            </a:r>
-            <a:r>
-              <a:rPr sz="1400">
-                <a:solidFill>
-                  <a:srgbClr val="000000"/>
-                </a:solidFill>
-                <a:latin typeface="Courier New"/>
-              </a:rPr>
-              <a:t> </a:t>
-            </a:r>
-            <a:r>
-              <a:rPr sz="1400">
-                <a:solidFill>
-                  <a:srgbClr val="000000"/>
-                </a:solidFill>
-                <a:latin typeface="Courier New"/>
-              </a:rPr>
-              <a:t>6</a:t>
-            </a:r>
-            <a:r>
-              <a:rPr sz="1400">
-                <a:solidFill>
-                  <a:srgbClr val="000000"/>
-                </a:solidFill>
-                <a:latin typeface="Courier New"/>
-              </a:rPr>
-              <a:t/>
-            </a:r>
-            <a:r>
-              <a:rPr sz="1400">
-                <a:solidFill>
-                  <a:srgbClr val="000000"/>
-                </a:solidFill>
-                <a:latin typeface="Courier New"/>
-              </a:rPr>
-              <a:t>V_Vdd</a:t>
-            </a:r>
-            <a:r>
-              <a:rPr sz="1400">
-                <a:solidFill>
-                  <a:srgbClr val="000000"/>
-                </a:solidFill>
-                <a:latin typeface="Courier New"/>
-              </a:rPr>
-              <a:t> </a:t>
-            </a:r>
-            <a:r>
-              <a:rPr sz="1400">
-                <a:solidFill>
-                  <a:srgbClr val="000000"/>
-                </a:solidFill>
-                <a:latin typeface="Courier New"/>
-              </a:rPr>
-              <a:t>3</a:t>
-            </a:r>
-            <a:r>
-              <a:rPr sz="1400">
-                <a:solidFill>
-                  <a:srgbClr val="000000"/>
-                </a:solidFill>
-                <a:latin typeface="Courier New"/>
-              </a:rPr>
-              <a:t> </a:t>
-            </a:r>
-            <a:r>
-              <a:rPr sz="1400">
-                <a:solidFill>
-                  <a:srgbClr val="000000"/>
-                </a:solidFill>
-                <a:latin typeface="Courier New"/>
-              </a:rPr>
-              <a:t>0</a:t>
-            </a:r>
-            <a:r>
-              <a:rPr sz="1400">
-                <a:solidFill>
-                  <a:srgbClr val="000000"/>
-                </a:solidFill>
-                <a:latin typeface="Courier New"/>
-              </a:rPr>
-              <a:t> </a:t>
-            </a:r>
-            <a:r>
-              <a:rPr sz="1400">
-                <a:solidFill>
-                  <a:srgbClr val="000000"/>
-                </a:solidFill>
-                <a:latin typeface="Courier New"/>
-              </a:rPr>
-              <a:t>20</a:t>
-            </a:r>
-            <a:r>
-              <a:rPr sz="1400">
-                <a:solidFill>
-                  <a:srgbClr val="000000"/>
-                </a:solidFill>
-                <a:latin typeface="Courier New"/>
-              </a:rPr>
-              <a:t>V</a:t>
-            </a:r>
-            <a:r>
-              <a:rPr sz="1400">
-                <a:solidFill>
-                  <a:srgbClr val="000000"/>
-                </a:solidFill>
-                <a:latin typeface="Courier New"/>
-              </a:rPr>
-              <a:t/>
-            </a:r>
-            <a:r>
-              <a:rPr sz="1400">
-                <a:solidFill>
-                  <a:srgbClr val="000000"/>
-                </a:solidFill>
-                <a:latin typeface="Courier New"/>
-              </a:rPr>
-              <a:t>R_Rin</a:t>
-            </a:r>
-            <a:r>
-              <a:rPr sz="1400">
-                <a:solidFill>
-                  <a:srgbClr val="000000"/>
-                </a:solidFill>
-                <a:latin typeface="Courier New"/>
-              </a:rPr>
-              <a:t> </a:t>
-            </a:r>
-            <a:r>
-              <a:rPr sz="1400">
-                <a:solidFill>
-                  <a:srgbClr val="000000"/>
-                </a:solidFill>
-                <a:latin typeface="Courier New"/>
-              </a:rPr>
-              <a:t>4</a:t>
-            </a:r>
-            <a:r>
-              <a:rPr sz="1400">
-                <a:solidFill>
-                  <a:srgbClr val="000000"/>
-                </a:solidFill>
-                <a:latin typeface="Courier New"/>
-              </a:rPr>
-              <a:t> </a:t>
-            </a:r>
-            <a:r>
-              <a:rPr sz="1400">
-                <a:solidFill>
-                  <a:srgbClr val="000000"/>
-                </a:solidFill>
-                <a:latin typeface="Courier New"/>
-              </a:rPr>
-              <a:t>1</a:t>
-            </a:r>
-            <a:r>
-              <a:rPr sz="1400">
-                <a:solidFill>
-                  <a:srgbClr val="000000"/>
-                </a:solidFill>
-                <a:latin typeface="Courier New"/>
-              </a:rPr>
-              <a:t> </a:t>
-            </a:r>
-            <a:r>
-              <a:rPr sz="1400">
-                <a:solidFill>
-                  <a:srgbClr val="000000"/>
-                </a:solidFill>
-                <a:latin typeface="Courier New"/>
-              </a:rPr>
-              <a:t>1</a:t>
-            </a:r>
-            <a:r>
-              <a:rPr sz="1400">
-                <a:solidFill>
-                  <a:srgbClr val="000000"/>
-                </a:solidFill>
-                <a:latin typeface="Courier New"/>
-              </a:rPr>
-              <a:t/>
-            </a:r>
-            <a:r>
-              <a:rPr sz="1400">
-                <a:solidFill>
-                  <a:srgbClr val="000000"/>
-                </a:solidFill>
-                <a:latin typeface="Courier New"/>
-              </a:rPr>
-              <a:t>V_Vin</a:t>
-            </a:r>
-            <a:r>
-              <a:rPr sz="1400">
-                <a:solidFill>
-                  <a:srgbClr val="000000"/>
-                </a:solidFill>
-                <a:latin typeface="Courier New"/>
-              </a:rPr>
-              <a:t> </a:t>
-            </a:r>
-            <a:r>
-              <a:rPr sz="1400">
-                <a:solidFill>
-                  <a:srgbClr val="000000"/>
-                </a:solidFill>
-                <a:latin typeface="Courier New"/>
-              </a:rPr>
-              <a:t>4</a:t>
-            </a:r>
-            <a:r>
-              <a:rPr sz="1400">
-                <a:solidFill>
-                  <a:srgbClr val="000000"/>
-                </a:solidFill>
-                <a:latin typeface="Courier New"/>
-              </a:rPr>
-              <a:t> </a:t>
-            </a:r>
-            <a:r>
-              <a:rPr sz="1400">
-                <a:solidFill>
-                  <a:srgbClr val="000000"/>
-                </a:solidFill>
-                <a:latin typeface="Courier New"/>
-              </a:rPr>
-              <a:t>0</a:t>
-            </a:r>
-            <a:r>
-              <a:rPr sz="1400">
-                <a:solidFill>
-                  <a:srgbClr val="000000"/>
-                </a:solidFill>
-                <a:latin typeface="Courier New"/>
-              </a:rPr>
-              <a:t> </a:t>
-            </a:r>
-            <a:r>
-              <a:rPr sz="1400">
-                <a:solidFill>
-                  <a:srgbClr val="000000"/>
-                </a:solidFill>
-                <a:latin typeface="Courier New"/>
-              </a:rPr>
-              <a:t>PULSE</a:t>
-            </a:r>
-            <a:r>
-              <a:rPr sz="1400">
-                <a:solidFill>
-                  <a:srgbClr val="000000"/>
-                </a:solidFill>
-                <a:latin typeface="Courier New"/>
-              </a:rPr>
-              <a:t>(</a:t>
-            </a:r>
-            <a:r>
-              <a:rPr sz="1400">
-                <a:solidFill>
-                  <a:srgbClr val="000000"/>
-                </a:solidFill>
-                <a:latin typeface="Courier New"/>
-              </a:rPr>
-              <a:t>0</a:t>
-            </a:r>
-            <a:r>
-              <a:rPr sz="1400">
-                <a:solidFill>
-                  <a:srgbClr val="000000"/>
-                </a:solidFill>
-                <a:latin typeface="Courier New"/>
-              </a:rPr>
-              <a:t> </a:t>
-            </a:r>
-            <a:r>
-              <a:rPr sz="1400">
-                <a:solidFill>
-                  <a:srgbClr val="000000"/>
-                </a:solidFill>
-                <a:latin typeface="Courier New"/>
-              </a:rPr>
-              <a:t>20</a:t>
-            </a:r>
-            <a:r>
-              <a:rPr sz="1400">
-                <a:solidFill>
-                  <a:srgbClr val="000000"/>
-                </a:solidFill>
-                <a:latin typeface="Courier New"/>
-              </a:rPr>
-              <a:t> </a:t>
-            </a:r>
-            <a:r>
-              <a:rPr sz="1400">
-                <a:solidFill>
-                  <a:srgbClr val="000000"/>
-                </a:solidFill>
-                <a:latin typeface="Courier New"/>
-              </a:rPr>
-              <a:t>0</a:t>
-            </a:r>
-            <a:r>
-              <a:rPr sz="1400">
-                <a:solidFill>
-                  <a:srgbClr val="000000"/>
-                </a:solidFill>
-                <a:latin typeface="Courier New"/>
-              </a:rPr>
-              <a:t> </a:t>
-            </a:r>
-            <a:r>
-              <a:rPr sz="1400">
-                <a:solidFill>
-                  <a:srgbClr val="000000"/>
-                </a:solidFill>
-                <a:latin typeface="Courier New"/>
-              </a:rPr>
-              <a:t>20</a:t>
-            </a:r>
-            <a:r>
-              <a:rPr sz="1400">
-                <a:solidFill>
-                  <a:srgbClr val="000000"/>
-                </a:solidFill>
-                <a:latin typeface="Courier New"/>
-              </a:rPr>
-              <a:t>ns</a:t>
-            </a:r>
-            <a:r>
-              <a:rPr sz="1400">
-                <a:solidFill>
-                  <a:srgbClr val="000000"/>
-                </a:solidFill>
-                <a:latin typeface="Courier New"/>
-              </a:rPr>
-              <a:t> </a:t>
-            </a:r>
-            <a:r>
-              <a:rPr sz="1400">
-                <a:solidFill>
-                  <a:srgbClr val="000000"/>
-                </a:solidFill>
-                <a:latin typeface="Courier New"/>
-              </a:rPr>
-              <a:t>20</a:t>
-            </a:r>
-            <a:r>
-              <a:rPr sz="1400">
-                <a:solidFill>
-                  <a:srgbClr val="000000"/>
-                </a:solidFill>
-                <a:latin typeface="Courier New"/>
-              </a:rPr>
-              <a:t>ns</a:t>
-            </a:r>
-            <a:r>
-              <a:rPr sz="1400">
-                <a:solidFill>
-                  <a:srgbClr val="000000"/>
-                </a:solidFill>
-                <a:latin typeface="Courier New"/>
-              </a:rPr>
-              <a:t> </a:t>
-            </a:r>
-            <a:r>
-              <a:rPr sz="1400">
-                <a:solidFill>
-                  <a:srgbClr val="000000"/>
-                </a:solidFill>
-                <a:latin typeface="Courier New"/>
-              </a:rPr>
-              <a:t>280</a:t>
-            </a:r>
-            <a:r>
-              <a:rPr sz="1400">
-                <a:solidFill>
-                  <a:srgbClr val="000000"/>
-                </a:solidFill>
-                <a:latin typeface="Courier New"/>
-              </a:rPr>
-              <a:t>ns</a:t>
-            </a:r>
-            <a:r>
-              <a:rPr sz="1400">
-                <a:solidFill>
-                  <a:srgbClr val="000000"/>
-                </a:solidFill>
-                <a:latin typeface="Courier New"/>
-              </a:rPr>
-              <a:t> </a:t>
-            </a:r>
-            <a:r>
-              <a:rPr sz="1400">
-                <a:solidFill>
-                  <a:srgbClr val="000000"/>
-                </a:solidFill>
-                <a:latin typeface="Courier New"/>
-              </a:rPr>
-              <a:t>600</a:t>
-            </a:r>
-            <a:r>
-              <a:rPr sz="1400">
-                <a:solidFill>
-                  <a:srgbClr val="000000"/>
-                </a:solidFill>
-                <a:latin typeface="Courier New"/>
-              </a:rPr>
-              <a:t>ns</a:t>
-            </a:r>
-            <a:r>
-              <a:rPr sz="1400">
-                <a:solidFill>
-                  <a:srgbClr val="000000"/>
-                </a:solidFill>
-                <a:latin typeface="Courier New"/>
-              </a:rPr>
-              <a:t>)</a:t>
-            </a:r>
-            <a:r>
-              <a:rPr sz="1400">
-                <a:solidFill>
-                  <a:srgbClr val="000000"/>
-                </a:solidFill>
-                <a:latin typeface="Courier New"/>
-              </a:rPr>
-              <a:t> </a:t>
-            </a:r>
-            <a:r>
-              <a:rPr sz="1400">
-                <a:solidFill>
-                  <a:srgbClr val="000000"/>
-                </a:solidFill>
-                <a:latin typeface="Courier New"/>
-              </a:rPr>
-              <a:t>DC</a:t>
-            </a:r>
-            <a:r>
-              <a:rPr sz="1400">
-                <a:solidFill>
-                  <a:srgbClr val="000000"/>
-                </a:solidFill>
-                <a:latin typeface="Courier New"/>
-              </a:rPr>
-              <a:t>=</a:t>
-            </a:r>
-            <a:r>
-              <a:rPr sz="1400">
-                <a:solidFill>
-                  <a:srgbClr val="000000"/>
-                </a:solidFill>
-                <a:latin typeface="Courier New"/>
-              </a:rPr>
-              <a:t>0</a:t>
-            </a:r>
-            <a:r>
-              <a:rPr sz="1400">
-                <a:solidFill>
-                  <a:srgbClr val="000000"/>
-                </a:solidFill>
-                <a:latin typeface="Courier New"/>
-              </a:rPr>
-              <a:t/>
-            </a:r>
-            <a:r>
-              <a:rPr sz="1400">
-                <a:solidFill>
-                  <a:srgbClr val="000000"/>
-                </a:solidFill>
-                <a:latin typeface="Courier New"/>
-              </a:rPr>
-              <a:t>.</a:t>
-            </a:r>
-            <a:r>
-              <a:rPr sz="1400">
-                <a:solidFill>
-                  <a:srgbClr val="000000"/>
-                </a:solidFill>
-                <a:latin typeface="Courier New"/>
-              </a:rPr>
-              <a:t>model</a:t>
-            </a:r>
-            <a:r>
-              <a:rPr sz="1400">
-                <a:solidFill>
-                  <a:srgbClr val="000000"/>
-                </a:solidFill>
-                <a:latin typeface="Courier New"/>
-              </a:rPr>
-              <a:t> </a:t>
-            </a:r>
-            <a:r>
-              <a:rPr sz="1400">
-                <a:solidFill>
-                  <a:srgbClr val="000000"/>
-                </a:solidFill>
-                <a:latin typeface="Courier New"/>
-              </a:rPr>
-              <a:t>Q2</a:t>
-            </a:r>
-            <a:r>
-              <a:rPr sz="1400">
-                <a:solidFill>
-                  <a:srgbClr val="000000"/>
-                </a:solidFill>
-                <a:latin typeface="Courier New"/>
-              </a:rPr>
-              <a:t> </a:t>
-            </a:r>
-            <a:r>
-              <a:rPr sz="1400">
-                <a:solidFill>
-                  <a:srgbClr val="000000"/>
-                </a:solidFill>
-                <a:latin typeface="Courier New"/>
-              </a:rPr>
-              <a:t>NPN</a:t>
-            </a:r>
-            <a:r>
-              <a:rPr sz="1400">
-                <a:solidFill>
-                  <a:srgbClr val="000000"/>
-                </a:solidFill>
-                <a:latin typeface="Courier New"/>
-              </a:rPr>
-              <a:t>(</a:t>
-            </a:r>
-            <a:r>
-              <a:rPr sz="1400">
-                <a:solidFill>
-                  <a:srgbClr val="000000"/>
-                </a:solidFill>
-                <a:latin typeface="Courier New"/>
-              </a:rPr>
-              <a:t>Is</a:t>
-            </a:r>
-            <a:r>
-              <a:rPr sz="1400">
-                <a:solidFill>
-                  <a:srgbClr val="000000"/>
-                </a:solidFill>
-                <a:latin typeface="Courier New"/>
-              </a:rPr>
-              <a:t>=</a:t>
-            </a:r>
-            <a:r>
-              <a:rPr sz="1400">
-                <a:solidFill>
-                  <a:srgbClr val="000000"/>
-                </a:solidFill>
-                <a:latin typeface="Courier New"/>
-              </a:rPr>
-              <a:t>14.34</a:t>
-            </a:r>
-            <a:r>
-              <a:rPr sz="1400">
-                <a:solidFill>
-                  <a:srgbClr val="000000"/>
-                </a:solidFill>
-                <a:latin typeface="Courier New"/>
-              </a:rPr>
-              <a:t>f</a:t>
-            </a:r>
-            <a:r>
-              <a:rPr sz="1400">
-                <a:solidFill>
-                  <a:srgbClr val="000000"/>
-                </a:solidFill>
-                <a:latin typeface="Courier New"/>
-              </a:rPr>
-              <a:t> </a:t>
-            </a:r>
-            <a:r>
-              <a:rPr sz="1400">
-                <a:solidFill>
-                  <a:srgbClr val="000000"/>
-                </a:solidFill>
-                <a:latin typeface="Courier New"/>
-              </a:rPr>
-              <a:t>BF</a:t>
-            </a:r>
-            <a:r>
-              <a:rPr sz="1400">
-                <a:solidFill>
-                  <a:srgbClr val="000000"/>
-                </a:solidFill>
-                <a:latin typeface="Courier New"/>
-              </a:rPr>
-              <a:t>=</a:t>
-            </a:r>
-            <a:r>
-              <a:rPr sz="1400">
-                <a:solidFill>
-                  <a:srgbClr val="000000"/>
-                </a:solidFill>
-                <a:latin typeface="Courier New"/>
-              </a:rPr>
-              <a:t>200</a:t>
-            </a:r>
-            <a:r>
-              <a:rPr sz="1400">
-                <a:solidFill>
-                  <a:srgbClr val="000000"/>
-                </a:solidFill>
-                <a:latin typeface="Courier New"/>
-              </a:rPr>
-              <a:t>)</a:t>
-            </a:r>
-            <a:r>
-              <a:rPr sz="1400">
-                <a:solidFill>
-                  <a:srgbClr val="000000"/>
-                </a:solidFill>
-                <a:latin typeface="Courier New"/>
-              </a:rPr>
-              <a:t/>
-            </a:r>
-            <a:r>
-              <a:rPr sz="1400">
-                <a:solidFill>
-                  <a:srgbClr val="000000"/>
-                </a:solidFill>
-                <a:latin typeface="Courier New"/>
-              </a:rPr>
-              <a:t>.</a:t>
-            </a:r>
-            <a:r>
-              <a:rPr sz="1400">
-                <a:solidFill>
-                  <a:srgbClr val="000000"/>
-                </a:solidFill>
-                <a:latin typeface="Courier New"/>
-              </a:rPr>
-              <a:t>model</a:t>
-            </a:r>
-            <a:r>
-              <a:rPr sz="1400">
-                <a:solidFill>
-                  <a:srgbClr val="000000"/>
-                </a:solidFill>
-                <a:latin typeface="Courier New"/>
-              </a:rPr>
-              <a:t> </a:t>
-            </a:r>
-            <a:r>
-              <a:rPr sz="1400">
-                <a:solidFill>
-                  <a:srgbClr val="000000"/>
-                </a:solidFill>
-                <a:latin typeface="Courier New"/>
-              </a:rPr>
-              <a:t>Qp</a:t>
-            </a:r>
-            <a:r>
-              <a:rPr sz="1400">
-                <a:solidFill>
-                  <a:srgbClr val="000000"/>
-                </a:solidFill>
-                <a:latin typeface="Courier New"/>
-              </a:rPr>
-              <a:t> </a:t>
-            </a:r>
-            <a:r>
-              <a:rPr sz="1400">
-                <a:solidFill>
-                  <a:srgbClr val="000000"/>
-                </a:solidFill>
-                <a:latin typeface="Courier New"/>
-              </a:rPr>
-              <a:t>PNP</a:t>
-            </a:r>
-            <a:r>
-              <a:rPr sz="1400">
-                <a:solidFill>
-                  <a:srgbClr val="000000"/>
-                </a:solidFill>
-                <a:latin typeface="Courier New"/>
-              </a:rPr>
-              <a:t>(</a:t>
-            </a:r>
-            <a:r>
-              <a:rPr sz="1400">
-                <a:solidFill>
-                  <a:srgbClr val="000000"/>
-                </a:solidFill>
-                <a:latin typeface="Courier New"/>
-              </a:rPr>
-              <a:t>Is</a:t>
-            </a:r>
-            <a:r>
-              <a:rPr sz="1400">
-                <a:solidFill>
-                  <a:srgbClr val="000000"/>
-                </a:solidFill>
-                <a:latin typeface="Courier New"/>
-              </a:rPr>
-              <a:t>=</a:t>
-            </a:r>
-            <a:r>
-              <a:rPr sz="1400">
-                <a:solidFill>
-                  <a:srgbClr val="000000"/>
-                </a:solidFill>
-                <a:latin typeface="Courier New"/>
-              </a:rPr>
-              <a:t>5.34</a:t>
-            </a:r>
-            <a:r>
-              <a:rPr sz="1400">
-                <a:solidFill>
-                  <a:srgbClr val="000000"/>
-                </a:solidFill>
-                <a:latin typeface="Courier New"/>
-              </a:rPr>
-              <a:t>f</a:t>
-            </a:r>
-            <a:r>
-              <a:rPr sz="1400">
-                <a:solidFill>
-                  <a:srgbClr val="000000"/>
-                </a:solidFill>
-                <a:latin typeface="Courier New"/>
-              </a:rPr>
-              <a:t> </a:t>
-            </a:r>
-            <a:r>
-              <a:rPr sz="1400">
-                <a:solidFill>
-                  <a:srgbClr val="000000"/>
-                </a:solidFill>
-                <a:latin typeface="Courier New"/>
-              </a:rPr>
-              <a:t>BF</a:t>
-            </a:r>
-            <a:r>
-              <a:rPr sz="1400">
-                <a:solidFill>
-                  <a:srgbClr val="000000"/>
-                </a:solidFill>
-                <a:latin typeface="Courier New"/>
-              </a:rPr>
-              <a:t>=</a:t>
-            </a:r>
-            <a:r>
-              <a:rPr sz="1400">
-                <a:solidFill>
-                  <a:srgbClr val="000000"/>
-                </a:solidFill>
-                <a:latin typeface="Courier New"/>
-              </a:rPr>
-              <a:t>100</a:t>
-            </a:r>
-            <a:r>
-              <a:rPr sz="1400">
-                <a:solidFill>
-                  <a:srgbClr val="000000"/>
-                </a:solidFill>
-                <a:latin typeface="Courier New"/>
-              </a:rPr>
-              <a:t>)</a:t>
-            </a:r>
-            <a:r>
-              <a:rPr sz="1400">
-                <a:solidFill>
-                  <a:srgbClr val="000000"/>
-                </a:solidFill>
-                <a:latin typeface="Courier New"/>
-              </a:rPr>
-              <a:t/>
-            </a:r>
-            <a:r>
-              <a:rPr sz="1400">
-                <a:solidFill>
-                  <a:srgbClr val="000000"/>
-                </a:solidFill>
-                <a:latin typeface="Courier New"/>
-              </a:rPr>
-              <a:t>.</a:t>
-            </a:r>
-            <a:r>
-              <a:rPr sz="1400">
-                <a:solidFill>
-                  <a:srgbClr val="000000"/>
-                </a:solidFill>
-                <a:latin typeface="Courier New"/>
-              </a:rPr>
-              <a:t>model</a:t>
-            </a:r>
-            <a:r>
-              <a:rPr sz="1400">
-                <a:solidFill>
-                  <a:srgbClr val="000000"/>
-                </a:solidFill>
-                <a:latin typeface="Courier New"/>
-              </a:rPr>
-              <a:t> </a:t>
-            </a:r>
-            <a:r>
-              <a:rPr sz="1400">
-                <a:solidFill>
-                  <a:srgbClr val="000000"/>
-                </a:solidFill>
-                <a:latin typeface="Courier New"/>
-              </a:rPr>
-              <a:t>DD</a:t>
-            </a:r>
-            <a:r>
-              <a:rPr sz="1400">
-                <a:solidFill>
-                  <a:srgbClr val="000000"/>
-                </a:solidFill>
-                <a:latin typeface="Courier New"/>
-              </a:rPr>
-              <a:t> </a:t>
-            </a:r>
-            <a:r>
-              <a:rPr sz="1400">
-                <a:solidFill>
-                  <a:srgbClr val="000000"/>
-                </a:solidFill>
-                <a:latin typeface="Courier New"/>
-              </a:rPr>
-              <a:t>D</a:t>
-            </a:r>
-            <a:r>
-              <a:rPr sz="1400">
-                <a:solidFill>
-                  <a:srgbClr val="000000"/>
-                </a:solidFill>
-                <a:latin typeface="Courier New"/>
-              </a:rPr>
-              <a:t>(</a:t>
-            </a:r>
-            <a:r>
-              <a:rPr sz="1400">
-                <a:solidFill>
-                  <a:srgbClr val="000000"/>
-                </a:solidFill>
-                <a:latin typeface="Courier New"/>
-              </a:rPr>
-              <a:t> </a:t>
-            </a:r>
-            <a:r>
-              <a:rPr sz="1400">
-                <a:solidFill>
-                  <a:srgbClr val="000000"/>
-                </a:solidFill>
-                <a:latin typeface="Courier New"/>
-              </a:rPr>
-              <a:t>IS</a:t>
-            </a:r>
-            <a:r>
-              <a:rPr sz="1400">
-                <a:solidFill>
-                  <a:srgbClr val="000000"/>
-                </a:solidFill>
-                <a:latin typeface="Courier New"/>
-              </a:rPr>
-              <a:t>=</a:t>
-            </a:r>
-            <a:r>
-              <a:rPr sz="1400">
-                <a:solidFill>
-                  <a:srgbClr val="000000"/>
-                </a:solidFill>
-                <a:latin typeface="Courier New"/>
-              </a:rPr>
-              <a:t>0.0002</a:t>
-            </a:r>
-            <a:r>
-              <a:rPr sz="1400">
-                <a:solidFill>
-                  <a:srgbClr val="000000"/>
-                </a:solidFill>
-                <a:latin typeface="Courier New"/>
-              </a:rPr>
-              <a:t> </a:t>
-            </a:r>
-            <a:r>
-              <a:rPr sz="1400">
-                <a:solidFill>
-                  <a:srgbClr val="000000"/>
-                </a:solidFill>
-                <a:latin typeface="Courier New"/>
-              </a:rPr>
-              <a:t>RS</a:t>
-            </a:r>
-            <a:r>
-              <a:rPr sz="1400">
-                <a:solidFill>
-                  <a:srgbClr val="000000"/>
-                </a:solidFill>
-                <a:latin typeface="Courier New"/>
-              </a:rPr>
-              <a:t>=</a:t>
-            </a:r>
-            <a:r>
-              <a:rPr sz="1400">
-                <a:solidFill>
-                  <a:srgbClr val="000000"/>
-                </a:solidFill>
-                <a:latin typeface="Courier New"/>
-              </a:rPr>
-              <a:t>0.05</a:t>
-            </a:r>
-            <a:r>
-              <a:rPr sz="1400">
-                <a:solidFill>
-                  <a:srgbClr val="000000"/>
-                </a:solidFill>
-                <a:latin typeface="Courier New"/>
-              </a:rPr>
-              <a:t> </a:t>
-            </a:r>
-            <a:r>
-              <a:rPr sz="1400">
-                <a:solidFill>
-                  <a:srgbClr val="000000"/>
-                </a:solidFill>
-                <a:latin typeface="Courier New"/>
-              </a:rPr>
-              <a:t>CJO</a:t>
-            </a:r>
-            <a:r>
-              <a:rPr sz="1400">
-                <a:solidFill>
-                  <a:srgbClr val="000000"/>
-                </a:solidFill>
-                <a:latin typeface="Courier New"/>
-              </a:rPr>
-              <a:t>=</a:t>
-            </a:r>
-            <a:r>
-              <a:rPr sz="1400">
-                <a:solidFill>
-                  <a:srgbClr val="000000"/>
-                </a:solidFill>
-                <a:latin typeface="Courier New"/>
-              </a:rPr>
-              <a:t>5e-10</a:t>
-            </a:r>
-            <a:r>
-              <a:rPr sz="1400">
-                <a:solidFill>
-                  <a:srgbClr val="000000"/>
-                </a:solidFill>
-                <a:latin typeface="Courier New"/>
-              </a:rPr>
-              <a:t> </a:t>
-            </a:r>
-            <a:r>
-              <a:rPr sz="1400">
-                <a:solidFill>
-                  <a:srgbClr val="000000"/>
-                </a:solidFill>
-                <a:latin typeface="Courier New"/>
-              </a:rPr>
-              <a:t>)</a:t>
-            </a:r>
-            <a:r>
-              <a:rPr sz="1400">
-                <a:solidFill>
-                  <a:srgbClr val="000000"/>
-                </a:solidFill>
-                <a:latin typeface="Courier New"/>
-              </a:rPr>
-              <a:t/>
-            </a:r>
-          </a:p>
-        </p:txBody>
-      </p:sp>
-      <p:sp>
-        <p:nvSpPr>
-          <p:cNvPr id="3" name="Title 2"/>
-          <p:cNvSpPr>
-            <a:spLocks noGrp="1"/>
-          </p:cNvSpPr>
-          <p:nvPr>
-            <p:ph type="title"/>
-          </p:nvPr>
-        </p:nvSpPr>
-        <p:spPr/>
-        <p:txBody>
-          <a:bodyPr wrap="square">
-            <a:noAutofit/>
-          </a:bodyPr>
-          <a:lstStyle/>
-          <a:p>
-            <a:r>
-              <a:rPr sz="3200" b="1" i="0">
-                <a:latin typeface="Arial"/>
-              </a:rPr>
-              <a:t>SPICE file Klasse D circuit met diodes</a:t>
-            </a:r>
-            <a:endParaRPr sz="3200" b="1" i="0">
-              <a:latin typeface="Arial"/>
-            </a:endParaRPr>
-          </a:p>
-        </p:txBody>
-      </p:sp>
-    </p:spTree>
-  </p:cSld>
-  <p:clrMapOvr>
-    <a:masterClrMapping/>
-  </p:clrMapOvr>
-</p:sld>
-</file>
-
-<file path=ppt/slides/slide29.xml><?xml version="1.0" encoding="utf-8"?>
-<p:sld xmlns:a="http://schemas.openxmlformats.org/drawingml/2006/main" xmlns:p="http://schemas.openxmlformats.org/presentationml/2006/main" xmlns:r="http://schemas.openxmlformats.org/officeDocument/2006/relationships">
-  <p:cSld>
-    <p:spTree>
-      <p:nvGrpSpPr>
-        <p:cNvPr id="1" name=""/>
-        <p:cNvGrpSpPr/>
-        <p:nvPr/>
-      </p:nvGrpSpPr>
-      <p:grpSpPr/>
-      <p:sp>
-        <p:nvSpPr>
-          <p:cNvPr id="2" name="Content Placeholder 1"/>
-          <p:cNvSpPr>
-            <a:spLocks noGrp="1"/>
-          </p:cNvSpPr>
-          <p:nvPr>
-            <p:ph idx="1"/>
-          </p:nvPr>
-        </p:nvSpPr>
-        <p:spPr/>
-        <p:txBody>
-          <a:bodyPr/>
-          <a:lstStyle/>
-          <a:p/>
-        </p:txBody>
-      </p:sp>
-      <p:sp>
-        <p:nvSpPr>
-          <p:cNvPr id="3" name="Title 2"/>
-          <p:cNvSpPr>
-            <a:spLocks noGrp="1"/>
-          </p:cNvSpPr>
-          <p:nvPr>
-            <p:ph type="title"/>
-          </p:nvPr>
-        </p:nvSpPr>
-        <p:spPr/>
-        <p:txBody>
-          <a:bodyPr wrap="square">
-            <a:noAutofit/>
-          </a:bodyPr>
-          <a:lstStyle/>
-          <a:p>
-            <a:r>
-              <a:rPr sz="3200" b="1" i="0">
-                <a:latin typeface="Arial"/>
-              </a:rPr>
-              <a:t>SPICE file Klasse D circuit met diodes</a:t>
-            </a:r>
-            <a:endParaRPr sz="3200" b="1" i="0">
-              <a:latin typeface="Arial"/>
-            </a:endParaRPr>
-          </a:p>
-        </p:txBody>
-      </p:sp>
     </p:spTree>
   </p:cSld>
   <p:clrMapOvr>
@@ -10058,716 +7297,6 @@
           <a:xfrm>
             <a:off x="2286553" y="566928"/>
             <a:ext cx="7618893" cy="5577840"/>
-          </a:xfrm>
-          <a:prstGeom prst="rect">
-            <a:avLst/>
-          </a:prstGeom>
-        </p:spPr>
-      </p:pic>
-    </p:spTree>
-  </p:cSld>
-  <p:clrMapOvr>
-    <a:masterClrMapping/>
-  </p:clrMapOvr>
-</p:sld>
-</file>
-
-<file path=ppt/slides/slide30.xml><?xml version="1.0" encoding="utf-8"?>
-<p:sld xmlns:a="http://schemas.openxmlformats.org/drawingml/2006/main" xmlns:p="http://schemas.openxmlformats.org/presentationml/2006/main" xmlns:r="http://schemas.openxmlformats.org/officeDocument/2006/relationships">
-  <p:cSld>
-    <p:spTree>
-      <p:nvGrpSpPr>
-        <p:cNvPr id="1" name=""/>
-        <p:cNvGrpSpPr/>
-        <p:nvPr/>
-      </p:nvGrpSpPr>
-      <p:grpSpPr/>
-      <p:sp>
-        <p:nvSpPr>
-          <p:cNvPr id="2" name="Title 1"/>
-          <p:cNvSpPr>
-            <a:spLocks noGrp="1"/>
-          </p:cNvSpPr>
-          <p:nvPr>
-            <p:ph type="title"/>
-          </p:nvPr>
-        </p:nvSpPr>
-        <p:spPr/>
-        <p:txBody>
-          <a:bodyPr wrap="square">
-            <a:noAutofit/>
-          </a:bodyPr>
-          <a:lstStyle/>
-          <a:p>
-            <a:r>
-              <a:rPr sz="3000" b="1" i="0">
-                <a:latin typeface="Arial"/>
-              </a:rPr>
-              <a:t>Bekomen spanningen in de Klasse D versterker met diodes</a:t>
-            </a:r>
-            <a:endParaRPr sz="3000" b="1" i="0">
-              <a:latin typeface="Arial"/>
-            </a:endParaRPr>
-          </a:p>
-        </p:txBody>
-      </p:sp>
-      <p:pic>
-        <p:nvPicPr>
-          <p:cNvPr id="3" name="Picture 2" descr="image.png"/>
-          <p:cNvPicPr>
-            <a:picLocks noChangeAspect="1"/>
-          </p:cNvPicPr>
-          <p:nvPr/>
-        </p:nvPicPr>
-        <p:blipFill>
-          <a:blip r:embed="rId2"/>
-          <a:stretch>
-            <a:fillRect/>
-          </a:stretch>
-        </p:blipFill>
-        <p:spPr>
-          <a:xfrm>
-            <a:off x="1918781" y="566928"/>
-            <a:ext cx="8354438" cy="5577840"/>
-          </a:xfrm>
-          <a:prstGeom prst="rect">
-            <a:avLst/>
-          </a:prstGeom>
-        </p:spPr>
-      </p:pic>
-    </p:spTree>
-  </p:cSld>
-  <p:clrMapOvr>
-    <a:masterClrMapping/>
-  </p:clrMapOvr>
-</p:sld>
-</file>
-
-<file path=ppt/slides/slide31.xml><?xml version="1.0" encoding="utf-8"?>
-<p:sld xmlns:a="http://schemas.openxmlformats.org/drawingml/2006/main" xmlns:p="http://schemas.openxmlformats.org/presentationml/2006/main" xmlns:r="http://schemas.openxmlformats.org/officeDocument/2006/relationships">
-  <p:cSld>
-    <p:spTree>
-      <p:nvGrpSpPr>
-        <p:cNvPr id="1" name=""/>
-        <p:cNvGrpSpPr/>
-        <p:nvPr/>
-      </p:nvGrpSpPr>
-      <p:grpSpPr/>
-      <p:sp>
-        <p:nvSpPr>
-          <p:cNvPr id="2" name="Title 1"/>
-          <p:cNvSpPr>
-            <a:spLocks noGrp="1"/>
-          </p:cNvSpPr>
-          <p:nvPr>
-            <p:ph type="title"/>
-          </p:nvPr>
-        </p:nvSpPr>
-        <p:spPr/>
-        <p:txBody>
-          <a:bodyPr wrap="square">
-            <a:noAutofit/>
-          </a:bodyPr>
-          <a:lstStyle/>
-          <a:p>
-            <a:r>
-              <a:rPr sz="3200" b="1" i="0">
-                <a:latin typeface="Arial"/>
-              </a:rPr>
-              <a:t>Detail van de spanningen</a:t>
-            </a:r>
-            <a:endParaRPr sz="3200" b="1" i="0">
-              <a:latin typeface="Arial"/>
-            </a:endParaRPr>
-          </a:p>
-        </p:txBody>
-      </p:sp>
-      <p:pic>
-        <p:nvPicPr>
-          <p:cNvPr id="3" name="Picture 2" descr="image.png"/>
-          <p:cNvPicPr>
-            <a:picLocks noChangeAspect="1"/>
-          </p:cNvPicPr>
-          <p:nvPr/>
-        </p:nvPicPr>
-        <p:blipFill>
-          <a:blip r:embed="rId2"/>
-          <a:stretch>
-            <a:fillRect/>
-          </a:stretch>
-        </p:blipFill>
-        <p:spPr>
-          <a:xfrm>
-            <a:off x="1910566" y="566928"/>
-            <a:ext cx="8370867" cy="5577840"/>
-          </a:xfrm>
-          <a:prstGeom prst="rect">
-            <a:avLst/>
-          </a:prstGeom>
-        </p:spPr>
-      </p:pic>
-    </p:spTree>
-  </p:cSld>
-  <p:clrMapOvr>
-    <a:masterClrMapping/>
-  </p:clrMapOvr>
-</p:sld>
-</file>
-
-<file path=ppt/slides/slide32.xml><?xml version="1.0" encoding="utf-8"?>
-<p:sld xmlns:a="http://schemas.openxmlformats.org/drawingml/2006/main" xmlns:p="http://schemas.openxmlformats.org/presentationml/2006/main" xmlns:r="http://schemas.openxmlformats.org/officeDocument/2006/relationships">
-  <p:cSld>
-    <p:spTree>
-      <p:nvGrpSpPr>
-        <p:cNvPr id="1" name=""/>
-        <p:cNvGrpSpPr/>
-        <p:nvPr/>
-      </p:nvGrpSpPr>
-      <p:grpSpPr/>
-      <p:sp>
-        <p:nvSpPr>
-          <p:cNvPr id="2" name="Title 1"/>
-          <p:cNvSpPr>
-            <a:spLocks noGrp="1"/>
-          </p:cNvSpPr>
-          <p:nvPr>
-            <p:ph type="title"/>
-          </p:nvPr>
-        </p:nvSpPr>
-        <p:spPr/>
-        <p:txBody>
-          <a:bodyPr wrap="square">
-            <a:noAutofit/>
-          </a:bodyPr>
-          <a:lstStyle/>
-          <a:p>
-            <a:r>
-              <a:rPr sz="3200" b="1" i="0">
-                <a:latin typeface="Arial"/>
-              </a:rPr>
-              <a:t>Stromen in de transistors en diodes</a:t>
-            </a:r>
-            <a:endParaRPr sz="3200" b="1" i="0">
-              <a:latin typeface="Arial"/>
-            </a:endParaRPr>
-          </a:p>
-        </p:txBody>
-      </p:sp>
-      <p:pic>
-        <p:nvPicPr>
-          <p:cNvPr id="3" name="Picture 2" descr="image.png"/>
-          <p:cNvPicPr>
-            <a:picLocks noChangeAspect="1"/>
-          </p:cNvPicPr>
-          <p:nvPr/>
-        </p:nvPicPr>
-        <p:blipFill>
-          <a:blip r:embed="rId2"/>
-          <a:stretch>
-            <a:fillRect/>
-          </a:stretch>
-        </p:blipFill>
-        <p:spPr>
-          <a:xfrm>
-            <a:off x="1890029" y="566928"/>
-            <a:ext cx="8411941" cy="5577840"/>
-          </a:xfrm>
-          <a:prstGeom prst="rect">
-            <a:avLst/>
-          </a:prstGeom>
-        </p:spPr>
-      </p:pic>
-    </p:spTree>
-  </p:cSld>
-  <p:clrMapOvr>
-    <a:masterClrMapping/>
-  </p:clrMapOvr>
-</p:sld>
-</file>
-
-<file path=ppt/slides/slide33.xml><?xml version="1.0" encoding="utf-8"?>
-<p:sld xmlns:a="http://schemas.openxmlformats.org/drawingml/2006/main" xmlns:p="http://schemas.openxmlformats.org/presentationml/2006/main" xmlns:r="http://schemas.openxmlformats.org/officeDocument/2006/relationships">
-  <p:cSld>
-    <p:spTree>
-      <p:nvGrpSpPr>
-        <p:cNvPr id="1" name=""/>
-        <p:cNvGrpSpPr/>
-        <p:nvPr/>
-      </p:nvGrpSpPr>
-      <p:grpSpPr/>
-      <p:sp>
-        <p:nvSpPr>
-          <p:cNvPr id="2" name="Title 1"/>
-          <p:cNvSpPr>
-            <a:spLocks noGrp="1"/>
-          </p:cNvSpPr>
-          <p:nvPr>
-            <p:ph type="title"/>
-          </p:nvPr>
-        </p:nvSpPr>
-        <p:spPr/>
-        <p:txBody>
-          <a:bodyPr wrap="square">
-            <a:noAutofit/>
-          </a:bodyPr>
-          <a:lstStyle/>
-          <a:p>
-            <a:r>
-              <a:rPr sz="3200" b="1" i="0">
-                <a:latin typeface="Arial"/>
-              </a:rPr>
-              <a:t>klasse D versterker met enkel NPN transistors</a:t>
-            </a:r>
-            <a:endParaRPr sz="3200" b="1" i="0">
-              <a:latin typeface="Arial"/>
-            </a:endParaRPr>
-          </a:p>
-        </p:txBody>
-      </p:sp>
-      <p:pic>
-        <p:nvPicPr>
-          <p:cNvPr id="3" name="Picture 2" descr="image.png"/>
-          <p:cNvPicPr>
-            <a:picLocks noChangeAspect="1"/>
-          </p:cNvPicPr>
-          <p:nvPr/>
-        </p:nvPicPr>
-        <p:blipFill>
-          <a:blip r:embed="rId2"/>
-          <a:stretch>
-            <a:fillRect/>
-          </a:stretch>
-        </p:blipFill>
-        <p:spPr>
-          <a:xfrm>
-            <a:off x="736509" y="566928"/>
-            <a:ext cx="10718981" cy="5577840"/>
-          </a:xfrm>
-          <a:prstGeom prst="rect">
-            <a:avLst/>
-          </a:prstGeom>
-        </p:spPr>
-      </p:pic>
-    </p:spTree>
-  </p:cSld>
-  <p:clrMapOvr>
-    <a:masterClrMapping/>
-  </p:clrMapOvr>
-</p:sld>
-</file>
-
-<file path=ppt/slides/slide34.xml><?xml version="1.0" encoding="utf-8"?>
-<p:sld xmlns:a="http://schemas.openxmlformats.org/drawingml/2006/main" xmlns:p="http://schemas.openxmlformats.org/presentationml/2006/main" xmlns:r="http://schemas.openxmlformats.org/officeDocument/2006/relationships">
-  <p:cSld>
-    <p:spTree>
-      <p:nvGrpSpPr>
-        <p:cNvPr id="1" name=""/>
-        <p:cNvGrpSpPr/>
-        <p:nvPr/>
-      </p:nvGrpSpPr>
-      <p:grpSpPr/>
-      <p:sp>
-        <p:nvSpPr>
-          <p:cNvPr id="2" name="Title 1"/>
-          <p:cNvSpPr>
-            <a:spLocks noGrp="1"/>
-          </p:cNvSpPr>
-          <p:nvPr>
-            <p:ph type="title"/>
-          </p:nvPr>
-        </p:nvSpPr>
-        <p:spPr/>
-        <p:txBody>
-          <a:bodyPr wrap="square">
-            <a:noAutofit/>
-          </a:bodyPr>
-          <a:lstStyle/>
-          <a:p>
-            <a:r>
-              <a:rPr sz="3200" b="1" i="0">
-                <a:latin typeface="Arial"/>
-              </a:rPr>
-              <a:t>klasse D versterker met enkel NPN transistors</a:t>
-            </a:r>
-            <a:endParaRPr sz="3200" b="1" i="0">
-              <a:latin typeface="Arial"/>
-            </a:endParaRPr>
-          </a:p>
-        </p:txBody>
-      </p:sp>
-      <p:pic>
-        <p:nvPicPr>
-          <p:cNvPr id="3" name="Picture 2" descr="image.png"/>
-          <p:cNvPicPr>
-            <a:picLocks noChangeAspect="1"/>
-          </p:cNvPicPr>
-          <p:nvPr/>
-        </p:nvPicPr>
-        <p:blipFill>
-          <a:blip r:embed="rId2"/>
-          <a:stretch>
-            <a:fillRect/>
-          </a:stretch>
-        </p:blipFill>
-        <p:spPr>
-          <a:xfrm>
-            <a:off x="488385" y="566928"/>
-            <a:ext cx="11215230" cy="5577840"/>
-          </a:xfrm>
-          <a:prstGeom prst="rect">
-            <a:avLst/>
-          </a:prstGeom>
-        </p:spPr>
-      </p:pic>
-    </p:spTree>
-  </p:cSld>
-  <p:clrMapOvr>
-    <a:masterClrMapping/>
-  </p:clrMapOvr>
-</p:sld>
-</file>
-
-<file path=ppt/slides/slide35.xml><?xml version="1.0" encoding="utf-8"?>
-<p:sld xmlns:a="http://schemas.openxmlformats.org/drawingml/2006/main" xmlns:p="http://schemas.openxmlformats.org/presentationml/2006/main" xmlns:r="http://schemas.openxmlformats.org/officeDocument/2006/relationships">
-  <p:cSld>
-    <p:spTree>
-      <p:nvGrpSpPr>
-        <p:cNvPr id="1" name=""/>
-        <p:cNvGrpSpPr/>
-        <p:nvPr/>
-      </p:nvGrpSpPr>
-      <p:grpSpPr/>
-      <p:sp>
-        <p:nvSpPr>
-          <p:cNvPr id="2" name="Title 1"/>
-          <p:cNvSpPr>
-            <a:spLocks noGrp="1"/>
-          </p:cNvSpPr>
-          <p:nvPr>
-            <p:ph type="title"/>
-          </p:nvPr>
-        </p:nvSpPr>
-        <p:spPr/>
-        <p:txBody>
-          <a:bodyPr wrap="square">
-            <a:noAutofit/>
-          </a:bodyPr>
-          <a:lstStyle/>
-          <a:p>
-            <a:r>
-              <a:rPr sz="3200" b="1" i="0">
-                <a:latin typeface="Arial"/>
-              </a:rPr>
-              <a:t>klasse D versterker met spanningssturing</a:t>
-            </a:r>
-            <a:endParaRPr sz="3200" b="1" i="0">
-              <a:latin typeface="Arial"/>
-            </a:endParaRPr>
-          </a:p>
-        </p:txBody>
-      </p:sp>
-      <p:pic>
-        <p:nvPicPr>
-          <p:cNvPr id="3" name="Picture 2" descr="image.png"/>
-          <p:cNvPicPr>
-            <a:picLocks noChangeAspect="1"/>
-          </p:cNvPicPr>
-          <p:nvPr/>
-        </p:nvPicPr>
-        <p:blipFill>
-          <a:blip r:embed="rId2"/>
-          <a:stretch>
-            <a:fillRect/>
-          </a:stretch>
-        </p:blipFill>
-        <p:spPr>
-          <a:xfrm>
-            <a:off x="1339554" y="566928"/>
-            <a:ext cx="9512892" cy="5577840"/>
-          </a:xfrm>
-          <a:prstGeom prst="rect">
-            <a:avLst/>
-          </a:prstGeom>
-        </p:spPr>
-      </p:pic>
-    </p:spTree>
-  </p:cSld>
-  <p:clrMapOvr>
-    <a:masterClrMapping/>
-  </p:clrMapOvr>
-</p:sld>
-</file>
-
-<file path=ppt/slides/slide36.xml><?xml version="1.0" encoding="utf-8"?>
-<p:sld xmlns:a="http://schemas.openxmlformats.org/drawingml/2006/main" xmlns:p="http://schemas.openxmlformats.org/presentationml/2006/main" xmlns:r="http://schemas.openxmlformats.org/officeDocument/2006/relationships">
-  <p:cSld>
-    <p:spTree>
-      <p:nvGrpSpPr>
-        <p:cNvPr id="1" name=""/>
-        <p:cNvGrpSpPr/>
-        <p:nvPr/>
-      </p:nvGrpSpPr>
-      <p:grpSpPr/>
-      <p:sp>
-        <p:nvSpPr>
-          <p:cNvPr id="2" name="Title 1"/>
-          <p:cNvSpPr>
-            <a:spLocks noGrp="1"/>
-          </p:cNvSpPr>
-          <p:nvPr>
-            <p:ph type="title"/>
-          </p:nvPr>
-        </p:nvSpPr>
-        <p:spPr/>
-        <p:txBody>
-          <a:bodyPr wrap="square">
-            <a:noAutofit/>
-          </a:bodyPr>
-          <a:lstStyle/>
-          <a:p>
-            <a:r>
-              <a:rPr sz="3200" b="1" i="0">
-                <a:latin typeface="Arial"/>
-              </a:rPr>
-              <a:t>keuze wikkelverhouding transformator</a:t>
-            </a:r>
-            <a:endParaRPr sz="3200" b="1" i="0">
-              <a:latin typeface="Arial"/>
-            </a:endParaRPr>
-          </a:p>
-        </p:txBody>
-      </p:sp>
-      <p:pic>
-        <p:nvPicPr>
-          <p:cNvPr id="3" name="Picture 2" descr="image.png"/>
-          <p:cNvPicPr>
-            <a:picLocks noChangeAspect="1"/>
-          </p:cNvPicPr>
-          <p:nvPr/>
-        </p:nvPicPr>
-        <p:blipFill>
-          <a:blip r:embed="rId2"/>
-          <a:stretch>
-            <a:fillRect/>
-          </a:stretch>
-        </p:blipFill>
-        <p:spPr>
-          <a:xfrm>
-            <a:off x="1196288" y="566928"/>
-            <a:ext cx="9799424" cy="5577840"/>
-          </a:xfrm>
-          <a:prstGeom prst="rect">
-            <a:avLst/>
-          </a:prstGeom>
-        </p:spPr>
-      </p:pic>
-    </p:spTree>
-  </p:cSld>
-  <p:clrMapOvr>
-    <a:masterClrMapping/>
-  </p:clrMapOvr>
-</p:sld>
-</file>
-
-<file path=ppt/slides/slide37.xml><?xml version="1.0" encoding="utf-8"?>
-<p:sld xmlns:a="http://schemas.openxmlformats.org/drawingml/2006/main" xmlns:p="http://schemas.openxmlformats.org/presentationml/2006/main" xmlns:r="http://schemas.openxmlformats.org/officeDocument/2006/relationships">
-  <p:cSld>
-    <p:spTree>
-      <p:nvGrpSpPr>
-        <p:cNvPr id="1" name=""/>
-        <p:cNvGrpSpPr/>
-        <p:nvPr/>
-      </p:nvGrpSpPr>
-      <p:grpSpPr/>
-      <p:sp>
-        <p:nvSpPr>
-          <p:cNvPr id="2" name="Title 1"/>
-          <p:cNvSpPr>
-            <a:spLocks noGrp="1"/>
-          </p:cNvSpPr>
-          <p:nvPr>
-            <p:ph type="title"/>
-          </p:nvPr>
-        </p:nvSpPr>
-        <p:spPr/>
-        <p:txBody>
-          <a:bodyPr wrap="square">
-            <a:noAutofit/>
-          </a:bodyPr>
-          <a:lstStyle/>
-          <a:p>
-            <a:r>
-              <a:rPr sz="2700" b="1" i="0">
-                <a:latin typeface="Arial"/>
-              </a:rPr>
-              <a:t>klasse D versterker met spanningssturing en beveiligingsdiodes</a:t>
-            </a:r>
-            <a:endParaRPr sz="2700" b="1" i="0">
-              <a:latin typeface="Arial"/>
-            </a:endParaRPr>
-          </a:p>
-        </p:txBody>
-      </p:sp>
-      <p:pic>
-        <p:nvPicPr>
-          <p:cNvPr id="3" name="Picture 2" descr="image.png"/>
-          <p:cNvPicPr>
-            <a:picLocks noChangeAspect="1"/>
-          </p:cNvPicPr>
-          <p:nvPr/>
-        </p:nvPicPr>
-        <p:blipFill>
-          <a:blip r:embed="rId2"/>
-          <a:stretch>
-            <a:fillRect/>
-          </a:stretch>
-        </p:blipFill>
-        <p:spPr>
-          <a:xfrm>
-            <a:off x="1339554" y="566928"/>
-            <a:ext cx="9512892" cy="5577840"/>
-          </a:xfrm>
-          <a:prstGeom prst="rect">
-            <a:avLst/>
-          </a:prstGeom>
-        </p:spPr>
-      </p:pic>
-    </p:spTree>
-  </p:cSld>
-  <p:clrMapOvr>
-    <a:masterClrMapping/>
-  </p:clrMapOvr>
-</p:sld>
-</file>
-
-<file path=ppt/slides/slide38.xml><?xml version="1.0" encoding="utf-8"?>
-<p:sld xmlns:a="http://schemas.openxmlformats.org/drawingml/2006/main" xmlns:p="http://schemas.openxmlformats.org/presentationml/2006/main" xmlns:r="http://schemas.openxmlformats.org/officeDocument/2006/relationships">
-  <p:cSld>
-    <p:spTree>
-      <p:nvGrpSpPr>
-        <p:cNvPr id="1" name=""/>
-        <p:cNvGrpSpPr/>
-        <p:nvPr/>
-      </p:nvGrpSpPr>
-      <p:grpSpPr/>
-      <p:sp>
-        <p:nvSpPr>
-          <p:cNvPr id="2" name="Title 1"/>
-          <p:cNvSpPr>
-            <a:spLocks noGrp="1"/>
-          </p:cNvSpPr>
-          <p:nvPr>
-            <p:ph type="title"/>
-          </p:nvPr>
-        </p:nvSpPr>
-        <p:spPr/>
-        <p:txBody>
-          <a:bodyPr wrap="square">
-            <a:noAutofit/>
-          </a:bodyPr>
-          <a:lstStyle/>
-          <a:p>
-            <a:r>
-              <a:rPr sz="3200" b="1" i="0">
-                <a:latin typeface="Arial"/>
-              </a:rPr>
-              <a:t>met stroomsturing</a:t>
-            </a:r>
-            <a:endParaRPr sz="3200" b="1" i="0">
-              <a:latin typeface="Arial"/>
-            </a:endParaRPr>
-          </a:p>
-        </p:txBody>
-      </p:sp>
-      <p:pic>
-        <p:nvPicPr>
-          <p:cNvPr id="3" name="Picture 2" descr="image.png"/>
-          <p:cNvPicPr>
-            <a:picLocks noChangeAspect="1"/>
-          </p:cNvPicPr>
-          <p:nvPr/>
-        </p:nvPicPr>
-        <p:blipFill>
-          <a:blip r:embed="rId2"/>
-          <a:stretch>
-            <a:fillRect/>
-          </a:stretch>
-        </p:blipFill>
-        <p:spPr>
-          <a:xfrm>
-            <a:off x="3096254" y="566928"/>
-            <a:ext cx="5999491" cy="5577840"/>
-          </a:xfrm>
-          <a:prstGeom prst="rect">
-            <a:avLst/>
-          </a:prstGeom>
-        </p:spPr>
-      </p:pic>
-    </p:spTree>
-  </p:cSld>
-  <p:clrMapOvr>
-    <a:masterClrMapping/>
-  </p:clrMapOvr>
-</p:sld>
-</file>
-
-<file path=ppt/slides/slide39.xml><?xml version="1.0" encoding="utf-8"?>
-<p:sld xmlns:a="http://schemas.openxmlformats.org/drawingml/2006/main" xmlns:p="http://schemas.openxmlformats.org/presentationml/2006/main" xmlns:r="http://schemas.openxmlformats.org/officeDocument/2006/relationships">
-  <p:cSld>
-    <p:spTree>
-      <p:nvGrpSpPr>
-        <p:cNvPr id="1" name=""/>
-        <p:cNvGrpSpPr/>
-        <p:nvPr/>
-      </p:nvGrpSpPr>
-      <p:grpSpPr/>
-      <p:sp>
-        <p:nvSpPr>
-          <p:cNvPr id="2" name="Title 1"/>
-          <p:cNvSpPr>
-            <a:spLocks noGrp="1"/>
-          </p:cNvSpPr>
-          <p:nvPr>
-            <p:ph type="title"/>
-          </p:nvPr>
-        </p:nvSpPr>
-        <p:spPr/>
-        <p:txBody>
-          <a:bodyPr wrap="square">
-            <a:noAutofit/>
-          </a:bodyPr>
-          <a:lstStyle/>
-          <a:p>
-            <a:r>
-              <a:rPr sz="3200" b="1" i="0">
-                <a:latin typeface="Arial"/>
-              </a:rPr>
-              <a:t>met stroomsturing en beveiligingsdiodes</a:t>
-            </a:r>
-            <a:endParaRPr sz="3200" b="1" i="0">
-              <a:latin typeface="Arial"/>
-            </a:endParaRPr>
-          </a:p>
-        </p:txBody>
-      </p:sp>
-      <p:pic>
-        <p:nvPicPr>
-          <p:cNvPr id="3" name="Picture 2" descr="image.png"/>
-          <p:cNvPicPr>
-            <a:picLocks noChangeAspect="1"/>
-          </p:cNvPicPr>
-          <p:nvPr/>
-        </p:nvPicPr>
-        <p:blipFill>
-          <a:blip r:embed="rId2"/>
-          <a:stretch>
-            <a:fillRect/>
-          </a:stretch>
-        </p:blipFill>
-        <p:spPr>
-          <a:xfrm>
-            <a:off x="3096254" y="566928"/>
-            <a:ext cx="5999491" cy="5577840"/>
           </a:xfrm>
           <a:prstGeom prst="rect">
             <a:avLst/>
@@ -10853,42 +7382,6 @@
 </p:sld>
 </file>
 
-<file path=ppt/slides/slide40.xml><?xml version="1.0" encoding="utf-8"?>
-<p:sld xmlns:a="http://schemas.openxmlformats.org/drawingml/2006/main" xmlns:p="http://schemas.openxmlformats.org/presentationml/2006/main" xmlns:r="http://schemas.openxmlformats.org/officeDocument/2006/relationships">
-  <p:cSld>
-    <p:spTree>
-      <p:nvGrpSpPr>
-        <p:cNvPr id="1" name=""/>
-        <p:cNvGrpSpPr/>
-        <p:nvPr/>
-      </p:nvGrpSpPr>
-      <p:grpSpPr/>
-    </p:spTree>
-  </p:cSld>
-  <p:clrMapOvr>
-    <a:masterClrMapping/>
-  </p:clrMapOvr>
-</p:sld>
-</file>
-
-<file path=ppt/slides/slide41.xml><?xml version="1.0" encoding="utf-8"?>
-<p:sld xmlns:a="http://schemas.openxmlformats.org/drawingml/2006/main" xmlns:p="http://schemas.openxmlformats.org/presentationml/2006/main" xmlns:r="http://schemas.openxmlformats.org/officeDocument/2006/relationships">
-  <p:cSld>
-    <p:spTree>
-      <p:nvGrpSpPr>
-        <p:cNvPr id="1" name=""/>
-        <p:cNvGrpSpPr/>
-        <p:nvPr/>
-      </p:nvGrpSpPr>
-      <p:grpSpPr/>
-    </p:spTree>
-  </p:cSld>
-  <p:clrMapOvr>
-    <a:masterClrMapping/>
-  </p:clrMapOvr>
-</p:sld>
-</file>
-
 <file path=ppt/slides/slide5.xml><?xml version="1.0" encoding="utf-8"?>
 <p:sld xmlns:a="http://schemas.openxmlformats.org/drawingml/2006/main" xmlns:p="http://schemas.openxmlformats.org/presentationml/2006/main" xmlns:r="http://schemas.openxmlformats.org/officeDocument/2006/relationships">
   <p:cSld>
@@ -10911,9 +7404,241 @@
         </p:nvSpPr>
         <p:spPr/>
         <p:txBody>
-          <a:bodyPr/>
+          <a:bodyPr wrap="square">
+            <a:noAutofit/>
+          </a:bodyPr>
           <a:lstStyle/>
-          <a:p/>
+          <a:p>
+            <a:pPr>
+              <a:lnSpc>
+                <a:spcPts val="2400"/>
+              </a:lnSpc>
+              <a:defRPr>
+                <a:solidFill>
+                  <a:srgbClr val="FFFFFF"/>
+                </a:solidFill>
+              </a:defRPr>
+            </a:pPr>
+            <a:r>
+              <a:rPr sz="2400" b="0" i="0">
+                <a:latin typeface="Courier"/>
+              </a:rPr>
+              <a:t>* Class D amp 1</a:t>
+            </a:r>
+            <a:endParaRPr sz="2400" b="0" i="0">
+              <a:latin typeface="Courier"/>
+            </a:endParaRPr>
+          </a:p>
+          <a:p>
+            <a:pPr>
+              <a:lnSpc>
+                <a:spcPts val="2400"/>
+              </a:lnSpc>
+              <a:defRPr>
+                <a:solidFill>
+                  <a:srgbClr val="FFFFFF"/>
+                </a:solidFill>
+              </a:defRPr>
+            </a:pPr>
+            <a:r>
+              <a:rPr sz="2400" b="0" i="0">
+                <a:latin typeface="Courier"/>
+              </a:rPr>
+              <a:t>Q_Q1         3 1 2 Q2</a:t>
+            </a:r>
+            <a:endParaRPr sz="2400" b="0" i="0">
+              <a:latin typeface="Courier"/>
+            </a:endParaRPr>
+          </a:p>
+          <a:p>
+            <a:pPr>
+              <a:lnSpc>
+                <a:spcPts val="2400"/>
+              </a:lnSpc>
+              <a:defRPr>
+                <a:solidFill>
+                  <a:srgbClr val="FFFFFF"/>
+                </a:solidFill>
+              </a:defRPr>
+            </a:pPr>
+            <a:r>
+              <a:rPr sz="2400" b="0" i="0">
+                <a:latin typeface="Courier"/>
+              </a:rPr>
+              <a:t>Q_Qp         0 1 2 Qp</a:t>
+            </a:r>
+            <a:endParaRPr sz="2400" b="0" i="0">
+              <a:latin typeface="Courier"/>
+            </a:endParaRPr>
+          </a:p>
+          <a:p>
+            <a:pPr>
+              <a:lnSpc>
+                <a:spcPts val="2400"/>
+              </a:lnSpc>
+              <a:defRPr>
+                <a:solidFill>
+                  <a:srgbClr val="FFFFFF"/>
+                </a:solidFill>
+              </a:defRPr>
+            </a:pPr>
+            <a:r>
+              <a:rPr sz="2400" b="0" i="0">
+                <a:latin typeface="Courier"/>
+              </a:rPr>
+              <a:t>L_L1         5 2 1uH</a:t>
+            </a:r>
+            <a:endParaRPr sz="2400" b="0" i="0">
+              <a:latin typeface="Courier"/>
+            </a:endParaRPr>
+          </a:p>
+          <a:p>
+            <a:pPr>
+              <a:lnSpc>
+                <a:spcPts val="2400"/>
+              </a:lnSpc>
+              <a:defRPr>
+                <a:solidFill>
+                  <a:srgbClr val="FFFFFF"/>
+                </a:solidFill>
+              </a:defRPr>
+            </a:pPr>
+            <a:r>
+              <a:rPr sz="2400" b="0" i="0">
+                <a:latin typeface="Courier"/>
+              </a:rPr>
+              <a:t>C_C1         5 6 10n</a:t>
+            </a:r>
+            <a:endParaRPr sz="2400" b="0" i="0">
+              <a:latin typeface="Courier"/>
+            </a:endParaRPr>
+          </a:p>
+          <a:p>
+            <a:pPr>
+              <a:lnSpc>
+                <a:spcPts val="2400"/>
+              </a:lnSpc>
+              <a:defRPr>
+                <a:solidFill>
+                  <a:srgbClr val="FFFFFF"/>
+                </a:solidFill>
+              </a:defRPr>
+            </a:pPr>
+            <a:r>
+              <a:rPr sz="2400" b="0" i="0">
+                <a:latin typeface="Courier"/>
+              </a:rPr>
+              <a:t>R_RL         6 0 6</a:t>
+            </a:r>
+            <a:endParaRPr sz="2400" b="0" i="0">
+              <a:latin typeface="Courier"/>
+            </a:endParaRPr>
+          </a:p>
+          <a:p>
+            <a:pPr>
+              <a:lnSpc>
+                <a:spcPts val="2400"/>
+              </a:lnSpc>
+              <a:defRPr>
+                <a:solidFill>
+                  <a:srgbClr val="FFFFFF"/>
+                </a:solidFill>
+              </a:defRPr>
+            </a:pPr>
+            <a:r>
+              <a:rPr sz="2400" b="0" i="0">
+                <a:latin typeface="Courier"/>
+              </a:rPr>
+              <a:t>V_Vdd        3 0 20V</a:t>
+            </a:r>
+            <a:endParaRPr sz="2400" b="0" i="0">
+              <a:latin typeface="Courier"/>
+            </a:endParaRPr>
+          </a:p>
+          <a:p>
+            <a:pPr>
+              <a:lnSpc>
+                <a:spcPts val="2400"/>
+              </a:lnSpc>
+              <a:defRPr>
+                <a:solidFill>
+                  <a:srgbClr val="FFFFFF"/>
+                </a:solidFill>
+              </a:defRPr>
+            </a:pPr>
+            <a:r>
+              <a:rPr sz="2400" b="0" i="0">
+                <a:latin typeface="Courier"/>
+              </a:rPr>
+              <a:t>R_Rin        4 1 1</a:t>
+            </a:r>
+            <a:endParaRPr sz="2400" b="0" i="0">
+              <a:latin typeface="Courier"/>
+            </a:endParaRPr>
+          </a:p>
+          <a:p>
+            <a:pPr>
+              <a:lnSpc>
+                <a:spcPts val="2400"/>
+              </a:lnSpc>
+              <a:defRPr>
+                <a:solidFill>
+                  <a:srgbClr val="FFFFFF"/>
+                </a:solidFill>
+              </a:defRPr>
+            </a:pPr>
+            <a:r>
+              <a:rPr sz="2400" b="0" i="0">
+                <a:latin typeface="Courier"/>
+              </a:rPr>
+              <a:t>V_Vin        4 0 PULSE(0 20 0 20ns 20ns 294ns 628ns) DC=0</a:t>
+            </a:r>
+            <a:endParaRPr sz="2400" b="0" i="0">
+              <a:latin typeface="Courier"/>
+            </a:endParaRPr>
+          </a:p>
+          <a:p>
+            <a:pPr>
+              <a:lnSpc>
+                <a:spcPts val="2400"/>
+              </a:lnSpc>
+              <a:defRPr>
+                <a:solidFill>
+                  <a:srgbClr val="FFFFFF"/>
+                </a:solidFill>
+              </a:defRPr>
+            </a:pPr>
+            <a:r>
+              <a:rPr sz="2400" b="0" i="0">
+                <a:latin typeface="Courier"/>
+              </a:rPr>
+              <a:t>.model Q2  NPN(Is=14.34f BF=200)</a:t>
+            </a:r>
+            <a:endParaRPr sz="2400" b="0" i="0">
+              <a:latin typeface="Courier"/>
+            </a:endParaRPr>
+          </a:p>
+          <a:p>
+            <a:pPr>
+              <a:lnSpc>
+                <a:spcPts val="2400"/>
+              </a:lnSpc>
+              <a:defRPr>
+                <a:solidFill>
+                  <a:srgbClr val="FFFFFF"/>
+                </a:solidFill>
+              </a:defRPr>
+            </a:pPr>
+            <a:r>
+              <a:rPr sz="2400" b="0" i="0">
+                <a:latin typeface="Courier"/>
+              </a:rPr>
+              <a:t>.model Qp  PNP(Is=5.34f BF=100)</a:t>
+            </a:r>
+            <a:endParaRPr sz="2400" b="0" i="0">
+              <a:latin typeface="Courier"/>
+            </a:endParaRPr>
+          </a:p>
         </p:txBody>
       </p:sp>
       <p:sp>
@@ -10965,24 +7690,7 @@
       <p:grpSpPr/>
       <p:sp>
         <p:nvSpPr>
-          <p:cNvPr id="2" name="Content Placeholder 1"/>
-          <p:cNvSpPr>
-            <a:spLocks noGrp="1"/>
-          </p:cNvSpPr>
-          <p:nvPr>
-            <p:ph idx="1"/>
-          </p:nvPr>
-        </p:nvSpPr>
-        <p:spPr/>
-        <p:txBody>
-          <a:bodyPr/>
-          <a:lstStyle/>
-          <a:p/>
-        </p:txBody>
-      </p:sp>
-      <p:sp>
-        <p:nvSpPr>
-          <p:cNvPr id="3" name="Title 2"/>
+          <p:cNvPr id="2" name="Title 1"/>
           <p:cNvSpPr>
             <a:spLocks noGrp="1"/>
           </p:cNvSpPr>
@@ -11001,7 +7709,7 @@
               <a:rPr sz="3200" b="1" i="0">
                 <a:latin typeface="Arial"/>
               </a:rPr>
-              <a:t>SPICE file Klasse D circuit</a:t>
+              <a:t>Bekomen spanningen op de verschillende knopen</a:t>
             </a:r>
             <a:endParaRPr sz="3200" b="1" i="0">
               <a:latin typeface="Arial"/>
@@ -11009,6 +7717,30 @@
           </a:p>
         </p:txBody>
       </p:sp>
+      <p:pic>
+        <p:nvPicPr>
+          <p:cNvPr id="3" name="Picture 2" descr="image.png"/>
+          <p:cNvPicPr>
+            <a:picLocks noChangeAspect="1"/>
+          </p:cNvPicPr>
+          <p:nvPr/>
+        </p:nvPicPr>
+        <p:blipFill>
+          <a:blip r:embed="rId2"/>
+          <a:stretch>
+            <a:fillRect/>
+          </a:stretch>
+        </p:blipFill>
+        <p:spPr>
+          <a:xfrm>
+            <a:off x="1918781" y="566928"/>
+            <a:ext cx="8354438" cy="5577840"/>
+          </a:xfrm>
+          <a:prstGeom prst="rect">
+            <a:avLst/>
+          </a:prstGeom>
+        </p:spPr>
+      </p:pic>
     </p:spTree>
   </p:cSld>
   <p:clrMapOvr>
@@ -11029,24 +7761,7 @@
       <p:grpSpPr/>
       <p:sp>
         <p:nvSpPr>
-          <p:cNvPr id="2" name="Content Placeholder 1"/>
-          <p:cNvSpPr>
-            <a:spLocks noGrp="1"/>
-          </p:cNvSpPr>
-          <p:nvPr>
-            <p:ph idx="1"/>
-          </p:nvPr>
-        </p:nvSpPr>
-        <p:spPr/>
-        <p:txBody>
-          <a:bodyPr/>
-          <a:lstStyle/>
-          <a:p/>
-        </p:txBody>
-      </p:sp>
-      <p:sp>
-        <p:nvSpPr>
-          <p:cNvPr id="3" name="Title 2"/>
+          <p:cNvPr id="2" name="Title 1"/>
           <p:cNvSpPr>
             <a:spLocks noGrp="1"/>
           </p:cNvSpPr>
@@ -11065,7 +7780,7 @@
               <a:rPr sz="3200" b="1" i="0">
                 <a:latin typeface="Arial"/>
               </a:rPr>
-              <a:t>SPICE file Klasse D circuit</a:t>
+              <a:t>Collector stroom in de NPN en de PNP transistor</a:t>
             </a:r>
             <a:endParaRPr sz="3200" b="1" i="0">
               <a:latin typeface="Arial"/>
@@ -11073,6 +7788,30 @@
           </a:p>
         </p:txBody>
       </p:sp>
+      <p:pic>
+        <p:nvPicPr>
+          <p:cNvPr id="3" name="Picture 2" descr="image.png"/>
+          <p:cNvPicPr>
+            <a:picLocks noChangeAspect="1"/>
+          </p:cNvPicPr>
+          <p:nvPr/>
+        </p:nvPicPr>
+        <p:blipFill>
+          <a:blip r:embed="rId2"/>
+          <a:stretch>
+            <a:fillRect/>
+          </a:stretch>
+        </p:blipFill>
+        <p:spPr>
+          <a:xfrm>
+            <a:off x="1902351" y="566928"/>
+            <a:ext cx="8387297" cy="5577840"/>
+          </a:xfrm>
+          <a:prstGeom prst="rect">
+            <a:avLst/>
+          </a:prstGeom>
+        </p:spPr>
+      </p:pic>
     </p:spTree>
   </p:cSld>
   <p:clrMapOvr>
@@ -11129,7 +7868,7 @@
               <a:rPr sz="3200" b="1" i="0">
                 <a:latin typeface="Arial"/>
               </a:rPr>
-              <a:t>SPICE file Klasse D circuit</a:t>
+              <a:t>Fourrier reeks van de spanning op knoop 2</a:t>
             </a:r>
             <a:endParaRPr sz="3200" b="1" i="0">
               <a:latin typeface="Arial"/>
@@ -11137,6 +7876,30 @@
           </a:p>
         </p:txBody>
       </p:sp>
+      <p:pic>
+        <p:nvPicPr>
+          <p:cNvPr id="4" name="Picture 3" descr="image.png"/>
+          <p:cNvPicPr>
+            <a:picLocks noChangeAspect="1"/>
+          </p:cNvPicPr>
+          <p:nvPr/>
+        </p:nvPicPr>
+        <p:blipFill>
+          <a:blip r:embed="rId2"/>
+          <a:stretch>
+            <a:fillRect/>
+          </a:stretch>
+        </p:blipFill>
+        <p:spPr>
+          <a:xfrm>
+            <a:off x="1195387" y="868680"/>
+            <a:ext cx="9801225" cy="952500"/>
+          </a:xfrm>
+          <a:prstGeom prst="rect">
+            <a:avLst/>
+          </a:prstGeom>
+        </p:spPr>
+      </p:pic>
     </p:spTree>
   </p:cSld>
   <p:clrMapOvr>
@@ -11157,24 +7920,7 @@
       <p:grpSpPr/>
       <p:sp>
         <p:nvSpPr>
-          <p:cNvPr id="2" name="Content Placeholder 1"/>
-          <p:cNvSpPr>
-            <a:spLocks noGrp="1"/>
-          </p:cNvSpPr>
-          <p:nvPr>
-            <p:ph idx="1"/>
-          </p:nvPr>
-        </p:nvSpPr>
-        <p:spPr/>
-        <p:txBody>
-          <a:bodyPr/>
-          <a:lstStyle/>
-          <a:p/>
-        </p:txBody>
-      </p:sp>
-      <p:sp>
-        <p:nvSpPr>
-          <p:cNvPr id="3" name="Title 2"/>
+          <p:cNvPr id="2" name="Title 1"/>
           <p:cNvSpPr>
             <a:spLocks noGrp="1"/>
           </p:cNvSpPr>
@@ -11193,7 +7939,7 @@
               <a:rPr sz="3200" b="1" i="0">
                 <a:latin typeface="Arial"/>
               </a:rPr>
-              <a:t>SPICE file Klasse D circuit</a:t>
+              <a:t>Harmonische componenten in de spanning</a:t>
             </a:r>
             <a:endParaRPr sz="3200" b="1" i="0">
               <a:latin typeface="Arial"/>
@@ -11201,6 +7947,30 @@
           </a:p>
         </p:txBody>
       </p:sp>
+      <p:pic>
+        <p:nvPicPr>
+          <p:cNvPr id="3" name="Picture 2" descr="image.png"/>
+          <p:cNvPicPr>
+            <a:picLocks noChangeAspect="1"/>
+          </p:cNvPicPr>
+          <p:nvPr/>
+        </p:nvPicPr>
+        <p:blipFill>
+          <a:blip r:embed="rId2"/>
+          <a:stretch>
+            <a:fillRect/>
+          </a:stretch>
+        </p:blipFill>
+        <p:spPr>
+          <a:xfrm>
+            <a:off x="3241361" y="566928"/>
+            <a:ext cx="5709277" cy="5577840"/>
+          </a:xfrm>
+          <a:prstGeom prst="rect">
+            <a:avLst/>
+          </a:prstGeom>
+        </p:spPr>
+      </p:pic>
     </p:spTree>
   </p:cSld>
   <p:clrMapOvr>

--- a/ToegepasteAnalogeElektronica/PowerPoint/Klasse-D.pptx
+++ b/ToegepasteAnalogeElektronica/PowerPoint/Klasse-D.pptx
@@ -1,6 +1,6 @@
 
 <file path=ppt/presentation.xml><?xml version="1.0" encoding="utf-8"?>
-<p:presentation xmlns:a="http://schemas.openxmlformats.org/drawingml/2006/main" xmlns:r="http://schemas.openxmlformats.org/officeDocument/2006/relationships" xmlns:p="http://schemas.openxmlformats.org/presentationml/2006/main" saveSubsetFonts="1" autoCompressPictures="0">
+<p:presentation xmlns:a="http://schemas.openxmlformats.org/drawingml/2006/main" xmlns:r="http://schemas.openxmlformats.org/officeDocument/2006/relationships" xmlns:p="http://schemas.openxmlformats.org/presentationml/2006/main" showSpecialPlsOnTitleSld="0" saveSubsetFonts="1" autoCompressPictures="0">
   <p:sldMasterIdLst>
     <p:sldMasterId id="2147483648" r:id="rId4"/>
   </p:sldMasterIdLst>
@@ -700,7 +700,7 @@
           <a:p>
             <a:fld id="{8F591CCF-F6FD-734B-854A-5BC033593B1E}" type="datetimeFigureOut">
               <a:rPr lang="nl-NL" smtClean="0"/>
-              <a:t>21-9-2025</a:t>
+              <a:t>28-9-2025</a:t>
             </a:fld>
             <a:endParaRPr lang="nl-NL"/>
           </a:p>
@@ -865,7 +865,7 @@
           <a:p>
             <a:fld id="{23C66214-DB21-4647-B5DA-0D17CA592867}" type="datetimeFigureOut">
               <a:rPr lang="nl-NL" smtClean="0"/>
-              <a:t>21-9-2025</a:t>
+              <a:t>28-9-2025</a:t>
             </a:fld>
             <a:endParaRPr lang="nl-NL"/>
           </a:p>
@@ -1474,9 +1474,9 @@
           <a:bodyPr/>
           <a:lstStyle/>
           <a:p>
-            <a:fld id="{D15822B7-9EF6-9542-AF10-CD505E021A84}" type="datetime1">
+            <a:fld id="{39E7E716-59E8-42BC-97BF-DDA9E59ADEE7}" type="datetime1">
               <a:rPr lang="nl-BE" smtClean="0"/>
-              <a:t>21/09/2025</a:t>
+              <a:t>28/09/2025</a:t>
             </a:fld>
             <a:endParaRPr lang="nl-NL"/>
           </a:p>
@@ -1508,7 +1508,7 @@
           <a:bodyPr/>
           <a:lstStyle/>
           <a:p>
-            <a:endParaRPr lang="nl-NL"/>
+            <a:endParaRPr lang="nl-NL" dirty="0"/>
           </a:p>
         </p:txBody>
       </p:sp>
@@ -1724,9 +1724,9 @@
           <a:bodyPr/>
           <a:lstStyle/>
           <a:p>
-            <a:fld id="{D15822B7-9EF6-9542-AF10-CD505E021A84}" type="datetime1">
+            <a:fld id="{68285E84-F3E9-4DE0-AF5C-DC32311C51B6}" type="datetime1">
               <a:rPr lang="nl-BE" smtClean="0"/>
-              <a:t>21/09/2025</a:t>
+              <a:t>28/09/2025</a:t>
             </a:fld>
             <a:endParaRPr lang="nl-NL"/>
           </a:p>
@@ -2007,9 +2007,9 @@
           <a:bodyPr/>
           <a:lstStyle/>
           <a:p>
-            <a:fld id="{F52CA13D-CC20-034F-8D4D-5C3038626ED9}" type="datetime1">
+            <a:fld id="{86D712DB-13D1-48DF-8D74-EA2A0D6A1295}" type="datetime1">
               <a:rPr lang="nl-BE" smtClean="0"/>
-              <a:t>21/09/2025</a:t>
+              <a:t>28/09/2025</a:t>
             </a:fld>
             <a:endParaRPr lang="nl-NL"/>
           </a:p>
@@ -2359,9 +2359,9 @@
           <a:bodyPr/>
           <a:lstStyle/>
           <a:p>
-            <a:fld id="{F52CA13D-CC20-034F-8D4D-5C3038626ED9}" type="datetime1">
+            <a:fld id="{EE55F63B-E5C2-47C9-B767-96A09BC63624}" type="datetime1">
               <a:rPr lang="nl-BE" smtClean="0"/>
-              <a:t>21/09/2025</a:t>
+              <a:t>28/09/2025</a:t>
             </a:fld>
             <a:endParaRPr lang="nl-NL"/>
           </a:p>
@@ -3592,9 +3592,9 @@
           <a:bodyPr/>
           <a:lstStyle/>
           <a:p>
-            <a:fld id="{F52CA13D-CC20-034F-8D4D-5C3038626ED9}" type="datetime1">
+            <a:fld id="{0445AAF3-F212-43BB-932B-DD1A31841819}" type="datetime1">
               <a:rPr lang="nl-BE" smtClean="0"/>
-              <a:t>21/09/2025</a:t>
+              <a:t>28/09/2025</a:t>
             </a:fld>
             <a:endParaRPr lang="nl-NL"/>
           </a:p>
@@ -3813,9 +3813,9 @@
           <a:bodyPr/>
           <a:lstStyle/>
           <a:p>
-            <a:fld id="{F52CA13D-CC20-034F-8D4D-5C3038626ED9}" type="datetime1">
+            <a:fld id="{215EBCC0-C3A3-417F-962F-876AE60FF46F}" type="datetime1">
               <a:rPr lang="nl-BE" smtClean="0"/>
-              <a:t>21/09/2025</a:t>
+              <a:t>28/09/2025</a:t>
             </a:fld>
             <a:endParaRPr lang="nl-NL"/>
           </a:p>
@@ -4104,9 +4104,9 @@
           <a:bodyPr/>
           <a:lstStyle/>
           <a:p>
-            <a:fld id="{F52CA13D-CC20-034F-8D4D-5C3038626ED9}" type="datetime1">
+            <a:fld id="{5087A35E-C6EC-4A6C-A286-9B263B20AC20}" type="datetime1">
               <a:rPr lang="nl-BE" smtClean="0"/>
-              <a:t>21/09/2025</a:t>
+              <a:t>28/09/2025</a:t>
             </a:fld>
             <a:endParaRPr lang="nl-NL"/>
           </a:p>
@@ -4358,9 +4358,9 @@
           <a:bodyPr/>
           <a:lstStyle/>
           <a:p>
-            <a:fld id="{F52CA13D-CC20-034F-8D4D-5C3038626ED9}" type="datetime1">
+            <a:fld id="{4B9B00E3-DE57-4EA4-A886-8AA88F9577D7}" type="datetime1">
               <a:rPr lang="nl-BE" smtClean="0"/>
-              <a:t>21/09/2025</a:t>
+              <a:t>28/09/2025</a:t>
             </a:fld>
             <a:endParaRPr lang="nl-NL"/>
           </a:p>
@@ -4571,9 +4571,9 @@
           <a:bodyPr/>
           <a:lstStyle/>
           <a:p>
-            <a:fld id="{D15822B7-9EF6-9542-AF10-CD505E021A84}" type="datetime1">
+            <a:fld id="{1631A466-BC4F-407D-A3EA-76F6655478F0}" type="datetime1">
               <a:rPr lang="nl-BE" smtClean="0"/>
-              <a:t>21/09/2025</a:t>
+              <a:t>28/09/2025</a:t>
             </a:fld>
             <a:endParaRPr lang="nl-NL"/>
           </a:p>
@@ -4762,9 +4762,9 @@
           <a:bodyPr/>
           <a:lstStyle/>
           <a:p>
-            <a:fld id="{D15822B7-9EF6-9542-AF10-CD505E021A84}" type="datetime1">
+            <a:fld id="{7CF5F32B-E94B-420F-86D9-59A9E32E05E1}" type="datetime1">
               <a:rPr lang="nl-BE" smtClean="0"/>
-              <a:t>21/09/2025</a:t>
+              <a:t>28/09/2025</a:t>
             </a:fld>
             <a:endParaRPr lang="nl-NL"/>
           </a:p>
@@ -5120,9 +5120,9 @@
             </a:lvl1pPr>
           </a:lstStyle>
           <a:p>
-            <a:fld id="{0C33DDE8-63FF-C642-9F3A-0B773DD34821}" type="datetime1">
+            <a:fld id="{341CC9F9-C2CE-4031-804C-1F2576E1A82A}" type="datetime1">
               <a:rPr lang="nl-BE" smtClean="0"/>
-              <a:t>21/09/2025</a:t>
+              <a:t>28/09/2025</a:t>
             </a:fld>
             <a:endParaRPr lang="nl-NL"/>
           </a:p>
@@ -5258,7 +5258,7 @@
     <p:sldLayoutId id="2147483670" r:id="rId12"/>
     <p:sldLayoutId id="2147483651" r:id="rId13"/>
   </p:sldLayoutIdLst>
-  <p:hf hdr="0" ftr="0" dt="0"/>
+  <p:hf hdr="0" dt="0"/>
   <p:txStyles>
     <p:titleStyle>
       <a:lvl1pPr algn="l" defTabSz="914400" rtl="0" eaLnBrk="1" latinLnBrk="0" hangingPunct="1">
@@ -8763,26 +8763,6 @@
 </file>
 
 <file path=customXml/item1.xml><?xml version="1.0" encoding="utf-8"?>
-<p:properties xmlns:p="http://schemas.microsoft.com/office/2006/metadata/properties" xmlns:xsi="http://www.w3.org/2001/XMLSchema-instance" xmlns:pc="http://schemas.microsoft.com/office/infopath/2007/PartnerControls">
-  <documentManagement>
-    <lcf76f155ced4ddcb4097134ff3c332f xmlns="81d41a3b-f33d-4db6-b532-757106a7a2ae">
-      <Terms xmlns="http://schemas.microsoft.com/office/infopath/2007/PartnerControls"/>
-    </lcf76f155ced4ddcb4097134ff3c332f>
-    <TaxCatchAll xmlns="bf25a9bf-a811-4965-9d0a-b88059080fed" xsi:nil="true"/>
-  </documentManagement>
-</p:properties>
-</file>
-
-<file path=customXml/item2.xml><?xml version="1.0" encoding="utf-8"?>
-<?mso-contentType ?>
-<FormTemplates xmlns="http://schemas.microsoft.com/sharepoint/v3/contenttype/forms">
-  <Display>DocumentLibraryForm</Display>
-  <Edit>DocumentLibraryForm</Edit>
-  <New>DocumentLibraryForm</New>
-</FormTemplates>
-</file>
-
-<file path=customXml/item3.xml><?xml version="1.0" encoding="utf-8"?>
 <ct:contentTypeSchema xmlns:ct="http://schemas.microsoft.com/office/2006/metadata/contentType" xmlns:ma="http://schemas.microsoft.com/office/2006/metadata/properties/metaAttributes" ct:_="" ma:_="" ma:contentTypeName="Document" ma:contentTypeID="0x010100B8C495A181F81B4C9DE5AD85CD0F70D4" ma:contentTypeVersion="18" ma:contentTypeDescription="Een nieuw document maken." ma:contentTypeScope="" ma:versionID="6ba28a59cba4a02a693681f32745d77b">
   <xsd:schema xmlns:xsd="http://www.w3.org/2001/XMLSchema" xmlns:xs="http://www.w3.org/2001/XMLSchema" xmlns:p="http://schemas.microsoft.com/office/2006/metadata/properties" xmlns:ns2="81d41a3b-f33d-4db6-b532-757106a7a2ae" xmlns:ns3="bf25a9bf-a811-4965-9d0a-b88059080fed" targetNamespace="http://schemas.microsoft.com/office/2006/metadata/properties" ma:root="true" ma:fieldsID="b996b4a4c0d83f5cfec71b22aba921d2" ns2:_="" ns3:_="">
     <xsd:import namespace="81d41a3b-f33d-4db6-b532-757106a7a2ae"/>
@@ -9037,32 +9017,27 @@
 </ct:contentTypeSchema>
 </file>
 
-<file path=customXml/itemProps1.xml><?xml version="1.0" encoding="utf-8"?>
-<ds:datastoreItem xmlns:ds="http://schemas.openxmlformats.org/officeDocument/2006/customXml" ds:itemID="{5EE9034D-0B43-4AB0-9535-9A62DB37A999}">
-  <ds:schemaRefs>
-    <ds:schemaRef ds:uri="http://www.w3.org/XML/1998/namespace"/>
-    <ds:schemaRef ds:uri="81d41a3b-f33d-4db6-b532-757106a7a2ae"/>
-    <ds:schemaRef ds:uri="http://purl.org/dc/dcmitype/"/>
-    <ds:schemaRef ds:uri="http://purl.org/dc/elements/1.1/"/>
-    <ds:schemaRef ds:uri="http://schemas.microsoft.com/office/2006/documentManagement/types"/>
-    <ds:schemaRef ds:uri="bf25a9bf-a811-4965-9d0a-b88059080fed"/>
-    <ds:schemaRef ds:uri="http://purl.org/dc/terms/"/>
-    <ds:schemaRef ds:uri="http://schemas.microsoft.com/office/infopath/2007/PartnerControls"/>
-    <ds:schemaRef ds:uri="http://schemas.openxmlformats.org/package/2006/metadata/core-properties"/>
-    <ds:schemaRef ds:uri="http://schemas.microsoft.com/office/2006/metadata/properties"/>
-  </ds:schemaRefs>
-</ds:datastoreItem>
+<file path=customXml/item2.xml><?xml version="1.0" encoding="utf-8"?>
+<?mso-contentType ?>
+<FormTemplates xmlns="http://schemas.microsoft.com/sharepoint/v3/contenttype/forms">
+  <Display>DocumentLibraryForm</Display>
+  <Edit>DocumentLibraryForm</Edit>
+  <New>DocumentLibraryForm</New>
+</FormTemplates>
 </file>
 
-<file path=customXml/itemProps2.xml><?xml version="1.0" encoding="utf-8"?>
-<ds:datastoreItem xmlns:ds="http://schemas.openxmlformats.org/officeDocument/2006/customXml" ds:itemID="{263A7949-1B93-457F-8888-53CC8A016F77}">
-  <ds:schemaRefs>
-    <ds:schemaRef ds:uri="http://schemas.microsoft.com/sharepoint/v3/contenttype/forms"/>
-  </ds:schemaRefs>
-</ds:datastoreItem>
+<file path=customXml/item3.xml><?xml version="1.0" encoding="utf-8"?>
+<p:properties xmlns:p="http://schemas.microsoft.com/office/2006/metadata/properties" xmlns:xsi="http://www.w3.org/2001/XMLSchema-instance" xmlns:pc="http://schemas.microsoft.com/office/infopath/2007/PartnerControls">
+  <documentManagement>
+    <lcf76f155ced4ddcb4097134ff3c332f xmlns="81d41a3b-f33d-4db6-b532-757106a7a2ae">
+      <Terms xmlns="http://schemas.microsoft.com/office/infopath/2007/PartnerControls"/>
+    </lcf76f155ced4ddcb4097134ff3c332f>
+    <TaxCatchAll xmlns="bf25a9bf-a811-4965-9d0a-b88059080fed" xsi:nil="true"/>
+  </documentManagement>
+</p:properties>
 </file>
 
-<file path=customXml/itemProps3.xml><?xml version="1.0" encoding="utf-8"?>
+<file path=customXml/itemProps1.xml><?xml version="1.0" encoding="utf-8"?>
 <ds:datastoreItem xmlns:ds="http://schemas.openxmlformats.org/officeDocument/2006/customXml" ds:itemID="{2A270F01-48F1-4A41-8E26-ACAC66896963}">
   <ds:schemaRefs>
     <ds:schemaRef ds:uri="http://schemas.microsoft.com/office/2006/metadata/contentType"/>
@@ -9079,4 +9054,29 @@
     <ds:schemaRef ds:uri="http://schemas.microsoft.com/internal/obd"/>
   </ds:schemaRefs>
 </ds:datastoreItem>
+</file>
+
+<file path=customXml/itemProps2.xml><?xml version="1.0" encoding="utf-8"?>
+<ds:datastoreItem xmlns:ds="http://schemas.openxmlformats.org/officeDocument/2006/customXml" ds:itemID="{263A7949-1B93-457F-8888-53CC8A016F77}">
+  <ds:schemaRefs>
+    <ds:schemaRef ds:uri="http://schemas.microsoft.com/sharepoint/v3/contenttype/forms"/>
+  </ds:schemaRefs>
+</ds:datastoreItem>
+</file>
+
+<file path=customXml/itemProps3.xml><?xml version="1.0" encoding="utf-8"?>
+<ds:datastoreItem xmlns:ds="http://schemas.openxmlformats.org/officeDocument/2006/customXml" ds:itemID="{5EE9034D-0B43-4AB0-9535-9A62DB37A999}">
+  <ds:schemaRefs>
+    <ds:schemaRef ds:uri="http://www.w3.org/XML/1998/namespace"/>
+    <ds:schemaRef ds:uri="81d41a3b-f33d-4db6-b532-757106a7a2ae"/>
+    <ds:schemaRef ds:uri="http://purl.org/dc/dcmitype/"/>
+    <ds:schemaRef ds:uri="http://purl.org/dc/elements/1.1/"/>
+    <ds:schemaRef ds:uri="http://schemas.microsoft.com/office/2006/documentManagement/types"/>
+    <ds:schemaRef ds:uri="bf25a9bf-a811-4965-9d0a-b88059080fed"/>
+    <ds:schemaRef ds:uri="http://purl.org/dc/terms/"/>
+    <ds:schemaRef ds:uri="http://schemas.microsoft.com/office/infopath/2007/PartnerControls"/>
+    <ds:schemaRef ds:uri="http://schemas.openxmlformats.org/package/2006/metadata/core-properties"/>
+    <ds:schemaRef ds:uri="http://schemas.microsoft.com/office/2006/metadata/properties"/>
+  </ds:schemaRefs>
+</ds:datastoreItem>
 </file>
--- a/ToegepasteAnalogeElektronica/PowerPoint/Klasse-D.pptx
+++ b/ToegepasteAnalogeElektronica/PowerPoint/Klasse-D.pptx
@@ -5685,7 +5685,7 @@
               </a:defRPr>
             </a:pPr>
             <a:r>
-              <a:t>October 2024</a:t>
+              <a:t>October 2025</a:t>
             </a:r>
           </a:p>
         </p:txBody>
@@ -5770,7 +5770,7 @@
         </p:blipFill>
         <p:spPr>
           <a:xfrm>
-            <a:off x="3729037" y="868680"/>
+            <a:off x="3729037" y="566928"/>
             <a:ext cx="4733925" cy="885825"/>
           </a:xfrm>
           <a:prstGeom prst="rect">
@@ -5841,8 +5841,8 @@
         </p:blipFill>
         <p:spPr>
           <a:xfrm>
-            <a:off x="3183858" y="566928"/>
-            <a:ext cx="5824284" cy="5577840"/>
+            <a:off x="3136118" y="566928"/>
+            <a:ext cx="5919764" cy="5669280"/>
           </a:xfrm>
           <a:prstGeom prst="rect">
             <a:avLst/>
@@ -5912,8 +5912,8 @@
         </p:blipFill>
         <p:spPr>
           <a:xfrm>
-            <a:off x="3175643" y="566928"/>
-            <a:ext cx="5840713" cy="5577840"/>
+            <a:off x="3127768" y="566928"/>
+            <a:ext cx="5936463" cy="5669280"/>
           </a:xfrm>
           <a:prstGeom prst="rect">
             <a:avLst/>
@@ -5983,8 +5983,8 @@
         </p:blipFill>
         <p:spPr>
           <a:xfrm>
-            <a:off x="2269158" y="566928"/>
-            <a:ext cx="7653684" cy="5577840"/>
+            <a:off x="2206423" y="566928"/>
+            <a:ext cx="7779154" cy="5669280"/>
           </a:xfrm>
           <a:prstGeom prst="rect">
             <a:avLst/>
@@ -6478,8 +6478,8 @@
         </p:blipFill>
         <p:spPr>
           <a:xfrm>
-            <a:off x="1918781" y="566928"/>
-            <a:ext cx="8354438" cy="5577840"/>
+            <a:off x="1850302" y="566928"/>
+            <a:ext cx="8491396" cy="5669280"/>
           </a:xfrm>
           <a:prstGeom prst="rect">
             <a:avLst/>
@@ -6549,8 +6549,8 @@
         </p:blipFill>
         <p:spPr>
           <a:xfrm>
-            <a:off x="1910566" y="566928"/>
-            <a:ext cx="8370867" cy="5577840"/>
+            <a:off x="1841952" y="566928"/>
+            <a:ext cx="8508095" cy="5669280"/>
           </a:xfrm>
           <a:prstGeom prst="rect">
             <a:avLst/>
@@ -6620,8 +6620,8 @@
         </p:blipFill>
         <p:spPr>
           <a:xfrm>
-            <a:off x="1890029" y="566928"/>
-            <a:ext cx="8411941" cy="5577840"/>
+            <a:off x="1821079" y="566928"/>
+            <a:ext cx="8549842" cy="5669280"/>
           </a:xfrm>
           <a:prstGeom prst="rect">
             <a:avLst/>
@@ -6691,8 +6691,8 @@
         </p:blipFill>
         <p:spPr>
           <a:xfrm>
-            <a:off x="736509" y="566928"/>
-            <a:ext cx="10718981" cy="5577840"/>
+            <a:off x="648649" y="566928"/>
+            <a:ext cx="10894702" cy="5669280"/>
           </a:xfrm>
           <a:prstGeom prst="rect">
             <a:avLst/>
@@ -6762,8 +6762,8 @@
         </p:blipFill>
         <p:spPr>
           <a:xfrm>
-            <a:off x="2475158" y="566928"/>
-            <a:ext cx="7241684" cy="5577840"/>
+            <a:off x="2415800" y="566928"/>
+            <a:ext cx="7360400" cy="5669280"/>
           </a:xfrm>
           <a:prstGeom prst="rect">
             <a:avLst/>
@@ -6833,8 +6833,8 @@
         </p:blipFill>
         <p:spPr>
           <a:xfrm>
-            <a:off x="488385" y="566928"/>
-            <a:ext cx="11215230" cy="5577840"/>
+            <a:off x="396457" y="566928"/>
+            <a:ext cx="11399086" cy="5669280"/>
           </a:xfrm>
           <a:prstGeom prst="rect">
             <a:avLst/>
@@ -6904,8 +6904,8 @@
         </p:blipFill>
         <p:spPr>
           <a:xfrm>
-            <a:off x="1339554" y="566928"/>
-            <a:ext cx="9512892" cy="5577840"/>
+            <a:off x="1261579" y="566928"/>
+            <a:ext cx="9668841" cy="5669280"/>
           </a:xfrm>
           <a:prstGeom prst="rect">
             <a:avLst/>
@@ -6975,8 +6975,8 @@
         </p:blipFill>
         <p:spPr>
           <a:xfrm>
-            <a:off x="1196288" y="566928"/>
-            <a:ext cx="9799424" cy="5577840"/>
+            <a:off x="1115964" y="566928"/>
+            <a:ext cx="9960071" cy="5669280"/>
           </a:xfrm>
           <a:prstGeom prst="rect">
             <a:avLst/>
@@ -7046,8 +7046,8 @@
         </p:blipFill>
         <p:spPr>
           <a:xfrm>
-            <a:off x="1339554" y="566928"/>
-            <a:ext cx="9512892" cy="5577840"/>
+            <a:off x="1261579" y="566928"/>
+            <a:ext cx="9668841" cy="5669280"/>
           </a:xfrm>
           <a:prstGeom prst="rect">
             <a:avLst/>
@@ -7117,8 +7117,8 @@
         </p:blipFill>
         <p:spPr>
           <a:xfrm>
-            <a:off x="3096254" y="566928"/>
-            <a:ext cx="5999491" cy="5577840"/>
+            <a:off x="3047078" y="566928"/>
+            <a:ext cx="6097843" cy="5669280"/>
           </a:xfrm>
           <a:prstGeom prst="rect">
             <a:avLst/>
@@ -7188,8 +7188,8 @@
         </p:blipFill>
         <p:spPr>
           <a:xfrm>
-            <a:off x="3096254" y="566928"/>
-            <a:ext cx="5999491" cy="5577840"/>
+            <a:off x="3047078" y="566928"/>
+            <a:ext cx="6097843" cy="5669280"/>
           </a:xfrm>
           <a:prstGeom prst="rect">
             <a:avLst/>
@@ -7295,8 +7295,8 @@
         </p:blipFill>
         <p:spPr>
           <a:xfrm>
-            <a:off x="2286553" y="566928"/>
-            <a:ext cx="7618893" cy="5577840"/>
+            <a:off x="2224103" y="566928"/>
+            <a:ext cx="7743793" cy="5669280"/>
           </a:xfrm>
           <a:prstGeom prst="rect">
             <a:avLst/>
@@ -7366,8 +7366,8 @@
         </p:blipFill>
         <p:spPr>
           <a:xfrm>
-            <a:off x="2475158" y="566928"/>
-            <a:ext cx="7241684" cy="5577840"/>
+            <a:off x="2415800" y="566928"/>
+            <a:ext cx="7360400" cy="5669280"/>
           </a:xfrm>
           <a:prstGeom prst="rect">
             <a:avLst/>
@@ -7733,8 +7733,8 @@
         </p:blipFill>
         <p:spPr>
           <a:xfrm>
-            <a:off x="1918781" y="566928"/>
-            <a:ext cx="8354438" cy="5577840"/>
+            <a:off x="1850302" y="566928"/>
+            <a:ext cx="8491396" cy="5669280"/>
           </a:xfrm>
           <a:prstGeom prst="rect">
             <a:avLst/>
@@ -7804,8 +7804,8 @@
         </p:blipFill>
         <p:spPr>
           <a:xfrm>
-            <a:off x="1902351" y="566928"/>
-            <a:ext cx="8387297" cy="5577840"/>
+            <a:off x="1833603" y="566928"/>
+            <a:ext cx="8524794" cy="5669280"/>
           </a:xfrm>
           <a:prstGeom prst="rect">
             <a:avLst/>
@@ -7892,7 +7892,7 @@
         </p:blipFill>
         <p:spPr>
           <a:xfrm>
-            <a:off x="1195387" y="868680"/>
+            <a:off x="1195387" y="2395728"/>
             <a:ext cx="9801225" cy="952500"/>
           </a:xfrm>
           <a:prstGeom prst="rect">
@@ -7963,8 +7963,8 @@
         </p:blipFill>
         <p:spPr>
           <a:xfrm>
-            <a:off x="3241361" y="566928"/>
-            <a:ext cx="5709277" cy="5577840"/>
+            <a:off x="3194564" y="566928"/>
+            <a:ext cx="5802871" cy="5669280"/>
           </a:xfrm>
           <a:prstGeom prst="rect">
             <a:avLst/>

--- a/ToegepasteAnalogeElektronica/PowerPoint/Klasse-D.pptx
+++ b/ToegepasteAnalogeElektronica/PowerPoint/Klasse-D.pptx
@@ -38,6 +38,12 @@
     <p:sldId id="280" r:id="rId37"/>
     <p:sldId id="281" r:id="rId38"/>
     <p:sldId id="282" r:id="rId39"/>
+    <p:sldId id="283" r:id="rId40"/>
+    <p:sldId id="284" r:id="rId41"/>
+    <p:sldId id="285" r:id="rId42"/>
+    <p:sldId id="286" r:id="rId43"/>
+    <p:sldId id="287" r:id="rId44"/>
+    <p:sldId id="288" r:id="rId45"/>
   </p:sldIdLst>
   <p:sldSz cx="12192000" cy="6858000"/>
   <p:notesSz cx="6858000" cy="9144000"/>
@@ -1130,6 +1136,457 @@
     </a:lvl9pPr>
   </p:notesStyle>
 </p:notesMaster>
+</file>
+
+<file path=ppt/notesSlides/notesSlide1.xml><?xml version="1.0" encoding="utf-8"?>
+<p:notes xmlns:a="http://schemas.openxmlformats.org/drawingml/2006/main" xmlns:p="http://schemas.openxmlformats.org/presentationml/2006/main" xmlns:r="http://schemas.openxmlformats.org/officeDocument/2006/relationships">
+  <p:cSld>
+    <p:spTree>
+      <p:nvGrpSpPr>
+        <p:cNvPr id="1" name=""/>
+        <p:cNvGrpSpPr/>
+        <p:nvPr/>
+      </p:nvGrpSpPr>
+      <p:grpSpPr>
+        <a:xfrm>
+          <a:off x="0" y="0"/>
+          <a:ext cx="0" cy="0"/>
+          <a:chOff x="0" y="0"/>
+          <a:chExt cx="0" cy="0"/>
+        </a:xfrm>
+      </p:grpSpPr>
+      <p:sp>
+        <p:nvSpPr>
+          <p:cNvPr id="2" name="Slide Image Placeholder 1"/>
+          <p:cNvSpPr>
+            <a:spLocks noGrp="1"/>
+          </p:cNvSpPr>
+          <p:nvPr>
+            <p:ph type="sldImg" idx="2"/>
+          </p:nvPr>
+        </p:nvSpPr>
+        <p:spPr/>
+      </p:sp>
+      <p:sp>
+        <p:nvSpPr>
+          <p:cNvPr id="3" name="Notes Placeholder 2"/>
+          <p:cNvSpPr>
+            <a:spLocks noGrp="1"/>
+          </p:cNvSpPr>
+          <p:nvPr>
+            <p:ph type="body" idx="3" sz="quarter"/>
+          </p:nvPr>
+        </p:nvSpPr>
+        <p:spPr/>
+        <p:txBody>
+          <a:bodyPr/>
+          <a:lstStyle/>
+          <a:p>
+            <a:r>
+              <a:t>De schakelverliezen kunnen als het volgt ingeschat worden. De interne spanningen van de schakelende transistor (bv V&lt;sub&gt;BE&lt;/sub&gt; of V&lt;sub&gt;GS&lt;/sub&gt;) moeten om een bepaalde spanning opgeladen zijn om in geleiding of in sper te kunnen zijn. Om over te gaan naar de andere geleidingsvorm moeten die capaciteiten opgeladen of ontladen worden. Hiervoor is energie nodige en dit levert verliezen op.</a:t>
+            </a:r>
+          </a:p>
+          <a:p/>
+          <a:p>
+            <a:r>
+              <a:t>Eens een transistor in geleiding kan de spanning over deze transistor niet helemaal nul zijn. Bij een bipolaire transistor zal er steeds de saturatiespanning over de transistor blijven staan en bij een MOS transistor bepaalt de aan-weerstand , samen met de stroom hoeveel spanning er nog over staat. Hetzelfde geldt voor een MESFET of een JFET.</a:t>
+            </a:r>
+          </a:p>
+        </p:txBody>
+      </p:sp>
+      <p:sp>
+        <p:nvSpPr>
+          <p:cNvPr id="4" name="Slide Number Placeholder 3"/>
+          <p:cNvSpPr>
+            <a:spLocks noGrp="1"/>
+          </p:cNvSpPr>
+          <p:nvPr>
+            <p:ph type="sldNum" idx="5" sz="quarter"/>
+          </p:nvPr>
+        </p:nvSpPr>
+        <p:spPr/>
+      </p:sp>
+    </p:spTree>
+  </p:cSld>
+  <p:clrMapOvr>
+    <a:masterClrMapping/>
+  </p:clrMapOvr>
+</p:notes>
+</file>
+
+<file path=ppt/notesSlides/notesSlide2.xml><?xml version="1.0" encoding="utf-8"?>
+<p:notes xmlns:a="http://schemas.openxmlformats.org/drawingml/2006/main" xmlns:p="http://schemas.openxmlformats.org/presentationml/2006/main" xmlns:r="http://schemas.openxmlformats.org/officeDocument/2006/relationships">
+  <p:cSld>
+    <p:spTree>
+      <p:nvGrpSpPr>
+        <p:cNvPr id="1" name=""/>
+        <p:cNvGrpSpPr/>
+        <p:nvPr/>
+      </p:nvGrpSpPr>
+      <p:grpSpPr>
+        <a:xfrm>
+          <a:off x="0" y="0"/>
+          <a:ext cx="0" cy="0"/>
+          <a:chOff x="0" y="0"/>
+          <a:chExt cx="0" cy="0"/>
+        </a:xfrm>
+      </p:grpSpPr>
+      <p:sp>
+        <p:nvSpPr>
+          <p:cNvPr id="2" name="Slide Image Placeholder 1"/>
+          <p:cNvSpPr>
+            <a:spLocks noGrp="1"/>
+          </p:cNvSpPr>
+          <p:nvPr>
+            <p:ph type="sldImg" idx="2"/>
+          </p:nvPr>
+        </p:nvSpPr>
+        <p:spPr/>
+      </p:sp>
+      <p:sp>
+        <p:nvSpPr>
+          <p:cNvPr id="3" name="Notes Placeholder 2"/>
+          <p:cNvSpPr>
+            <a:spLocks noGrp="1"/>
+          </p:cNvSpPr>
+          <p:nvPr>
+            <p:ph type="body" idx="3" sz="quarter"/>
+          </p:nvPr>
+        </p:nvSpPr>
+        <p:spPr/>
+        <p:txBody>
+          <a:bodyPr/>
+          <a:lstStyle/>
+          <a:p>
+            <a:r>
+              <a:t>We merken dat indien de klasse D versterker off-resonance aangestuurd wordt, dat de impedantie dan ook een reactieve (=imaginaire) component heeft. Daardoor zullen stroom en spanning niet meer in fase zijn.</a:t>
+            </a:r>
+          </a:p>
+          <a:p>
+            <a:r>
+              <a:t>Als een gevolg hiervan zou de transistor die in geleiding is een omgekeerde stroom moeten leveren, wat niet kan in geval van een bipolaire transistor. Hierdoor zou de stroom plots afgebroken worden en er over de inductantie een zeer grote spanning komen te staan, wat de transistor kan kapotmaken.</a:t>
+            </a:r>
+          </a:p>
+        </p:txBody>
+      </p:sp>
+      <p:sp>
+        <p:nvSpPr>
+          <p:cNvPr id="4" name="Slide Number Placeholder 3"/>
+          <p:cNvSpPr>
+            <a:spLocks noGrp="1"/>
+          </p:cNvSpPr>
+          <p:nvPr>
+            <p:ph type="sldNum" idx="5" sz="quarter"/>
+          </p:nvPr>
+        </p:nvSpPr>
+        <p:spPr/>
+      </p:sp>
+    </p:spTree>
+  </p:cSld>
+  <p:clrMapOvr>
+    <a:masterClrMapping/>
+  </p:clrMapOvr>
+</p:notes>
+</file>
+
+<file path=ppt/notesSlides/notesSlide3.xml><?xml version="1.0" encoding="utf-8"?>
+<p:notes xmlns:a="http://schemas.openxmlformats.org/drawingml/2006/main" xmlns:p="http://schemas.openxmlformats.org/presentationml/2006/main" xmlns:r="http://schemas.openxmlformats.org/officeDocument/2006/relationships">
+  <p:cSld>
+    <p:spTree>
+      <p:nvGrpSpPr>
+        <p:cNvPr id="1" name=""/>
+        <p:cNvGrpSpPr/>
+        <p:nvPr/>
+      </p:nvGrpSpPr>
+      <p:grpSpPr>
+        <a:xfrm>
+          <a:off x="0" y="0"/>
+          <a:ext cx="0" cy="0"/>
+          <a:chOff x="0" y="0"/>
+          <a:chExt cx="0" cy="0"/>
+        </a:xfrm>
+      </p:grpSpPr>
+      <p:sp>
+        <p:nvSpPr>
+          <p:cNvPr id="2" name="Slide Image Placeholder 1"/>
+          <p:cNvSpPr>
+            <a:spLocks noGrp="1"/>
+          </p:cNvSpPr>
+          <p:nvPr>
+            <p:ph type="sldImg" idx="2"/>
+          </p:nvPr>
+        </p:nvSpPr>
+        <p:spPr/>
+      </p:sp>
+      <p:sp>
+        <p:nvSpPr>
+          <p:cNvPr id="3" name="Notes Placeholder 2"/>
+          <p:cNvSpPr>
+            <a:spLocks noGrp="1"/>
+          </p:cNvSpPr>
+          <p:nvPr>
+            <p:ph type="body" idx="3" sz="quarter"/>
+          </p:nvPr>
+        </p:nvSpPr>
+        <p:spPr/>
+        <p:txBody>
+          <a:bodyPr/>
+          <a:lstStyle/>
+          <a:p>
+            <a:r>
+              <a:t>In de plaats van met 2 complementaire transistors kan deze schakeling ook uitgevoerd worden met 2 NPN transistors. Maar deze 2 transistors moeten dan wel aangestuurd worden met een tegengesteld signaal tussen hun basis en emitter. Hiervoor kan bijvoorbeeld een transformator gebruikt worden, zoals aangegeven in het schema. Het blijft hierbij zo dat het stuursignaal dat opgelegd wordt aan de trilkring een blokgolf spanning is. De kring zorgt er dan voor dat de stroom die erdoor loopt (voornamelijk) de eerste harmonische is van die opgelegde spanning. Deze stroom loopt dan ook door de belasting waardoor we hier zowel een sinusvormige stroom als spanning bekomen.</a:t>
+            </a:r>
+          </a:p>
+        </p:txBody>
+      </p:sp>
+      <p:sp>
+        <p:nvSpPr>
+          <p:cNvPr id="4" name="Slide Number Placeholder 3"/>
+          <p:cNvSpPr>
+            <a:spLocks noGrp="1"/>
+          </p:cNvSpPr>
+          <p:nvPr>
+            <p:ph type="sldNum" idx="5" sz="quarter"/>
+          </p:nvPr>
+        </p:nvSpPr>
+        <p:spPr/>
+      </p:sp>
+    </p:spTree>
+  </p:cSld>
+  <p:clrMapOvr>
+    <a:masterClrMapping/>
+  </p:clrMapOvr>
+</p:notes>
+</file>
+
+<file path=ppt/notesSlides/notesSlide4.xml><?xml version="1.0" encoding="utf-8"?>
+<p:notes xmlns:a="http://schemas.openxmlformats.org/drawingml/2006/main" xmlns:p="http://schemas.openxmlformats.org/presentationml/2006/main" xmlns:r="http://schemas.openxmlformats.org/officeDocument/2006/relationships">
+  <p:cSld>
+    <p:spTree>
+      <p:nvGrpSpPr>
+        <p:cNvPr id="1" name=""/>
+        <p:cNvGrpSpPr/>
+        <p:nvPr/>
+      </p:nvGrpSpPr>
+      <p:grpSpPr>
+        <a:xfrm>
+          <a:off x="0" y="0"/>
+          <a:ext cx="0" cy="0"/>
+          <a:chOff x="0" y="0"/>
+          <a:chExt cx="0" cy="0"/>
+        </a:xfrm>
+      </p:grpSpPr>
+      <p:sp>
+        <p:nvSpPr>
+          <p:cNvPr id="2" name="Slide Image Placeholder 1"/>
+          <p:cNvSpPr>
+            <a:spLocks noGrp="1"/>
+          </p:cNvSpPr>
+          <p:nvPr>
+            <p:ph type="sldImg" idx="2"/>
+          </p:nvPr>
+        </p:nvSpPr>
+        <p:spPr/>
+      </p:sp>
+      <p:sp>
+        <p:nvSpPr>
+          <p:cNvPr id="3" name="Notes Placeholder 2"/>
+          <p:cNvSpPr>
+            <a:spLocks noGrp="1"/>
+          </p:cNvSpPr>
+          <p:nvPr>
+            <p:ph type="body" idx="3" sz="quarter"/>
+          </p:nvPr>
+        </p:nvSpPr>
+        <p:spPr/>
+        <p:txBody>
+          <a:bodyPr/>
+          <a:lstStyle/>
+          <a:p>
+            <a:r>
+              <a:t>Alle andere schema's kunnen op een gelijkaardige wijze worden uitgerust met overbruggingsdiodes om een negatieve spanning over de transistor te voorkomen.</a:t>
+            </a:r>
+          </a:p>
+          <a:p>
+            <a:r>
+              <a:t>Deze overbruggingsdiodes zorgen ervoor dat de klasse D versterker veel geschikter is dan de klasse C versterker voor een werking iets naast de resonantiefrequentie.</a:t>
+            </a:r>
+          </a:p>
+        </p:txBody>
+      </p:sp>
+      <p:sp>
+        <p:nvSpPr>
+          <p:cNvPr id="4" name="Slide Number Placeholder 3"/>
+          <p:cNvSpPr>
+            <a:spLocks noGrp="1"/>
+          </p:cNvSpPr>
+          <p:nvPr>
+            <p:ph type="sldNum" idx="5" sz="quarter"/>
+          </p:nvPr>
+        </p:nvSpPr>
+        <p:spPr/>
+      </p:sp>
+    </p:spTree>
+  </p:cSld>
+  <p:clrMapOvr>
+    <a:masterClrMapping/>
+  </p:clrMapOvr>
+</p:notes>
+</file>
+
+<file path=ppt/notesSlides/notesSlide5.xml><?xml version="1.0" encoding="utf-8"?>
+<p:notes xmlns:a="http://schemas.openxmlformats.org/drawingml/2006/main" xmlns:p="http://schemas.openxmlformats.org/presentationml/2006/main" xmlns:r="http://schemas.openxmlformats.org/officeDocument/2006/relationships">
+  <p:cSld>
+    <p:spTree>
+      <p:nvGrpSpPr>
+        <p:cNvPr id="1" name=""/>
+        <p:cNvGrpSpPr/>
+        <p:nvPr/>
+      </p:nvGrpSpPr>
+      <p:grpSpPr>
+        <a:xfrm>
+          <a:off x="0" y="0"/>
+          <a:ext cx="0" cy="0"/>
+          <a:chOff x="0" y="0"/>
+          <a:chExt cx="0" cy="0"/>
+        </a:xfrm>
+      </p:grpSpPr>
+      <p:sp>
+        <p:nvSpPr>
+          <p:cNvPr id="2" name="Slide Image Placeholder 1"/>
+          <p:cNvSpPr>
+            <a:spLocks noGrp="1"/>
+          </p:cNvSpPr>
+          <p:nvPr>
+            <p:ph type="sldImg" idx="2"/>
+          </p:nvPr>
+        </p:nvSpPr>
+        <p:spPr/>
+      </p:sp>
+      <p:sp>
+        <p:nvSpPr>
+          <p:cNvPr id="3" name="Notes Placeholder 2"/>
+          <p:cNvSpPr>
+            <a:spLocks noGrp="1"/>
+          </p:cNvSpPr>
+          <p:nvPr>
+            <p:ph type="body" idx="3" sz="quarter"/>
+          </p:nvPr>
+        </p:nvSpPr>
+        <p:spPr/>
+        <p:txBody>
+          <a:bodyPr/>
+          <a:lstStyle/>
+          <a:p>
+            <a:r>
+              <a:t>De trilkring in het bovenstaande schema krijgt ook een blokgolf spanning te verwerken. Deze wordt echter niet rechtstreeks opgelegd, maar wel aan de hand van een transformator. Indien de rechter transistor in geleiding is krijgen we de positieve voedingsspanning over de trilkring. Indien de linker transistor in geleiding is krijgen we de negatieve voedingsspanning over de trilkring. De trilkring bepaald vervolgens de stromen die er vloeien en deze stromen lopen dan ook door de respectievelijke transistors.</a:t>
+            </a:r>
+          </a:p>
+          <a:p>
+            <a:r>
+              <a:t>Indien de wikkelverhouding groter dan 1 is, wordt er een grotere blokgolf spanning over de trilkring bekomen en moet er een zelfde factor meer stroom lopen door de transistors dan er door de trilkring loopt. Omgekeerd geldt natuurlijk het omgekeerde.</a:t>
+            </a:r>
+          </a:p>
+          <a:p>
+            <a:r>
+              <a:t>Ook dit schema heeft het voordeel dat er gewerkt wordt met npn transistors.</a:t>
+            </a:r>
+          </a:p>
+        </p:txBody>
+      </p:sp>
+      <p:sp>
+        <p:nvSpPr>
+          <p:cNvPr id="4" name="Slide Number Placeholder 3"/>
+          <p:cNvSpPr>
+            <a:spLocks noGrp="1"/>
+          </p:cNvSpPr>
+          <p:nvPr>
+            <p:ph type="sldNum" idx="5" sz="quarter"/>
+          </p:nvPr>
+        </p:nvSpPr>
+        <p:spPr/>
+      </p:sp>
+    </p:spTree>
+  </p:cSld>
+  <p:clrMapOvr>
+    <a:masterClrMapping/>
+  </p:clrMapOvr>
+</p:notes>
+</file>
+
+<file path=ppt/notesSlides/notesSlide6.xml><?xml version="1.0" encoding="utf-8"?>
+<p:notes xmlns:a="http://schemas.openxmlformats.org/drawingml/2006/main" xmlns:p="http://schemas.openxmlformats.org/presentationml/2006/main" xmlns:r="http://schemas.openxmlformats.org/officeDocument/2006/relationships">
+  <p:cSld>
+    <p:spTree>
+      <p:nvGrpSpPr>
+        <p:cNvPr id="1" name=""/>
+        <p:cNvGrpSpPr/>
+        <p:nvPr/>
+      </p:nvGrpSpPr>
+      <p:grpSpPr>
+        <a:xfrm>
+          <a:off x="0" y="0"/>
+          <a:ext cx="0" cy="0"/>
+          <a:chOff x="0" y="0"/>
+          <a:chExt cx="0" cy="0"/>
+        </a:xfrm>
+      </p:grpSpPr>
+      <p:sp>
+        <p:nvSpPr>
+          <p:cNvPr id="2" name="Slide Image Placeholder 1"/>
+          <p:cNvSpPr>
+            <a:spLocks noGrp="1"/>
+          </p:cNvSpPr>
+          <p:nvPr>
+            <p:ph type="sldImg" idx="2"/>
+          </p:nvPr>
+        </p:nvSpPr>
+        <p:spPr/>
+      </p:sp>
+      <p:sp>
+        <p:nvSpPr>
+          <p:cNvPr id="3" name="Notes Placeholder 2"/>
+          <p:cNvSpPr>
+            <a:spLocks noGrp="1"/>
+          </p:cNvSpPr>
+          <p:nvPr>
+            <p:ph type="body" idx="3" sz="quarter"/>
+          </p:nvPr>
+        </p:nvSpPr>
+        <p:spPr/>
+        <p:txBody>
+          <a:bodyPr/>
+          <a:lstStyle/>
+          <a:p>
+            <a:r>
+              <a:t>Een klasse D versterker, kan, zoals de klasse C versterker ook aangestuurd worden met stroomsturing. In dit geval moeten we wel werken met een parallel resonantiekring. De stroom die naar de kring gestuurd wordt is in dit geval een blokgolf. Enkel de eerste harmonische uit deze blokgolf zal in staat zijn een spanning op te bouwen over de trilkring op de bouwen en dus vermogen te leveren aan de belasting. Alle hogere harmonischen zien een lage impedantie in de condensator C&lt;sub&gt;1&lt;/sub&gt; en laden deze condensator dus op en af. Er wordt geen spanning over R&lt;sub&gt;L&lt;/sub&gt; bekomen en dus ook geen vermogen overgedragen.</a:t>
+            </a:r>
+          </a:p>
+          <a:p>
+            <a:r>
+              <a:t>Om een stroomsturing te bekomen moeten we ervoor zorgen dat de stroom door elk van de primaire wikkelingen van de transformator steeds een constante is. Hiervoor plaatsen we een grote inductantie L&lt;sub&gt;0&lt;/sub&gt; tussen de voedingsspanning V&lt;sub&gt;dd&lt;/sub&gt; en de aftakking van de transformator. Deze inductantie zal ervoor zorgen dat elke stroomvariatie wordt tegengewerkt door de spanning aan te passen.</a:t>
+            </a:r>
+          </a:p>
+        </p:txBody>
+      </p:sp>
+      <p:sp>
+        <p:nvSpPr>
+          <p:cNvPr id="4" name="Slide Number Placeholder 3"/>
+          <p:cNvSpPr>
+            <a:spLocks noGrp="1"/>
+          </p:cNvSpPr>
+          <p:nvPr>
+            <p:ph type="sldNum" idx="5" sz="quarter"/>
+          </p:nvPr>
+        </p:nvSpPr>
+        <p:spPr/>
+      </p:sp>
+    </p:spTree>
+  </p:cSld>
+  <p:clrMapOvr>
+    <a:masterClrMapping/>
+  </p:clrMapOvr>
+</p:notes>
 </file>
 
 <file path=ppt/slideLayouts/slideLayout1.xml><?xml version="1.0" encoding="utf-8"?>
@@ -5746,7 +6203,7 @@
               <a:rPr sz="3200" b="1" i="0">
                 <a:latin typeface="Arial"/>
               </a:rPr>
-              <a:t>impedantie van de serie trilkring</a:t>
+              <a:t>Fourrier reeks van de spanning op knoop 2</a:t>
             </a:r>
             <a:endParaRPr sz="3200" b="1" i="0">
               <a:latin typeface="Arial"/>
@@ -5770,8 +6227,8 @@
         </p:blipFill>
         <p:spPr>
           <a:xfrm>
-            <a:off x="3729037" y="566928"/>
-            <a:ext cx="4733925" cy="885825"/>
+            <a:off x="1195387" y="2395728"/>
+            <a:ext cx="9801225" cy="952500"/>
           </a:xfrm>
           <a:prstGeom prst="rect">
             <a:avLst/>
@@ -5798,7 +6255,24 @@
       <p:grpSpPr/>
       <p:sp>
         <p:nvSpPr>
-          <p:cNvPr id="2" name="Title 1"/>
+          <p:cNvPr id="2" name="Content Placeholder 1"/>
+          <p:cNvSpPr>
+            <a:spLocks noGrp="1"/>
+          </p:cNvSpPr>
+          <p:nvPr>
+            <p:ph idx="1"/>
+          </p:nvPr>
+        </p:nvSpPr>
+        <p:spPr/>
+        <p:txBody>
+          <a:bodyPr/>
+          <a:lstStyle/>
+          <a:p/>
+        </p:txBody>
+      </p:sp>
+      <p:sp>
+        <p:nvSpPr>
+          <p:cNvPr id="3" name="Title 2"/>
           <p:cNvSpPr>
             <a:spLocks noGrp="1"/>
           </p:cNvSpPr>
@@ -5817,7 +6291,7 @@
               <a:rPr sz="3200" b="1" i="0">
                 <a:latin typeface="Arial"/>
               </a:rPr>
-              <a:t>Harmonische componenten van de uitgangsstroom</a:t>
+              <a:t>Fourrier reeks van de blokgolf</a:t>
             </a:r>
             <a:endParaRPr sz="3200" b="1" i="0">
               <a:latin typeface="Arial"/>
@@ -5825,30 +6299,66 @@
           </a:p>
         </p:txBody>
       </p:sp>
-      <p:pic>
-        <p:nvPicPr>
-          <p:cNvPr id="3" name="Picture 2" descr="image.png"/>
-          <p:cNvPicPr>
-            <a:picLocks noChangeAspect="1"/>
-          </p:cNvPicPr>
-          <p:nvPr/>
-        </p:nvPicPr>
-        <p:blipFill>
-          <a:blip r:embed="rId2"/>
-          <a:stretch>
-            <a:fillRect/>
-          </a:stretch>
-        </p:blipFill>
-        <p:spPr>
-          <a:xfrm>
-            <a:off x="3136118" y="566928"/>
-            <a:ext cx="5919764" cy="5669280"/>
-          </a:xfrm>
-          <a:prstGeom prst="rect">
-            <a:avLst/>
-          </a:prstGeom>
-        </p:spPr>
-      </p:pic>
+      <p:sp>
+        <p:nvSpPr>
+          <p:cNvPr id="2" name="Content Placeholder 1"/>
+          <p:cNvSpPr>
+            <a:spLocks noGrp="1"/>
+          </p:cNvSpPr>
+          <p:nvPr>
+            <p:ph idx="1"/>
+          </p:nvPr>
+        </p:nvSpPr>
+        <p:spPr>
+          <a:xfrm>
+            <a:off x="914400" y="566928"/>
+            <a:ext cx="10820400" cy="5669280"/>
+          </a:xfrm>
+        </p:spPr>
+        <p:txBody>
+          <a:bodyPr>
+            <a:spAutoFit/>
+          </a:bodyPr>
+          <a:lstStyle/>
+          <a:p/>
+          <a:p>
+            <a:pPr lvl="1"/>
+            <a:r>
+              <a:t>Heeft geen even harmonische componenten</a:t>
+            </a:r>
+          </a:p>
+          <a:p>
+            <a:pPr lvl="1"/>
+            <a:r>
+              <a:t>Oneven hogere harmonische componenten</a:t>
+            </a:r>
+          </a:p>
+          <a:p>
+            <a:pPr lvl="2"/>
+            <a:r>
+              <a:t>dalen sterk met de frequentie</a:t>
+            </a:r>
+          </a:p>
+          <a:p>
+            <a:pPr lvl="2"/>
+            <a:r>
+              <a:t>zien ook een veel hogere impedentie</a:t>
+            </a:r>
+          </a:p>
+          <a:p>
+            <a:pPr/>
+            <a:r>
+              <a:t>    </a:t>
+            </a:r>
+          </a:p>
+          <a:p>
+            <a:pPr/>
+            <a:r>
+              <a:t>Dus, de harmonische bijdrage is klein, maar niet onbestaande (hangt af van de kwaliteit van de kring)</a:t>
+            </a:r>
+          </a:p>
+        </p:txBody>
+      </p:sp>
     </p:spTree>
   </p:cSld>
   <p:clrMapOvr>
@@ -5869,7 +6379,24 @@
       <p:grpSpPr/>
       <p:sp>
         <p:nvSpPr>
-          <p:cNvPr id="2" name="Title 1"/>
+          <p:cNvPr id="2" name="Content Placeholder 1"/>
+          <p:cNvSpPr>
+            <a:spLocks noGrp="1"/>
+          </p:cNvSpPr>
+          <p:nvPr>
+            <p:ph idx="1"/>
+          </p:nvPr>
+        </p:nvSpPr>
+        <p:spPr/>
+        <p:txBody>
+          <a:bodyPr/>
+          <a:lstStyle/>
+          <a:p/>
+        </p:txBody>
+      </p:sp>
+      <p:sp>
+        <p:nvSpPr>
+          <p:cNvPr id="3" name="Title 2"/>
           <p:cNvSpPr>
             <a:spLocks noGrp="1"/>
           </p:cNvSpPr>
@@ -5885,20 +6412,69 @@
           <a:lstStyle/>
           <a:p>
             <a:r>
-              <a:rPr sz="2800" b="1" i="0">
+              <a:rPr sz="3200" b="1" i="0">
                 <a:latin typeface="Arial"/>
               </a:rPr>
-              <a:t>Harmonische componenten van de uitgangsstroom (logschaal)</a:t>
-            </a:r>
-            <a:endParaRPr sz="2800" b="1" i="0">
+              <a:t>Nuttig vermogen</a:t>
+            </a:r>
+            <a:endParaRPr sz="3200" b="1" i="0">
               <a:latin typeface="Arial"/>
             </a:endParaRPr>
           </a:p>
         </p:txBody>
       </p:sp>
+      <p:sp>
+        <p:nvSpPr>
+          <p:cNvPr id="2" name="Content Placeholder 1"/>
+          <p:cNvSpPr>
+            <a:spLocks noGrp="1"/>
+          </p:cNvSpPr>
+          <p:nvPr>
+            <p:ph idx="1"/>
+          </p:nvPr>
+        </p:nvSpPr>
+        <p:spPr>
+          <a:xfrm>
+            <a:off x="914400" y="566928"/>
+            <a:ext cx="10820400" cy="5669280"/>
+          </a:xfrm>
+        </p:spPr>
+        <p:txBody>
+          <a:bodyPr>
+            <a:spAutoFit/>
+          </a:bodyPr>
+          <a:lstStyle/>
+          <a:p/>
+          <a:p>
+            <a:pPr lvl="1"/>
+            <a:r>
+              <a:t>Bekomen spanning over R</a:t>
+            </a:r>
+            <a:r>
+              <a:rPr sz="1800" baseline="-25000"/>
+              <a:t>L</a:t>
+            </a:r>
+            <a:r>
+              <a:t> is de amplitude van de eerste harmonische van de blokgolf.</a:t>
+            </a:r>
+          </a:p>
+          <a:p>
+            <a:pPr lvl="2"/>
+            <a:r>
+              <a:t>Dit houdt in dat amplitude modulatie alleen maar kan bekomen worden door plaatmodulatie</a:t>
+            </a:r>
+          </a:p>
+          <a:p>
+            <a:pPr lvl="1"/>
+            <a:r>
+              <a:t>Deze amplitude bedraagt:</a:t>
+            </a:r>
+          </a:p>
+        </p:txBody>
+      </p:sp>
       <p:pic>
         <p:nvPicPr>
-          <p:cNvPr id="3" name="Picture 2" descr="image.png"/>
+          <p:cNvPr id="4" name="Picture 3" descr="image.png"/>
           <p:cNvPicPr>
             <a:picLocks noChangeAspect="1"/>
           </p:cNvPicPr>
@@ -5912,8 +6488,60 @@
         </p:blipFill>
         <p:spPr>
           <a:xfrm>
-            <a:off x="3127768" y="566928"/>
-            <a:ext cx="5936463" cy="5669280"/>
+            <a:off x="4976812" y="6419088"/>
+            <a:ext cx="2238375" cy="809625"/>
+          </a:xfrm>
+          <a:prstGeom prst="rect">
+            <a:avLst/>
+          </a:prstGeom>
+        </p:spPr>
+      </p:pic>
+      <p:sp>
+        <p:nvSpPr>
+          <p:cNvPr id="2" name="Content Placeholder 1"/>
+          <p:cNvSpPr>
+            <a:spLocks noGrp="1"/>
+          </p:cNvSpPr>
+          <p:nvPr>
+            <p:ph idx="1"/>
+          </p:nvPr>
+        </p:nvSpPr>
+        <p:spPr>
+          <a:xfrm>
+            <a:off x="914400" y="7503033"/>
+            <a:ext cx="10820400" cy="5669280"/>
+          </a:xfrm>
+        </p:spPr>
+        <p:txBody>
+          <a:bodyPr>
+            <a:spAutoFit/>
+          </a:bodyPr>
+          <a:lstStyle/>
+          <a:p>
+            <a:r>
+              <a:t>Klasse D versterkers</a:t>
+            </a:r>
+          </a:p>
+        </p:txBody>
+      </p:sp>
+      <p:pic>
+        <p:nvPicPr>
+          <p:cNvPr id="5" name="Picture 4" descr="image.png"/>
+          <p:cNvPicPr>
+            <a:picLocks noChangeAspect="1"/>
+          </p:cNvPicPr>
+          <p:nvPr/>
+        </p:nvPicPr>
+        <p:blipFill>
+          <a:blip r:embed="rId3"/>
+          <a:stretch>
+            <a:fillRect/>
+          </a:stretch>
+        </p:blipFill>
+        <p:spPr>
+          <a:xfrm>
+            <a:off x="4957762" y="13355193"/>
+            <a:ext cx="2276475" cy="923925"/>
           </a:xfrm>
           <a:prstGeom prst="rect">
             <a:avLst/>
@@ -5940,7 +6568,24 @@
       <p:grpSpPr/>
       <p:sp>
         <p:nvSpPr>
-          <p:cNvPr id="2" name="Title 1"/>
+          <p:cNvPr id="2" name="Content Placeholder 1"/>
+          <p:cNvSpPr>
+            <a:spLocks noGrp="1"/>
+          </p:cNvSpPr>
+          <p:nvPr>
+            <p:ph idx="1"/>
+          </p:nvPr>
+        </p:nvSpPr>
+        <p:spPr/>
+        <p:txBody>
+          <a:bodyPr/>
+          <a:lstStyle/>
+          <a:p/>
+        </p:txBody>
+      </p:sp>
+      <p:sp>
+        <p:nvSpPr>
+          <p:cNvPr id="3" name="Title 2"/>
           <p:cNvSpPr>
             <a:spLocks noGrp="1"/>
           </p:cNvSpPr>
@@ -5956,20 +6601,77 @@
           <a:lstStyle/>
           <a:p>
             <a:r>
-              <a:rPr sz="2800" b="1" i="0">
+              <a:rPr sz="3200" b="1" i="0">
                 <a:latin typeface="Arial"/>
               </a:rPr>
-              <a:t>Basisschema van de klasse D versterker met beschermdiodes</a:t>
-            </a:r>
-            <a:endParaRPr sz="2800" b="1" i="0">
+              <a:t>Opgestapelde energie</a:t>
+            </a:r>
+            <a:endParaRPr sz="3200" b="1" i="0">
               <a:latin typeface="Arial"/>
             </a:endParaRPr>
           </a:p>
         </p:txBody>
       </p:sp>
+      <p:sp>
+        <p:nvSpPr>
+          <p:cNvPr id="2" name="Content Placeholder 1"/>
+          <p:cNvSpPr>
+            <a:spLocks noGrp="1"/>
+          </p:cNvSpPr>
+          <p:nvPr>
+            <p:ph idx="1"/>
+          </p:nvPr>
+        </p:nvSpPr>
+        <p:spPr>
+          <a:xfrm>
+            <a:off x="914400" y="566928"/>
+            <a:ext cx="10820400" cy="5669280"/>
+          </a:xfrm>
+        </p:spPr>
+        <p:txBody>
+          <a:bodyPr>
+            <a:spAutoFit/>
+          </a:bodyPr>
+          <a:lstStyle/>
+          <a:p/>
+          <a:p>
+            <a:pPr lvl="1"/>
+            <a:r>
+              <a:t>De amplitude over R</a:t>
+            </a:r>
+            <a:r>
+              <a:rPr sz="1800" baseline="-25000"/>
+              <a:t>L</a:t>
+            </a:r>
+            <a:r>
+              <a:t> zegt niets over de amplitude over L</a:t>
+            </a:r>
+            <a:r>
+              <a:rPr sz="1800" baseline="-25000"/>
+              <a:t>1</a:t>
+            </a:r>
+            <a:r>
+              <a:t> (en dus ook tegengesteld over C</a:t>
+            </a:r>
+            <a:r>
+              <a:rPr sz="1800" baseline="-25000"/>
+              <a:t>1</a:t>
+            </a:r>
+            <a:r>
+              <a:t>)</a:t>
+            </a:r>
+          </a:p>
+          <a:p>
+            <a:pPr lvl="1"/>
+            <a:r>
+              <a:t>Deze amplitude wordt bepaald door de kwaliteitsfactor (Q) van de kring, dit is de verhouding tussen de opgestapelde energie en de vrijgegeven energie.</a:t>
+            </a:r>
+          </a:p>
+        </p:txBody>
+      </p:sp>
       <p:pic>
         <p:nvPicPr>
-          <p:cNvPr id="3" name="Picture 2" descr="image.png"/>
+          <p:cNvPr id="4" name="Picture 3" descr="image.png"/>
           <p:cNvPicPr>
             <a:picLocks noChangeAspect="1"/>
           </p:cNvPicPr>
@@ -5983,8 +6685,8 @@
         </p:blipFill>
         <p:spPr>
           <a:xfrm>
-            <a:off x="2206423" y="566928"/>
-            <a:ext cx="7779154" cy="5669280"/>
+            <a:off x="3219450" y="6419088"/>
+            <a:ext cx="5753100" cy="885825"/>
           </a:xfrm>
           <a:prstGeom prst="rect">
             <a:avLst/>
@@ -6011,12 +6713,12 @@
       <p:grpSpPr/>
       <p:sp>
         <p:nvSpPr>
-          <p:cNvPr id="2" name="Content Placeholder 1"/>
-          <p:cNvSpPr>
-            <a:spLocks noGrp="1"/>
-          </p:cNvSpPr>
-          <p:nvPr>
-            <p:ph idx="1"/>
+          <p:cNvPr id="2" name="Title 1"/>
+          <p:cNvSpPr>
+            <a:spLocks noGrp="1"/>
+          </p:cNvSpPr>
+          <p:nvPr>
+            <p:ph type="title"/>
           </p:nvPr>
         </p:nvSpPr>
         <p:spPr/>
@@ -6026,260 +6728,11 @@
           </a:bodyPr>
           <a:lstStyle/>
           <a:p>
-            <a:pPr>
-              <a:lnSpc>
-                <a:spcPts val="2400"/>
-              </a:lnSpc>
-              <a:defRPr>
-                <a:solidFill>
-                  <a:srgbClr val="FFFFFF"/>
-                </a:solidFill>
-              </a:defRPr>
-            </a:pPr>
-            <a:r>
-              <a:rPr sz="2400" b="0" i="0">
-                <a:latin typeface="Courier"/>
-              </a:rPr>
-              <a:t>* Class D amp 1</a:t>
-            </a:r>
-            <a:endParaRPr sz="2400" b="0" i="0">
-              <a:latin typeface="Courier"/>
-            </a:endParaRPr>
-          </a:p>
-          <a:p>
-            <a:pPr>
-              <a:lnSpc>
-                <a:spcPts val="2400"/>
-              </a:lnSpc>
-              <a:defRPr>
-                <a:solidFill>
-                  <a:srgbClr val="FFFFFF"/>
-                </a:solidFill>
-              </a:defRPr>
-            </a:pPr>
-            <a:r>
-              <a:rPr sz="2400" b="0" i="0">
-                <a:latin typeface="Courier"/>
-              </a:rPr>
-              <a:t>Q_Q1         3 1 2 Q2</a:t>
-            </a:r>
-            <a:endParaRPr sz="2400" b="0" i="0">
-              <a:latin typeface="Courier"/>
-            </a:endParaRPr>
-          </a:p>
-          <a:p>
-            <a:pPr>
-              <a:lnSpc>
-                <a:spcPts val="2400"/>
-              </a:lnSpc>
-              <a:defRPr>
-                <a:solidFill>
-                  <a:srgbClr val="FFFFFF"/>
-                </a:solidFill>
-              </a:defRPr>
-            </a:pPr>
-            <a:r>
-              <a:rPr sz="2400" b="0" i="0">
-                <a:latin typeface="Courier"/>
-              </a:rPr>
-              <a:t>Q_Qp         0 1 2 Qp</a:t>
-            </a:r>
-            <a:endParaRPr sz="2400" b="0" i="0">
-              <a:latin typeface="Courier"/>
-            </a:endParaRPr>
-          </a:p>
-          <a:p>
-            <a:pPr>
-              <a:lnSpc>
-                <a:spcPts val="2400"/>
-              </a:lnSpc>
-              <a:defRPr>
-                <a:solidFill>
-                  <a:srgbClr val="FFFFFF"/>
-                </a:solidFill>
-              </a:defRPr>
-            </a:pPr>
-            <a:r>
-              <a:rPr sz="2400" b="0" i="0">
-                <a:latin typeface="Courier"/>
-              </a:rPr>
-              <a:t>D_D1         2 3 DD</a:t>
-            </a:r>
-            <a:endParaRPr sz="2400" b="0" i="0">
-              <a:latin typeface="Courier"/>
-            </a:endParaRPr>
-          </a:p>
-          <a:p>
-            <a:pPr>
-              <a:lnSpc>
-                <a:spcPts val="2400"/>
-              </a:lnSpc>
-              <a:defRPr>
-                <a:solidFill>
-                  <a:srgbClr val="FFFFFF"/>
-                </a:solidFill>
-              </a:defRPr>
-            </a:pPr>
-            <a:r>
-              <a:rPr sz="2400" b="0" i="0">
-                <a:latin typeface="Courier"/>
-              </a:rPr>
-              <a:t>D_D2         0 2 DD</a:t>
-            </a:r>
-            <a:endParaRPr sz="2400" b="0" i="0">
-              <a:latin typeface="Courier"/>
-            </a:endParaRPr>
-          </a:p>
-          <a:p>
-            <a:pPr>
-              <a:lnSpc>
-                <a:spcPts val="2400"/>
-              </a:lnSpc>
-              <a:defRPr>
-                <a:solidFill>
-                  <a:srgbClr val="FFFFFF"/>
-                </a:solidFill>
-              </a:defRPr>
-            </a:pPr>
-            <a:r>
-              <a:rPr sz="2400" b="0" i="0">
-                <a:latin typeface="Courier"/>
-              </a:rPr>
-              <a:t>L_L1         5 2 1uH</a:t>
-            </a:r>
-            <a:endParaRPr sz="2400" b="0" i="0">
-              <a:latin typeface="Courier"/>
-            </a:endParaRPr>
-          </a:p>
-          <a:p>
-            <a:pPr>
-              <a:lnSpc>
-                <a:spcPts val="2400"/>
-              </a:lnSpc>
-              <a:defRPr>
-                <a:solidFill>
-                  <a:srgbClr val="FFFFFF"/>
-                </a:solidFill>
-              </a:defRPr>
-            </a:pPr>
-            <a:r>
-              <a:rPr sz="2400" b="0" i="0">
-                <a:latin typeface="Courier"/>
-              </a:rPr>
-              <a:t>C_C1         5 6 10n</a:t>
-            </a:r>
-            <a:endParaRPr sz="2400" b="0" i="0">
-              <a:latin typeface="Courier"/>
-            </a:endParaRPr>
-          </a:p>
-          <a:p>
-            <a:pPr>
-              <a:lnSpc>
-                <a:spcPts val="2400"/>
-              </a:lnSpc>
-              <a:defRPr>
-                <a:solidFill>
-                  <a:srgbClr val="FFFFFF"/>
-                </a:solidFill>
-              </a:defRPr>
-            </a:pPr>
-            <a:r>
-              <a:rPr sz="2400" b="0" i="0">
-                <a:latin typeface="Courier"/>
-              </a:rPr>
-              <a:t>R_RL         6 0 6</a:t>
-            </a:r>
-            <a:endParaRPr sz="2400" b="0" i="0">
-              <a:latin typeface="Courier"/>
-            </a:endParaRPr>
-          </a:p>
-          <a:p>
-            <a:pPr>
-              <a:lnSpc>
-                <a:spcPts val="2400"/>
-              </a:lnSpc>
-              <a:defRPr>
-                <a:solidFill>
-                  <a:srgbClr val="FFFFFF"/>
-                </a:solidFill>
-              </a:defRPr>
-            </a:pPr>
-            <a:r>
-              <a:rPr sz="2400" b="0" i="0">
-                <a:latin typeface="Courier"/>
-              </a:rPr>
-              <a:t>V_Vdd        3 0 20V</a:t>
-            </a:r>
-            <a:endParaRPr sz="2400" b="0" i="0">
-              <a:latin typeface="Courier"/>
-            </a:endParaRPr>
-          </a:p>
-          <a:p>
-            <a:pPr>
-              <a:lnSpc>
-                <a:spcPts val="2400"/>
-              </a:lnSpc>
-              <a:defRPr>
-                <a:solidFill>
-                  <a:srgbClr val="FFFFFF"/>
-                </a:solidFill>
-              </a:defRPr>
-            </a:pPr>
-            <a:r>
-              <a:rPr sz="2400" b="0" i="0">
-                <a:latin typeface="Courier"/>
-              </a:rPr>
-              <a:t>R_Rin        4 1 1</a:t>
-            </a:r>
-            <a:endParaRPr sz="2400" b="0" i="0">
-              <a:latin typeface="Courier"/>
-            </a:endParaRPr>
-          </a:p>
-          <a:p>
-            <a:pPr>
-              <a:lnSpc>
-                <a:spcPts val="2400"/>
-              </a:lnSpc>
-              <a:defRPr>
-                <a:solidFill>
-                  <a:srgbClr val="FFFFFF"/>
-                </a:solidFill>
-              </a:defRPr>
-            </a:pPr>
-            <a:r>
-              <a:rPr sz="2400" b="0" i="0">
-                <a:latin typeface="Courier"/>
-              </a:rPr>
-              <a:t>V_Vin        4 0 PULSE(0 20 0 20ns 20ns 280ns 600ns) DC=0</a:t>
-            </a:r>
-            <a:endParaRPr sz="2400" b="0" i="0">
-              <a:latin typeface="Courier"/>
-            </a:endParaRPr>
-          </a:p>
-        </p:txBody>
-      </p:sp>
-      <p:sp>
-        <p:nvSpPr>
-          <p:cNvPr id="3" name="Title 2"/>
-          <p:cNvSpPr>
-            <a:spLocks noGrp="1"/>
-          </p:cNvSpPr>
-          <p:nvPr>
-            <p:ph type="title"/>
-          </p:nvPr>
-        </p:nvSpPr>
-        <p:spPr/>
-        <p:txBody>
-          <a:bodyPr wrap="square">
-            <a:noAutofit/>
-          </a:bodyPr>
-          <a:lstStyle/>
-          <a:p>
             <a:r>
               <a:rPr sz="3200" b="1" i="0">
                 <a:latin typeface="Arial"/>
               </a:rPr>
-              <a:t>SPICE file Klasse D circuit met diodes</a:t>
+              <a:t>Harmonische componenten in de spanning</a:t>
             </a:r>
             <a:endParaRPr sz="3200" b="1" i="0">
               <a:latin typeface="Arial"/>
@@ -6287,6 +6740,30 @@
           </a:p>
         </p:txBody>
       </p:sp>
+      <p:pic>
+        <p:nvPicPr>
+          <p:cNvPr id="3" name="Picture 2" descr="image.png"/>
+          <p:cNvPicPr>
+            <a:picLocks noChangeAspect="1"/>
+          </p:cNvPicPr>
+          <p:nvPr/>
+        </p:nvPicPr>
+        <p:blipFill>
+          <a:blip r:embed="rId2"/>
+          <a:stretch>
+            <a:fillRect/>
+          </a:stretch>
+        </p:blipFill>
+        <p:spPr>
+          <a:xfrm>
+            <a:off x="3194564" y="566928"/>
+            <a:ext cx="5802871" cy="5669280"/>
+          </a:xfrm>
+          <a:prstGeom prst="rect">
+            <a:avLst/>
+          </a:prstGeom>
+        </p:spPr>
+      </p:pic>
     </p:spTree>
   </p:cSld>
   <p:clrMapOvr>
@@ -6317,97 +6794,33 @@
         </p:nvSpPr>
         <p:spPr/>
         <p:txBody>
+          <a:bodyPr/>
+          <a:lstStyle/>
+          <a:p/>
+        </p:txBody>
+      </p:sp>
+      <p:sp>
+        <p:nvSpPr>
+          <p:cNvPr id="3" name="Title 2"/>
+          <p:cNvSpPr>
+            <a:spLocks noGrp="1"/>
+          </p:cNvSpPr>
+          <p:nvPr>
+            <p:ph type="title"/>
+          </p:nvPr>
+        </p:nvSpPr>
+        <p:spPr/>
+        <p:txBody>
           <a:bodyPr wrap="square">
             <a:noAutofit/>
           </a:bodyPr>
           <a:lstStyle/>
           <a:p>
-            <a:pPr>
-              <a:lnSpc>
-                <a:spcPts val="2400"/>
-              </a:lnSpc>
-              <a:defRPr>
-                <a:solidFill>
-                  <a:srgbClr val="FFFFFF"/>
-                </a:solidFill>
-              </a:defRPr>
-            </a:pPr>
-            <a:r>
-              <a:rPr sz="2400" b="0" i="0">
-                <a:latin typeface="Courier"/>
-              </a:rPr>
-              <a:t>.model Q2  NPN(Is=14.34f BF=200)</a:t>
-            </a:r>
-            <a:endParaRPr sz="2400" b="0" i="0">
-              <a:latin typeface="Courier"/>
-            </a:endParaRPr>
-          </a:p>
-          <a:p>
-            <a:pPr>
-              <a:lnSpc>
-                <a:spcPts val="2400"/>
-              </a:lnSpc>
-              <a:defRPr>
-                <a:solidFill>
-                  <a:srgbClr val="FFFFFF"/>
-                </a:solidFill>
-              </a:defRPr>
-            </a:pPr>
-            <a:r>
-              <a:rPr sz="2400" b="0" i="0">
-                <a:latin typeface="Courier"/>
-              </a:rPr>
-              <a:t>.model Qp  PNP(Is=5.34f BF=100)</a:t>
-            </a:r>
-            <a:endParaRPr sz="2400" b="0" i="0">
-              <a:latin typeface="Courier"/>
-            </a:endParaRPr>
-          </a:p>
-          <a:p>
-            <a:pPr>
-              <a:lnSpc>
-                <a:spcPts val="2400"/>
-              </a:lnSpc>
-              <a:defRPr>
-                <a:solidFill>
-                  <a:srgbClr val="FFFFFF"/>
-                </a:solidFill>
-              </a:defRPr>
-            </a:pPr>
-            <a:r>
-              <a:rPr sz="2400" b="0" i="0">
-                <a:latin typeface="Courier"/>
-              </a:rPr>
-              <a:t>.model DD   D( IS=0.0002 RS=0.05 CJO=5e-10 )</a:t>
-            </a:r>
-            <a:endParaRPr sz="2400" b="0" i="0">
-              <a:latin typeface="Courier"/>
-            </a:endParaRPr>
-          </a:p>
-        </p:txBody>
-      </p:sp>
-      <p:sp>
-        <p:nvSpPr>
-          <p:cNvPr id="3" name="Title 2"/>
-          <p:cNvSpPr>
-            <a:spLocks noGrp="1"/>
-          </p:cNvSpPr>
-          <p:nvPr>
-            <p:ph type="title"/>
-          </p:nvPr>
-        </p:nvSpPr>
-        <p:spPr/>
-        <p:txBody>
-          <a:bodyPr wrap="square">
-            <a:noAutofit/>
-          </a:bodyPr>
-          <a:lstStyle/>
-          <a:p>
             <a:r>
               <a:rPr sz="3200" b="1" i="0">
                 <a:latin typeface="Arial"/>
               </a:rPr>
-              <a:t>SPICE file Klasse D circuit met diodes</a:t>
+              <a:t>impedantie van de serie trilkring</a:t>
             </a:r>
             <a:endParaRPr sz="3200" b="1" i="0">
               <a:latin typeface="Arial"/>
@@ -6415,6 +6828,30 @@
           </a:p>
         </p:txBody>
       </p:sp>
+      <p:pic>
+        <p:nvPicPr>
+          <p:cNvPr id="4" name="Picture 3" descr="image.png"/>
+          <p:cNvPicPr>
+            <a:picLocks noChangeAspect="1"/>
+          </p:cNvPicPr>
+          <p:nvPr/>
+        </p:nvPicPr>
+        <p:blipFill>
+          <a:blip r:embed="rId2"/>
+          <a:stretch>
+            <a:fillRect/>
+          </a:stretch>
+        </p:blipFill>
+        <p:spPr>
+          <a:xfrm>
+            <a:off x="3729037" y="566928"/>
+            <a:ext cx="4733925" cy="885825"/>
+          </a:xfrm>
+          <a:prstGeom prst="rect">
+            <a:avLst/>
+          </a:prstGeom>
+        </p:spPr>
+      </p:pic>
     </p:spTree>
   </p:cSld>
   <p:clrMapOvr>
@@ -6451,12 +6888,12 @@
           <a:lstStyle/>
           <a:p>
             <a:r>
-              <a:rPr sz="3000" b="1" i="0">
+              <a:rPr sz="3200" b="1" i="0">
                 <a:latin typeface="Arial"/>
               </a:rPr>
-              <a:t>Bekomen spanningen in de Klasse D versterker met diodes</a:t>
-            </a:r>
-            <a:endParaRPr sz="3000" b="1" i="0">
+              <a:t>Harmonische componenten van de uitgangsstroom</a:t>
+            </a:r>
+            <a:endParaRPr sz="3200" b="1" i="0">
               <a:latin typeface="Arial"/>
             </a:endParaRPr>
           </a:p>
@@ -6478,8 +6915,8 @@
         </p:blipFill>
         <p:spPr>
           <a:xfrm>
-            <a:off x="1850302" y="566928"/>
-            <a:ext cx="8491396" cy="5669280"/>
+            <a:off x="3136118" y="566928"/>
+            <a:ext cx="5919764" cy="5669280"/>
           </a:xfrm>
           <a:prstGeom prst="rect">
             <a:avLst/>
@@ -6522,12 +6959,12 @@
           <a:lstStyle/>
           <a:p>
             <a:r>
-              <a:rPr sz="3200" b="1" i="0">
+              <a:rPr sz="2800" b="1" i="0">
                 <a:latin typeface="Arial"/>
               </a:rPr>
-              <a:t>Detail van de spanningen</a:t>
-            </a:r>
-            <a:endParaRPr sz="3200" b="1" i="0">
+              <a:t>Harmonische componenten van de uitgangsstroom (logschaal)</a:t>
+            </a:r>
+            <a:endParaRPr sz="2800" b="1" i="0">
               <a:latin typeface="Arial"/>
             </a:endParaRPr>
           </a:p>
@@ -6549,8 +6986,8 @@
         </p:blipFill>
         <p:spPr>
           <a:xfrm>
-            <a:off x="1841952" y="566928"/>
-            <a:ext cx="8508095" cy="5669280"/>
+            <a:off x="3127768" y="566928"/>
+            <a:ext cx="5936463" cy="5669280"/>
           </a:xfrm>
           <a:prstGeom prst="rect">
             <a:avLst/>
@@ -6577,7 +7014,24 @@
       <p:grpSpPr/>
       <p:sp>
         <p:nvSpPr>
-          <p:cNvPr id="2" name="Title 1"/>
+          <p:cNvPr id="2" name="Content Placeholder 1"/>
+          <p:cNvSpPr>
+            <a:spLocks noGrp="1"/>
+          </p:cNvSpPr>
+          <p:nvPr>
+            <p:ph idx="1"/>
+          </p:nvPr>
+        </p:nvSpPr>
+        <p:spPr/>
+        <p:txBody>
+          <a:bodyPr/>
+          <a:lstStyle/>
+          <a:p/>
+        </p:txBody>
+      </p:sp>
+      <p:sp>
+        <p:nvSpPr>
+          <p:cNvPr id="3" name="Title 2"/>
           <p:cNvSpPr>
             <a:spLocks noGrp="1"/>
           </p:cNvSpPr>
@@ -6596,7 +7050,7 @@
               <a:rPr sz="3200" b="1" i="0">
                 <a:latin typeface="Arial"/>
               </a:rPr>
-              <a:t>Stromen in de transistors en diodes</a:t>
+              <a:t>Rendement</a:t>
             </a:r>
             <a:endParaRPr sz="3200" b="1" i="0">
               <a:latin typeface="Arial"/>
@@ -6604,30 +7058,94 @@
           </a:p>
         </p:txBody>
       </p:sp>
-      <p:pic>
-        <p:nvPicPr>
-          <p:cNvPr id="3" name="Picture 2" descr="image.png"/>
-          <p:cNvPicPr>
-            <a:picLocks noChangeAspect="1"/>
-          </p:cNvPicPr>
-          <p:nvPr/>
-        </p:nvPicPr>
-        <p:blipFill>
-          <a:blip r:embed="rId2"/>
-          <a:stretch>
-            <a:fillRect/>
-          </a:stretch>
-        </p:blipFill>
-        <p:spPr>
-          <a:xfrm>
-            <a:off x="1821079" y="566928"/>
-            <a:ext cx="8549842" cy="5669280"/>
-          </a:xfrm>
-          <a:prstGeom prst="rect">
-            <a:avLst/>
-          </a:prstGeom>
-        </p:spPr>
-      </p:pic>
+      <p:sp>
+        <p:nvSpPr>
+          <p:cNvPr id="2" name="Content Placeholder 1"/>
+          <p:cNvSpPr>
+            <a:spLocks noGrp="1"/>
+          </p:cNvSpPr>
+          <p:nvPr>
+            <p:ph idx="1"/>
+          </p:nvPr>
+        </p:nvSpPr>
+        <p:spPr>
+          <a:xfrm>
+            <a:off x="914400" y="566928"/>
+            <a:ext cx="10820400" cy="5669280"/>
+          </a:xfrm>
+        </p:spPr>
+        <p:txBody>
+          <a:bodyPr>
+            <a:spAutoFit/>
+          </a:bodyPr>
+          <a:lstStyle/>
+          <a:p/>
+          <a:p>
+            <a:pPr lvl="1"/>
+            <a:r>
+              <a:t>Theoretisch 100%</a:t>
+            </a:r>
+          </a:p>
+          <a:p>
+            <a:pPr lvl="1"/>
+            <a:r>
+              <a:t>Lager door</a:t>
+            </a:r>
+          </a:p>
+          <a:p>
+            <a:pPr lvl="2"/>
+            <a:r>
+              <a:t>(Beperkte) stroom in de harmonischen</a:t>
+            </a:r>
+          </a:p>
+          <a:p>
+            <a:pPr lvl="2"/>
+            <a:r>
+              <a:t>Schakelverliezen</a:t>
+            </a:r>
+          </a:p>
+          <a:p>
+            <a:pPr lvl="3"/>
+            <a:r>
+              <a:t>Bepaald door de ladingsopslag q in het actief element</a:t>
+            </a:r>
+          </a:p>
+          <a:p>
+            <a:pPr lvl="3"/>
+            <a:r>
+              <a:t>Evenredig met q</a:t>
+            </a:r>
+            <a:r>
+              <a:rPr sz="1800" baseline="45000"/>
+              <a:t>2</a:t>
+            </a:r>
+          </a:p>
+          <a:p>
+            <a:pPr lvl="3"/>
+            <a:r>
+              <a:t>Evenredig met de schakelfrequentie</a:t>
+            </a:r>
+          </a:p>
+          <a:p>
+            <a:pPr lvl="2"/>
+            <a:r>
+              <a:t>Spanningsval</a:t>
+            </a:r>
+          </a:p>
+          <a:p>
+            <a:pPr lvl="3"/>
+            <a:r>
+              <a:t>bipolaire componenten: vaste spanning</a:t>
+            </a:r>
+          </a:p>
+          <a:p>
+            <a:pPr lvl="3"/>
+            <a:r>
+              <a:t>veldeffect componenten: vaste weerstand</a:t>
+            </a:r>
+          </a:p>
+        </p:txBody>
+      </p:sp>
     </p:spTree>
   </p:cSld>
   <p:clrMapOvr>
@@ -6664,12 +7182,12 @@
           <a:lstStyle/>
           <a:p>
             <a:r>
-              <a:rPr sz="3200" b="1" i="0">
+              <a:rPr sz="2800" b="1" i="0">
                 <a:latin typeface="Arial"/>
               </a:rPr>
-              <a:t>klasse D versterker met enkel NPN transistors</a:t>
-            </a:r>
-            <a:endParaRPr sz="3200" b="1" i="0">
+              <a:t>Basisschema van de klasse D versterker met beschermdiodes</a:t>
+            </a:r>
+            <a:endParaRPr sz="2800" b="1" i="0">
               <a:latin typeface="Arial"/>
             </a:endParaRPr>
           </a:p>
@@ -6691,8 +7209,8 @@
         </p:blipFill>
         <p:spPr>
           <a:xfrm>
-            <a:off x="648649" y="566928"/>
-            <a:ext cx="10894702" cy="5669280"/>
+            <a:off x="2206423" y="566928"/>
+            <a:ext cx="7779154" cy="5669280"/>
           </a:xfrm>
           <a:prstGeom prst="rect">
             <a:avLst/>
@@ -6719,7 +7237,24 @@
       <p:grpSpPr/>
       <p:sp>
         <p:nvSpPr>
-          <p:cNvPr id="2" name="Title 1"/>
+          <p:cNvPr id="2" name="Content Placeholder 1"/>
+          <p:cNvSpPr>
+            <a:spLocks noGrp="1"/>
+          </p:cNvSpPr>
+          <p:nvPr>
+            <p:ph idx="1"/>
+          </p:nvPr>
+        </p:nvSpPr>
+        <p:spPr/>
+        <p:txBody>
+          <a:bodyPr/>
+          <a:lstStyle/>
+          <a:p/>
+        </p:txBody>
+      </p:sp>
+      <p:sp>
+        <p:nvSpPr>
+          <p:cNvPr id="3" name="Title 2"/>
           <p:cNvSpPr>
             <a:spLocks noGrp="1"/>
           </p:cNvSpPr>
@@ -6738,7 +7273,7 @@
               <a:rPr sz="3200" b="1" i="0">
                 <a:latin typeface="Arial"/>
               </a:rPr>
-              <a:t>Basisschema van de klasse D versterker</a:t>
+              <a:t>Klasse D versterker</a:t>
             </a:r>
             <a:endParaRPr sz="3200" b="1" i="0">
               <a:latin typeface="Arial"/>
@@ -6746,30 +7281,60 @@
           </a:p>
         </p:txBody>
       </p:sp>
-      <p:pic>
-        <p:nvPicPr>
-          <p:cNvPr id="3" name="Picture 2" descr="image.png"/>
-          <p:cNvPicPr>
-            <a:picLocks noChangeAspect="1"/>
-          </p:cNvPicPr>
-          <p:nvPr/>
-        </p:nvPicPr>
-        <p:blipFill>
-          <a:blip r:embed="rId2"/>
-          <a:stretch>
-            <a:fillRect/>
-          </a:stretch>
-        </p:blipFill>
-        <p:spPr>
-          <a:xfrm>
-            <a:off x="2415800" y="566928"/>
-            <a:ext cx="7360400" cy="5669280"/>
-          </a:xfrm>
-          <a:prstGeom prst="rect">
-            <a:avLst/>
-          </a:prstGeom>
-        </p:spPr>
-      </p:pic>
+      <p:sp>
+        <p:nvSpPr>
+          <p:cNvPr id="2" name="Content Placeholder 1"/>
+          <p:cNvSpPr>
+            <a:spLocks noGrp="1"/>
+          </p:cNvSpPr>
+          <p:nvPr>
+            <p:ph idx="1"/>
+          </p:nvPr>
+        </p:nvSpPr>
+        <p:spPr>
+          <a:xfrm>
+            <a:off x="914400" y="566928"/>
+            <a:ext cx="10820400" cy="5669280"/>
+          </a:xfrm>
+        </p:spPr>
+        <p:txBody>
+          <a:bodyPr>
+            <a:spAutoFit/>
+          </a:bodyPr>
+          <a:lstStyle/>
+          <a:p/>
+          <a:p>
+            <a:pPr lvl="1"/>
+            <a:r>
+              <a:t>Combinatie van een balansschakeling (zie klasse B) met een  resonante L-C kring (zie klasse C)</a:t>
+            </a:r>
+          </a:p>
+          <a:p>
+            <a:pPr lvl="1"/>
+            <a:r>
+              <a:t>Kan enkel vermogen leveren op de resonantiefrequentie van de kring</a:t>
+            </a:r>
+          </a:p>
+          <a:p>
+            <a:pPr lvl="1"/>
+            <a:r>
+              <a:t>Sturing gebeurt aan de hand van een blokgolf op de resonantiefrequentie (dit houdt in dat de transistors gebruikt worden als schakelaars)</a:t>
+            </a:r>
+          </a:p>
+          <a:p>
+            <a:pPr lvl="1"/>
+            <a:r>
+              <a:t>Enkel de eerste harmonische komt ongehinderd door naar de belasting</a:t>
+            </a:r>
+          </a:p>
+          <a:p>
+            <a:pPr lvl="2"/>
+            <a:r>
+              <a:t>Dit kan enkel maar voor een resonante versterker</a:t>
+            </a:r>
+          </a:p>
+        </p:txBody>
+      </p:sp>
     </p:spTree>
   </p:cSld>
   <p:clrMapOvr>
@@ -6790,12 +7355,12 @@
       <p:grpSpPr/>
       <p:sp>
         <p:nvSpPr>
-          <p:cNvPr id="2" name="Title 1"/>
-          <p:cNvSpPr>
-            <a:spLocks noGrp="1"/>
-          </p:cNvSpPr>
-          <p:nvPr>
-            <p:ph type="title"/>
+          <p:cNvPr id="2" name="Content Placeholder 1"/>
+          <p:cNvSpPr>
+            <a:spLocks noGrp="1"/>
+          </p:cNvSpPr>
+          <p:nvPr>
+            <p:ph idx="1"/>
           </p:nvPr>
         </p:nvSpPr>
         <p:spPr/>
@@ -6805,11 +7370,260 @@
           </a:bodyPr>
           <a:lstStyle/>
           <a:p>
+            <a:pPr>
+              <a:lnSpc>
+                <a:spcPts val="2400"/>
+              </a:lnSpc>
+              <a:defRPr>
+                <a:solidFill>
+                  <a:srgbClr val="FFFFFF"/>
+                </a:solidFill>
+              </a:defRPr>
+            </a:pPr>
+            <a:r>
+              <a:rPr sz="2400" b="0" i="0">
+                <a:latin typeface="Courier"/>
+              </a:rPr>
+              <a:t>* Class D amp 1</a:t>
+            </a:r>
+            <a:endParaRPr sz="2400" b="0" i="0">
+              <a:latin typeface="Courier"/>
+            </a:endParaRPr>
+          </a:p>
+          <a:p>
+            <a:pPr>
+              <a:lnSpc>
+                <a:spcPts val="2400"/>
+              </a:lnSpc>
+              <a:defRPr>
+                <a:solidFill>
+                  <a:srgbClr val="FFFFFF"/>
+                </a:solidFill>
+              </a:defRPr>
+            </a:pPr>
+            <a:r>
+              <a:rPr sz="2400" b="0" i="0">
+                <a:latin typeface="Courier"/>
+              </a:rPr>
+              <a:t>Q_Q1         3 1 2 Q2</a:t>
+            </a:r>
+            <a:endParaRPr sz="2400" b="0" i="0">
+              <a:latin typeface="Courier"/>
+            </a:endParaRPr>
+          </a:p>
+          <a:p>
+            <a:pPr>
+              <a:lnSpc>
+                <a:spcPts val="2400"/>
+              </a:lnSpc>
+              <a:defRPr>
+                <a:solidFill>
+                  <a:srgbClr val="FFFFFF"/>
+                </a:solidFill>
+              </a:defRPr>
+            </a:pPr>
+            <a:r>
+              <a:rPr sz="2400" b="0" i="0">
+                <a:latin typeface="Courier"/>
+              </a:rPr>
+              <a:t>Q_Qp         0 1 2 Qp</a:t>
+            </a:r>
+            <a:endParaRPr sz="2400" b="0" i="0">
+              <a:latin typeface="Courier"/>
+            </a:endParaRPr>
+          </a:p>
+          <a:p>
+            <a:pPr>
+              <a:lnSpc>
+                <a:spcPts val="2400"/>
+              </a:lnSpc>
+              <a:defRPr>
+                <a:solidFill>
+                  <a:srgbClr val="FFFFFF"/>
+                </a:solidFill>
+              </a:defRPr>
+            </a:pPr>
+            <a:r>
+              <a:rPr sz="2400" b="0" i="0">
+                <a:latin typeface="Courier"/>
+              </a:rPr>
+              <a:t>D_D1         2 3 DD</a:t>
+            </a:r>
+            <a:endParaRPr sz="2400" b="0" i="0">
+              <a:latin typeface="Courier"/>
+            </a:endParaRPr>
+          </a:p>
+          <a:p>
+            <a:pPr>
+              <a:lnSpc>
+                <a:spcPts val="2400"/>
+              </a:lnSpc>
+              <a:defRPr>
+                <a:solidFill>
+                  <a:srgbClr val="FFFFFF"/>
+                </a:solidFill>
+              </a:defRPr>
+            </a:pPr>
+            <a:r>
+              <a:rPr sz="2400" b="0" i="0">
+                <a:latin typeface="Courier"/>
+              </a:rPr>
+              <a:t>D_D2         0 2 DD</a:t>
+            </a:r>
+            <a:endParaRPr sz="2400" b="0" i="0">
+              <a:latin typeface="Courier"/>
+            </a:endParaRPr>
+          </a:p>
+          <a:p>
+            <a:pPr>
+              <a:lnSpc>
+                <a:spcPts val="2400"/>
+              </a:lnSpc>
+              <a:defRPr>
+                <a:solidFill>
+                  <a:srgbClr val="FFFFFF"/>
+                </a:solidFill>
+              </a:defRPr>
+            </a:pPr>
+            <a:r>
+              <a:rPr sz="2400" b="0" i="0">
+                <a:latin typeface="Courier"/>
+              </a:rPr>
+              <a:t>L_L1         5 2 1uH</a:t>
+            </a:r>
+            <a:endParaRPr sz="2400" b="0" i="0">
+              <a:latin typeface="Courier"/>
+            </a:endParaRPr>
+          </a:p>
+          <a:p>
+            <a:pPr>
+              <a:lnSpc>
+                <a:spcPts val="2400"/>
+              </a:lnSpc>
+              <a:defRPr>
+                <a:solidFill>
+                  <a:srgbClr val="FFFFFF"/>
+                </a:solidFill>
+              </a:defRPr>
+            </a:pPr>
+            <a:r>
+              <a:rPr sz="2400" b="0" i="0">
+                <a:latin typeface="Courier"/>
+              </a:rPr>
+              <a:t>C_C1         5 6 10n</a:t>
+            </a:r>
+            <a:endParaRPr sz="2400" b="0" i="0">
+              <a:latin typeface="Courier"/>
+            </a:endParaRPr>
+          </a:p>
+          <a:p>
+            <a:pPr>
+              <a:lnSpc>
+                <a:spcPts val="2400"/>
+              </a:lnSpc>
+              <a:defRPr>
+                <a:solidFill>
+                  <a:srgbClr val="FFFFFF"/>
+                </a:solidFill>
+              </a:defRPr>
+            </a:pPr>
+            <a:r>
+              <a:rPr sz="2400" b="0" i="0">
+                <a:latin typeface="Courier"/>
+              </a:rPr>
+              <a:t>R_RL         6 0 6</a:t>
+            </a:r>
+            <a:endParaRPr sz="2400" b="0" i="0">
+              <a:latin typeface="Courier"/>
+            </a:endParaRPr>
+          </a:p>
+          <a:p>
+            <a:pPr>
+              <a:lnSpc>
+                <a:spcPts val="2400"/>
+              </a:lnSpc>
+              <a:defRPr>
+                <a:solidFill>
+                  <a:srgbClr val="FFFFFF"/>
+                </a:solidFill>
+              </a:defRPr>
+            </a:pPr>
+            <a:r>
+              <a:rPr sz="2400" b="0" i="0">
+                <a:latin typeface="Courier"/>
+              </a:rPr>
+              <a:t>V_Vdd        3 0 20V</a:t>
+            </a:r>
+            <a:endParaRPr sz="2400" b="0" i="0">
+              <a:latin typeface="Courier"/>
+            </a:endParaRPr>
+          </a:p>
+          <a:p>
+            <a:pPr>
+              <a:lnSpc>
+                <a:spcPts val="2400"/>
+              </a:lnSpc>
+              <a:defRPr>
+                <a:solidFill>
+                  <a:srgbClr val="FFFFFF"/>
+                </a:solidFill>
+              </a:defRPr>
+            </a:pPr>
+            <a:r>
+              <a:rPr sz="2400" b="0" i="0">
+                <a:latin typeface="Courier"/>
+              </a:rPr>
+              <a:t>R_Rin        4 1 1</a:t>
+            </a:r>
+            <a:endParaRPr sz="2400" b="0" i="0">
+              <a:latin typeface="Courier"/>
+            </a:endParaRPr>
+          </a:p>
+          <a:p>
+            <a:pPr>
+              <a:lnSpc>
+                <a:spcPts val="2400"/>
+              </a:lnSpc>
+              <a:defRPr>
+                <a:solidFill>
+                  <a:srgbClr val="FFFFFF"/>
+                </a:solidFill>
+              </a:defRPr>
+            </a:pPr>
+            <a:r>
+              <a:rPr sz="2400" b="0" i="0">
+                <a:latin typeface="Courier"/>
+              </a:rPr>
+              <a:t>V_Vin        4 0 PULSE(0 20 0 20ns 20ns 280ns 600ns) DC=0</a:t>
+            </a:r>
+            <a:endParaRPr sz="2400" b="0" i="0">
+              <a:latin typeface="Courier"/>
+            </a:endParaRPr>
+          </a:p>
+        </p:txBody>
+      </p:sp>
+      <p:sp>
+        <p:nvSpPr>
+          <p:cNvPr id="3" name="Title 2"/>
+          <p:cNvSpPr>
+            <a:spLocks noGrp="1"/>
+          </p:cNvSpPr>
+          <p:nvPr>
+            <p:ph type="title"/>
+          </p:nvPr>
+        </p:nvSpPr>
+        <p:spPr/>
+        <p:txBody>
+          <a:bodyPr wrap="square">
+            <a:noAutofit/>
+          </a:bodyPr>
+          <a:lstStyle/>
+          <a:p>
             <a:r>
               <a:rPr sz="3200" b="1" i="0">
                 <a:latin typeface="Arial"/>
               </a:rPr>
-              <a:t>klasse D versterker met enkel NPN transistors</a:t>
+              <a:t>SPICE file Klasse D circuit met diodes</a:t>
             </a:r>
             <a:endParaRPr sz="3200" b="1" i="0">
               <a:latin typeface="Arial"/>
@@ -6817,30 +7631,6 @@
           </a:p>
         </p:txBody>
       </p:sp>
-      <p:pic>
-        <p:nvPicPr>
-          <p:cNvPr id="3" name="Picture 2" descr="image.png"/>
-          <p:cNvPicPr>
-            <a:picLocks noChangeAspect="1"/>
-          </p:cNvPicPr>
-          <p:nvPr/>
-        </p:nvPicPr>
-        <p:blipFill>
-          <a:blip r:embed="rId2"/>
-          <a:stretch>
-            <a:fillRect/>
-          </a:stretch>
-        </p:blipFill>
-        <p:spPr>
-          <a:xfrm>
-            <a:off x="396457" y="566928"/>
-            <a:ext cx="11399086" cy="5669280"/>
-          </a:xfrm>
-          <a:prstGeom prst="rect">
-            <a:avLst/>
-          </a:prstGeom>
-        </p:spPr>
-      </p:pic>
     </p:spTree>
   </p:cSld>
   <p:clrMapOvr>
@@ -6861,12 +7651,12 @@
       <p:grpSpPr/>
       <p:sp>
         <p:nvSpPr>
-          <p:cNvPr id="2" name="Title 1"/>
-          <p:cNvSpPr>
-            <a:spLocks noGrp="1"/>
-          </p:cNvSpPr>
-          <p:nvPr>
-            <p:ph type="title"/>
+          <p:cNvPr id="2" name="Content Placeholder 1"/>
+          <p:cNvSpPr>
+            <a:spLocks noGrp="1"/>
+          </p:cNvSpPr>
+          <p:nvPr>
+            <p:ph idx="1"/>
           </p:nvPr>
         </p:nvSpPr>
         <p:spPr/>
@@ -6876,11 +7666,92 @@
           </a:bodyPr>
           <a:lstStyle/>
           <a:p>
+            <a:pPr>
+              <a:lnSpc>
+                <a:spcPts val="2400"/>
+              </a:lnSpc>
+              <a:defRPr>
+                <a:solidFill>
+                  <a:srgbClr val="FFFFFF"/>
+                </a:solidFill>
+              </a:defRPr>
+            </a:pPr>
+            <a:r>
+              <a:rPr sz="2400" b="0" i="0">
+                <a:latin typeface="Courier"/>
+              </a:rPr>
+              <a:t>.model Q2  NPN(Is=14.34f BF=200)</a:t>
+            </a:r>
+            <a:endParaRPr sz="2400" b="0" i="0">
+              <a:latin typeface="Courier"/>
+            </a:endParaRPr>
+          </a:p>
+          <a:p>
+            <a:pPr>
+              <a:lnSpc>
+                <a:spcPts val="2400"/>
+              </a:lnSpc>
+              <a:defRPr>
+                <a:solidFill>
+                  <a:srgbClr val="FFFFFF"/>
+                </a:solidFill>
+              </a:defRPr>
+            </a:pPr>
+            <a:r>
+              <a:rPr sz="2400" b="0" i="0">
+                <a:latin typeface="Courier"/>
+              </a:rPr>
+              <a:t>.model Qp  PNP(Is=5.34f BF=100)</a:t>
+            </a:r>
+            <a:endParaRPr sz="2400" b="0" i="0">
+              <a:latin typeface="Courier"/>
+            </a:endParaRPr>
+          </a:p>
+          <a:p>
+            <a:pPr>
+              <a:lnSpc>
+                <a:spcPts val="2400"/>
+              </a:lnSpc>
+              <a:defRPr>
+                <a:solidFill>
+                  <a:srgbClr val="FFFFFF"/>
+                </a:solidFill>
+              </a:defRPr>
+            </a:pPr>
+            <a:r>
+              <a:rPr sz="2400" b="0" i="0">
+                <a:latin typeface="Courier"/>
+              </a:rPr>
+              <a:t>.model DD   D( IS=0.0002 RS=0.05 CJO=5e-10 )</a:t>
+            </a:r>
+            <a:endParaRPr sz="2400" b="0" i="0">
+              <a:latin typeface="Courier"/>
+            </a:endParaRPr>
+          </a:p>
+        </p:txBody>
+      </p:sp>
+      <p:sp>
+        <p:nvSpPr>
+          <p:cNvPr id="3" name="Title 2"/>
+          <p:cNvSpPr>
+            <a:spLocks noGrp="1"/>
+          </p:cNvSpPr>
+          <p:nvPr>
+            <p:ph type="title"/>
+          </p:nvPr>
+        </p:nvSpPr>
+        <p:spPr/>
+        <p:txBody>
+          <a:bodyPr wrap="square">
+            <a:noAutofit/>
+          </a:bodyPr>
+          <a:lstStyle/>
+          <a:p>
             <a:r>
               <a:rPr sz="3200" b="1" i="0">
                 <a:latin typeface="Arial"/>
               </a:rPr>
-              <a:t>klasse D versterker met spanningssturing</a:t>
+              <a:t>SPICE file Klasse D circuit met diodes</a:t>
             </a:r>
             <a:endParaRPr sz="3200" b="1" i="0">
               <a:latin typeface="Arial"/>
@@ -6888,30 +7759,6 @@
           </a:p>
         </p:txBody>
       </p:sp>
-      <p:pic>
-        <p:nvPicPr>
-          <p:cNvPr id="3" name="Picture 2" descr="image.png"/>
-          <p:cNvPicPr>
-            <a:picLocks noChangeAspect="1"/>
-          </p:cNvPicPr>
-          <p:nvPr/>
-        </p:nvPicPr>
-        <p:blipFill>
-          <a:blip r:embed="rId2"/>
-          <a:stretch>
-            <a:fillRect/>
-          </a:stretch>
-        </p:blipFill>
-        <p:spPr>
-          <a:xfrm>
-            <a:off x="1261579" y="566928"/>
-            <a:ext cx="9668841" cy="5669280"/>
-          </a:xfrm>
-          <a:prstGeom prst="rect">
-            <a:avLst/>
-          </a:prstGeom>
-        </p:spPr>
-      </p:pic>
     </p:spTree>
   </p:cSld>
   <p:clrMapOvr>
@@ -6948,12 +7795,12 @@
           <a:lstStyle/>
           <a:p>
             <a:r>
-              <a:rPr sz="3200" b="1" i="0">
+              <a:rPr sz="3000" b="1" i="0">
                 <a:latin typeface="Arial"/>
               </a:rPr>
-              <a:t>keuze wikkelverhouding transformator</a:t>
-            </a:r>
-            <a:endParaRPr sz="3200" b="1" i="0">
+              <a:t>Bekomen spanningen in de Klasse D versterker met diodes</a:t>
+            </a:r>
+            <a:endParaRPr sz="3000" b="1" i="0">
               <a:latin typeface="Arial"/>
             </a:endParaRPr>
           </a:p>
@@ -6975,8 +7822,8 @@
         </p:blipFill>
         <p:spPr>
           <a:xfrm>
-            <a:off x="1115964" y="566928"/>
-            <a:ext cx="9960071" cy="5669280"/>
+            <a:off x="1850302" y="566928"/>
+            <a:ext cx="8491396" cy="5669280"/>
           </a:xfrm>
           <a:prstGeom prst="rect">
             <a:avLst/>
@@ -7019,12 +7866,12 @@
           <a:lstStyle/>
           <a:p>
             <a:r>
-              <a:rPr sz="2700" b="1" i="0">
+              <a:rPr sz="3200" b="1" i="0">
                 <a:latin typeface="Arial"/>
               </a:rPr>
-              <a:t>klasse D versterker met spanningssturing en beveiligingsdiodes</a:t>
-            </a:r>
-            <a:endParaRPr sz="2700" b="1" i="0">
+              <a:t>Detail van de spanningen</a:t>
+            </a:r>
+            <a:endParaRPr sz="3200" b="1" i="0">
               <a:latin typeface="Arial"/>
             </a:endParaRPr>
           </a:p>
@@ -7046,8 +7893,8 @@
         </p:blipFill>
         <p:spPr>
           <a:xfrm>
-            <a:off x="1261579" y="566928"/>
-            <a:ext cx="9668841" cy="5669280"/>
+            <a:off x="1841952" y="566928"/>
+            <a:ext cx="8508095" cy="5669280"/>
           </a:xfrm>
           <a:prstGeom prst="rect">
             <a:avLst/>
@@ -7093,7 +7940,7 @@
               <a:rPr sz="3200" b="1" i="0">
                 <a:latin typeface="Arial"/>
               </a:rPr>
-              <a:t>met stroomsturing</a:t>
+              <a:t>Stromen in de transistors en diodes</a:t>
             </a:r>
             <a:endParaRPr sz="3200" b="1" i="0">
               <a:latin typeface="Arial"/>
@@ -7117,8 +7964,8 @@
         </p:blipFill>
         <p:spPr>
           <a:xfrm>
-            <a:off x="3047078" y="566928"/>
-            <a:ext cx="6097843" cy="5669280"/>
+            <a:off x="1821079" y="566928"/>
+            <a:ext cx="8549842" cy="5669280"/>
           </a:xfrm>
           <a:prstGeom prst="rect">
             <a:avLst/>
@@ -7164,7 +8011,7 @@
               <a:rPr sz="3200" b="1" i="0">
                 <a:latin typeface="Arial"/>
               </a:rPr>
-              <a:t>met stroomsturing en beveiligingsdiodes</a:t>
+              <a:t>klasse D versterker met enkel NPN transistors</a:t>
             </a:r>
             <a:endParaRPr sz="3200" b="1" i="0">
               <a:latin typeface="Arial"/>
@@ -7188,8 +8035,8 @@
         </p:blipFill>
         <p:spPr>
           <a:xfrm>
-            <a:off x="3047078" y="566928"/>
-            <a:ext cx="6097843" cy="5669280"/>
+            <a:off x="648649" y="566928"/>
+            <a:ext cx="10894702" cy="5669280"/>
           </a:xfrm>
           <a:prstGeom prst="rect">
             <a:avLst/>
@@ -7214,6 +8061,59 @@
         <p:nvPr/>
       </p:nvGrpSpPr>
       <p:grpSpPr/>
+      <p:sp>
+        <p:nvSpPr>
+          <p:cNvPr id="2" name="Title 1"/>
+          <p:cNvSpPr>
+            <a:spLocks noGrp="1"/>
+          </p:cNvSpPr>
+          <p:nvPr>
+            <p:ph type="title"/>
+          </p:nvPr>
+        </p:nvSpPr>
+        <p:spPr/>
+        <p:txBody>
+          <a:bodyPr wrap="square">
+            <a:noAutofit/>
+          </a:bodyPr>
+          <a:lstStyle/>
+          <a:p>
+            <a:r>
+              <a:rPr sz="3200" b="1" i="0">
+                <a:latin typeface="Arial"/>
+              </a:rPr>
+              <a:t>klasse D versterker met enkel NPN transistors</a:t>
+            </a:r>
+            <a:endParaRPr sz="3200" b="1" i="0">
+              <a:latin typeface="Arial"/>
+            </a:endParaRPr>
+          </a:p>
+        </p:txBody>
+      </p:sp>
+      <p:pic>
+        <p:nvPicPr>
+          <p:cNvPr id="3" name="Picture 2" descr="image.png"/>
+          <p:cNvPicPr>
+            <a:picLocks noChangeAspect="1"/>
+          </p:cNvPicPr>
+          <p:nvPr/>
+        </p:nvPicPr>
+        <p:blipFill>
+          <a:blip r:embed="rId2"/>
+          <a:stretch>
+            <a:fillRect/>
+          </a:stretch>
+        </p:blipFill>
+        <p:spPr>
+          <a:xfrm>
+            <a:off x="396457" y="566928"/>
+            <a:ext cx="11399086" cy="5669280"/>
+          </a:xfrm>
+          <a:prstGeom prst="rect">
+            <a:avLst/>
+          </a:prstGeom>
+        </p:spPr>
+      </p:pic>
     </p:spTree>
   </p:cSld>
   <p:clrMapOvr>
@@ -7232,6 +8132,201 @@
         <p:nvPr/>
       </p:nvGrpSpPr>
       <p:grpSpPr/>
+      <p:sp>
+        <p:nvSpPr>
+          <p:cNvPr id="2" name="Title 1"/>
+          <p:cNvSpPr>
+            <a:spLocks noGrp="1"/>
+          </p:cNvSpPr>
+          <p:nvPr>
+            <p:ph type="title"/>
+          </p:nvPr>
+        </p:nvSpPr>
+        <p:spPr/>
+        <p:txBody>
+          <a:bodyPr wrap="square">
+            <a:noAutofit/>
+          </a:bodyPr>
+          <a:lstStyle/>
+          <a:p>
+            <a:r>
+              <a:rPr sz="3200" b="1" i="0">
+                <a:latin typeface="Arial"/>
+              </a:rPr>
+              <a:t>klasse D versterker met spanningssturing</a:t>
+            </a:r>
+            <a:endParaRPr sz="3200" b="1" i="0">
+              <a:latin typeface="Arial"/>
+            </a:endParaRPr>
+          </a:p>
+        </p:txBody>
+      </p:sp>
+      <p:pic>
+        <p:nvPicPr>
+          <p:cNvPr id="3" name="Picture 2" descr="image.png"/>
+          <p:cNvPicPr>
+            <a:picLocks noChangeAspect="1"/>
+          </p:cNvPicPr>
+          <p:nvPr/>
+        </p:nvPicPr>
+        <p:blipFill>
+          <a:blip r:embed="rId2"/>
+          <a:stretch>
+            <a:fillRect/>
+          </a:stretch>
+        </p:blipFill>
+        <p:spPr>
+          <a:xfrm>
+            <a:off x="1261579" y="566928"/>
+            <a:ext cx="9668841" cy="5669280"/>
+          </a:xfrm>
+          <a:prstGeom prst="rect">
+            <a:avLst/>
+          </a:prstGeom>
+        </p:spPr>
+      </p:pic>
+    </p:spTree>
+  </p:cSld>
+  <p:clrMapOvr>
+    <a:masterClrMapping/>
+  </p:clrMapOvr>
+</p:sld>
+</file>
+
+<file path=ppt/slides/slide28.xml><?xml version="1.0" encoding="utf-8"?>
+<p:sld xmlns:a="http://schemas.openxmlformats.org/drawingml/2006/main" xmlns:p="http://schemas.openxmlformats.org/presentationml/2006/main" xmlns:r="http://schemas.openxmlformats.org/officeDocument/2006/relationships">
+  <p:cSld>
+    <p:spTree>
+      <p:nvGrpSpPr>
+        <p:cNvPr id="1" name=""/>
+        <p:cNvGrpSpPr/>
+        <p:nvPr/>
+      </p:nvGrpSpPr>
+      <p:grpSpPr/>
+      <p:sp>
+        <p:nvSpPr>
+          <p:cNvPr id="2" name="Title 1"/>
+          <p:cNvSpPr>
+            <a:spLocks noGrp="1"/>
+          </p:cNvSpPr>
+          <p:nvPr>
+            <p:ph type="title"/>
+          </p:nvPr>
+        </p:nvSpPr>
+        <p:spPr/>
+        <p:txBody>
+          <a:bodyPr wrap="square">
+            <a:noAutofit/>
+          </a:bodyPr>
+          <a:lstStyle/>
+          <a:p>
+            <a:r>
+              <a:rPr sz="3200" b="1" i="0">
+                <a:latin typeface="Arial"/>
+              </a:rPr>
+              <a:t>keuze wikkelverhouding transformator</a:t>
+            </a:r>
+            <a:endParaRPr sz="3200" b="1" i="0">
+              <a:latin typeface="Arial"/>
+            </a:endParaRPr>
+          </a:p>
+        </p:txBody>
+      </p:sp>
+      <p:pic>
+        <p:nvPicPr>
+          <p:cNvPr id="3" name="Picture 2" descr="image.png"/>
+          <p:cNvPicPr>
+            <a:picLocks noChangeAspect="1"/>
+          </p:cNvPicPr>
+          <p:nvPr/>
+        </p:nvPicPr>
+        <p:blipFill>
+          <a:blip r:embed="rId2"/>
+          <a:stretch>
+            <a:fillRect/>
+          </a:stretch>
+        </p:blipFill>
+        <p:spPr>
+          <a:xfrm>
+            <a:off x="1115964" y="566928"/>
+            <a:ext cx="9960071" cy="5669280"/>
+          </a:xfrm>
+          <a:prstGeom prst="rect">
+            <a:avLst/>
+          </a:prstGeom>
+        </p:spPr>
+      </p:pic>
+    </p:spTree>
+  </p:cSld>
+  <p:clrMapOvr>
+    <a:masterClrMapping/>
+  </p:clrMapOvr>
+</p:sld>
+</file>
+
+<file path=ppt/slides/slide29.xml><?xml version="1.0" encoding="utf-8"?>
+<p:sld xmlns:a="http://schemas.openxmlformats.org/drawingml/2006/main" xmlns:p="http://schemas.openxmlformats.org/presentationml/2006/main" xmlns:r="http://schemas.openxmlformats.org/officeDocument/2006/relationships">
+  <p:cSld>
+    <p:spTree>
+      <p:nvGrpSpPr>
+        <p:cNvPr id="1" name=""/>
+        <p:cNvGrpSpPr/>
+        <p:nvPr/>
+      </p:nvGrpSpPr>
+      <p:grpSpPr/>
+      <p:sp>
+        <p:nvSpPr>
+          <p:cNvPr id="2" name="Title 1"/>
+          <p:cNvSpPr>
+            <a:spLocks noGrp="1"/>
+          </p:cNvSpPr>
+          <p:nvPr>
+            <p:ph type="title"/>
+          </p:nvPr>
+        </p:nvSpPr>
+        <p:spPr/>
+        <p:txBody>
+          <a:bodyPr wrap="square">
+            <a:noAutofit/>
+          </a:bodyPr>
+          <a:lstStyle/>
+          <a:p>
+            <a:r>
+              <a:rPr sz="2700" b="1" i="0">
+                <a:latin typeface="Arial"/>
+              </a:rPr>
+              <a:t>klasse D versterker met spanningssturing en beveiligingsdiodes</a:t>
+            </a:r>
+            <a:endParaRPr sz="2700" b="1" i="0">
+              <a:latin typeface="Arial"/>
+            </a:endParaRPr>
+          </a:p>
+        </p:txBody>
+      </p:sp>
+      <p:pic>
+        <p:nvPicPr>
+          <p:cNvPr id="3" name="Picture 2" descr="image.png"/>
+          <p:cNvPicPr>
+            <a:picLocks noChangeAspect="1"/>
+          </p:cNvPicPr>
+          <p:nvPr/>
+        </p:nvPicPr>
+        <p:blipFill>
+          <a:blip r:embed="rId2"/>
+          <a:stretch>
+            <a:fillRect/>
+          </a:stretch>
+        </p:blipFill>
+        <p:spPr>
+          <a:xfrm>
+            <a:off x="1261579" y="566928"/>
+            <a:ext cx="9668841" cy="5669280"/>
+          </a:xfrm>
+          <a:prstGeom prst="rect">
+            <a:avLst/>
+          </a:prstGeom>
+        </p:spPr>
+      </p:pic>
     </p:spTree>
   </p:cSld>
   <p:clrMapOvr>
@@ -7271,7 +8366,7 @@
               <a:rPr sz="3200" b="1" i="0">
                 <a:latin typeface="Arial"/>
               </a:rPr>
-              <a:t>Klasse D versterker met MOS transistors in GSS</a:t>
+              <a:t>Basisschema van de klasse D versterker</a:t>
             </a:r>
             <a:endParaRPr sz="3200" b="1" i="0">
               <a:latin typeface="Arial"/>
@@ -7295,14 +8390,192 @@
         </p:blipFill>
         <p:spPr>
           <a:xfrm>
-            <a:off x="2224103" y="566928"/>
-            <a:ext cx="7743793" cy="5669280"/>
+            <a:off x="2415800" y="566928"/>
+            <a:ext cx="7360400" cy="5669280"/>
           </a:xfrm>
           <a:prstGeom prst="rect">
             <a:avLst/>
           </a:prstGeom>
         </p:spPr>
       </p:pic>
+    </p:spTree>
+  </p:cSld>
+  <p:clrMapOvr>
+    <a:masterClrMapping/>
+  </p:clrMapOvr>
+</p:sld>
+</file>
+
+<file path=ppt/slides/slide30.xml><?xml version="1.0" encoding="utf-8"?>
+<p:sld xmlns:a="http://schemas.openxmlformats.org/drawingml/2006/main" xmlns:p="http://schemas.openxmlformats.org/presentationml/2006/main" xmlns:r="http://schemas.openxmlformats.org/officeDocument/2006/relationships">
+  <p:cSld>
+    <p:spTree>
+      <p:nvGrpSpPr>
+        <p:cNvPr id="1" name=""/>
+        <p:cNvGrpSpPr/>
+        <p:nvPr/>
+      </p:nvGrpSpPr>
+      <p:grpSpPr/>
+      <p:sp>
+        <p:nvSpPr>
+          <p:cNvPr id="2" name="Title 1"/>
+          <p:cNvSpPr>
+            <a:spLocks noGrp="1"/>
+          </p:cNvSpPr>
+          <p:nvPr>
+            <p:ph type="title"/>
+          </p:nvPr>
+        </p:nvSpPr>
+        <p:spPr/>
+        <p:txBody>
+          <a:bodyPr wrap="square">
+            <a:noAutofit/>
+          </a:bodyPr>
+          <a:lstStyle/>
+          <a:p>
+            <a:r>
+              <a:rPr sz="3200" b="1" i="0">
+                <a:latin typeface="Arial"/>
+              </a:rPr>
+              <a:t>met stroomsturing</a:t>
+            </a:r>
+            <a:endParaRPr sz="3200" b="1" i="0">
+              <a:latin typeface="Arial"/>
+            </a:endParaRPr>
+          </a:p>
+        </p:txBody>
+      </p:sp>
+      <p:pic>
+        <p:nvPicPr>
+          <p:cNvPr id="3" name="Picture 2" descr="image.png"/>
+          <p:cNvPicPr>
+            <a:picLocks noChangeAspect="1"/>
+          </p:cNvPicPr>
+          <p:nvPr/>
+        </p:nvPicPr>
+        <p:blipFill>
+          <a:blip r:embed="rId2"/>
+          <a:stretch>
+            <a:fillRect/>
+          </a:stretch>
+        </p:blipFill>
+        <p:spPr>
+          <a:xfrm>
+            <a:off x="3047078" y="566928"/>
+            <a:ext cx="6097843" cy="5669280"/>
+          </a:xfrm>
+          <a:prstGeom prst="rect">
+            <a:avLst/>
+          </a:prstGeom>
+        </p:spPr>
+      </p:pic>
+    </p:spTree>
+  </p:cSld>
+  <p:clrMapOvr>
+    <a:masterClrMapping/>
+  </p:clrMapOvr>
+</p:sld>
+</file>
+
+<file path=ppt/slides/slide31.xml><?xml version="1.0" encoding="utf-8"?>
+<p:sld xmlns:a="http://schemas.openxmlformats.org/drawingml/2006/main" xmlns:p="http://schemas.openxmlformats.org/presentationml/2006/main" xmlns:r="http://schemas.openxmlformats.org/officeDocument/2006/relationships">
+  <p:cSld>
+    <p:spTree>
+      <p:nvGrpSpPr>
+        <p:cNvPr id="1" name=""/>
+        <p:cNvGrpSpPr/>
+        <p:nvPr/>
+      </p:nvGrpSpPr>
+      <p:grpSpPr/>
+      <p:sp>
+        <p:nvSpPr>
+          <p:cNvPr id="2" name="Title 1"/>
+          <p:cNvSpPr>
+            <a:spLocks noGrp="1"/>
+          </p:cNvSpPr>
+          <p:nvPr>
+            <p:ph type="title"/>
+          </p:nvPr>
+        </p:nvSpPr>
+        <p:spPr/>
+        <p:txBody>
+          <a:bodyPr wrap="square">
+            <a:noAutofit/>
+          </a:bodyPr>
+          <a:lstStyle/>
+          <a:p>
+            <a:r>
+              <a:rPr sz="3200" b="1" i="0">
+                <a:latin typeface="Arial"/>
+              </a:rPr>
+              <a:t>met stroomsturing en beveiligingsdiodes</a:t>
+            </a:r>
+            <a:endParaRPr sz="3200" b="1" i="0">
+              <a:latin typeface="Arial"/>
+            </a:endParaRPr>
+          </a:p>
+        </p:txBody>
+      </p:sp>
+      <p:pic>
+        <p:nvPicPr>
+          <p:cNvPr id="3" name="Picture 2" descr="image.png"/>
+          <p:cNvPicPr>
+            <a:picLocks noChangeAspect="1"/>
+          </p:cNvPicPr>
+          <p:nvPr/>
+        </p:nvPicPr>
+        <p:blipFill>
+          <a:blip r:embed="rId2"/>
+          <a:stretch>
+            <a:fillRect/>
+          </a:stretch>
+        </p:blipFill>
+        <p:spPr>
+          <a:xfrm>
+            <a:off x="3047078" y="566928"/>
+            <a:ext cx="6097843" cy="5669280"/>
+          </a:xfrm>
+          <a:prstGeom prst="rect">
+            <a:avLst/>
+          </a:prstGeom>
+        </p:spPr>
+      </p:pic>
+    </p:spTree>
+  </p:cSld>
+  <p:clrMapOvr>
+    <a:masterClrMapping/>
+  </p:clrMapOvr>
+</p:sld>
+</file>
+
+<file path=ppt/slides/slide32.xml><?xml version="1.0" encoding="utf-8"?>
+<p:sld xmlns:a="http://schemas.openxmlformats.org/drawingml/2006/main" xmlns:p="http://schemas.openxmlformats.org/presentationml/2006/main" xmlns:r="http://schemas.openxmlformats.org/officeDocument/2006/relationships">
+  <p:cSld>
+    <p:spTree>
+      <p:nvGrpSpPr>
+        <p:cNvPr id="1" name=""/>
+        <p:cNvGrpSpPr/>
+        <p:nvPr/>
+      </p:nvGrpSpPr>
+      <p:grpSpPr/>
+    </p:spTree>
+  </p:cSld>
+  <p:clrMapOvr>
+    <a:masterClrMapping/>
+  </p:clrMapOvr>
+</p:sld>
+</file>
+
+<file path=ppt/slides/slide33.xml><?xml version="1.0" encoding="utf-8"?>
+<p:sld xmlns:a="http://schemas.openxmlformats.org/drawingml/2006/main" xmlns:p="http://schemas.openxmlformats.org/presentationml/2006/main" xmlns:r="http://schemas.openxmlformats.org/officeDocument/2006/relationships">
+  <p:cSld>
+    <p:spTree>
+      <p:nvGrpSpPr>
+        <p:cNvPr id="1" name=""/>
+        <p:cNvGrpSpPr/>
+        <p:nvPr/>
+      </p:nvGrpSpPr>
+      <p:grpSpPr/>
     </p:spTree>
   </p:cSld>
   <p:clrMapOvr>
@@ -7323,7 +8596,24 @@
       <p:grpSpPr/>
       <p:sp>
         <p:nvSpPr>
-          <p:cNvPr id="2" name="Title 1"/>
+          <p:cNvPr id="2" name="Content Placeholder 1"/>
+          <p:cNvSpPr>
+            <a:spLocks noGrp="1"/>
+          </p:cNvSpPr>
+          <p:nvPr>
+            <p:ph idx="1"/>
+          </p:nvPr>
+        </p:nvSpPr>
+        <p:spPr/>
+        <p:txBody>
+          <a:bodyPr/>
+          <a:lstStyle/>
+          <a:p/>
+        </p:txBody>
+      </p:sp>
+      <p:sp>
+        <p:nvSpPr>
+          <p:cNvPr id="3" name="Title 2"/>
           <p:cNvSpPr>
             <a:spLocks noGrp="1"/>
           </p:cNvSpPr>
@@ -7339,41 +8629,83 @@
           <a:lstStyle/>
           <a:p>
             <a:r>
-              <a:rPr sz="2400" b="1" i="0">
+              <a:rPr sz="3200" b="1" i="0">
                 <a:latin typeface="Arial"/>
               </a:rPr>
-              <a:t>Basisschema van de klasse D versterker met nummering van de knopen</a:t>
-            </a:r>
-            <a:endParaRPr sz="2400" b="1" i="0">
+              <a:t>Stromen en spanningen</a:t>
+            </a:r>
+            <a:endParaRPr sz="3200" b="1" i="0">
               <a:latin typeface="Arial"/>
             </a:endParaRPr>
           </a:p>
         </p:txBody>
       </p:sp>
-      <p:pic>
-        <p:nvPicPr>
-          <p:cNvPr id="3" name="Picture 2" descr="image.png"/>
-          <p:cNvPicPr>
-            <a:picLocks noChangeAspect="1"/>
-          </p:cNvPicPr>
-          <p:nvPr/>
-        </p:nvPicPr>
-        <p:blipFill>
-          <a:blip r:embed="rId2"/>
-          <a:stretch>
-            <a:fillRect/>
-          </a:stretch>
-        </p:blipFill>
-        <p:spPr>
-          <a:xfrm>
-            <a:off x="2415800" y="566928"/>
-            <a:ext cx="7360400" cy="5669280"/>
-          </a:xfrm>
-          <a:prstGeom prst="rect">
-            <a:avLst/>
-          </a:prstGeom>
-        </p:spPr>
-      </p:pic>
+      <p:sp>
+        <p:nvSpPr>
+          <p:cNvPr id="2" name="Content Placeholder 1"/>
+          <p:cNvSpPr>
+            <a:spLocks noGrp="1"/>
+          </p:cNvSpPr>
+          <p:nvPr>
+            <p:ph idx="1"/>
+          </p:nvPr>
+        </p:nvSpPr>
+        <p:spPr>
+          <a:xfrm>
+            <a:off x="914400" y="566928"/>
+            <a:ext cx="10820400" cy="5669280"/>
+          </a:xfrm>
+        </p:spPr>
+        <p:txBody>
+          <a:bodyPr>
+            <a:spAutoFit/>
+          </a:bodyPr>
+          <a:lstStyle/>
+          <a:p/>
+          <a:p>
+            <a:pPr lvl="1"/>
+            <a:r>
+              <a:t>Er wordt geschakeld als de stroom door de inductantie 0 is</a:t>
+            </a:r>
+          </a:p>
+          <a:p>
+            <a:pPr lvl="1"/>
+            <a:r>
+              <a:t>Spanning over de transistor</a:t>
+            </a:r>
+          </a:p>
+          <a:p>
+            <a:pPr lvl="2"/>
+            <a:r>
+              <a:t>ongeveer 0 Volt in geval de transistor stroom geleidt</a:t>
+            </a:r>
+          </a:p>
+          <a:p>
+            <a:pPr lvl="2"/>
+            <a:r>
+              <a:t>Voedingsspanning in het geval de transistor geen stroom geleidt</a:t>
+            </a:r>
+          </a:p>
+          <a:p>
+            <a:pPr lvl="1"/>
+            <a:r>
+              <a:t>Stroom door de transistor : Afwisselend</a:t>
+            </a:r>
+          </a:p>
+          <a:p>
+            <a:pPr lvl="2"/>
+            <a:r>
+              <a:t>een halve periode stroom (sinus)</a:t>
+            </a:r>
+          </a:p>
+          <a:p>
+            <a:pPr lvl="2"/>
+            <a:r>
+              <a:t>een halve periode geen stroom</a:t>
+            </a:r>
+          </a:p>
+        </p:txBody>
+      </p:sp>
     </p:spTree>
   </p:cSld>
   <p:clrMapOvr>
@@ -7394,12 +8726,12 @@
       <p:grpSpPr/>
       <p:sp>
         <p:nvSpPr>
-          <p:cNvPr id="2" name="Content Placeholder 1"/>
-          <p:cNvSpPr>
-            <a:spLocks noGrp="1"/>
-          </p:cNvSpPr>
-          <p:nvPr>
-            <p:ph idx="1"/>
+          <p:cNvPr id="2" name="Title 1"/>
+          <p:cNvSpPr>
+            <a:spLocks noGrp="1"/>
+          </p:cNvSpPr>
+          <p:nvPr>
+            <p:ph type="title"/>
           </p:nvPr>
         </p:nvSpPr>
         <p:spPr/>
@@ -7409,260 +8741,11 @@
           </a:bodyPr>
           <a:lstStyle/>
           <a:p>
-            <a:pPr>
-              <a:lnSpc>
-                <a:spcPts val="2400"/>
-              </a:lnSpc>
-              <a:defRPr>
-                <a:solidFill>
-                  <a:srgbClr val="FFFFFF"/>
-                </a:solidFill>
-              </a:defRPr>
-            </a:pPr>
-            <a:r>
-              <a:rPr sz="2400" b="0" i="0">
-                <a:latin typeface="Courier"/>
-              </a:rPr>
-              <a:t>* Class D amp 1</a:t>
-            </a:r>
-            <a:endParaRPr sz="2400" b="0" i="0">
-              <a:latin typeface="Courier"/>
-            </a:endParaRPr>
-          </a:p>
-          <a:p>
-            <a:pPr>
-              <a:lnSpc>
-                <a:spcPts val="2400"/>
-              </a:lnSpc>
-              <a:defRPr>
-                <a:solidFill>
-                  <a:srgbClr val="FFFFFF"/>
-                </a:solidFill>
-              </a:defRPr>
-            </a:pPr>
-            <a:r>
-              <a:rPr sz="2400" b="0" i="0">
-                <a:latin typeface="Courier"/>
-              </a:rPr>
-              <a:t>Q_Q1         3 1 2 Q2</a:t>
-            </a:r>
-            <a:endParaRPr sz="2400" b="0" i="0">
-              <a:latin typeface="Courier"/>
-            </a:endParaRPr>
-          </a:p>
-          <a:p>
-            <a:pPr>
-              <a:lnSpc>
-                <a:spcPts val="2400"/>
-              </a:lnSpc>
-              <a:defRPr>
-                <a:solidFill>
-                  <a:srgbClr val="FFFFFF"/>
-                </a:solidFill>
-              </a:defRPr>
-            </a:pPr>
-            <a:r>
-              <a:rPr sz="2400" b="0" i="0">
-                <a:latin typeface="Courier"/>
-              </a:rPr>
-              <a:t>Q_Qp         0 1 2 Qp</a:t>
-            </a:r>
-            <a:endParaRPr sz="2400" b="0" i="0">
-              <a:latin typeface="Courier"/>
-            </a:endParaRPr>
-          </a:p>
-          <a:p>
-            <a:pPr>
-              <a:lnSpc>
-                <a:spcPts val="2400"/>
-              </a:lnSpc>
-              <a:defRPr>
-                <a:solidFill>
-                  <a:srgbClr val="FFFFFF"/>
-                </a:solidFill>
-              </a:defRPr>
-            </a:pPr>
-            <a:r>
-              <a:rPr sz="2400" b="0" i="0">
-                <a:latin typeface="Courier"/>
-              </a:rPr>
-              <a:t>L_L1         5 2 1uH</a:t>
-            </a:r>
-            <a:endParaRPr sz="2400" b="0" i="0">
-              <a:latin typeface="Courier"/>
-            </a:endParaRPr>
-          </a:p>
-          <a:p>
-            <a:pPr>
-              <a:lnSpc>
-                <a:spcPts val="2400"/>
-              </a:lnSpc>
-              <a:defRPr>
-                <a:solidFill>
-                  <a:srgbClr val="FFFFFF"/>
-                </a:solidFill>
-              </a:defRPr>
-            </a:pPr>
-            <a:r>
-              <a:rPr sz="2400" b="0" i="0">
-                <a:latin typeface="Courier"/>
-              </a:rPr>
-              <a:t>C_C1         5 6 10n</a:t>
-            </a:r>
-            <a:endParaRPr sz="2400" b="0" i="0">
-              <a:latin typeface="Courier"/>
-            </a:endParaRPr>
-          </a:p>
-          <a:p>
-            <a:pPr>
-              <a:lnSpc>
-                <a:spcPts val="2400"/>
-              </a:lnSpc>
-              <a:defRPr>
-                <a:solidFill>
-                  <a:srgbClr val="FFFFFF"/>
-                </a:solidFill>
-              </a:defRPr>
-            </a:pPr>
-            <a:r>
-              <a:rPr sz="2400" b="0" i="0">
-                <a:latin typeface="Courier"/>
-              </a:rPr>
-              <a:t>R_RL         6 0 6</a:t>
-            </a:r>
-            <a:endParaRPr sz="2400" b="0" i="0">
-              <a:latin typeface="Courier"/>
-            </a:endParaRPr>
-          </a:p>
-          <a:p>
-            <a:pPr>
-              <a:lnSpc>
-                <a:spcPts val="2400"/>
-              </a:lnSpc>
-              <a:defRPr>
-                <a:solidFill>
-                  <a:srgbClr val="FFFFFF"/>
-                </a:solidFill>
-              </a:defRPr>
-            </a:pPr>
-            <a:r>
-              <a:rPr sz="2400" b="0" i="0">
-                <a:latin typeface="Courier"/>
-              </a:rPr>
-              <a:t>V_Vdd        3 0 20V</a:t>
-            </a:r>
-            <a:endParaRPr sz="2400" b="0" i="0">
-              <a:latin typeface="Courier"/>
-            </a:endParaRPr>
-          </a:p>
-          <a:p>
-            <a:pPr>
-              <a:lnSpc>
-                <a:spcPts val="2400"/>
-              </a:lnSpc>
-              <a:defRPr>
-                <a:solidFill>
-                  <a:srgbClr val="FFFFFF"/>
-                </a:solidFill>
-              </a:defRPr>
-            </a:pPr>
-            <a:r>
-              <a:rPr sz="2400" b="0" i="0">
-                <a:latin typeface="Courier"/>
-              </a:rPr>
-              <a:t>R_Rin        4 1 1</a:t>
-            </a:r>
-            <a:endParaRPr sz="2400" b="0" i="0">
-              <a:latin typeface="Courier"/>
-            </a:endParaRPr>
-          </a:p>
-          <a:p>
-            <a:pPr>
-              <a:lnSpc>
-                <a:spcPts val="2400"/>
-              </a:lnSpc>
-              <a:defRPr>
-                <a:solidFill>
-                  <a:srgbClr val="FFFFFF"/>
-                </a:solidFill>
-              </a:defRPr>
-            </a:pPr>
-            <a:r>
-              <a:rPr sz="2400" b="0" i="0">
-                <a:latin typeface="Courier"/>
-              </a:rPr>
-              <a:t>V_Vin        4 0 PULSE(0 20 0 20ns 20ns 294ns 628ns) DC=0</a:t>
-            </a:r>
-            <a:endParaRPr sz="2400" b="0" i="0">
-              <a:latin typeface="Courier"/>
-            </a:endParaRPr>
-          </a:p>
-          <a:p>
-            <a:pPr>
-              <a:lnSpc>
-                <a:spcPts val="2400"/>
-              </a:lnSpc>
-              <a:defRPr>
-                <a:solidFill>
-                  <a:srgbClr val="FFFFFF"/>
-                </a:solidFill>
-              </a:defRPr>
-            </a:pPr>
-            <a:r>
-              <a:rPr sz="2400" b="0" i="0">
-                <a:latin typeface="Courier"/>
-              </a:rPr>
-              <a:t>.model Q2  NPN(Is=14.34f BF=200)</a:t>
-            </a:r>
-            <a:endParaRPr sz="2400" b="0" i="0">
-              <a:latin typeface="Courier"/>
-            </a:endParaRPr>
-          </a:p>
-          <a:p>
-            <a:pPr>
-              <a:lnSpc>
-                <a:spcPts val="2400"/>
-              </a:lnSpc>
-              <a:defRPr>
-                <a:solidFill>
-                  <a:srgbClr val="FFFFFF"/>
-                </a:solidFill>
-              </a:defRPr>
-            </a:pPr>
-            <a:r>
-              <a:rPr sz="2400" b="0" i="0">
-                <a:latin typeface="Courier"/>
-              </a:rPr>
-              <a:t>.model Qp  PNP(Is=5.34f BF=100)</a:t>
-            </a:r>
-            <a:endParaRPr sz="2400" b="0" i="0">
-              <a:latin typeface="Courier"/>
-            </a:endParaRPr>
-          </a:p>
-        </p:txBody>
-      </p:sp>
-      <p:sp>
-        <p:nvSpPr>
-          <p:cNvPr id="3" name="Title 2"/>
-          <p:cNvSpPr>
-            <a:spLocks noGrp="1"/>
-          </p:cNvSpPr>
-          <p:nvPr>
-            <p:ph type="title"/>
-          </p:nvPr>
-        </p:nvSpPr>
-        <p:spPr/>
-        <p:txBody>
-          <a:bodyPr wrap="square">
-            <a:noAutofit/>
-          </a:bodyPr>
-          <a:lstStyle/>
-          <a:p>
             <a:r>
               <a:rPr sz="3200" b="1" i="0">
                 <a:latin typeface="Arial"/>
               </a:rPr>
-              <a:t>SPICE file Klasse D circuit</a:t>
+              <a:t>Klasse D versterker met MOS transistors in GSS</a:t>
             </a:r>
             <a:endParaRPr sz="3200" b="1" i="0">
               <a:latin typeface="Arial"/>
@@ -7670,6 +8753,30 @@
           </a:p>
         </p:txBody>
       </p:sp>
+      <p:pic>
+        <p:nvPicPr>
+          <p:cNvPr id="3" name="Picture 2" descr="image.png"/>
+          <p:cNvPicPr>
+            <a:picLocks noChangeAspect="1"/>
+          </p:cNvPicPr>
+          <p:nvPr/>
+        </p:nvPicPr>
+        <p:blipFill>
+          <a:blip r:embed="rId2"/>
+          <a:stretch>
+            <a:fillRect/>
+          </a:stretch>
+        </p:blipFill>
+        <p:spPr>
+          <a:xfrm>
+            <a:off x="2224103" y="566928"/>
+            <a:ext cx="7743793" cy="5669280"/>
+          </a:xfrm>
+          <a:prstGeom prst="rect">
+            <a:avLst/>
+          </a:prstGeom>
+        </p:spPr>
+      </p:pic>
     </p:spTree>
   </p:cSld>
   <p:clrMapOvr>
@@ -7706,12 +8813,12 @@
           <a:lstStyle/>
           <a:p>
             <a:r>
-              <a:rPr sz="3200" b="1" i="0">
+              <a:rPr sz="2400" b="1" i="0">
                 <a:latin typeface="Arial"/>
               </a:rPr>
-              <a:t>Bekomen spanningen op de verschillende knopen</a:t>
-            </a:r>
-            <a:endParaRPr sz="3200" b="1" i="0">
+              <a:t>Basisschema van de klasse D versterker met nummering van de knopen</a:t>
+            </a:r>
+            <a:endParaRPr sz="2400" b="1" i="0">
               <a:latin typeface="Arial"/>
             </a:endParaRPr>
           </a:p>
@@ -7733,8 +8840,8 @@
         </p:blipFill>
         <p:spPr>
           <a:xfrm>
-            <a:off x="1850302" y="566928"/>
-            <a:ext cx="8491396" cy="5669280"/>
+            <a:off x="2415800" y="566928"/>
+            <a:ext cx="7360400" cy="5669280"/>
           </a:xfrm>
           <a:prstGeom prst="rect">
             <a:avLst/>
@@ -7761,12 +8868,12 @@
       <p:grpSpPr/>
       <p:sp>
         <p:nvSpPr>
-          <p:cNvPr id="2" name="Title 1"/>
-          <p:cNvSpPr>
-            <a:spLocks noGrp="1"/>
-          </p:cNvSpPr>
-          <p:nvPr>
-            <p:ph type="title"/>
+          <p:cNvPr id="2" name="Content Placeholder 1"/>
+          <p:cNvSpPr>
+            <a:spLocks noGrp="1"/>
+          </p:cNvSpPr>
+          <p:nvPr>
+            <p:ph idx="1"/>
           </p:nvPr>
         </p:nvSpPr>
         <p:spPr/>
@@ -7776,11 +8883,260 @@
           </a:bodyPr>
           <a:lstStyle/>
           <a:p>
+            <a:pPr>
+              <a:lnSpc>
+                <a:spcPts val="2400"/>
+              </a:lnSpc>
+              <a:defRPr>
+                <a:solidFill>
+                  <a:srgbClr val="FFFFFF"/>
+                </a:solidFill>
+              </a:defRPr>
+            </a:pPr>
+            <a:r>
+              <a:rPr sz="2400" b="0" i="0">
+                <a:latin typeface="Courier"/>
+              </a:rPr>
+              <a:t>* Class D amp 1</a:t>
+            </a:r>
+            <a:endParaRPr sz="2400" b="0" i="0">
+              <a:latin typeface="Courier"/>
+            </a:endParaRPr>
+          </a:p>
+          <a:p>
+            <a:pPr>
+              <a:lnSpc>
+                <a:spcPts val="2400"/>
+              </a:lnSpc>
+              <a:defRPr>
+                <a:solidFill>
+                  <a:srgbClr val="FFFFFF"/>
+                </a:solidFill>
+              </a:defRPr>
+            </a:pPr>
+            <a:r>
+              <a:rPr sz="2400" b="0" i="0">
+                <a:latin typeface="Courier"/>
+              </a:rPr>
+              <a:t>Q_Q1         3 1 2 Q2</a:t>
+            </a:r>
+            <a:endParaRPr sz="2400" b="0" i="0">
+              <a:latin typeface="Courier"/>
+            </a:endParaRPr>
+          </a:p>
+          <a:p>
+            <a:pPr>
+              <a:lnSpc>
+                <a:spcPts val="2400"/>
+              </a:lnSpc>
+              <a:defRPr>
+                <a:solidFill>
+                  <a:srgbClr val="FFFFFF"/>
+                </a:solidFill>
+              </a:defRPr>
+            </a:pPr>
+            <a:r>
+              <a:rPr sz="2400" b="0" i="0">
+                <a:latin typeface="Courier"/>
+              </a:rPr>
+              <a:t>Q_Qp         0 1 2 Qp</a:t>
+            </a:r>
+            <a:endParaRPr sz="2400" b="0" i="0">
+              <a:latin typeface="Courier"/>
+            </a:endParaRPr>
+          </a:p>
+          <a:p>
+            <a:pPr>
+              <a:lnSpc>
+                <a:spcPts val="2400"/>
+              </a:lnSpc>
+              <a:defRPr>
+                <a:solidFill>
+                  <a:srgbClr val="FFFFFF"/>
+                </a:solidFill>
+              </a:defRPr>
+            </a:pPr>
+            <a:r>
+              <a:rPr sz="2400" b="0" i="0">
+                <a:latin typeface="Courier"/>
+              </a:rPr>
+              <a:t>L_L1         5 2 1uH</a:t>
+            </a:r>
+            <a:endParaRPr sz="2400" b="0" i="0">
+              <a:latin typeface="Courier"/>
+            </a:endParaRPr>
+          </a:p>
+          <a:p>
+            <a:pPr>
+              <a:lnSpc>
+                <a:spcPts val="2400"/>
+              </a:lnSpc>
+              <a:defRPr>
+                <a:solidFill>
+                  <a:srgbClr val="FFFFFF"/>
+                </a:solidFill>
+              </a:defRPr>
+            </a:pPr>
+            <a:r>
+              <a:rPr sz="2400" b="0" i="0">
+                <a:latin typeface="Courier"/>
+              </a:rPr>
+              <a:t>C_C1         5 6 10n</a:t>
+            </a:r>
+            <a:endParaRPr sz="2400" b="0" i="0">
+              <a:latin typeface="Courier"/>
+            </a:endParaRPr>
+          </a:p>
+          <a:p>
+            <a:pPr>
+              <a:lnSpc>
+                <a:spcPts val="2400"/>
+              </a:lnSpc>
+              <a:defRPr>
+                <a:solidFill>
+                  <a:srgbClr val="FFFFFF"/>
+                </a:solidFill>
+              </a:defRPr>
+            </a:pPr>
+            <a:r>
+              <a:rPr sz="2400" b="0" i="0">
+                <a:latin typeface="Courier"/>
+              </a:rPr>
+              <a:t>R_RL         6 0 6</a:t>
+            </a:r>
+            <a:endParaRPr sz="2400" b="0" i="0">
+              <a:latin typeface="Courier"/>
+            </a:endParaRPr>
+          </a:p>
+          <a:p>
+            <a:pPr>
+              <a:lnSpc>
+                <a:spcPts val="2400"/>
+              </a:lnSpc>
+              <a:defRPr>
+                <a:solidFill>
+                  <a:srgbClr val="FFFFFF"/>
+                </a:solidFill>
+              </a:defRPr>
+            </a:pPr>
+            <a:r>
+              <a:rPr sz="2400" b="0" i="0">
+                <a:latin typeface="Courier"/>
+              </a:rPr>
+              <a:t>V_Vdd        3 0 20V</a:t>
+            </a:r>
+            <a:endParaRPr sz="2400" b="0" i="0">
+              <a:latin typeface="Courier"/>
+            </a:endParaRPr>
+          </a:p>
+          <a:p>
+            <a:pPr>
+              <a:lnSpc>
+                <a:spcPts val="2400"/>
+              </a:lnSpc>
+              <a:defRPr>
+                <a:solidFill>
+                  <a:srgbClr val="FFFFFF"/>
+                </a:solidFill>
+              </a:defRPr>
+            </a:pPr>
+            <a:r>
+              <a:rPr sz="2400" b="0" i="0">
+                <a:latin typeface="Courier"/>
+              </a:rPr>
+              <a:t>R_Rin        4 1 1</a:t>
+            </a:r>
+            <a:endParaRPr sz="2400" b="0" i="0">
+              <a:latin typeface="Courier"/>
+            </a:endParaRPr>
+          </a:p>
+          <a:p>
+            <a:pPr>
+              <a:lnSpc>
+                <a:spcPts val="2400"/>
+              </a:lnSpc>
+              <a:defRPr>
+                <a:solidFill>
+                  <a:srgbClr val="FFFFFF"/>
+                </a:solidFill>
+              </a:defRPr>
+            </a:pPr>
+            <a:r>
+              <a:rPr sz="2400" b="0" i="0">
+                <a:latin typeface="Courier"/>
+              </a:rPr>
+              <a:t>V_Vin        4 0 PULSE(0 20 0 20ns 20ns 294ns 628ns) DC=0</a:t>
+            </a:r>
+            <a:endParaRPr sz="2400" b="0" i="0">
+              <a:latin typeface="Courier"/>
+            </a:endParaRPr>
+          </a:p>
+          <a:p>
+            <a:pPr>
+              <a:lnSpc>
+                <a:spcPts val="2400"/>
+              </a:lnSpc>
+              <a:defRPr>
+                <a:solidFill>
+                  <a:srgbClr val="FFFFFF"/>
+                </a:solidFill>
+              </a:defRPr>
+            </a:pPr>
+            <a:r>
+              <a:rPr sz="2400" b="0" i="0">
+                <a:latin typeface="Courier"/>
+              </a:rPr>
+              <a:t>.model Q2  NPN(Is=14.34f BF=200)</a:t>
+            </a:r>
+            <a:endParaRPr sz="2400" b="0" i="0">
+              <a:latin typeface="Courier"/>
+            </a:endParaRPr>
+          </a:p>
+          <a:p>
+            <a:pPr>
+              <a:lnSpc>
+                <a:spcPts val="2400"/>
+              </a:lnSpc>
+              <a:defRPr>
+                <a:solidFill>
+                  <a:srgbClr val="FFFFFF"/>
+                </a:solidFill>
+              </a:defRPr>
+            </a:pPr>
+            <a:r>
+              <a:rPr sz="2400" b="0" i="0">
+                <a:latin typeface="Courier"/>
+              </a:rPr>
+              <a:t>.model Qp  PNP(Is=5.34f BF=100)</a:t>
+            </a:r>
+            <a:endParaRPr sz="2400" b="0" i="0">
+              <a:latin typeface="Courier"/>
+            </a:endParaRPr>
+          </a:p>
+        </p:txBody>
+      </p:sp>
+      <p:sp>
+        <p:nvSpPr>
+          <p:cNvPr id="3" name="Title 2"/>
+          <p:cNvSpPr>
+            <a:spLocks noGrp="1"/>
+          </p:cNvSpPr>
+          <p:nvPr>
+            <p:ph type="title"/>
+          </p:nvPr>
+        </p:nvSpPr>
+        <p:spPr/>
+        <p:txBody>
+          <a:bodyPr wrap="square">
+            <a:noAutofit/>
+          </a:bodyPr>
+          <a:lstStyle/>
+          <a:p>
             <a:r>
               <a:rPr sz="3200" b="1" i="0">
                 <a:latin typeface="Arial"/>
               </a:rPr>
-              <a:t>Collector stroom in de NPN en de PNP transistor</a:t>
+              <a:t>SPICE file Klasse D circuit</a:t>
             </a:r>
             <a:endParaRPr sz="3200" b="1" i="0">
               <a:latin typeface="Arial"/>
@@ -7788,30 +9144,6 @@
           </a:p>
         </p:txBody>
       </p:sp>
-      <p:pic>
-        <p:nvPicPr>
-          <p:cNvPr id="3" name="Picture 2" descr="image.png"/>
-          <p:cNvPicPr>
-            <a:picLocks noChangeAspect="1"/>
-          </p:cNvPicPr>
-          <p:nvPr/>
-        </p:nvPicPr>
-        <p:blipFill>
-          <a:blip r:embed="rId2"/>
-          <a:stretch>
-            <a:fillRect/>
-          </a:stretch>
-        </p:blipFill>
-        <p:spPr>
-          <a:xfrm>
-            <a:off x="1833603" y="566928"/>
-            <a:ext cx="8524794" cy="5669280"/>
-          </a:xfrm>
-          <a:prstGeom prst="rect">
-            <a:avLst/>
-          </a:prstGeom>
-        </p:spPr>
-      </p:pic>
     </p:spTree>
   </p:cSld>
   <p:clrMapOvr>
@@ -7832,24 +9164,7 @@
       <p:grpSpPr/>
       <p:sp>
         <p:nvSpPr>
-          <p:cNvPr id="2" name="Content Placeholder 1"/>
-          <p:cNvSpPr>
-            <a:spLocks noGrp="1"/>
-          </p:cNvSpPr>
-          <p:nvPr>
-            <p:ph idx="1"/>
-          </p:nvPr>
-        </p:nvSpPr>
-        <p:spPr/>
-        <p:txBody>
-          <a:bodyPr/>
-          <a:lstStyle/>
-          <a:p/>
-        </p:txBody>
-      </p:sp>
-      <p:sp>
-        <p:nvSpPr>
-          <p:cNvPr id="3" name="Title 2"/>
+          <p:cNvPr id="2" name="Title 1"/>
           <p:cNvSpPr>
             <a:spLocks noGrp="1"/>
           </p:cNvSpPr>
@@ -7868,7 +9183,7 @@
               <a:rPr sz="3200" b="1" i="0">
                 <a:latin typeface="Arial"/>
               </a:rPr>
-              <a:t>Fourrier reeks van de spanning op knoop 2</a:t>
+              <a:t>Bekomen spanningen op de verschillende knopen</a:t>
             </a:r>
             <a:endParaRPr sz="3200" b="1" i="0">
               <a:latin typeface="Arial"/>
@@ -7878,7 +9193,7 @@
       </p:sp>
       <p:pic>
         <p:nvPicPr>
-          <p:cNvPr id="4" name="Picture 3" descr="image.png"/>
+          <p:cNvPr id="3" name="Picture 2" descr="image.png"/>
           <p:cNvPicPr>
             <a:picLocks noChangeAspect="1"/>
           </p:cNvPicPr>
@@ -7892,8 +9207,8 @@
         </p:blipFill>
         <p:spPr>
           <a:xfrm>
-            <a:off x="1195387" y="2395728"/>
-            <a:ext cx="9801225" cy="952500"/>
+            <a:off x="1850302" y="566928"/>
+            <a:ext cx="8491396" cy="5669280"/>
           </a:xfrm>
           <a:prstGeom prst="rect">
             <a:avLst/>
@@ -7939,7 +9254,7 @@
               <a:rPr sz="3200" b="1" i="0">
                 <a:latin typeface="Arial"/>
               </a:rPr>
-              <a:t>Harmonische componenten in de spanning</a:t>
+              <a:t>Collector stroom in de NPN en de PNP transistor</a:t>
             </a:r>
             <a:endParaRPr sz="3200" b="1" i="0">
               <a:latin typeface="Arial"/>
@@ -7963,8 +9278,8 @@
         </p:blipFill>
         <p:spPr>
           <a:xfrm>
-            <a:off x="3194564" y="566928"/>
-            <a:ext cx="5802871" cy="5669280"/>
+            <a:off x="1833603" y="566928"/>
+            <a:ext cx="8524794" cy="5669280"/>
           </a:xfrm>
           <a:prstGeom prst="rect">
             <a:avLst/>

--- a/ToegepasteAnalogeElektronica/PowerPoint/Klasse-D.pptx
+++ b/ToegepasteAnalogeElektronica/PowerPoint/Klasse-D.pptx
@@ -1404,12 +1404,17 @@
           <a:lstStyle/>
           <a:p>
             <a:r>
-              <a:t>Alle andere schema's kunnen op een gelijkaardige wijze worden uitgerust met overbruggingsdiodes om een negatieve spanning over de transistor te voorkomen.</a:t>
-            </a:r>
-          </a:p>
-          <a:p>
-            <a:r>
-              <a:t>Deze overbruggingsdiodes zorgen ervoor dat de klasse D versterker veel geschikter is dan de klasse C versterker voor een werking iets naast de resonantiefrequentie.</a:t>
+              <a:t>De trilkring in het bovenstaande schema krijgt ook een blokgolf spanning te verwerken. Deze wordt echter niet rechtstreeks opgelegd, maar wel aan de hand van een transformator. Indien de rechter transistor in geleiding is krijgen we de positieve voedingsspanning over de trilkring. Indien de linker transistor in geleiding is krijgen we de negatieve voedingsspanning over de trilkring. De trilkring bepaald vervolgens de stromen die er vloeien en deze stromen lopen dan ook door de respectievelijke transistors.</a:t>
+            </a:r>
+          </a:p>
+          <a:p>
+            <a:r>
+              <a:t>Indien de wikkelverhouding groter dan 1 is, wordt er een grotere blokgolf spanning over de trilkring bekomen en moet er een zelfde factor meer stroom lopen door de transistors dan er door de trilkring loopt. Omgekeerd geldt natuurlijk het omgekeerde.</a:t>
+            </a:r>
+          </a:p>
+          <a:p>
+            <a:r>
+              <a:t>Ook dit schema heeft het voordeel dat er gewerkt wordt met npn transistors.</a:t>
             </a:r>
           </a:p>
         </p:txBody>
@@ -1435,86 +1440,6 @@
 </file>
 
 <file path=ppt/notesSlides/notesSlide5.xml><?xml version="1.0" encoding="utf-8"?>
-<p:notes xmlns:a="http://schemas.openxmlformats.org/drawingml/2006/main" xmlns:p="http://schemas.openxmlformats.org/presentationml/2006/main" xmlns:r="http://schemas.openxmlformats.org/officeDocument/2006/relationships">
-  <p:cSld>
-    <p:spTree>
-      <p:nvGrpSpPr>
-        <p:cNvPr id="1" name=""/>
-        <p:cNvGrpSpPr/>
-        <p:nvPr/>
-      </p:nvGrpSpPr>
-      <p:grpSpPr>
-        <a:xfrm>
-          <a:off x="0" y="0"/>
-          <a:ext cx="0" cy="0"/>
-          <a:chOff x="0" y="0"/>
-          <a:chExt cx="0" cy="0"/>
-        </a:xfrm>
-      </p:grpSpPr>
-      <p:sp>
-        <p:nvSpPr>
-          <p:cNvPr id="2" name="Slide Image Placeholder 1"/>
-          <p:cNvSpPr>
-            <a:spLocks noGrp="1"/>
-          </p:cNvSpPr>
-          <p:nvPr>
-            <p:ph type="sldImg" idx="2"/>
-          </p:nvPr>
-        </p:nvSpPr>
-        <p:spPr/>
-      </p:sp>
-      <p:sp>
-        <p:nvSpPr>
-          <p:cNvPr id="3" name="Notes Placeholder 2"/>
-          <p:cNvSpPr>
-            <a:spLocks noGrp="1"/>
-          </p:cNvSpPr>
-          <p:nvPr>
-            <p:ph type="body" idx="3" sz="quarter"/>
-          </p:nvPr>
-        </p:nvSpPr>
-        <p:spPr/>
-        <p:txBody>
-          <a:bodyPr/>
-          <a:lstStyle/>
-          <a:p>
-            <a:r>
-              <a:t>De trilkring in het bovenstaande schema krijgt ook een blokgolf spanning te verwerken. Deze wordt echter niet rechtstreeks opgelegd, maar wel aan de hand van een transformator. Indien de rechter transistor in geleiding is krijgen we de positieve voedingsspanning over de trilkring. Indien de linker transistor in geleiding is krijgen we de negatieve voedingsspanning over de trilkring. De trilkring bepaald vervolgens de stromen die er vloeien en deze stromen lopen dan ook door de respectievelijke transistors.</a:t>
-            </a:r>
-          </a:p>
-          <a:p>
-            <a:r>
-              <a:t>Indien de wikkelverhouding groter dan 1 is, wordt er een grotere blokgolf spanning over de trilkring bekomen en moet er een zelfde factor meer stroom lopen door de transistors dan er door de trilkring loopt. Omgekeerd geldt natuurlijk het omgekeerde.</a:t>
-            </a:r>
-          </a:p>
-          <a:p>
-            <a:r>
-              <a:t>Ook dit schema heeft het voordeel dat er gewerkt wordt met npn transistors.</a:t>
-            </a:r>
-          </a:p>
-        </p:txBody>
-      </p:sp>
-      <p:sp>
-        <p:nvSpPr>
-          <p:cNvPr id="4" name="Slide Number Placeholder 3"/>
-          <p:cNvSpPr>
-            <a:spLocks noGrp="1"/>
-          </p:cNvSpPr>
-          <p:nvPr>
-            <p:ph type="sldNum" idx="5" sz="quarter"/>
-          </p:nvPr>
-        </p:nvSpPr>
-        <p:spPr/>
-      </p:sp>
-    </p:spTree>
-  </p:cSld>
-  <p:clrMapOvr>
-    <a:masterClrMapping/>
-  </p:clrMapOvr>
-</p:notes>
-</file>
-
-<file path=ppt/notesSlides/notesSlide6.xml><?xml version="1.0" encoding="utf-8"?>
 <p:notes xmlns:a="http://schemas.openxmlformats.org/drawingml/2006/main" xmlns:p="http://schemas.openxmlformats.org/presentationml/2006/main" xmlns:r="http://schemas.openxmlformats.org/officeDocument/2006/relationships">
   <p:cSld>
     <p:spTree>
@@ -6470,6 +6395,18 @@
               <a:t>Deze amplitude bedraagt:</a:t>
             </a:r>
           </a:p>
+          <a:p>
+            <a:pPr/>
+          </a:p>
+          <a:p>
+            <a:pPr/>
+          </a:p>
+          <a:p>
+            <a:pPr lvl="1"/>
+            <a:r>
+              <a:t>Het nuttig vermogen is dus:</a:t>
+            </a:r>
+          </a:p>
         </p:txBody>
       </p:sp>
       <p:pic>
@@ -6488,7 +6425,7 @@
         </p:blipFill>
         <p:spPr>
           <a:xfrm>
-            <a:off x="4976812" y="6419088"/>
+            <a:off x="4976812" y="932688"/>
             <a:ext cx="2238375" cy="809625"/>
           </a:xfrm>
           <a:prstGeom prst="rect">
@@ -6496,34 +6433,6 @@
           </a:prstGeom>
         </p:spPr>
       </p:pic>
-      <p:sp>
-        <p:nvSpPr>
-          <p:cNvPr id="2" name="Content Placeholder 1"/>
-          <p:cNvSpPr>
-            <a:spLocks noGrp="1"/>
-          </p:cNvSpPr>
-          <p:nvPr>
-            <p:ph idx="1"/>
-          </p:nvPr>
-        </p:nvSpPr>
-        <p:spPr>
-          <a:xfrm>
-            <a:off x="914400" y="7503033"/>
-            <a:ext cx="10820400" cy="5669280"/>
-          </a:xfrm>
-        </p:spPr>
-        <p:txBody>
-          <a:bodyPr>
-            <a:spAutoFit/>
-          </a:bodyPr>
-          <a:lstStyle/>
-          <a:p>
-            <a:r>
-              <a:t>Klasse D versterkers</a:t>
-            </a:r>
-          </a:p>
-        </p:txBody>
-      </p:sp>
       <p:pic>
         <p:nvPicPr>
           <p:cNvPr id="5" name="Picture 4" descr="image.png"/>
@@ -6540,7 +6449,7 @@
         </p:blipFill>
         <p:spPr>
           <a:xfrm>
-            <a:off x="4957762" y="13355193"/>
+            <a:off x="4957762" y="2931033"/>
             <a:ext cx="2276475" cy="923925"/>
           </a:xfrm>
           <a:prstGeom prst="rect">
@@ -6685,7 +6594,7 @@
         </p:blipFill>
         <p:spPr>
           <a:xfrm>
-            <a:off x="3219450" y="6419088"/>
+            <a:off x="3219450" y="932688"/>
             <a:ext cx="5753100" cy="885825"/>
           </a:xfrm>
           <a:prstGeom prst="rect">

--- a/ToegepasteAnalogeElektronica/PowerPoint/Klasse-D.pptx
+++ b/ToegepasteAnalogeElektronica/PowerPoint/Klasse-D.pptx
@@ -44,6 +44,7 @@
     <p:sldId id="286" r:id="rId43"/>
     <p:sldId id="287" r:id="rId44"/>
     <p:sldId id="288" r:id="rId45"/>
+    <p:sldId id="289" r:id="rId46"/>
   </p:sldIdLst>
   <p:sldSz cx="12192000" cy="6858000"/>
   <p:notesSz cx="6858000" cy="9144000"/>
@@ -6425,7 +6426,7 @@
         </p:blipFill>
         <p:spPr>
           <a:xfrm>
-            <a:off x="4976812" y="932688"/>
+            <a:off x="4976812" y="2761488"/>
             <a:ext cx="2238375" cy="809625"/>
           </a:xfrm>
           <a:prstGeom prst="rect">
@@ -6449,7 +6450,7 @@
         </p:blipFill>
         <p:spPr>
           <a:xfrm>
-            <a:off x="4957762" y="2931033"/>
+            <a:off x="4957762" y="4759833"/>
             <a:ext cx="2276475" cy="923925"/>
           </a:xfrm>
           <a:prstGeom prst="rect">
@@ -6594,7 +6595,7 @@
         </p:blipFill>
         <p:spPr>
           <a:xfrm>
-            <a:off x="3219450" y="932688"/>
+            <a:off x="3219450" y="2761488"/>
             <a:ext cx="5753100" cy="885825"/>
           </a:xfrm>
           <a:prstGeom prst="rect">
@@ -7215,7 +7216,19 @@
           <a:p>
             <a:pPr lvl="1"/>
             <a:r>
-              <a:t>Combinatie van een balansschakeling (zie klasse B) met een  resonante L-C kring (zie klasse C)</a:t>
+              <a:t>Combinatie van:</a:t>
+            </a:r>
+          </a:p>
+          <a:p>
+            <a:pPr lvl="2"/>
+            <a:r>
+              <a:t>een balansschakeling (zie klasse B)</a:t>
+            </a:r>
+          </a:p>
+          <a:p>
+            <a:pPr lvl="2"/>
+            <a:r>
+              <a:t>een  resonante L-C kring (zie klasse C)</a:t>
             </a:r>
           </a:p>
           <a:p>
@@ -7227,7 +7240,13 @@
           <a:p>
             <a:pPr lvl="1"/>
             <a:r>
-              <a:t>Sturing gebeurt aan de hand van een blokgolf op de resonantiefrequentie (dit houdt in dat de transistors gebruikt worden als schakelaars)</a:t>
+              <a:t>Sturing gebeurt aan de hand van een blokgolf op de resonantiefrequentie</a:t>
+            </a:r>
+          </a:p>
+          <a:p>
+            <a:pPr lvl="2"/>
+            <a:r>
+              <a:t>Dit houdt in dat de transistors gebruikt worden als schakelaars)</a:t>
             </a:r>
           </a:p>
           <a:p>
@@ -7920,7 +7939,7 @@
               <a:rPr sz="3200" b="1" i="0">
                 <a:latin typeface="Arial"/>
               </a:rPr>
-              <a:t>klasse D versterker met enkel NPN transistors</a:t>
+              <a:t>Alternatieve schema's van de klasse D versterker</a:t>
             </a:r>
             <a:endParaRPr sz="3200" b="1" i="0">
               <a:latin typeface="Arial"/>
@@ -7928,30 +7947,6 @@
           </a:p>
         </p:txBody>
       </p:sp>
-      <p:pic>
-        <p:nvPicPr>
-          <p:cNvPr id="3" name="Picture 2" descr="image.png"/>
-          <p:cNvPicPr>
-            <a:picLocks noChangeAspect="1"/>
-          </p:cNvPicPr>
-          <p:nvPr/>
-        </p:nvPicPr>
-        <p:blipFill>
-          <a:blip r:embed="rId2"/>
-          <a:stretch>
-            <a:fillRect/>
-          </a:stretch>
-        </p:blipFill>
-        <p:spPr>
-          <a:xfrm>
-            <a:off x="648649" y="566928"/>
-            <a:ext cx="10894702" cy="5669280"/>
-          </a:xfrm>
-          <a:prstGeom prst="rect">
-            <a:avLst/>
-          </a:prstGeom>
-        </p:spPr>
-      </p:pic>
     </p:spTree>
   </p:cSld>
   <p:clrMapOvr>
@@ -7991,7 +7986,7 @@
               <a:rPr sz="3200" b="1" i="0">
                 <a:latin typeface="Arial"/>
               </a:rPr>
-              <a:t>klasse D versterker met enkel NPN transistors</a:t>
+              <a:t>Klasse D versterker met enkel NPN transistors</a:t>
             </a:r>
             <a:endParaRPr sz="3200" b="1" i="0">
               <a:latin typeface="Arial"/>
@@ -8015,8 +8010,8 @@
         </p:blipFill>
         <p:spPr>
           <a:xfrm>
-            <a:off x="396457" y="566928"/>
-            <a:ext cx="11399086" cy="5669280"/>
+            <a:off x="648649" y="566928"/>
+            <a:ext cx="10894702" cy="5669280"/>
           </a:xfrm>
           <a:prstGeom prst="rect">
             <a:avLst/>
@@ -8062,7 +8057,7 @@
               <a:rPr sz="3200" b="1" i="0">
                 <a:latin typeface="Arial"/>
               </a:rPr>
-              <a:t>klasse D versterker met spanningssturing</a:t>
+              <a:t>Klasse D versterker met enkel NPN transistors</a:t>
             </a:r>
             <a:endParaRPr sz="3200" b="1" i="0">
               <a:latin typeface="Arial"/>
@@ -8086,8 +8081,8 @@
         </p:blipFill>
         <p:spPr>
           <a:xfrm>
-            <a:off x="1261579" y="566928"/>
-            <a:ext cx="9668841" cy="5669280"/>
+            <a:off x="396457" y="566928"/>
+            <a:ext cx="11399086" cy="5669280"/>
           </a:xfrm>
           <a:prstGeom prst="rect">
             <a:avLst/>
@@ -8133,7 +8128,7 @@
               <a:rPr sz="3200" b="1" i="0">
                 <a:latin typeface="Arial"/>
               </a:rPr>
-              <a:t>keuze wikkelverhouding transformator</a:t>
+              <a:t>Klasse D versterker met spanningssturing</a:t>
             </a:r>
             <a:endParaRPr sz="3200" b="1" i="0">
               <a:latin typeface="Arial"/>
@@ -8157,8 +8152,8 @@
         </p:blipFill>
         <p:spPr>
           <a:xfrm>
-            <a:off x="1115964" y="566928"/>
-            <a:ext cx="9960071" cy="5669280"/>
+            <a:off x="1261579" y="566928"/>
+            <a:ext cx="9668841" cy="5669280"/>
           </a:xfrm>
           <a:prstGeom prst="rect">
             <a:avLst/>
@@ -8201,12 +8196,12 @@
           <a:lstStyle/>
           <a:p>
             <a:r>
-              <a:rPr sz="2700" b="1" i="0">
+              <a:rPr sz="3200" b="1" i="0">
                 <a:latin typeface="Arial"/>
               </a:rPr>
-              <a:t>klasse D versterker met spanningssturing en beveiligingsdiodes</a:t>
-            </a:r>
-            <a:endParaRPr sz="2700" b="1" i="0">
+              <a:t>Keuze wikkelverhouding transformator</a:t>
+            </a:r>
+            <a:endParaRPr sz="3200" b="1" i="0">
               <a:latin typeface="Arial"/>
             </a:endParaRPr>
           </a:p>
@@ -8228,8 +8223,8 @@
         </p:blipFill>
         <p:spPr>
           <a:xfrm>
-            <a:off x="1261579" y="566928"/>
-            <a:ext cx="9668841" cy="5669280"/>
+            <a:off x="1115964" y="566928"/>
+            <a:ext cx="9960071" cy="5669280"/>
           </a:xfrm>
           <a:prstGeom prst="rect">
             <a:avLst/>
@@ -8343,12 +8338,12 @@
           <a:lstStyle/>
           <a:p>
             <a:r>
-              <a:rPr sz="3200" b="1" i="0">
+              <a:rPr sz="2700" b="1" i="0">
                 <a:latin typeface="Arial"/>
               </a:rPr>
-              <a:t>met stroomsturing</a:t>
-            </a:r>
-            <a:endParaRPr sz="3200" b="1" i="0">
+              <a:t>Klasse D versterker met spanningssturing en beveiligingsdiodes</a:t>
+            </a:r>
+            <a:endParaRPr sz="2700" b="1" i="0">
               <a:latin typeface="Arial"/>
             </a:endParaRPr>
           </a:p>
@@ -8370,8 +8365,8 @@
         </p:blipFill>
         <p:spPr>
           <a:xfrm>
-            <a:off x="3047078" y="566928"/>
-            <a:ext cx="6097843" cy="5669280"/>
+            <a:off x="1261579" y="566928"/>
+            <a:ext cx="9668841" cy="5669280"/>
           </a:xfrm>
           <a:prstGeom prst="rect">
             <a:avLst/>
@@ -8417,7 +8412,7 @@
               <a:rPr sz="3200" b="1" i="0">
                 <a:latin typeface="Arial"/>
               </a:rPr>
-              <a:t>met stroomsturing en beveiligingsdiodes</a:t>
+              <a:t>Met stroomsturing</a:t>
             </a:r>
             <a:endParaRPr sz="3200" b="1" i="0">
               <a:latin typeface="Arial"/>
@@ -8467,6 +8462,59 @@
         <p:nvPr/>
       </p:nvGrpSpPr>
       <p:grpSpPr/>
+      <p:sp>
+        <p:nvSpPr>
+          <p:cNvPr id="2" name="Title 1"/>
+          <p:cNvSpPr>
+            <a:spLocks noGrp="1"/>
+          </p:cNvSpPr>
+          <p:nvPr>
+            <p:ph type="title"/>
+          </p:nvPr>
+        </p:nvSpPr>
+        <p:spPr/>
+        <p:txBody>
+          <a:bodyPr wrap="square">
+            <a:noAutofit/>
+          </a:bodyPr>
+          <a:lstStyle/>
+          <a:p>
+            <a:r>
+              <a:rPr sz="3200" b="1" i="0">
+                <a:latin typeface="Arial"/>
+              </a:rPr>
+              <a:t>Met stroomsturing en beveiligingsdiodes</a:t>
+            </a:r>
+            <a:endParaRPr sz="3200" b="1" i="0">
+              <a:latin typeface="Arial"/>
+            </a:endParaRPr>
+          </a:p>
+        </p:txBody>
+      </p:sp>
+      <p:pic>
+        <p:nvPicPr>
+          <p:cNvPr id="3" name="Picture 2" descr="image.png"/>
+          <p:cNvPicPr>
+            <a:picLocks noChangeAspect="1"/>
+          </p:cNvPicPr>
+          <p:nvPr/>
+        </p:nvPicPr>
+        <p:blipFill>
+          <a:blip r:embed="rId2"/>
+          <a:stretch>
+            <a:fillRect/>
+          </a:stretch>
+        </p:blipFill>
+        <p:spPr>
+          <a:xfrm>
+            <a:off x="3047078" y="566928"/>
+            <a:ext cx="6097843" cy="5669280"/>
+          </a:xfrm>
+          <a:prstGeom prst="rect">
+            <a:avLst/>
+          </a:prstGeom>
+        </p:spPr>
+      </p:pic>
     </p:spTree>
   </p:cSld>
   <p:clrMapOvr>
@@ -8476,6 +8524,24 @@
 </file>
 
 <file path=ppt/slides/slide33.xml><?xml version="1.0" encoding="utf-8"?>
+<p:sld xmlns:a="http://schemas.openxmlformats.org/drawingml/2006/main" xmlns:p="http://schemas.openxmlformats.org/presentationml/2006/main" xmlns:r="http://schemas.openxmlformats.org/officeDocument/2006/relationships">
+  <p:cSld>
+    <p:spTree>
+      <p:nvGrpSpPr>
+        <p:cNvPr id="1" name=""/>
+        <p:cNvGrpSpPr/>
+        <p:nvPr/>
+      </p:nvGrpSpPr>
+      <p:grpSpPr/>
+    </p:spTree>
+  </p:cSld>
+  <p:clrMapOvr>
+    <a:masterClrMapping/>
+  </p:clrMapOvr>
+</p:sld>
+</file>
+
+<file path=ppt/slides/slide34.xml><?xml version="1.0" encoding="utf-8"?>
 <p:sld xmlns:a="http://schemas.openxmlformats.org/drawingml/2006/main" xmlns:p="http://schemas.openxmlformats.org/presentationml/2006/main" xmlns:r="http://schemas.openxmlformats.org/officeDocument/2006/relationships">
   <p:cSld>
     <p:spTree>

--- a/ToegepasteAnalogeElektronica/PowerPoint/Klasse-D.pptx
+++ b/ToegepasteAnalogeElektronica/PowerPoint/Klasse-D.pptx
@@ -6103,9 +6103,17 @@
         </p:nvSpPr>
         <p:spPr/>
         <p:txBody>
-          <a:bodyPr/>
+          <a:bodyPr>
+            <a:spAutoFit/>
+          </a:bodyPr>
           <a:lstStyle/>
           <a:p/>
+          <a:p>
+            <a:pPr/>
+            <a:r>
+              <a:t>De Fourrier reeks van de spanning op knoop 2 is:</a:t>
+            </a:r>
+          </a:p>
         </p:txBody>
       </p:sp>
       <p:sp>
@@ -6129,7 +6137,7 @@
               <a:rPr sz="3200" b="1" i="0">
                 <a:latin typeface="Arial"/>
               </a:rPr>
-              <a:t>Fourrier reeks van de spanning op knoop 2</a:t>
+              <a:t>Fourrier reeks</a:t>
             </a:r>
             <a:endParaRPr sz="3200" b="1" i="0">
               <a:latin typeface="Arial"/>
@@ -6153,7 +6161,7 @@
         </p:blipFill>
         <p:spPr>
           <a:xfrm>
-            <a:off x="1195387" y="2395728"/>
+            <a:off x="1195387" y="7762574"/>
             <a:ext cx="9801225" cy="952500"/>
           </a:xfrm>
           <a:prstGeom prst="rect">
@@ -6191,57 +6199,6 @@
         </p:nvSpPr>
         <p:spPr/>
         <p:txBody>
-          <a:bodyPr/>
-          <a:lstStyle/>
-          <a:p/>
-        </p:txBody>
-      </p:sp>
-      <p:sp>
-        <p:nvSpPr>
-          <p:cNvPr id="3" name="Title 2"/>
-          <p:cNvSpPr>
-            <a:spLocks noGrp="1"/>
-          </p:cNvSpPr>
-          <p:nvPr>
-            <p:ph type="title"/>
-          </p:nvPr>
-        </p:nvSpPr>
-        <p:spPr/>
-        <p:txBody>
-          <a:bodyPr wrap="square">
-            <a:noAutofit/>
-          </a:bodyPr>
-          <a:lstStyle/>
-          <a:p>
-            <a:r>
-              <a:rPr sz="3200" b="1" i="0">
-                <a:latin typeface="Arial"/>
-              </a:rPr>
-              <a:t>Fourrier reeks van de blokgolf</a:t>
-            </a:r>
-            <a:endParaRPr sz="3200" b="1" i="0">
-              <a:latin typeface="Arial"/>
-            </a:endParaRPr>
-          </a:p>
-        </p:txBody>
-      </p:sp>
-      <p:sp>
-        <p:nvSpPr>
-          <p:cNvPr id="2" name="Content Placeholder 1"/>
-          <p:cNvSpPr>
-            <a:spLocks noGrp="1"/>
-          </p:cNvSpPr>
-          <p:nvPr>
-            <p:ph idx="1"/>
-          </p:nvPr>
-        </p:nvSpPr>
-        <p:spPr>
-          <a:xfrm>
-            <a:off x="914400" y="566928"/>
-            <a:ext cx="10820400" cy="5669280"/>
-          </a:xfrm>
-        </p:spPr>
-        <p:txBody>
           <a:bodyPr>
             <a:spAutoFit/>
           </a:bodyPr>
@@ -6282,6 +6239,35 @@
             <a:r>
               <a:t>Dus, de harmonische bijdrage is klein, maar niet onbestaande (hangt af van de kwaliteit van de kring)</a:t>
             </a:r>
+          </a:p>
+        </p:txBody>
+      </p:sp>
+      <p:sp>
+        <p:nvSpPr>
+          <p:cNvPr id="3" name="Title 2"/>
+          <p:cNvSpPr>
+            <a:spLocks noGrp="1"/>
+          </p:cNvSpPr>
+          <p:nvPr>
+            <p:ph type="title"/>
+          </p:nvPr>
+        </p:nvSpPr>
+        <p:spPr/>
+        <p:txBody>
+          <a:bodyPr wrap="square">
+            <a:noAutofit/>
+          </a:bodyPr>
+          <a:lstStyle/>
+          <a:p>
+            <a:r>
+              <a:rPr sz="3200" b="1" i="0">
+                <a:latin typeface="Arial"/>
+              </a:rPr>
+              <a:t>Fourrier reeks van de blokgolf</a:t>
+            </a:r>
+            <a:endParaRPr sz="3200" b="1" i="0">
+              <a:latin typeface="Arial"/>
+            </a:endParaRPr>
           </a:p>
         </p:txBody>
       </p:sp>
@@ -6315,57 +6301,6 @@
         </p:nvSpPr>
         <p:spPr/>
         <p:txBody>
-          <a:bodyPr/>
-          <a:lstStyle/>
-          <a:p/>
-        </p:txBody>
-      </p:sp>
-      <p:sp>
-        <p:nvSpPr>
-          <p:cNvPr id="3" name="Title 2"/>
-          <p:cNvSpPr>
-            <a:spLocks noGrp="1"/>
-          </p:cNvSpPr>
-          <p:nvPr>
-            <p:ph type="title"/>
-          </p:nvPr>
-        </p:nvSpPr>
-        <p:spPr/>
-        <p:txBody>
-          <a:bodyPr wrap="square">
-            <a:noAutofit/>
-          </a:bodyPr>
-          <a:lstStyle/>
-          <a:p>
-            <a:r>
-              <a:rPr sz="3200" b="1" i="0">
-                <a:latin typeface="Arial"/>
-              </a:rPr>
-              <a:t>Nuttig vermogen</a:t>
-            </a:r>
-            <a:endParaRPr sz="3200" b="1" i="0">
-              <a:latin typeface="Arial"/>
-            </a:endParaRPr>
-          </a:p>
-        </p:txBody>
-      </p:sp>
-      <p:sp>
-        <p:nvSpPr>
-          <p:cNvPr id="2" name="Content Placeholder 1"/>
-          <p:cNvSpPr>
-            <a:spLocks noGrp="1"/>
-          </p:cNvSpPr>
-          <p:nvPr>
-            <p:ph idx="1"/>
-          </p:nvPr>
-        </p:nvSpPr>
-        <p:spPr>
-          <a:xfrm>
-            <a:off x="914400" y="566928"/>
-            <a:ext cx="10820400" cy="5669280"/>
-          </a:xfrm>
-        </p:spPr>
-        <p:txBody>
           <a:bodyPr>
             <a:spAutoFit/>
           </a:bodyPr>
@@ -6407,6 +6342,35 @@
             <a:r>
               <a:t>Het nuttig vermogen is dus:</a:t>
             </a:r>
+          </a:p>
+        </p:txBody>
+      </p:sp>
+      <p:sp>
+        <p:nvSpPr>
+          <p:cNvPr id="3" name="Title 2"/>
+          <p:cNvSpPr>
+            <a:spLocks noGrp="1"/>
+          </p:cNvSpPr>
+          <p:nvPr>
+            <p:ph type="title"/>
+          </p:nvPr>
+        </p:nvSpPr>
+        <p:spPr/>
+        <p:txBody>
+          <a:bodyPr wrap="square">
+            <a:noAutofit/>
+          </a:bodyPr>
+          <a:lstStyle/>
+          <a:p>
+            <a:r>
+              <a:rPr sz="3200" b="1" i="0">
+                <a:latin typeface="Arial"/>
+              </a:rPr>
+              <a:t>Nuttig vermogen</a:t>
+            </a:r>
+            <a:endParaRPr sz="3200" b="1" i="0">
+              <a:latin typeface="Arial"/>
+            </a:endParaRPr>
           </a:p>
         </p:txBody>
       </p:sp>
@@ -6426,7 +6390,7 @@
         </p:blipFill>
         <p:spPr>
           <a:xfrm>
-            <a:off x="4976812" y="2761488"/>
+            <a:off x="4976812" y="2276174"/>
             <a:ext cx="2238375" cy="809625"/>
           </a:xfrm>
           <a:prstGeom prst="rect">
@@ -6450,7 +6414,7 @@
         </p:blipFill>
         <p:spPr>
           <a:xfrm>
-            <a:off x="4957762" y="4759833"/>
+            <a:off x="4957762" y="4274519"/>
             <a:ext cx="2276475" cy="923925"/>
           </a:xfrm>
           <a:prstGeom prst="rect">
@@ -6488,57 +6452,6 @@
         </p:nvSpPr>
         <p:spPr/>
         <p:txBody>
-          <a:bodyPr/>
-          <a:lstStyle/>
-          <a:p/>
-        </p:txBody>
-      </p:sp>
-      <p:sp>
-        <p:nvSpPr>
-          <p:cNvPr id="3" name="Title 2"/>
-          <p:cNvSpPr>
-            <a:spLocks noGrp="1"/>
-          </p:cNvSpPr>
-          <p:nvPr>
-            <p:ph type="title"/>
-          </p:nvPr>
-        </p:nvSpPr>
-        <p:spPr/>
-        <p:txBody>
-          <a:bodyPr wrap="square">
-            <a:noAutofit/>
-          </a:bodyPr>
-          <a:lstStyle/>
-          <a:p>
-            <a:r>
-              <a:rPr sz="3200" b="1" i="0">
-                <a:latin typeface="Arial"/>
-              </a:rPr>
-              <a:t>Opgestapelde energie</a:t>
-            </a:r>
-            <a:endParaRPr sz="3200" b="1" i="0">
-              <a:latin typeface="Arial"/>
-            </a:endParaRPr>
-          </a:p>
-        </p:txBody>
-      </p:sp>
-      <p:sp>
-        <p:nvSpPr>
-          <p:cNvPr id="2" name="Content Placeholder 1"/>
-          <p:cNvSpPr>
-            <a:spLocks noGrp="1"/>
-          </p:cNvSpPr>
-          <p:nvPr>
-            <p:ph idx="1"/>
-          </p:nvPr>
-        </p:nvSpPr>
-        <p:spPr>
-          <a:xfrm>
-            <a:off x="914400" y="566928"/>
-            <a:ext cx="10820400" cy="5669280"/>
-          </a:xfrm>
-        </p:spPr>
-        <p:txBody>
           <a:bodyPr>
             <a:spAutoFit/>
           </a:bodyPr>
@@ -6576,6 +6489,35 @@
             <a:r>
               <a:t>Deze amplitude wordt bepaald door de kwaliteitsfactor (Q) van de kring, dit is de verhouding tussen de opgestapelde energie en de vrijgegeven energie.</a:t>
             </a:r>
+          </a:p>
+        </p:txBody>
+      </p:sp>
+      <p:sp>
+        <p:nvSpPr>
+          <p:cNvPr id="3" name="Title 2"/>
+          <p:cNvSpPr>
+            <a:spLocks noGrp="1"/>
+          </p:cNvSpPr>
+          <p:nvPr>
+            <p:ph type="title"/>
+          </p:nvPr>
+        </p:nvSpPr>
+        <p:spPr/>
+        <p:txBody>
+          <a:bodyPr wrap="square">
+            <a:noAutofit/>
+          </a:bodyPr>
+          <a:lstStyle/>
+          <a:p>
+            <a:r>
+              <a:rPr sz="3200" b="1" i="0">
+                <a:latin typeface="Arial"/>
+              </a:rPr>
+              <a:t>Opgestapelde energie</a:t>
+            </a:r>
+            <a:endParaRPr sz="3200" b="1" i="0">
+              <a:latin typeface="Arial"/>
+            </a:endParaRPr>
           </a:p>
         </p:txBody>
       </p:sp>
@@ -6595,7 +6537,7 @@
         </p:blipFill>
         <p:spPr>
           <a:xfrm>
-            <a:off x="3219450" y="2761488"/>
+            <a:off x="3219450" y="2276174"/>
             <a:ext cx="5753100" cy="885825"/>
           </a:xfrm>
           <a:prstGeom prst="rect">
@@ -6704,9 +6646,14 @@
         </p:nvSpPr>
         <p:spPr/>
         <p:txBody>
-          <a:bodyPr/>
+          <a:bodyPr>
+            <a:spAutoFit/>
+          </a:bodyPr>
           <a:lstStyle/>
           <a:p/>
+          <a:p>
+            <a:pPr/>
+          </a:p>
         </p:txBody>
       </p:sp>
       <p:sp>
@@ -6754,7 +6701,7 @@
         </p:blipFill>
         <p:spPr>
           <a:xfrm>
-            <a:off x="3729037" y="566928"/>
+            <a:off x="3729037" y="5933774"/>
             <a:ext cx="4733925" cy="885825"/>
           </a:xfrm>
           <a:prstGeom prst="rect">
@@ -6934,57 +6881,6 @@
         </p:nvSpPr>
         <p:spPr/>
         <p:txBody>
-          <a:bodyPr/>
-          <a:lstStyle/>
-          <a:p/>
-        </p:txBody>
-      </p:sp>
-      <p:sp>
-        <p:nvSpPr>
-          <p:cNvPr id="3" name="Title 2"/>
-          <p:cNvSpPr>
-            <a:spLocks noGrp="1"/>
-          </p:cNvSpPr>
-          <p:nvPr>
-            <p:ph type="title"/>
-          </p:nvPr>
-        </p:nvSpPr>
-        <p:spPr/>
-        <p:txBody>
-          <a:bodyPr wrap="square">
-            <a:noAutofit/>
-          </a:bodyPr>
-          <a:lstStyle/>
-          <a:p>
-            <a:r>
-              <a:rPr sz="3200" b="1" i="0">
-                <a:latin typeface="Arial"/>
-              </a:rPr>
-              <a:t>Rendement</a:t>
-            </a:r>
-            <a:endParaRPr sz="3200" b="1" i="0">
-              <a:latin typeface="Arial"/>
-            </a:endParaRPr>
-          </a:p>
-        </p:txBody>
-      </p:sp>
-      <p:sp>
-        <p:nvSpPr>
-          <p:cNvPr id="2" name="Content Placeholder 1"/>
-          <p:cNvSpPr>
-            <a:spLocks noGrp="1"/>
-          </p:cNvSpPr>
-          <p:nvPr>
-            <p:ph idx="1"/>
-          </p:nvPr>
-        </p:nvSpPr>
-        <p:spPr>
-          <a:xfrm>
-            <a:off x="914400" y="566928"/>
-            <a:ext cx="10820400" cy="5669280"/>
-          </a:xfrm>
-        </p:spPr>
-        <p:txBody>
           <a:bodyPr>
             <a:spAutoFit/>
           </a:bodyPr>
@@ -7053,6 +6949,35 @@
             <a:r>
               <a:t>veldeffect componenten: vaste weerstand</a:t>
             </a:r>
+          </a:p>
+        </p:txBody>
+      </p:sp>
+      <p:sp>
+        <p:nvSpPr>
+          <p:cNvPr id="3" name="Title 2"/>
+          <p:cNvSpPr>
+            <a:spLocks noGrp="1"/>
+          </p:cNvSpPr>
+          <p:nvPr>
+            <p:ph type="title"/>
+          </p:nvPr>
+        </p:nvSpPr>
+        <p:spPr/>
+        <p:txBody>
+          <a:bodyPr wrap="square">
+            <a:noAutofit/>
+          </a:bodyPr>
+          <a:lstStyle/>
+          <a:p>
+            <a:r>
+              <a:rPr sz="3200" b="1" i="0">
+                <a:latin typeface="Arial"/>
+              </a:rPr>
+              <a:t>Rendement</a:t>
+            </a:r>
+            <a:endParaRPr sz="3200" b="1" i="0">
+              <a:latin typeface="Arial"/>
+            </a:endParaRPr>
           </a:p>
         </p:txBody>
       </p:sp>
@@ -7157,57 +7082,6 @@
         </p:nvSpPr>
         <p:spPr/>
         <p:txBody>
-          <a:bodyPr/>
-          <a:lstStyle/>
-          <a:p/>
-        </p:txBody>
-      </p:sp>
-      <p:sp>
-        <p:nvSpPr>
-          <p:cNvPr id="3" name="Title 2"/>
-          <p:cNvSpPr>
-            <a:spLocks noGrp="1"/>
-          </p:cNvSpPr>
-          <p:nvPr>
-            <p:ph type="title"/>
-          </p:nvPr>
-        </p:nvSpPr>
-        <p:spPr/>
-        <p:txBody>
-          <a:bodyPr wrap="square">
-            <a:noAutofit/>
-          </a:bodyPr>
-          <a:lstStyle/>
-          <a:p>
-            <a:r>
-              <a:rPr sz="3200" b="1" i="0">
-                <a:latin typeface="Arial"/>
-              </a:rPr>
-              <a:t>Klasse D versterker</a:t>
-            </a:r>
-            <a:endParaRPr sz="3200" b="1" i="0">
-              <a:latin typeface="Arial"/>
-            </a:endParaRPr>
-          </a:p>
-        </p:txBody>
-      </p:sp>
-      <p:sp>
-        <p:nvSpPr>
-          <p:cNvPr id="2" name="Content Placeholder 1"/>
-          <p:cNvSpPr>
-            <a:spLocks noGrp="1"/>
-          </p:cNvSpPr>
-          <p:nvPr>
-            <p:ph idx="1"/>
-          </p:nvPr>
-        </p:nvSpPr>
-        <p:spPr>
-          <a:xfrm>
-            <a:off x="914400" y="566928"/>
-            <a:ext cx="10820400" cy="5669280"/>
-          </a:xfrm>
-        </p:spPr>
-        <p:txBody>
           <a:bodyPr>
             <a:spAutoFit/>
           </a:bodyPr>
@@ -7260,6 +7134,35 @@
             <a:r>
               <a:t>Dit kan enkel maar voor een resonante versterker</a:t>
             </a:r>
+          </a:p>
+        </p:txBody>
+      </p:sp>
+      <p:sp>
+        <p:nvSpPr>
+          <p:cNvPr id="3" name="Title 2"/>
+          <p:cNvSpPr>
+            <a:spLocks noGrp="1"/>
+          </p:cNvSpPr>
+          <p:nvPr>
+            <p:ph type="title"/>
+          </p:nvPr>
+        </p:nvSpPr>
+        <p:spPr/>
+        <p:txBody>
+          <a:bodyPr wrap="square">
+            <a:noAutofit/>
+          </a:bodyPr>
+          <a:lstStyle/>
+          <a:p>
+            <a:r>
+              <a:rPr sz="3200" b="1" i="0">
+                <a:latin typeface="Arial"/>
+              </a:rPr>
+              <a:t>Klasse D versterker</a:t>
+            </a:r>
+            <a:endParaRPr sz="3200" b="1" i="0">
+              <a:latin typeface="Arial"/>
+            </a:endParaRPr>
           </a:p>
         </p:txBody>
       </p:sp>
@@ -8581,57 +8484,6 @@
         </p:nvSpPr>
         <p:spPr/>
         <p:txBody>
-          <a:bodyPr/>
-          <a:lstStyle/>
-          <a:p/>
-        </p:txBody>
-      </p:sp>
-      <p:sp>
-        <p:nvSpPr>
-          <p:cNvPr id="3" name="Title 2"/>
-          <p:cNvSpPr>
-            <a:spLocks noGrp="1"/>
-          </p:cNvSpPr>
-          <p:nvPr>
-            <p:ph type="title"/>
-          </p:nvPr>
-        </p:nvSpPr>
-        <p:spPr/>
-        <p:txBody>
-          <a:bodyPr wrap="square">
-            <a:noAutofit/>
-          </a:bodyPr>
-          <a:lstStyle/>
-          <a:p>
-            <a:r>
-              <a:rPr sz="3200" b="1" i="0">
-                <a:latin typeface="Arial"/>
-              </a:rPr>
-              <a:t>Stromen en spanningen</a:t>
-            </a:r>
-            <a:endParaRPr sz="3200" b="1" i="0">
-              <a:latin typeface="Arial"/>
-            </a:endParaRPr>
-          </a:p>
-        </p:txBody>
-      </p:sp>
-      <p:sp>
-        <p:nvSpPr>
-          <p:cNvPr id="2" name="Content Placeholder 1"/>
-          <p:cNvSpPr>
-            <a:spLocks noGrp="1"/>
-          </p:cNvSpPr>
-          <p:nvPr>
-            <p:ph idx="1"/>
-          </p:nvPr>
-        </p:nvSpPr>
-        <p:spPr>
-          <a:xfrm>
-            <a:off x="914400" y="566928"/>
-            <a:ext cx="10820400" cy="5669280"/>
-          </a:xfrm>
-        </p:spPr>
-        <p:txBody>
           <a:bodyPr>
             <a:spAutoFit/>
           </a:bodyPr>
@@ -8678,6 +8530,35 @@
             <a:r>
               <a:t>een halve periode geen stroom</a:t>
             </a:r>
+          </a:p>
+        </p:txBody>
+      </p:sp>
+      <p:sp>
+        <p:nvSpPr>
+          <p:cNvPr id="3" name="Title 2"/>
+          <p:cNvSpPr>
+            <a:spLocks noGrp="1"/>
+          </p:cNvSpPr>
+          <p:nvPr>
+            <p:ph type="title"/>
+          </p:nvPr>
+        </p:nvSpPr>
+        <p:spPr/>
+        <p:txBody>
+          <a:bodyPr wrap="square">
+            <a:noAutofit/>
+          </a:bodyPr>
+          <a:lstStyle/>
+          <a:p>
+            <a:r>
+              <a:rPr sz="3200" b="1" i="0">
+                <a:latin typeface="Arial"/>
+              </a:rPr>
+              <a:t>Stromen en spanningen</a:t>
+            </a:r>
+            <a:endParaRPr sz="3200" b="1" i="0">
+              <a:latin typeface="Arial"/>
+            </a:endParaRPr>
           </a:p>
         </p:txBody>
       </p:sp>

--- a/ToegepasteAnalogeElektronica/PowerPoint/Klasse-D.pptx
+++ b/ToegepasteAnalogeElektronica/PowerPoint/Klasse-D.pptx
@@ -6161,7 +6161,7 @@
         </p:blipFill>
         <p:spPr>
           <a:xfrm>
-            <a:off x="1195387" y="7762574"/>
+            <a:off x="1195387" y="3190574"/>
             <a:ext cx="9801225" cy="952500"/>
           </a:xfrm>
           <a:prstGeom prst="rect">
@@ -6390,7 +6390,7 @@
         </p:blipFill>
         <p:spPr>
           <a:xfrm>
-            <a:off x="4976812" y="2276174"/>
+            <a:off x="4976812" y="3007694"/>
             <a:ext cx="2238375" cy="809625"/>
           </a:xfrm>
           <a:prstGeom prst="rect">
@@ -6414,7 +6414,7 @@
         </p:blipFill>
         <p:spPr>
           <a:xfrm>
-            <a:off x="4957762" y="4274519"/>
+            <a:off x="4957762" y="5006039"/>
             <a:ext cx="2276475" cy="923925"/>
           </a:xfrm>
           <a:prstGeom prst="rect">
@@ -6537,7 +6537,7 @@
         </p:blipFill>
         <p:spPr>
           <a:xfrm>
-            <a:off x="3219450" y="2276174"/>
+            <a:off x="3219450" y="3190574"/>
             <a:ext cx="5753100" cy="885825"/>
           </a:xfrm>
           <a:prstGeom prst="rect">
@@ -6701,7 +6701,7 @@
         </p:blipFill>
         <p:spPr>
           <a:xfrm>
-            <a:off x="3729037" y="5933774"/>
+            <a:off x="3729037" y="3190574"/>
             <a:ext cx="4733925" cy="885825"/>
           </a:xfrm>
           <a:prstGeom prst="rect">
